--- a/Team Project/Presentation.pptx
+++ b/Team Project/Presentation.pptx
@@ -2,8 +2,11 @@
 <file path=ppt/presentation.xml><?xml version="1.0" encoding="utf-8"?>
 <p:presentation xmlns:a="http://schemas.openxmlformats.org/drawingml/2006/main" xmlns:r="http://schemas.openxmlformats.org/officeDocument/2006/relationships" xmlns:p="http://schemas.openxmlformats.org/presentationml/2006/main" saveSubsetFonts="1">
   <p:sldMasterIdLst>
-    <p:sldMasterId id="2147483648" r:id="rId1"/>
+    <p:sldMasterId id="2147483701" r:id="rId1"/>
   </p:sldMasterIdLst>
+  <p:notesMasterIdLst>
+    <p:notesMasterId r:id="rId13"/>
+  </p:notesMasterIdLst>
   <p:sldIdLst>
     <p:sldId id="256" r:id="rId2"/>
     <p:sldId id="258" r:id="rId3"/>
@@ -11,10 +14,11 @@
     <p:sldId id="259" r:id="rId5"/>
     <p:sldId id="260" r:id="rId6"/>
     <p:sldId id="261" r:id="rId7"/>
-    <p:sldId id="262" r:id="rId8"/>
-    <p:sldId id="263" r:id="rId9"/>
-    <p:sldId id="264" r:id="rId10"/>
-    <p:sldId id="265" r:id="rId11"/>
+    <p:sldId id="266" r:id="rId8"/>
+    <p:sldId id="262" r:id="rId9"/>
+    <p:sldId id="263" r:id="rId10"/>
+    <p:sldId id="264" r:id="rId11"/>
+    <p:sldId id="265" r:id="rId12"/>
   </p:sldIdLst>
   <p:sldSz cx="12192000" cy="6858000"/>
   <p:notesSz cx="6858000" cy="9144000"/>
@@ -113,11 +117,1236 @@
       </a:defRPr>
     </a:lvl9pPr>
   </p:defaultTextStyle>
+  <p:extLst>
+    <p:ext uri="{EFAFB233-063F-42B5-8137-9DF3F51BA10A}">
+      <p15:sldGuideLst xmlns:p15="http://schemas.microsoft.com/office/powerpoint/2012/main"/>
+    </p:ext>
+  </p:extLst>
 </p:presentation>
 </file>
 
+<file path=ppt/notesMasters/notesMaster1.xml><?xml version="1.0" encoding="utf-8"?>
+<p:notesMaster xmlns:a="http://schemas.openxmlformats.org/drawingml/2006/main" xmlns:r="http://schemas.openxmlformats.org/officeDocument/2006/relationships" xmlns:p="http://schemas.openxmlformats.org/presentationml/2006/main">
+  <p:cSld>
+    <p:bg>
+      <p:bgRef idx="1001">
+        <a:schemeClr val="bg1"/>
+      </p:bgRef>
+    </p:bg>
+    <p:spTree>
+      <p:nvGrpSpPr>
+        <p:cNvPr id="1" name=""/>
+        <p:cNvGrpSpPr/>
+        <p:nvPr/>
+      </p:nvGrpSpPr>
+      <p:grpSpPr>
+        <a:xfrm>
+          <a:off x="0" y="0"/>
+          <a:ext cx="0" cy="0"/>
+          <a:chOff x="0" y="0"/>
+          <a:chExt cx="0" cy="0"/>
+        </a:xfrm>
+      </p:grpSpPr>
+      <p:sp>
+        <p:nvSpPr>
+          <p:cNvPr id="2" name="Header Placeholder 1"/>
+          <p:cNvSpPr>
+            <a:spLocks noGrp="1"/>
+          </p:cNvSpPr>
+          <p:nvPr>
+            <p:ph type="hdr" sz="quarter"/>
+          </p:nvPr>
+        </p:nvSpPr>
+        <p:spPr>
+          <a:xfrm>
+            <a:off x="0" y="0"/>
+            <a:ext cx="2971800" cy="458788"/>
+          </a:xfrm>
+          <a:prstGeom prst="rect">
+            <a:avLst/>
+          </a:prstGeom>
+        </p:spPr>
+        <p:txBody>
+          <a:bodyPr vert="horz" lIns="91440" tIns="45720" rIns="91440" bIns="45720" rtlCol="0"/>
+          <a:lstStyle>
+            <a:lvl1pPr algn="l">
+              <a:defRPr sz="1200"/>
+            </a:lvl1pPr>
+          </a:lstStyle>
+          <a:p>
+            <a:endParaRPr lang="en-GB"/>
+          </a:p>
+        </p:txBody>
+      </p:sp>
+      <p:sp>
+        <p:nvSpPr>
+          <p:cNvPr id="3" name="Date Placeholder 2"/>
+          <p:cNvSpPr>
+            <a:spLocks noGrp="1"/>
+          </p:cNvSpPr>
+          <p:nvPr>
+            <p:ph type="dt" idx="1"/>
+          </p:nvPr>
+        </p:nvSpPr>
+        <p:spPr>
+          <a:xfrm>
+            <a:off x="3884613" y="0"/>
+            <a:ext cx="2971800" cy="458788"/>
+          </a:xfrm>
+          <a:prstGeom prst="rect">
+            <a:avLst/>
+          </a:prstGeom>
+        </p:spPr>
+        <p:txBody>
+          <a:bodyPr vert="horz" lIns="91440" tIns="45720" rIns="91440" bIns="45720" rtlCol="0"/>
+          <a:lstStyle>
+            <a:lvl1pPr algn="r">
+              <a:defRPr sz="1200"/>
+            </a:lvl1pPr>
+          </a:lstStyle>
+          <a:p>
+            <a:fld id="{57B2CC98-97A6-4F1A-8480-9FF6240887CB}" type="datetimeFigureOut">
+              <a:rPr lang="en-GB" smtClean="0"/>
+              <a:t>31/01/2017</a:t>
+            </a:fld>
+            <a:endParaRPr lang="en-GB"/>
+          </a:p>
+        </p:txBody>
+      </p:sp>
+      <p:sp>
+        <p:nvSpPr>
+          <p:cNvPr id="4" name="Slide Image Placeholder 3"/>
+          <p:cNvSpPr>
+            <a:spLocks noGrp="1" noRot="1" noChangeAspect="1"/>
+          </p:cNvSpPr>
+          <p:nvPr>
+            <p:ph type="sldImg" idx="2"/>
+          </p:nvPr>
+        </p:nvSpPr>
+        <p:spPr>
+          <a:xfrm>
+            <a:off x="685800" y="1143000"/>
+            <a:ext cx="5486400" cy="3086100"/>
+          </a:xfrm>
+          <a:prstGeom prst="rect">
+            <a:avLst/>
+          </a:prstGeom>
+          <a:noFill/>
+          <a:ln w="12700">
+            <a:solidFill>
+              <a:prstClr val="black"/>
+            </a:solidFill>
+          </a:ln>
+        </p:spPr>
+        <p:txBody>
+          <a:bodyPr vert="horz" lIns="91440" tIns="45720" rIns="91440" bIns="45720" rtlCol="0" anchor="ctr"/>
+          <a:lstStyle/>
+          <a:p>
+            <a:endParaRPr lang="en-GB"/>
+          </a:p>
+        </p:txBody>
+      </p:sp>
+      <p:sp>
+        <p:nvSpPr>
+          <p:cNvPr id="5" name="Notes Placeholder 4"/>
+          <p:cNvSpPr>
+            <a:spLocks noGrp="1"/>
+          </p:cNvSpPr>
+          <p:nvPr>
+            <p:ph type="body" sz="quarter" idx="3"/>
+          </p:nvPr>
+        </p:nvSpPr>
+        <p:spPr>
+          <a:xfrm>
+            <a:off x="685800" y="4400550"/>
+            <a:ext cx="5486400" cy="3600450"/>
+          </a:xfrm>
+          <a:prstGeom prst="rect">
+            <a:avLst/>
+          </a:prstGeom>
+        </p:spPr>
+        <p:txBody>
+          <a:bodyPr vert="horz" lIns="91440" tIns="45720" rIns="91440" bIns="45720" rtlCol="0"/>
+          <a:lstStyle/>
+          <a:p>
+            <a:pPr lvl="0"/>
+            <a:r>
+              <a:rPr lang="en-US" smtClean="0"/>
+              <a:t>Edit Master text styles</a:t>
+            </a:r>
+          </a:p>
+          <a:p>
+            <a:pPr lvl="1"/>
+            <a:r>
+              <a:rPr lang="en-US" smtClean="0"/>
+              <a:t>Second level</a:t>
+            </a:r>
+          </a:p>
+          <a:p>
+            <a:pPr lvl="2"/>
+            <a:r>
+              <a:rPr lang="en-US" smtClean="0"/>
+              <a:t>Third level</a:t>
+            </a:r>
+          </a:p>
+          <a:p>
+            <a:pPr lvl="3"/>
+            <a:r>
+              <a:rPr lang="en-US" smtClean="0"/>
+              <a:t>Fourth level</a:t>
+            </a:r>
+          </a:p>
+          <a:p>
+            <a:pPr lvl="4"/>
+            <a:r>
+              <a:rPr lang="en-US" smtClean="0"/>
+              <a:t>Fifth level</a:t>
+            </a:r>
+            <a:endParaRPr lang="en-GB"/>
+          </a:p>
+        </p:txBody>
+      </p:sp>
+      <p:sp>
+        <p:nvSpPr>
+          <p:cNvPr id="6" name="Footer Placeholder 5"/>
+          <p:cNvSpPr>
+            <a:spLocks noGrp="1"/>
+          </p:cNvSpPr>
+          <p:nvPr>
+            <p:ph type="ftr" sz="quarter" idx="4"/>
+          </p:nvPr>
+        </p:nvSpPr>
+        <p:spPr>
+          <a:xfrm>
+            <a:off x="0" y="8685213"/>
+            <a:ext cx="2971800" cy="458787"/>
+          </a:xfrm>
+          <a:prstGeom prst="rect">
+            <a:avLst/>
+          </a:prstGeom>
+        </p:spPr>
+        <p:txBody>
+          <a:bodyPr vert="horz" lIns="91440" tIns="45720" rIns="91440" bIns="45720" rtlCol="0" anchor="b"/>
+          <a:lstStyle>
+            <a:lvl1pPr algn="l">
+              <a:defRPr sz="1200"/>
+            </a:lvl1pPr>
+          </a:lstStyle>
+          <a:p>
+            <a:endParaRPr lang="en-GB"/>
+          </a:p>
+        </p:txBody>
+      </p:sp>
+      <p:sp>
+        <p:nvSpPr>
+          <p:cNvPr id="7" name="Slide Number Placeholder 6"/>
+          <p:cNvSpPr>
+            <a:spLocks noGrp="1"/>
+          </p:cNvSpPr>
+          <p:nvPr>
+            <p:ph type="sldNum" sz="quarter" idx="5"/>
+          </p:nvPr>
+        </p:nvSpPr>
+        <p:spPr>
+          <a:xfrm>
+            <a:off x="3884613" y="8685213"/>
+            <a:ext cx="2971800" cy="458787"/>
+          </a:xfrm>
+          <a:prstGeom prst="rect">
+            <a:avLst/>
+          </a:prstGeom>
+        </p:spPr>
+        <p:txBody>
+          <a:bodyPr vert="horz" lIns="91440" tIns="45720" rIns="91440" bIns="45720" rtlCol="0" anchor="b"/>
+          <a:lstStyle>
+            <a:lvl1pPr algn="r">
+              <a:defRPr sz="1200"/>
+            </a:lvl1pPr>
+          </a:lstStyle>
+          <a:p>
+            <a:fld id="{8D460739-ED95-4F61-A777-121342EC40AB}" type="slidenum">
+              <a:rPr lang="en-GB" smtClean="0"/>
+              <a:t>‹#›</a:t>
+            </a:fld>
+            <a:endParaRPr lang="en-GB"/>
+          </a:p>
+        </p:txBody>
+      </p:sp>
+    </p:spTree>
+    <p:extLst>
+      <p:ext uri="{BB962C8B-B14F-4D97-AF65-F5344CB8AC3E}">
+        <p14:creationId xmlns:p14="http://schemas.microsoft.com/office/powerpoint/2010/main" val="3321429391"/>
+      </p:ext>
+    </p:extLst>
+  </p:cSld>
+  <p:clrMap bg1="lt1" tx1="dk1" bg2="lt2" tx2="dk2" accent1="accent1" accent2="accent2" accent3="accent3" accent4="accent4" accent5="accent5" accent6="accent6" hlink="hlink" folHlink="folHlink"/>
+  <p:notesStyle>
+    <a:lvl1pPr marL="0" algn="l" defTabSz="914400" rtl="0" eaLnBrk="1" latinLnBrk="0" hangingPunct="1">
+      <a:defRPr sz="1200" kern="1200">
+        <a:solidFill>
+          <a:schemeClr val="tx1"/>
+        </a:solidFill>
+        <a:latin typeface="+mn-lt"/>
+        <a:ea typeface="+mn-ea"/>
+        <a:cs typeface="+mn-cs"/>
+      </a:defRPr>
+    </a:lvl1pPr>
+    <a:lvl2pPr marL="457200" algn="l" defTabSz="914400" rtl="0" eaLnBrk="1" latinLnBrk="0" hangingPunct="1">
+      <a:defRPr sz="1200" kern="1200">
+        <a:solidFill>
+          <a:schemeClr val="tx1"/>
+        </a:solidFill>
+        <a:latin typeface="+mn-lt"/>
+        <a:ea typeface="+mn-ea"/>
+        <a:cs typeface="+mn-cs"/>
+      </a:defRPr>
+    </a:lvl2pPr>
+    <a:lvl3pPr marL="914400" algn="l" defTabSz="914400" rtl="0" eaLnBrk="1" latinLnBrk="0" hangingPunct="1">
+      <a:defRPr sz="1200" kern="1200">
+        <a:solidFill>
+          <a:schemeClr val="tx1"/>
+        </a:solidFill>
+        <a:latin typeface="+mn-lt"/>
+        <a:ea typeface="+mn-ea"/>
+        <a:cs typeface="+mn-cs"/>
+      </a:defRPr>
+    </a:lvl3pPr>
+    <a:lvl4pPr marL="1371600" algn="l" defTabSz="914400" rtl="0" eaLnBrk="1" latinLnBrk="0" hangingPunct="1">
+      <a:defRPr sz="1200" kern="1200">
+        <a:solidFill>
+          <a:schemeClr val="tx1"/>
+        </a:solidFill>
+        <a:latin typeface="+mn-lt"/>
+        <a:ea typeface="+mn-ea"/>
+        <a:cs typeface="+mn-cs"/>
+      </a:defRPr>
+    </a:lvl4pPr>
+    <a:lvl5pPr marL="1828800" algn="l" defTabSz="914400" rtl="0" eaLnBrk="1" latinLnBrk="0" hangingPunct="1">
+      <a:defRPr sz="1200" kern="1200">
+        <a:solidFill>
+          <a:schemeClr val="tx1"/>
+        </a:solidFill>
+        <a:latin typeface="+mn-lt"/>
+        <a:ea typeface="+mn-ea"/>
+        <a:cs typeface="+mn-cs"/>
+      </a:defRPr>
+    </a:lvl5pPr>
+    <a:lvl6pPr marL="2286000" algn="l" defTabSz="914400" rtl="0" eaLnBrk="1" latinLnBrk="0" hangingPunct="1">
+      <a:defRPr sz="1200" kern="1200">
+        <a:solidFill>
+          <a:schemeClr val="tx1"/>
+        </a:solidFill>
+        <a:latin typeface="+mn-lt"/>
+        <a:ea typeface="+mn-ea"/>
+        <a:cs typeface="+mn-cs"/>
+      </a:defRPr>
+    </a:lvl6pPr>
+    <a:lvl7pPr marL="2743200" algn="l" defTabSz="914400" rtl="0" eaLnBrk="1" latinLnBrk="0" hangingPunct="1">
+      <a:defRPr sz="1200" kern="1200">
+        <a:solidFill>
+          <a:schemeClr val="tx1"/>
+        </a:solidFill>
+        <a:latin typeface="+mn-lt"/>
+        <a:ea typeface="+mn-ea"/>
+        <a:cs typeface="+mn-cs"/>
+      </a:defRPr>
+    </a:lvl7pPr>
+    <a:lvl8pPr marL="3200400" algn="l" defTabSz="914400" rtl="0" eaLnBrk="1" latinLnBrk="0" hangingPunct="1">
+      <a:defRPr sz="1200" kern="1200">
+        <a:solidFill>
+          <a:schemeClr val="tx1"/>
+        </a:solidFill>
+        <a:latin typeface="+mn-lt"/>
+        <a:ea typeface="+mn-ea"/>
+        <a:cs typeface="+mn-cs"/>
+      </a:defRPr>
+    </a:lvl8pPr>
+    <a:lvl9pPr marL="3657600" algn="l" defTabSz="914400" rtl="0" eaLnBrk="1" latinLnBrk="0" hangingPunct="1">
+      <a:defRPr sz="1200" kern="1200">
+        <a:solidFill>
+          <a:schemeClr val="tx1"/>
+        </a:solidFill>
+        <a:latin typeface="+mn-lt"/>
+        <a:ea typeface="+mn-ea"/>
+        <a:cs typeface="+mn-cs"/>
+      </a:defRPr>
+    </a:lvl9pPr>
+  </p:notesStyle>
+</p:notesMaster>
+</file>
+
+<file path=ppt/notesSlides/notesSlide1.xml><?xml version="1.0" encoding="utf-8"?>
+<p:notes xmlns:a="http://schemas.openxmlformats.org/drawingml/2006/main" xmlns:r="http://schemas.openxmlformats.org/officeDocument/2006/relationships" xmlns:p="http://schemas.openxmlformats.org/presentationml/2006/main">
+  <p:cSld>
+    <p:spTree>
+      <p:nvGrpSpPr>
+        <p:cNvPr id="1" name=""/>
+        <p:cNvGrpSpPr/>
+        <p:nvPr/>
+      </p:nvGrpSpPr>
+      <p:grpSpPr>
+        <a:xfrm>
+          <a:off x="0" y="0"/>
+          <a:ext cx="0" cy="0"/>
+          <a:chOff x="0" y="0"/>
+          <a:chExt cx="0" cy="0"/>
+        </a:xfrm>
+      </p:grpSpPr>
+      <p:sp>
+        <p:nvSpPr>
+          <p:cNvPr id="2" name="Slide Image Placeholder 1"/>
+          <p:cNvSpPr>
+            <a:spLocks noGrp="1" noRot="1" noChangeAspect="1"/>
+          </p:cNvSpPr>
+          <p:nvPr>
+            <p:ph type="sldImg"/>
+          </p:nvPr>
+        </p:nvSpPr>
+        <p:spPr/>
+      </p:sp>
+      <p:sp>
+        <p:nvSpPr>
+          <p:cNvPr id="3" name="Notes Placeholder 2"/>
+          <p:cNvSpPr>
+            <a:spLocks noGrp="1"/>
+          </p:cNvSpPr>
+          <p:nvPr>
+            <p:ph type="body" idx="1"/>
+            <p:custDataLst>
+              <p:tags r:id="rId1"/>
+            </p:custDataLst>
+          </p:nvPr>
+        </p:nvSpPr>
+        <p:spPr/>
+        <p:txBody>
+          <a:bodyPr/>
+          <a:lstStyle/>
+          <a:p>
+            <a:endParaRPr lang="en-GB"/>
+          </a:p>
+        </p:txBody>
+      </p:sp>
+      <p:sp>
+        <p:nvSpPr>
+          <p:cNvPr id="4" name="Slide Number Placeholder 3"/>
+          <p:cNvSpPr>
+            <a:spLocks noGrp="1"/>
+          </p:cNvSpPr>
+          <p:nvPr>
+            <p:ph type="sldNum" sz="quarter" idx="10"/>
+          </p:nvPr>
+        </p:nvSpPr>
+        <p:spPr/>
+        <p:txBody>
+          <a:bodyPr/>
+          <a:lstStyle/>
+          <a:p>
+            <a:fld id="{8D460739-ED95-4F61-A777-121342EC40AB}" type="slidenum">
+              <a:rPr lang="en-GB" smtClean="0"/>
+              <a:t>1</a:t>
+            </a:fld>
+            <a:endParaRPr lang="en-GB"/>
+          </a:p>
+        </p:txBody>
+      </p:sp>
+    </p:spTree>
+    <p:extLst>
+      <p:ext uri="{BB962C8B-B14F-4D97-AF65-F5344CB8AC3E}">
+        <p14:creationId xmlns:p14="http://schemas.microsoft.com/office/powerpoint/2010/main" val="3094348208"/>
+      </p:ext>
+    </p:extLst>
+  </p:cSld>
+  <p:clrMapOvr>
+    <a:masterClrMapping/>
+  </p:clrMapOvr>
+</p:notes>
+</file>
+
+<file path=ppt/notesSlides/notesSlide10.xml><?xml version="1.0" encoding="utf-8"?>
+<p:notes xmlns:a="http://schemas.openxmlformats.org/drawingml/2006/main" xmlns:r="http://schemas.openxmlformats.org/officeDocument/2006/relationships" xmlns:p="http://schemas.openxmlformats.org/presentationml/2006/main">
+  <p:cSld>
+    <p:spTree>
+      <p:nvGrpSpPr>
+        <p:cNvPr id="1" name=""/>
+        <p:cNvGrpSpPr/>
+        <p:nvPr/>
+      </p:nvGrpSpPr>
+      <p:grpSpPr>
+        <a:xfrm>
+          <a:off x="0" y="0"/>
+          <a:ext cx="0" cy="0"/>
+          <a:chOff x="0" y="0"/>
+          <a:chExt cx="0" cy="0"/>
+        </a:xfrm>
+      </p:grpSpPr>
+      <p:sp>
+        <p:nvSpPr>
+          <p:cNvPr id="2" name="Slide Image Placeholder 1"/>
+          <p:cNvSpPr>
+            <a:spLocks noGrp="1" noRot="1" noChangeAspect="1"/>
+          </p:cNvSpPr>
+          <p:nvPr>
+            <p:ph type="sldImg"/>
+          </p:nvPr>
+        </p:nvSpPr>
+        <p:spPr/>
+      </p:sp>
+      <p:sp>
+        <p:nvSpPr>
+          <p:cNvPr id="3" name="Notes Placeholder 2"/>
+          <p:cNvSpPr>
+            <a:spLocks noGrp="1"/>
+          </p:cNvSpPr>
+          <p:nvPr>
+            <p:ph type="body" idx="1"/>
+            <p:custDataLst>
+              <p:tags r:id="rId1"/>
+            </p:custDataLst>
+          </p:nvPr>
+        </p:nvSpPr>
+        <p:spPr/>
+        <p:txBody>
+          <a:bodyPr/>
+          <a:lstStyle/>
+          <a:p>
+            <a:endParaRPr lang="en-GB"/>
+          </a:p>
+        </p:txBody>
+      </p:sp>
+      <p:sp>
+        <p:nvSpPr>
+          <p:cNvPr id="4" name="Slide Number Placeholder 3"/>
+          <p:cNvSpPr>
+            <a:spLocks noGrp="1"/>
+          </p:cNvSpPr>
+          <p:nvPr>
+            <p:ph type="sldNum" sz="quarter" idx="10"/>
+          </p:nvPr>
+        </p:nvSpPr>
+        <p:spPr/>
+        <p:txBody>
+          <a:bodyPr/>
+          <a:lstStyle/>
+          <a:p>
+            <a:fld id="{8D460739-ED95-4F61-A777-121342EC40AB}" type="slidenum">
+              <a:rPr lang="en-GB" smtClean="0"/>
+              <a:t>11</a:t>
+            </a:fld>
+            <a:endParaRPr lang="en-GB"/>
+          </a:p>
+        </p:txBody>
+      </p:sp>
+    </p:spTree>
+    <p:extLst>
+      <p:ext uri="{BB962C8B-B14F-4D97-AF65-F5344CB8AC3E}">
+        <p14:creationId xmlns:p14="http://schemas.microsoft.com/office/powerpoint/2010/main" val="2424727545"/>
+      </p:ext>
+    </p:extLst>
+  </p:cSld>
+  <p:clrMapOvr>
+    <a:masterClrMapping/>
+  </p:clrMapOvr>
+</p:notes>
+</file>
+
+<file path=ppt/notesSlides/notesSlide2.xml><?xml version="1.0" encoding="utf-8"?>
+<p:notes xmlns:a="http://schemas.openxmlformats.org/drawingml/2006/main" xmlns:r="http://schemas.openxmlformats.org/officeDocument/2006/relationships" xmlns:p="http://schemas.openxmlformats.org/presentationml/2006/main">
+  <p:cSld>
+    <p:spTree>
+      <p:nvGrpSpPr>
+        <p:cNvPr id="1" name=""/>
+        <p:cNvGrpSpPr/>
+        <p:nvPr/>
+      </p:nvGrpSpPr>
+      <p:grpSpPr>
+        <a:xfrm>
+          <a:off x="0" y="0"/>
+          <a:ext cx="0" cy="0"/>
+          <a:chOff x="0" y="0"/>
+          <a:chExt cx="0" cy="0"/>
+        </a:xfrm>
+      </p:grpSpPr>
+      <p:sp>
+        <p:nvSpPr>
+          <p:cNvPr id="2" name="Slide Image Placeholder 1"/>
+          <p:cNvSpPr>
+            <a:spLocks noGrp="1" noRot="1" noChangeAspect="1"/>
+          </p:cNvSpPr>
+          <p:nvPr>
+            <p:ph type="sldImg"/>
+          </p:nvPr>
+        </p:nvSpPr>
+        <p:spPr/>
+      </p:sp>
+      <p:sp>
+        <p:nvSpPr>
+          <p:cNvPr id="3" name="Notes Placeholder 2"/>
+          <p:cNvSpPr>
+            <a:spLocks noGrp="1"/>
+          </p:cNvSpPr>
+          <p:nvPr>
+            <p:ph type="body" idx="1"/>
+            <p:custDataLst>
+              <p:tags r:id="rId1"/>
+            </p:custDataLst>
+          </p:nvPr>
+        </p:nvSpPr>
+        <p:spPr/>
+        <p:txBody>
+          <a:bodyPr/>
+          <a:lstStyle/>
+          <a:p>
+            <a:endParaRPr lang="en-GB"/>
+          </a:p>
+        </p:txBody>
+      </p:sp>
+      <p:sp>
+        <p:nvSpPr>
+          <p:cNvPr id="4" name="Slide Number Placeholder 3"/>
+          <p:cNvSpPr>
+            <a:spLocks noGrp="1"/>
+          </p:cNvSpPr>
+          <p:nvPr>
+            <p:ph type="sldNum" sz="quarter" idx="10"/>
+          </p:nvPr>
+        </p:nvSpPr>
+        <p:spPr/>
+        <p:txBody>
+          <a:bodyPr/>
+          <a:lstStyle/>
+          <a:p>
+            <a:fld id="{8D460739-ED95-4F61-A777-121342EC40AB}" type="slidenum">
+              <a:rPr lang="en-GB" smtClean="0"/>
+              <a:t>2</a:t>
+            </a:fld>
+            <a:endParaRPr lang="en-GB"/>
+          </a:p>
+        </p:txBody>
+      </p:sp>
+    </p:spTree>
+    <p:extLst>
+      <p:ext uri="{BB962C8B-B14F-4D97-AF65-F5344CB8AC3E}">
+        <p14:creationId xmlns:p14="http://schemas.microsoft.com/office/powerpoint/2010/main" val="91602918"/>
+      </p:ext>
+    </p:extLst>
+  </p:cSld>
+  <p:clrMapOvr>
+    <a:masterClrMapping/>
+  </p:clrMapOvr>
+</p:notes>
+</file>
+
+<file path=ppt/notesSlides/notesSlide3.xml><?xml version="1.0" encoding="utf-8"?>
+<p:notes xmlns:a="http://schemas.openxmlformats.org/drawingml/2006/main" xmlns:r="http://schemas.openxmlformats.org/officeDocument/2006/relationships" xmlns:p="http://schemas.openxmlformats.org/presentationml/2006/main">
+  <p:cSld>
+    <p:spTree>
+      <p:nvGrpSpPr>
+        <p:cNvPr id="1" name=""/>
+        <p:cNvGrpSpPr/>
+        <p:nvPr/>
+      </p:nvGrpSpPr>
+      <p:grpSpPr>
+        <a:xfrm>
+          <a:off x="0" y="0"/>
+          <a:ext cx="0" cy="0"/>
+          <a:chOff x="0" y="0"/>
+          <a:chExt cx="0" cy="0"/>
+        </a:xfrm>
+      </p:grpSpPr>
+      <p:sp>
+        <p:nvSpPr>
+          <p:cNvPr id="2" name="Slide Image Placeholder 1"/>
+          <p:cNvSpPr>
+            <a:spLocks noGrp="1" noRot="1" noChangeAspect="1"/>
+          </p:cNvSpPr>
+          <p:nvPr>
+            <p:ph type="sldImg"/>
+          </p:nvPr>
+        </p:nvSpPr>
+        <p:spPr/>
+      </p:sp>
+      <p:sp>
+        <p:nvSpPr>
+          <p:cNvPr id="3" name="Notes Placeholder 2"/>
+          <p:cNvSpPr>
+            <a:spLocks noGrp="1"/>
+          </p:cNvSpPr>
+          <p:nvPr>
+            <p:ph type="body" idx="1"/>
+            <p:custDataLst>
+              <p:tags r:id="rId1"/>
+            </p:custDataLst>
+          </p:nvPr>
+        </p:nvSpPr>
+        <p:spPr/>
+        <p:txBody>
+          <a:bodyPr/>
+          <a:lstStyle/>
+          <a:p>
+            <a:endParaRPr lang="en-GB"/>
+          </a:p>
+        </p:txBody>
+      </p:sp>
+      <p:sp>
+        <p:nvSpPr>
+          <p:cNvPr id="4" name="Slide Number Placeholder 3"/>
+          <p:cNvSpPr>
+            <a:spLocks noGrp="1"/>
+          </p:cNvSpPr>
+          <p:nvPr>
+            <p:ph type="sldNum" sz="quarter" idx="10"/>
+          </p:nvPr>
+        </p:nvSpPr>
+        <p:spPr/>
+        <p:txBody>
+          <a:bodyPr/>
+          <a:lstStyle/>
+          <a:p>
+            <a:fld id="{8D460739-ED95-4F61-A777-121342EC40AB}" type="slidenum">
+              <a:rPr lang="en-GB" smtClean="0"/>
+              <a:t>3</a:t>
+            </a:fld>
+            <a:endParaRPr lang="en-GB"/>
+          </a:p>
+        </p:txBody>
+      </p:sp>
+    </p:spTree>
+    <p:extLst>
+      <p:ext uri="{BB962C8B-B14F-4D97-AF65-F5344CB8AC3E}">
+        <p14:creationId xmlns:p14="http://schemas.microsoft.com/office/powerpoint/2010/main" val="698768770"/>
+      </p:ext>
+    </p:extLst>
+  </p:cSld>
+  <p:clrMapOvr>
+    <a:masterClrMapping/>
+  </p:clrMapOvr>
+</p:notes>
+</file>
+
+<file path=ppt/notesSlides/notesSlide4.xml><?xml version="1.0" encoding="utf-8"?>
+<p:notes xmlns:a="http://schemas.openxmlformats.org/drawingml/2006/main" xmlns:r="http://schemas.openxmlformats.org/officeDocument/2006/relationships" xmlns:p="http://schemas.openxmlformats.org/presentationml/2006/main">
+  <p:cSld>
+    <p:spTree>
+      <p:nvGrpSpPr>
+        <p:cNvPr id="1" name=""/>
+        <p:cNvGrpSpPr/>
+        <p:nvPr/>
+      </p:nvGrpSpPr>
+      <p:grpSpPr>
+        <a:xfrm>
+          <a:off x="0" y="0"/>
+          <a:ext cx="0" cy="0"/>
+          <a:chOff x="0" y="0"/>
+          <a:chExt cx="0" cy="0"/>
+        </a:xfrm>
+      </p:grpSpPr>
+      <p:sp>
+        <p:nvSpPr>
+          <p:cNvPr id="2" name="Slide Image Placeholder 1"/>
+          <p:cNvSpPr>
+            <a:spLocks noGrp="1" noRot="1" noChangeAspect="1"/>
+          </p:cNvSpPr>
+          <p:nvPr>
+            <p:ph type="sldImg"/>
+          </p:nvPr>
+        </p:nvSpPr>
+        <p:spPr/>
+      </p:sp>
+      <p:sp>
+        <p:nvSpPr>
+          <p:cNvPr id="3" name="Notes Placeholder 2"/>
+          <p:cNvSpPr>
+            <a:spLocks noGrp="1"/>
+          </p:cNvSpPr>
+          <p:nvPr>
+            <p:ph type="body" idx="1"/>
+            <p:custDataLst>
+              <p:tags r:id="rId1"/>
+            </p:custDataLst>
+          </p:nvPr>
+        </p:nvSpPr>
+        <p:spPr/>
+        <p:txBody>
+          <a:bodyPr/>
+          <a:lstStyle/>
+          <a:p>
+            <a:endParaRPr lang="en-GB"/>
+          </a:p>
+        </p:txBody>
+      </p:sp>
+      <p:sp>
+        <p:nvSpPr>
+          <p:cNvPr id="4" name="Slide Number Placeholder 3"/>
+          <p:cNvSpPr>
+            <a:spLocks noGrp="1"/>
+          </p:cNvSpPr>
+          <p:nvPr>
+            <p:ph type="sldNum" sz="quarter" idx="10"/>
+          </p:nvPr>
+        </p:nvSpPr>
+        <p:spPr/>
+        <p:txBody>
+          <a:bodyPr/>
+          <a:lstStyle/>
+          <a:p>
+            <a:fld id="{8D460739-ED95-4F61-A777-121342EC40AB}" type="slidenum">
+              <a:rPr lang="en-GB" smtClean="0"/>
+              <a:t>4</a:t>
+            </a:fld>
+            <a:endParaRPr lang="en-GB"/>
+          </a:p>
+        </p:txBody>
+      </p:sp>
+    </p:spTree>
+    <p:extLst>
+      <p:ext uri="{BB962C8B-B14F-4D97-AF65-F5344CB8AC3E}">
+        <p14:creationId xmlns:p14="http://schemas.microsoft.com/office/powerpoint/2010/main" val="993353610"/>
+      </p:ext>
+    </p:extLst>
+  </p:cSld>
+  <p:clrMapOvr>
+    <a:masterClrMapping/>
+  </p:clrMapOvr>
+</p:notes>
+</file>
+
+<file path=ppt/notesSlides/notesSlide5.xml><?xml version="1.0" encoding="utf-8"?>
+<p:notes xmlns:a="http://schemas.openxmlformats.org/drawingml/2006/main" xmlns:r="http://schemas.openxmlformats.org/officeDocument/2006/relationships" xmlns:p="http://schemas.openxmlformats.org/presentationml/2006/main">
+  <p:cSld>
+    <p:spTree>
+      <p:nvGrpSpPr>
+        <p:cNvPr id="1" name=""/>
+        <p:cNvGrpSpPr/>
+        <p:nvPr/>
+      </p:nvGrpSpPr>
+      <p:grpSpPr>
+        <a:xfrm>
+          <a:off x="0" y="0"/>
+          <a:ext cx="0" cy="0"/>
+          <a:chOff x="0" y="0"/>
+          <a:chExt cx="0" cy="0"/>
+        </a:xfrm>
+      </p:grpSpPr>
+      <p:sp>
+        <p:nvSpPr>
+          <p:cNvPr id="2" name="Slide Image Placeholder 1"/>
+          <p:cNvSpPr>
+            <a:spLocks noGrp="1" noRot="1" noChangeAspect="1"/>
+          </p:cNvSpPr>
+          <p:nvPr>
+            <p:ph type="sldImg"/>
+          </p:nvPr>
+        </p:nvSpPr>
+        <p:spPr/>
+      </p:sp>
+      <p:sp>
+        <p:nvSpPr>
+          <p:cNvPr id="3" name="Notes Placeholder 2"/>
+          <p:cNvSpPr>
+            <a:spLocks noGrp="1"/>
+          </p:cNvSpPr>
+          <p:nvPr>
+            <p:ph type="body" idx="1"/>
+            <p:custDataLst>
+              <p:tags r:id="rId1"/>
+            </p:custDataLst>
+          </p:nvPr>
+        </p:nvSpPr>
+        <p:spPr/>
+        <p:txBody>
+          <a:bodyPr/>
+          <a:lstStyle/>
+          <a:p>
+            <a:endParaRPr lang="en-GB"/>
+          </a:p>
+        </p:txBody>
+      </p:sp>
+      <p:sp>
+        <p:nvSpPr>
+          <p:cNvPr id="4" name="Slide Number Placeholder 3"/>
+          <p:cNvSpPr>
+            <a:spLocks noGrp="1"/>
+          </p:cNvSpPr>
+          <p:nvPr>
+            <p:ph type="sldNum" sz="quarter" idx="10"/>
+          </p:nvPr>
+        </p:nvSpPr>
+        <p:spPr/>
+        <p:txBody>
+          <a:bodyPr/>
+          <a:lstStyle/>
+          <a:p>
+            <a:fld id="{8D460739-ED95-4F61-A777-121342EC40AB}" type="slidenum">
+              <a:rPr lang="en-GB" smtClean="0"/>
+              <a:t>5</a:t>
+            </a:fld>
+            <a:endParaRPr lang="en-GB"/>
+          </a:p>
+        </p:txBody>
+      </p:sp>
+    </p:spTree>
+    <p:extLst>
+      <p:ext uri="{BB962C8B-B14F-4D97-AF65-F5344CB8AC3E}">
+        <p14:creationId xmlns:p14="http://schemas.microsoft.com/office/powerpoint/2010/main" val="1082509836"/>
+      </p:ext>
+    </p:extLst>
+  </p:cSld>
+  <p:clrMapOvr>
+    <a:masterClrMapping/>
+  </p:clrMapOvr>
+</p:notes>
+</file>
+
+<file path=ppt/notesSlides/notesSlide6.xml><?xml version="1.0" encoding="utf-8"?>
+<p:notes xmlns:a="http://schemas.openxmlformats.org/drawingml/2006/main" xmlns:r="http://schemas.openxmlformats.org/officeDocument/2006/relationships" xmlns:p="http://schemas.openxmlformats.org/presentationml/2006/main">
+  <p:cSld>
+    <p:spTree>
+      <p:nvGrpSpPr>
+        <p:cNvPr id="1" name=""/>
+        <p:cNvGrpSpPr/>
+        <p:nvPr/>
+      </p:nvGrpSpPr>
+      <p:grpSpPr>
+        <a:xfrm>
+          <a:off x="0" y="0"/>
+          <a:ext cx="0" cy="0"/>
+          <a:chOff x="0" y="0"/>
+          <a:chExt cx="0" cy="0"/>
+        </a:xfrm>
+      </p:grpSpPr>
+      <p:sp>
+        <p:nvSpPr>
+          <p:cNvPr id="2" name="Slide Image Placeholder 1"/>
+          <p:cNvSpPr>
+            <a:spLocks noGrp="1" noRot="1" noChangeAspect="1"/>
+          </p:cNvSpPr>
+          <p:nvPr>
+            <p:ph type="sldImg"/>
+          </p:nvPr>
+        </p:nvSpPr>
+        <p:spPr/>
+      </p:sp>
+      <p:sp>
+        <p:nvSpPr>
+          <p:cNvPr id="3" name="Notes Placeholder 2"/>
+          <p:cNvSpPr>
+            <a:spLocks noGrp="1"/>
+          </p:cNvSpPr>
+          <p:nvPr>
+            <p:ph type="body" idx="1"/>
+            <p:custDataLst>
+              <p:tags r:id="rId1"/>
+            </p:custDataLst>
+          </p:nvPr>
+        </p:nvSpPr>
+        <p:spPr/>
+        <p:txBody>
+          <a:bodyPr/>
+          <a:lstStyle/>
+          <a:p>
+            <a:endParaRPr lang="en-GB"/>
+          </a:p>
+        </p:txBody>
+      </p:sp>
+      <p:sp>
+        <p:nvSpPr>
+          <p:cNvPr id="4" name="Slide Number Placeholder 3"/>
+          <p:cNvSpPr>
+            <a:spLocks noGrp="1"/>
+          </p:cNvSpPr>
+          <p:nvPr>
+            <p:ph type="sldNum" sz="quarter" idx="10"/>
+          </p:nvPr>
+        </p:nvSpPr>
+        <p:spPr/>
+        <p:txBody>
+          <a:bodyPr/>
+          <a:lstStyle/>
+          <a:p>
+            <a:fld id="{8D460739-ED95-4F61-A777-121342EC40AB}" type="slidenum">
+              <a:rPr lang="en-GB" smtClean="0"/>
+              <a:t>6</a:t>
+            </a:fld>
+            <a:endParaRPr lang="en-GB"/>
+          </a:p>
+        </p:txBody>
+      </p:sp>
+    </p:spTree>
+    <p:extLst>
+      <p:ext uri="{BB962C8B-B14F-4D97-AF65-F5344CB8AC3E}">
+        <p14:creationId xmlns:p14="http://schemas.microsoft.com/office/powerpoint/2010/main" val="1099860108"/>
+      </p:ext>
+    </p:extLst>
+  </p:cSld>
+  <p:clrMapOvr>
+    <a:masterClrMapping/>
+  </p:clrMapOvr>
+</p:notes>
+</file>
+
+<file path=ppt/notesSlides/notesSlide7.xml><?xml version="1.0" encoding="utf-8"?>
+<p:notes xmlns:a="http://schemas.openxmlformats.org/drawingml/2006/main" xmlns:r="http://schemas.openxmlformats.org/officeDocument/2006/relationships" xmlns:p="http://schemas.openxmlformats.org/presentationml/2006/main">
+  <p:cSld>
+    <p:spTree>
+      <p:nvGrpSpPr>
+        <p:cNvPr id="1" name=""/>
+        <p:cNvGrpSpPr/>
+        <p:nvPr/>
+      </p:nvGrpSpPr>
+      <p:grpSpPr>
+        <a:xfrm>
+          <a:off x="0" y="0"/>
+          <a:ext cx="0" cy="0"/>
+          <a:chOff x="0" y="0"/>
+          <a:chExt cx="0" cy="0"/>
+        </a:xfrm>
+      </p:grpSpPr>
+      <p:sp>
+        <p:nvSpPr>
+          <p:cNvPr id="2" name="Slide Image Placeholder 1"/>
+          <p:cNvSpPr>
+            <a:spLocks noGrp="1" noRot="1" noChangeAspect="1"/>
+          </p:cNvSpPr>
+          <p:nvPr>
+            <p:ph type="sldImg"/>
+          </p:nvPr>
+        </p:nvSpPr>
+        <p:spPr/>
+      </p:sp>
+      <p:sp>
+        <p:nvSpPr>
+          <p:cNvPr id="3" name="Notes Placeholder 2"/>
+          <p:cNvSpPr>
+            <a:spLocks noGrp="1"/>
+          </p:cNvSpPr>
+          <p:nvPr>
+            <p:ph type="body" idx="1"/>
+            <p:custDataLst>
+              <p:tags r:id="rId1"/>
+            </p:custDataLst>
+          </p:nvPr>
+        </p:nvSpPr>
+        <p:spPr/>
+        <p:txBody>
+          <a:bodyPr/>
+          <a:lstStyle/>
+          <a:p>
+            <a:endParaRPr lang="en-GB"/>
+          </a:p>
+        </p:txBody>
+      </p:sp>
+      <p:sp>
+        <p:nvSpPr>
+          <p:cNvPr id="4" name="Slide Number Placeholder 3"/>
+          <p:cNvSpPr>
+            <a:spLocks noGrp="1"/>
+          </p:cNvSpPr>
+          <p:nvPr>
+            <p:ph type="sldNum" sz="quarter" idx="10"/>
+          </p:nvPr>
+        </p:nvSpPr>
+        <p:spPr/>
+        <p:txBody>
+          <a:bodyPr/>
+          <a:lstStyle/>
+          <a:p>
+            <a:fld id="{8D460739-ED95-4F61-A777-121342EC40AB}" type="slidenum">
+              <a:rPr lang="en-GB" smtClean="0"/>
+              <a:t>8</a:t>
+            </a:fld>
+            <a:endParaRPr lang="en-GB"/>
+          </a:p>
+        </p:txBody>
+      </p:sp>
+    </p:spTree>
+    <p:extLst>
+      <p:ext uri="{BB962C8B-B14F-4D97-AF65-F5344CB8AC3E}">
+        <p14:creationId xmlns:p14="http://schemas.microsoft.com/office/powerpoint/2010/main" val="4061955364"/>
+      </p:ext>
+    </p:extLst>
+  </p:cSld>
+  <p:clrMapOvr>
+    <a:masterClrMapping/>
+  </p:clrMapOvr>
+</p:notes>
+</file>
+
+<file path=ppt/notesSlides/notesSlide8.xml><?xml version="1.0" encoding="utf-8"?>
+<p:notes xmlns:a="http://schemas.openxmlformats.org/drawingml/2006/main" xmlns:r="http://schemas.openxmlformats.org/officeDocument/2006/relationships" xmlns:p="http://schemas.openxmlformats.org/presentationml/2006/main">
+  <p:cSld>
+    <p:spTree>
+      <p:nvGrpSpPr>
+        <p:cNvPr id="1" name=""/>
+        <p:cNvGrpSpPr/>
+        <p:nvPr/>
+      </p:nvGrpSpPr>
+      <p:grpSpPr>
+        <a:xfrm>
+          <a:off x="0" y="0"/>
+          <a:ext cx="0" cy="0"/>
+          <a:chOff x="0" y="0"/>
+          <a:chExt cx="0" cy="0"/>
+        </a:xfrm>
+      </p:grpSpPr>
+      <p:sp>
+        <p:nvSpPr>
+          <p:cNvPr id="2" name="Slide Image Placeholder 1"/>
+          <p:cNvSpPr>
+            <a:spLocks noGrp="1" noRot="1" noChangeAspect="1"/>
+          </p:cNvSpPr>
+          <p:nvPr>
+            <p:ph type="sldImg"/>
+          </p:nvPr>
+        </p:nvSpPr>
+        <p:spPr/>
+      </p:sp>
+      <p:sp>
+        <p:nvSpPr>
+          <p:cNvPr id="3" name="Notes Placeholder 2"/>
+          <p:cNvSpPr>
+            <a:spLocks noGrp="1"/>
+          </p:cNvSpPr>
+          <p:nvPr>
+            <p:ph type="body" idx="1"/>
+            <p:custDataLst>
+              <p:tags r:id="rId1"/>
+            </p:custDataLst>
+          </p:nvPr>
+        </p:nvSpPr>
+        <p:spPr/>
+        <p:txBody>
+          <a:bodyPr/>
+          <a:lstStyle/>
+          <a:p>
+            <a:endParaRPr lang="en-GB"/>
+          </a:p>
+        </p:txBody>
+      </p:sp>
+      <p:sp>
+        <p:nvSpPr>
+          <p:cNvPr id="4" name="Slide Number Placeholder 3"/>
+          <p:cNvSpPr>
+            <a:spLocks noGrp="1"/>
+          </p:cNvSpPr>
+          <p:nvPr>
+            <p:ph type="sldNum" sz="quarter" idx="10"/>
+          </p:nvPr>
+        </p:nvSpPr>
+        <p:spPr/>
+        <p:txBody>
+          <a:bodyPr/>
+          <a:lstStyle/>
+          <a:p>
+            <a:fld id="{8D460739-ED95-4F61-A777-121342EC40AB}" type="slidenum">
+              <a:rPr lang="en-GB" smtClean="0"/>
+              <a:t>9</a:t>
+            </a:fld>
+            <a:endParaRPr lang="en-GB"/>
+          </a:p>
+        </p:txBody>
+      </p:sp>
+    </p:spTree>
+    <p:extLst>
+      <p:ext uri="{BB962C8B-B14F-4D97-AF65-F5344CB8AC3E}">
+        <p14:creationId xmlns:p14="http://schemas.microsoft.com/office/powerpoint/2010/main" val="3078406671"/>
+      </p:ext>
+    </p:extLst>
+  </p:cSld>
+  <p:clrMapOvr>
+    <a:masterClrMapping/>
+  </p:clrMapOvr>
+</p:notes>
+</file>
+
+<file path=ppt/notesSlides/notesSlide9.xml><?xml version="1.0" encoding="utf-8"?>
+<p:notes xmlns:a="http://schemas.openxmlformats.org/drawingml/2006/main" xmlns:r="http://schemas.openxmlformats.org/officeDocument/2006/relationships" xmlns:p="http://schemas.openxmlformats.org/presentationml/2006/main">
+  <p:cSld>
+    <p:spTree>
+      <p:nvGrpSpPr>
+        <p:cNvPr id="1" name=""/>
+        <p:cNvGrpSpPr/>
+        <p:nvPr/>
+      </p:nvGrpSpPr>
+      <p:grpSpPr>
+        <a:xfrm>
+          <a:off x="0" y="0"/>
+          <a:ext cx="0" cy="0"/>
+          <a:chOff x="0" y="0"/>
+          <a:chExt cx="0" cy="0"/>
+        </a:xfrm>
+      </p:grpSpPr>
+      <p:sp>
+        <p:nvSpPr>
+          <p:cNvPr id="2" name="Slide Image Placeholder 1"/>
+          <p:cNvSpPr>
+            <a:spLocks noGrp="1" noRot="1" noChangeAspect="1"/>
+          </p:cNvSpPr>
+          <p:nvPr>
+            <p:ph type="sldImg"/>
+          </p:nvPr>
+        </p:nvSpPr>
+        <p:spPr/>
+      </p:sp>
+      <p:sp>
+        <p:nvSpPr>
+          <p:cNvPr id="3" name="Notes Placeholder 2"/>
+          <p:cNvSpPr>
+            <a:spLocks noGrp="1"/>
+          </p:cNvSpPr>
+          <p:nvPr>
+            <p:ph type="body" idx="1"/>
+            <p:custDataLst>
+              <p:tags r:id="rId1"/>
+            </p:custDataLst>
+          </p:nvPr>
+        </p:nvSpPr>
+        <p:spPr/>
+        <p:txBody>
+          <a:bodyPr/>
+          <a:lstStyle/>
+          <a:p>
+            <a:endParaRPr lang="en-GB"/>
+          </a:p>
+        </p:txBody>
+      </p:sp>
+      <p:sp>
+        <p:nvSpPr>
+          <p:cNvPr id="4" name="Slide Number Placeholder 3"/>
+          <p:cNvSpPr>
+            <a:spLocks noGrp="1"/>
+          </p:cNvSpPr>
+          <p:nvPr>
+            <p:ph type="sldNum" sz="quarter" idx="10"/>
+          </p:nvPr>
+        </p:nvSpPr>
+        <p:spPr/>
+        <p:txBody>
+          <a:bodyPr/>
+          <a:lstStyle/>
+          <a:p>
+            <a:fld id="{8D460739-ED95-4F61-A777-121342EC40AB}" type="slidenum">
+              <a:rPr lang="en-GB" smtClean="0"/>
+              <a:t>10</a:t>
+            </a:fld>
+            <a:endParaRPr lang="en-GB"/>
+          </a:p>
+        </p:txBody>
+      </p:sp>
+    </p:spTree>
+    <p:extLst>
+      <p:ext uri="{BB962C8B-B14F-4D97-AF65-F5344CB8AC3E}">
+        <p14:creationId xmlns:p14="http://schemas.microsoft.com/office/powerpoint/2010/main" val="3780271285"/>
+      </p:ext>
+    </p:extLst>
+  </p:cSld>
+  <p:clrMapOvr>
+    <a:masterClrMapping/>
+  </p:clrMapOvr>
+</p:notes>
+</file>
+
 <file path=ppt/slideLayouts/slideLayout1.xml><?xml version="1.0" encoding="utf-8"?>
-<p:sldLayout xmlns:a="http://schemas.openxmlformats.org/drawingml/2006/main" xmlns:r="http://schemas.openxmlformats.org/officeDocument/2006/relationships" xmlns:p="http://schemas.openxmlformats.org/presentationml/2006/main" type="title" preserve="1">
+<p:sldLayout xmlns:a="http://schemas.openxmlformats.org/drawingml/2006/main" xmlns:r="http://schemas.openxmlformats.org/officeDocument/2006/relationships" xmlns:p="http://schemas.openxmlformats.org/presentationml/2006/main" showMasterSp="0" type="title" preserve="1">
   <p:cSld name="Title Slide">
     <p:spTree>
       <p:nvGrpSpPr>
@@ -133,6 +1362,536 @@
           <a:chExt cx="0" cy="0"/>
         </a:xfrm>
       </p:grpSpPr>
+      <p:grpSp>
+        <p:nvGrpSpPr>
+          <p:cNvPr id="7" name="Group 6"/>
+          <p:cNvGrpSpPr/>
+          <p:nvPr/>
+        </p:nvGrpSpPr>
+        <p:grpSpPr>
+          <a:xfrm>
+            <a:off x="0" y="-8467"/>
+            <a:ext cx="12192000" cy="6866467"/>
+            <a:chOff x="0" y="-8467"/>
+            <a:chExt cx="12192000" cy="6866467"/>
+          </a:xfrm>
+        </p:grpSpPr>
+        <p:cxnSp>
+          <p:nvCxnSpPr>
+            <p:cNvPr id="32" name="Straight Connector 31"/>
+            <p:cNvCxnSpPr/>
+            <p:nvPr/>
+          </p:nvCxnSpPr>
+          <p:spPr>
+            <a:xfrm>
+              <a:off x="9371012" y="0"/>
+              <a:ext cx="1219200" cy="6858000"/>
+            </a:xfrm>
+            <a:prstGeom prst="line">
+              <a:avLst/>
+            </a:prstGeom>
+            <a:ln w="9525">
+              <a:solidFill>
+                <a:schemeClr val="bg1">
+                  <a:lumMod val="75000"/>
+                </a:schemeClr>
+              </a:solidFill>
+            </a:ln>
+          </p:spPr>
+          <p:style>
+            <a:lnRef idx="2">
+              <a:schemeClr val="accent1"/>
+            </a:lnRef>
+            <a:fillRef idx="0">
+              <a:schemeClr val="accent1"/>
+            </a:fillRef>
+            <a:effectRef idx="1">
+              <a:schemeClr val="accent1"/>
+            </a:effectRef>
+            <a:fontRef idx="minor">
+              <a:schemeClr val="tx1"/>
+            </a:fontRef>
+          </p:style>
+        </p:cxnSp>
+        <p:cxnSp>
+          <p:nvCxnSpPr>
+            <p:cNvPr id="21" name="Straight Connector 20"/>
+            <p:cNvCxnSpPr/>
+            <p:nvPr/>
+          </p:nvCxnSpPr>
+          <p:spPr>
+            <a:xfrm flipH="1">
+              <a:off x="7425267" y="3681413"/>
+              <a:ext cx="4763558" cy="3176587"/>
+            </a:xfrm>
+            <a:prstGeom prst="line">
+              <a:avLst/>
+            </a:prstGeom>
+            <a:ln w="9525">
+              <a:solidFill>
+                <a:schemeClr val="bg1">
+                  <a:lumMod val="85000"/>
+                </a:schemeClr>
+              </a:solidFill>
+            </a:ln>
+          </p:spPr>
+          <p:style>
+            <a:lnRef idx="2">
+              <a:schemeClr val="accent1"/>
+            </a:lnRef>
+            <a:fillRef idx="0">
+              <a:schemeClr val="accent1"/>
+            </a:fillRef>
+            <a:effectRef idx="1">
+              <a:schemeClr val="accent1"/>
+            </a:effectRef>
+            <a:fontRef idx="minor">
+              <a:schemeClr val="tx1"/>
+            </a:fontRef>
+          </p:style>
+        </p:cxnSp>
+        <p:sp>
+          <p:nvSpPr>
+            <p:cNvPr id="24" name="Rectangle 23"/>
+            <p:cNvSpPr/>
+            <p:nvPr/>
+          </p:nvSpPr>
+          <p:spPr>
+            <a:xfrm>
+              <a:off x="9181476" y="-8467"/>
+              <a:ext cx="3007349" cy="6866467"/>
+            </a:xfrm>
+            <a:custGeom>
+              <a:avLst/>
+              <a:gdLst/>
+              <a:ahLst/>
+              <a:cxnLst/>
+              <a:rect l="l" t="t" r="r" b="b"/>
+              <a:pathLst>
+                <a:path w="3007349" h="6866467">
+                  <a:moveTo>
+                    <a:pt x="2045532" y="0"/>
+                  </a:moveTo>
+                  <a:lnTo>
+                    <a:pt x="3007349" y="0"/>
+                  </a:lnTo>
+                  <a:lnTo>
+                    <a:pt x="3007349" y="6866467"/>
+                  </a:lnTo>
+                  <a:lnTo>
+                    <a:pt x="0" y="6866467"/>
+                  </a:lnTo>
+                  <a:lnTo>
+                    <a:pt x="2045532" y="0"/>
+                  </a:lnTo>
+                  <a:close/>
+                </a:path>
+              </a:pathLst>
+            </a:custGeom>
+            <a:solidFill>
+              <a:schemeClr val="accent1">
+                <a:alpha val="30000"/>
+              </a:schemeClr>
+            </a:solidFill>
+            <a:ln>
+              <a:noFill/>
+            </a:ln>
+            <a:effectLst/>
+          </p:spPr>
+          <p:style>
+            <a:lnRef idx="1">
+              <a:schemeClr val="accent1"/>
+            </a:lnRef>
+            <a:fillRef idx="3">
+              <a:schemeClr val="accent1"/>
+            </a:fillRef>
+            <a:effectRef idx="2">
+              <a:schemeClr val="accent1"/>
+            </a:effectRef>
+            <a:fontRef idx="minor">
+              <a:schemeClr val="lt1"/>
+            </a:fontRef>
+          </p:style>
+        </p:sp>
+        <p:sp>
+          <p:nvSpPr>
+            <p:cNvPr id="26" name="Rectangle 25"/>
+            <p:cNvSpPr/>
+            <p:nvPr/>
+          </p:nvSpPr>
+          <p:spPr>
+            <a:xfrm>
+              <a:off x="9603442" y="-8467"/>
+              <a:ext cx="2588558" cy="6866467"/>
+            </a:xfrm>
+            <a:custGeom>
+              <a:avLst/>
+              <a:gdLst/>
+              <a:ahLst/>
+              <a:cxnLst/>
+              <a:rect l="l" t="t" r="r" b="b"/>
+              <a:pathLst>
+                <a:path w="2573311" h="6866467">
+                  <a:moveTo>
+                    <a:pt x="0" y="0"/>
+                  </a:moveTo>
+                  <a:lnTo>
+                    <a:pt x="2573311" y="0"/>
+                  </a:lnTo>
+                  <a:lnTo>
+                    <a:pt x="2573311" y="6866467"/>
+                  </a:lnTo>
+                  <a:lnTo>
+                    <a:pt x="1202336" y="6866467"/>
+                  </a:lnTo>
+                  <a:lnTo>
+                    <a:pt x="0" y="0"/>
+                  </a:lnTo>
+                  <a:close/>
+                </a:path>
+              </a:pathLst>
+            </a:custGeom>
+            <a:solidFill>
+              <a:schemeClr val="accent1">
+                <a:alpha val="20000"/>
+              </a:schemeClr>
+            </a:solidFill>
+            <a:ln>
+              <a:noFill/>
+            </a:ln>
+            <a:effectLst/>
+          </p:spPr>
+          <p:style>
+            <a:lnRef idx="1">
+              <a:schemeClr val="accent1"/>
+            </a:lnRef>
+            <a:fillRef idx="3">
+              <a:schemeClr val="accent1"/>
+            </a:fillRef>
+            <a:effectRef idx="2">
+              <a:schemeClr val="accent1"/>
+            </a:effectRef>
+            <a:fontRef idx="minor">
+              <a:schemeClr val="lt1"/>
+            </a:fontRef>
+          </p:style>
+        </p:sp>
+        <p:sp>
+          <p:nvSpPr>
+            <p:cNvPr id="27" name="Isosceles Triangle 26"/>
+            <p:cNvSpPr/>
+            <p:nvPr/>
+          </p:nvSpPr>
+          <p:spPr>
+            <a:xfrm>
+              <a:off x="8932333" y="3048000"/>
+              <a:ext cx="3259667" cy="3810000"/>
+            </a:xfrm>
+            <a:prstGeom prst="triangle">
+              <a:avLst>
+                <a:gd name="adj" fmla="val 100000"/>
+              </a:avLst>
+            </a:prstGeom>
+            <a:solidFill>
+              <a:schemeClr val="accent2">
+                <a:alpha val="72000"/>
+              </a:schemeClr>
+            </a:solidFill>
+            <a:ln>
+              <a:noFill/>
+            </a:ln>
+            <a:effectLst/>
+          </p:spPr>
+          <p:style>
+            <a:lnRef idx="1">
+              <a:schemeClr val="accent1"/>
+            </a:lnRef>
+            <a:fillRef idx="3">
+              <a:schemeClr val="accent1"/>
+            </a:fillRef>
+            <a:effectRef idx="2">
+              <a:schemeClr val="accent1"/>
+            </a:effectRef>
+            <a:fontRef idx="minor">
+              <a:schemeClr val="lt1"/>
+            </a:fontRef>
+          </p:style>
+        </p:sp>
+        <p:sp>
+          <p:nvSpPr>
+            <p:cNvPr id="28" name="Rectangle 27"/>
+            <p:cNvSpPr/>
+            <p:nvPr/>
+          </p:nvSpPr>
+          <p:spPr>
+            <a:xfrm>
+              <a:off x="9334500" y="-8467"/>
+              <a:ext cx="2854326" cy="6866467"/>
+            </a:xfrm>
+            <a:custGeom>
+              <a:avLst/>
+              <a:gdLst/>
+              <a:ahLst/>
+              <a:cxnLst/>
+              <a:rect l="l" t="t" r="r" b="b"/>
+              <a:pathLst>
+                <a:path w="2858013" h="6866467">
+                  <a:moveTo>
+                    <a:pt x="0" y="0"/>
+                  </a:moveTo>
+                  <a:lnTo>
+                    <a:pt x="2858013" y="0"/>
+                  </a:lnTo>
+                  <a:lnTo>
+                    <a:pt x="2858013" y="6866467"/>
+                  </a:lnTo>
+                  <a:lnTo>
+                    <a:pt x="2473942" y="6866467"/>
+                  </a:lnTo>
+                  <a:lnTo>
+                    <a:pt x="0" y="0"/>
+                  </a:lnTo>
+                  <a:close/>
+                </a:path>
+              </a:pathLst>
+            </a:custGeom>
+            <a:solidFill>
+              <a:schemeClr val="accent2">
+                <a:lumMod val="75000"/>
+                <a:alpha val="70000"/>
+              </a:schemeClr>
+            </a:solidFill>
+            <a:ln>
+              <a:noFill/>
+            </a:ln>
+            <a:effectLst/>
+          </p:spPr>
+          <p:style>
+            <a:lnRef idx="1">
+              <a:schemeClr val="accent1"/>
+            </a:lnRef>
+            <a:fillRef idx="3">
+              <a:schemeClr val="accent1"/>
+            </a:fillRef>
+            <a:effectRef idx="2">
+              <a:schemeClr val="accent1"/>
+            </a:effectRef>
+            <a:fontRef idx="minor">
+              <a:schemeClr val="lt1"/>
+            </a:fontRef>
+          </p:style>
+        </p:sp>
+        <p:sp>
+          <p:nvSpPr>
+            <p:cNvPr id="29" name="Rectangle 28"/>
+            <p:cNvSpPr/>
+            <p:nvPr/>
+          </p:nvSpPr>
+          <p:spPr>
+            <a:xfrm>
+              <a:off x="10898730" y="-8467"/>
+              <a:ext cx="1290094" cy="6866467"/>
+            </a:xfrm>
+            <a:custGeom>
+              <a:avLst/>
+              <a:gdLst/>
+              <a:ahLst/>
+              <a:cxnLst/>
+              <a:rect l="l" t="t" r="r" b="b"/>
+              <a:pathLst>
+                <a:path w="1290094" h="6858000">
+                  <a:moveTo>
+                    <a:pt x="1019735" y="0"/>
+                  </a:moveTo>
+                  <a:lnTo>
+                    <a:pt x="1290094" y="0"/>
+                  </a:lnTo>
+                  <a:lnTo>
+                    <a:pt x="1290094" y="6858000"/>
+                  </a:lnTo>
+                  <a:lnTo>
+                    <a:pt x="0" y="6858000"/>
+                  </a:lnTo>
+                  <a:lnTo>
+                    <a:pt x="1019735" y="0"/>
+                  </a:lnTo>
+                  <a:close/>
+                </a:path>
+              </a:pathLst>
+            </a:custGeom>
+            <a:solidFill>
+              <a:schemeClr val="accent1">
+                <a:lumMod val="60000"/>
+                <a:lumOff val="40000"/>
+                <a:alpha val="70000"/>
+              </a:schemeClr>
+            </a:solidFill>
+            <a:ln>
+              <a:noFill/>
+            </a:ln>
+            <a:effectLst/>
+          </p:spPr>
+          <p:style>
+            <a:lnRef idx="1">
+              <a:schemeClr val="accent1"/>
+            </a:lnRef>
+            <a:fillRef idx="3">
+              <a:schemeClr val="accent1"/>
+            </a:fillRef>
+            <a:effectRef idx="2">
+              <a:schemeClr val="accent1"/>
+            </a:effectRef>
+            <a:fontRef idx="minor">
+              <a:schemeClr val="lt1"/>
+            </a:fontRef>
+          </p:style>
+        </p:sp>
+        <p:sp>
+          <p:nvSpPr>
+            <p:cNvPr id="30" name="Rectangle 29"/>
+            <p:cNvSpPr/>
+            <p:nvPr/>
+          </p:nvSpPr>
+          <p:spPr>
+            <a:xfrm>
+              <a:off x="10938999" y="-8467"/>
+              <a:ext cx="1249825" cy="6866467"/>
+            </a:xfrm>
+            <a:custGeom>
+              <a:avLst/>
+              <a:gdLst/>
+              <a:ahLst/>
+              <a:cxnLst/>
+              <a:rect l="l" t="t" r="r" b="b"/>
+              <a:pathLst>
+                <a:path w="1249825" h="6858000">
+                  <a:moveTo>
+                    <a:pt x="0" y="0"/>
+                  </a:moveTo>
+                  <a:lnTo>
+                    <a:pt x="1249825" y="0"/>
+                  </a:lnTo>
+                  <a:lnTo>
+                    <a:pt x="1249825" y="6858000"/>
+                  </a:lnTo>
+                  <a:lnTo>
+                    <a:pt x="1109382" y="6858000"/>
+                  </a:lnTo>
+                  <a:lnTo>
+                    <a:pt x="0" y="0"/>
+                  </a:lnTo>
+                  <a:close/>
+                </a:path>
+              </a:pathLst>
+            </a:custGeom>
+            <a:solidFill>
+              <a:schemeClr val="accent1">
+                <a:alpha val="65000"/>
+              </a:schemeClr>
+            </a:solidFill>
+            <a:ln>
+              <a:noFill/>
+            </a:ln>
+            <a:effectLst/>
+          </p:spPr>
+          <p:style>
+            <a:lnRef idx="1">
+              <a:schemeClr val="accent1"/>
+            </a:lnRef>
+            <a:fillRef idx="3">
+              <a:schemeClr val="accent1"/>
+            </a:fillRef>
+            <a:effectRef idx="2">
+              <a:schemeClr val="accent1"/>
+            </a:effectRef>
+            <a:fontRef idx="minor">
+              <a:schemeClr val="lt1"/>
+            </a:fontRef>
+          </p:style>
+        </p:sp>
+        <p:sp>
+          <p:nvSpPr>
+            <p:cNvPr id="31" name="Isosceles Triangle 30"/>
+            <p:cNvSpPr/>
+            <p:nvPr/>
+          </p:nvSpPr>
+          <p:spPr>
+            <a:xfrm>
+              <a:off x="10371666" y="3589867"/>
+              <a:ext cx="1817159" cy="3268133"/>
+            </a:xfrm>
+            <a:prstGeom prst="triangle">
+              <a:avLst>
+                <a:gd name="adj" fmla="val 100000"/>
+              </a:avLst>
+            </a:prstGeom>
+            <a:solidFill>
+              <a:schemeClr val="accent1">
+                <a:alpha val="80000"/>
+              </a:schemeClr>
+            </a:solidFill>
+            <a:ln>
+              <a:noFill/>
+            </a:ln>
+            <a:effectLst/>
+          </p:spPr>
+          <p:style>
+            <a:lnRef idx="1">
+              <a:schemeClr val="accent1"/>
+            </a:lnRef>
+            <a:fillRef idx="3">
+              <a:schemeClr val="accent1"/>
+            </a:fillRef>
+            <a:effectRef idx="2">
+              <a:schemeClr val="accent1"/>
+            </a:effectRef>
+            <a:fontRef idx="minor">
+              <a:schemeClr val="lt1"/>
+            </a:fontRef>
+          </p:style>
+        </p:sp>
+        <p:sp>
+          <p:nvSpPr>
+            <p:cNvPr id="19" name="Isosceles Triangle 18"/>
+            <p:cNvSpPr/>
+            <p:nvPr/>
+          </p:nvSpPr>
+          <p:spPr>
+            <a:xfrm rot="10800000">
+              <a:off x="0" y="0"/>
+              <a:ext cx="842596" cy="5666154"/>
+            </a:xfrm>
+            <a:prstGeom prst="triangle">
+              <a:avLst>
+                <a:gd name="adj" fmla="val 100000"/>
+              </a:avLst>
+            </a:prstGeom>
+            <a:solidFill>
+              <a:schemeClr val="accent1">
+                <a:alpha val="85000"/>
+              </a:schemeClr>
+            </a:solidFill>
+            <a:ln>
+              <a:noFill/>
+            </a:ln>
+            <a:effectLst/>
+          </p:spPr>
+          <p:style>
+            <a:lnRef idx="1">
+              <a:schemeClr val="accent1"/>
+            </a:lnRef>
+            <a:fillRef idx="3">
+              <a:schemeClr val="accent1"/>
+            </a:fillRef>
+            <a:effectRef idx="2">
+              <a:schemeClr val="accent1"/>
+            </a:effectRef>
+            <a:fontRef idx="minor">
+              <a:schemeClr val="lt1"/>
+            </a:fontRef>
+          </p:style>
+        </p:sp>
+      </p:grpSp>
       <p:sp>
         <p:nvSpPr>
           <p:cNvPr id="2" name="Title 1"/>
@@ -145,15 +1904,21 @@
         </p:nvSpPr>
         <p:spPr>
           <a:xfrm>
-            <a:off x="1524000" y="1122363"/>
-            <a:ext cx="9144000" cy="2387600"/>
+            <a:off x="1507067" y="2404534"/>
+            <a:ext cx="7766936" cy="1646302"/>
           </a:xfrm>
         </p:spPr>
         <p:txBody>
-          <a:bodyPr anchor="b"/>
+          <a:bodyPr anchor="b">
+            <a:noAutofit/>
+          </a:bodyPr>
           <a:lstStyle>
-            <a:lvl1pPr algn="ctr">
-              <a:defRPr sz="6000"/>
+            <a:lvl1pPr algn="r">
+              <a:defRPr sz="5400">
+                <a:solidFill>
+                  <a:schemeClr val="accent1"/>
+                </a:solidFill>
+              </a:defRPr>
             </a:lvl1pPr>
           </a:lstStyle>
           <a:p>
@@ -161,7 +1926,7 @@
               <a:rPr lang="en-US" smtClean="0"/>
               <a:t>Click to edit Master title style</a:t>
             </a:r>
-            <a:endParaRPr lang="en-GB"/>
+            <a:endParaRPr lang="en-US" dirty="0"/>
           </a:p>
         </p:txBody>
       </p:sp>
@@ -177,48 +1942,103 @@
         </p:nvSpPr>
         <p:spPr>
           <a:xfrm>
-            <a:off x="1524000" y="3602038"/>
-            <a:ext cx="9144000" cy="1655762"/>
+            <a:off x="1507067" y="4050833"/>
+            <a:ext cx="7766936" cy="1096899"/>
           </a:xfrm>
         </p:spPr>
         <p:txBody>
-          <a:bodyPr/>
+          <a:bodyPr anchor="t"/>
           <a:lstStyle>
-            <a:lvl1pPr marL="0" indent="0" algn="ctr">
-              <a:buNone/>
-              <a:defRPr sz="2400"/>
+            <a:lvl1pPr marL="0" indent="0" algn="r">
+              <a:buNone/>
+              <a:defRPr>
+                <a:solidFill>
+                  <a:schemeClr val="tx1">
+                    <a:lumMod val="50000"/>
+                    <a:lumOff val="50000"/>
+                  </a:schemeClr>
+                </a:solidFill>
+              </a:defRPr>
             </a:lvl1pPr>
             <a:lvl2pPr marL="457200" indent="0" algn="ctr">
               <a:buNone/>
-              <a:defRPr sz="2000"/>
+              <a:defRPr>
+                <a:solidFill>
+                  <a:schemeClr val="tx1">
+                    <a:tint val="75000"/>
+                  </a:schemeClr>
+                </a:solidFill>
+              </a:defRPr>
             </a:lvl2pPr>
             <a:lvl3pPr marL="914400" indent="0" algn="ctr">
               <a:buNone/>
-              <a:defRPr sz="1800"/>
+              <a:defRPr>
+                <a:solidFill>
+                  <a:schemeClr val="tx1">
+                    <a:tint val="75000"/>
+                  </a:schemeClr>
+                </a:solidFill>
+              </a:defRPr>
             </a:lvl3pPr>
             <a:lvl4pPr marL="1371600" indent="0" algn="ctr">
               <a:buNone/>
-              <a:defRPr sz="1600"/>
+              <a:defRPr>
+                <a:solidFill>
+                  <a:schemeClr val="tx1">
+                    <a:tint val="75000"/>
+                  </a:schemeClr>
+                </a:solidFill>
+              </a:defRPr>
             </a:lvl4pPr>
             <a:lvl5pPr marL="1828800" indent="0" algn="ctr">
               <a:buNone/>
-              <a:defRPr sz="1600"/>
+              <a:defRPr>
+                <a:solidFill>
+                  <a:schemeClr val="tx1">
+                    <a:tint val="75000"/>
+                  </a:schemeClr>
+                </a:solidFill>
+              </a:defRPr>
             </a:lvl5pPr>
             <a:lvl6pPr marL="2286000" indent="0" algn="ctr">
               <a:buNone/>
-              <a:defRPr sz="1600"/>
+              <a:defRPr>
+                <a:solidFill>
+                  <a:schemeClr val="tx1">
+                    <a:tint val="75000"/>
+                  </a:schemeClr>
+                </a:solidFill>
+              </a:defRPr>
             </a:lvl6pPr>
             <a:lvl7pPr marL="2743200" indent="0" algn="ctr">
               <a:buNone/>
-              <a:defRPr sz="1600"/>
+              <a:defRPr>
+                <a:solidFill>
+                  <a:schemeClr val="tx1">
+                    <a:tint val="75000"/>
+                  </a:schemeClr>
+                </a:solidFill>
+              </a:defRPr>
             </a:lvl7pPr>
             <a:lvl8pPr marL="3200400" indent="0" algn="ctr">
               <a:buNone/>
-              <a:defRPr sz="1600"/>
+              <a:defRPr>
+                <a:solidFill>
+                  <a:schemeClr val="tx1">
+                    <a:tint val="75000"/>
+                  </a:schemeClr>
+                </a:solidFill>
+              </a:defRPr>
             </a:lvl8pPr>
             <a:lvl9pPr marL="3657600" indent="0" algn="ctr">
               <a:buNone/>
-              <a:defRPr sz="1600"/>
+              <a:defRPr>
+                <a:solidFill>
+                  <a:schemeClr val="tx1">
+                    <a:tint val="75000"/>
+                  </a:schemeClr>
+                </a:solidFill>
+              </a:defRPr>
             </a:lvl9pPr>
           </a:lstStyle>
           <a:p>
@@ -226,7 +2046,7 @@
               <a:rPr lang="en-US" smtClean="0"/>
               <a:t>Click to edit Master subtitle style</a:t>
             </a:r>
-            <a:endParaRPr lang="en-GB"/>
+            <a:endParaRPr lang="en-US" dirty="0"/>
           </a:p>
         </p:txBody>
       </p:sp>
@@ -298,7 +2118,7 @@
     </p:spTree>
     <p:extLst>
       <p:ext uri="{BB962C8B-B14F-4D97-AF65-F5344CB8AC3E}">
-        <p14:creationId xmlns:p14="http://schemas.microsoft.com/office/powerpoint/2010/main" val="3401503821"/>
+        <p14:creationId xmlns:p14="http://schemas.microsoft.com/office/powerpoint/2010/main" val="4072886686"/>
       </p:ext>
     </p:extLst>
   </p:cSld>
@@ -309,6 +2129,1619 @@
 </file>
 
 <file path=ppt/slideLayouts/slideLayout10.xml><?xml version="1.0" encoding="utf-8"?>
+<p:sldLayout xmlns:a="http://schemas.openxmlformats.org/drawingml/2006/main" xmlns:r="http://schemas.openxmlformats.org/officeDocument/2006/relationships" xmlns:p="http://schemas.openxmlformats.org/presentationml/2006/main" preserve="1">
+  <p:cSld name="Title and Caption">
+    <p:spTree>
+      <p:nvGrpSpPr>
+        <p:cNvPr id="1" name=""/>
+        <p:cNvGrpSpPr/>
+        <p:nvPr/>
+      </p:nvGrpSpPr>
+      <p:grpSpPr>
+        <a:xfrm>
+          <a:off x="0" y="0"/>
+          <a:ext cx="0" cy="0"/>
+          <a:chOff x="0" y="0"/>
+          <a:chExt cx="0" cy="0"/>
+        </a:xfrm>
+      </p:grpSpPr>
+      <p:sp>
+        <p:nvSpPr>
+          <p:cNvPr id="2" name="Title 1"/>
+          <p:cNvSpPr>
+            <a:spLocks noGrp="1"/>
+          </p:cNvSpPr>
+          <p:nvPr>
+            <p:ph type="title"/>
+          </p:nvPr>
+        </p:nvSpPr>
+        <p:spPr>
+          <a:xfrm>
+            <a:off x="677335" y="609600"/>
+            <a:ext cx="8596668" cy="3403600"/>
+          </a:xfrm>
+        </p:spPr>
+        <p:txBody>
+          <a:bodyPr anchor="ctr">
+            <a:normAutofit/>
+          </a:bodyPr>
+          <a:lstStyle>
+            <a:lvl1pPr algn="l">
+              <a:defRPr sz="4400" b="0" cap="none"/>
+            </a:lvl1pPr>
+          </a:lstStyle>
+          <a:p>
+            <a:r>
+              <a:rPr lang="en-US" smtClean="0"/>
+              <a:t>Click to edit Master title style</a:t>
+            </a:r>
+            <a:endParaRPr lang="en-US" dirty="0"/>
+          </a:p>
+        </p:txBody>
+      </p:sp>
+      <p:sp>
+        <p:nvSpPr>
+          <p:cNvPr id="3" name="Text Placeholder 2"/>
+          <p:cNvSpPr>
+            <a:spLocks noGrp="1"/>
+          </p:cNvSpPr>
+          <p:nvPr>
+            <p:ph type="body" idx="1"/>
+          </p:nvPr>
+        </p:nvSpPr>
+        <p:spPr>
+          <a:xfrm>
+            <a:off x="677335" y="4470400"/>
+            <a:ext cx="8596668" cy="1570962"/>
+          </a:xfrm>
+        </p:spPr>
+        <p:txBody>
+          <a:bodyPr anchor="ctr">
+            <a:normAutofit/>
+          </a:bodyPr>
+          <a:lstStyle>
+            <a:lvl1pPr marL="0" indent="0" algn="l">
+              <a:buNone/>
+              <a:defRPr sz="1800">
+                <a:solidFill>
+                  <a:schemeClr val="tx1">
+                    <a:lumMod val="75000"/>
+                    <a:lumOff val="25000"/>
+                  </a:schemeClr>
+                </a:solidFill>
+              </a:defRPr>
+            </a:lvl1pPr>
+            <a:lvl2pPr marL="457200" indent="0">
+              <a:buNone/>
+              <a:defRPr sz="1800">
+                <a:solidFill>
+                  <a:schemeClr val="tx1">
+                    <a:tint val="75000"/>
+                  </a:schemeClr>
+                </a:solidFill>
+              </a:defRPr>
+            </a:lvl2pPr>
+            <a:lvl3pPr marL="914400" indent="0">
+              <a:buNone/>
+              <a:defRPr sz="1600">
+                <a:solidFill>
+                  <a:schemeClr val="tx1">
+                    <a:tint val="75000"/>
+                  </a:schemeClr>
+                </a:solidFill>
+              </a:defRPr>
+            </a:lvl3pPr>
+            <a:lvl4pPr marL="1371600" indent="0">
+              <a:buNone/>
+              <a:defRPr sz="1400">
+                <a:solidFill>
+                  <a:schemeClr val="tx1">
+                    <a:tint val="75000"/>
+                  </a:schemeClr>
+                </a:solidFill>
+              </a:defRPr>
+            </a:lvl4pPr>
+            <a:lvl5pPr marL="1828800" indent="0">
+              <a:buNone/>
+              <a:defRPr sz="1400">
+                <a:solidFill>
+                  <a:schemeClr val="tx1">
+                    <a:tint val="75000"/>
+                  </a:schemeClr>
+                </a:solidFill>
+              </a:defRPr>
+            </a:lvl5pPr>
+            <a:lvl6pPr marL="2286000" indent="0">
+              <a:buNone/>
+              <a:defRPr sz="1400">
+                <a:solidFill>
+                  <a:schemeClr val="tx1">
+                    <a:tint val="75000"/>
+                  </a:schemeClr>
+                </a:solidFill>
+              </a:defRPr>
+            </a:lvl6pPr>
+            <a:lvl7pPr marL="2743200" indent="0">
+              <a:buNone/>
+              <a:defRPr sz="1400">
+                <a:solidFill>
+                  <a:schemeClr val="tx1">
+                    <a:tint val="75000"/>
+                  </a:schemeClr>
+                </a:solidFill>
+              </a:defRPr>
+            </a:lvl7pPr>
+            <a:lvl8pPr marL="3200400" indent="0">
+              <a:buNone/>
+              <a:defRPr sz="1400">
+                <a:solidFill>
+                  <a:schemeClr val="tx1">
+                    <a:tint val="75000"/>
+                  </a:schemeClr>
+                </a:solidFill>
+              </a:defRPr>
+            </a:lvl8pPr>
+            <a:lvl9pPr marL="3657600" indent="0">
+              <a:buNone/>
+              <a:defRPr sz="1400">
+                <a:solidFill>
+                  <a:schemeClr val="tx1">
+                    <a:tint val="75000"/>
+                  </a:schemeClr>
+                </a:solidFill>
+              </a:defRPr>
+            </a:lvl9pPr>
+          </a:lstStyle>
+          <a:p>
+            <a:pPr lvl="0"/>
+            <a:r>
+              <a:rPr lang="en-US" smtClean="0"/>
+              <a:t>Edit Master text styles</a:t>
+            </a:r>
+          </a:p>
+        </p:txBody>
+      </p:sp>
+      <p:sp>
+        <p:nvSpPr>
+          <p:cNvPr id="4" name="Date Placeholder 3"/>
+          <p:cNvSpPr>
+            <a:spLocks noGrp="1"/>
+          </p:cNvSpPr>
+          <p:nvPr>
+            <p:ph type="dt" sz="half" idx="10"/>
+          </p:nvPr>
+        </p:nvSpPr>
+        <p:spPr/>
+        <p:txBody>
+          <a:bodyPr/>
+          <a:lstStyle/>
+          <a:p>
+            <a:fld id="{9E2A3FCB-1800-44DC-A1B9-C3FA5D53B234}" type="datetimeFigureOut">
+              <a:rPr lang="en-GB" smtClean="0"/>
+              <a:t>31/01/2017</a:t>
+            </a:fld>
+            <a:endParaRPr lang="en-GB"/>
+          </a:p>
+        </p:txBody>
+      </p:sp>
+      <p:sp>
+        <p:nvSpPr>
+          <p:cNvPr id="5" name="Footer Placeholder 4"/>
+          <p:cNvSpPr>
+            <a:spLocks noGrp="1"/>
+          </p:cNvSpPr>
+          <p:nvPr>
+            <p:ph type="ftr" sz="quarter" idx="11"/>
+          </p:nvPr>
+        </p:nvSpPr>
+        <p:spPr/>
+        <p:txBody>
+          <a:bodyPr/>
+          <a:lstStyle/>
+          <a:p>
+            <a:endParaRPr lang="en-GB"/>
+          </a:p>
+        </p:txBody>
+      </p:sp>
+      <p:sp>
+        <p:nvSpPr>
+          <p:cNvPr id="6" name="Slide Number Placeholder 5"/>
+          <p:cNvSpPr>
+            <a:spLocks noGrp="1"/>
+          </p:cNvSpPr>
+          <p:nvPr>
+            <p:ph type="sldNum" sz="quarter" idx="12"/>
+          </p:nvPr>
+        </p:nvSpPr>
+        <p:spPr/>
+        <p:txBody>
+          <a:bodyPr/>
+          <a:lstStyle/>
+          <a:p>
+            <a:fld id="{5BEE2D4C-1E11-419D-B002-632BE72A6266}" type="slidenum">
+              <a:rPr lang="en-GB" smtClean="0"/>
+              <a:t>‹#›</a:t>
+            </a:fld>
+            <a:endParaRPr lang="en-GB"/>
+          </a:p>
+        </p:txBody>
+      </p:sp>
+    </p:spTree>
+    <p:extLst>
+      <p:ext uri="{BB962C8B-B14F-4D97-AF65-F5344CB8AC3E}">
+        <p14:creationId xmlns:p14="http://schemas.microsoft.com/office/powerpoint/2010/main" val="4254216351"/>
+      </p:ext>
+    </p:extLst>
+  </p:cSld>
+  <p:clrMapOvr>
+    <a:masterClrMapping/>
+  </p:clrMapOvr>
+</p:sldLayout>
+</file>
+
+<file path=ppt/slideLayouts/slideLayout11.xml><?xml version="1.0" encoding="utf-8"?>
+<p:sldLayout xmlns:a="http://schemas.openxmlformats.org/drawingml/2006/main" xmlns:r="http://schemas.openxmlformats.org/officeDocument/2006/relationships" xmlns:p="http://schemas.openxmlformats.org/presentationml/2006/main" preserve="1">
+  <p:cSld name="Quote with Caption">
+    <p:spTree>
+      <p:nvGrpSpPr>
+        <p:cNvPr id="1" name=""/>
+        <p:cNvGrpSpPr/>
+        <p:nvPr/>
+      </p:nvGrpSpPr>
+      <p:grpSpPr>
+        <a:xfrm>
+          <a:off x="0" y="0"/>
+          <a:ext cx="0" cy="0"/>
+          <a:chOff x="0" y="0"/>
+          <a:chExt cx="0" cy="0"/>
+        </a:xfrm>
+      </p:grpSpPr>
+      <p:sp>
+        <p:nvSpPr>
+          <p:cNvPr id="2" name="Title 1"/>
+          <p:cNvSpPr>
+            <a:spLocks noGrp="1"/>
+          </p:cNvSpPr>
+          <p:nvPr>
+            <p:ph type="title"/>
+          </p:nvPr>
+        </p:nvSpPr>
+        <p:spPr>
+          <a:xfrm>
+            <a:off x="931334" y="609600"/>
+            <a:ext cx="8094134" cy="3022600"/>
+          </a:xfrm>
+        </p:spPr>
+        <p:txBody>
+          <a:bodyPr anchor="ctr">
+            <a:normAutofit/>
+          </a:bodyPr>
+          <a:lstStyle>
+            <a:lvl1pPr algn="l">
+              <a:defRPr sz="4400" b="0" cap="none"/>
+            </a:lvl1pPr>
+          </a:lstStyle>
+          <a:p>
+            <a:r>
+              <a:rPr lang="en-US" smtClean="0"/>
+              <a:t>Click to edit Master title style</a:t>
+            </a:r>
+            <a:endParaRPr lang="en-US" dirty="0"/>
+          </a:p>
+        </p:txBody>
+      </p:sp>
+      <p:sp>
+        <p:nvSpPr>
+          <p:cNvPr id="23" name="Text Placeholder 9"/>
+          <p:cNvSpPr>
+            <a:spLocks noGrp="1"/>
+          </p:cNvSpPr>
+          <p:nvPr>
+            <p:ph type="body" sz="quarter" idx="13"/>
+          </p:nvPr>
+        </p:nvSpPr>
+        <p:spPr>
+          <a:xfrm>
+            <a:off x="1366139" y="3632200"/>
+            <a:ext cx="7224524" cy="381000"/>
+          </a:xfrm>
+        </p:spPr>
+        <p:txBody>
+          <a:bodyPr anchor="ctr">
+            <a:noAutofit/>
+          </a:bodyPr>
+          <a:lstStyle>
+            <a:lvl1pPr marL="0" indent="0">
+              <a:buFontTx/>
+              <a:buNone/>
+              <a:defRPr sz="1600">
+                <a:solidFill>
+                  <a:schemeClr val="tx1">
+                    <a:lumMod val="50000"/>
+                    <a:lumOff val="50000"/>
+                  </a:schemeClr>
+                </a:solidFill>
+              </a:defRPr>
+            </a:lvl1pPr>
+            <a:lvl2pPr marL="457200" indent="0">
+              <a:buFontTx/>
+              <a:buNone/>
+              <a:defRPr/>
+            </a:lvl2pPr>
+            <a:lvl3pPr marL="914400" indent="0">
+              <a:buFontTx/>
+              <a:buNone/>
+              <a:defRPr/>
+            </a:lvl3pPr>
+            <a:lvl4pPr marL="1371600" indent="0">
+              <a:buFontTx/>
+              <a:buNone/>
+              <a:defRPr/>
+            </a:lvl4pPr>
+            <a:lvl5pPr marL="1828800" indent="0">
+              <a:buFontTx/>
+              <a:buNone/>
+              <a:defRPr/>
+            </a:lvl5pPr>
+          </a:lstStyle>
+          <a:p>
+            <a:pPr lvl="0"/>
+            <a:r>
+              <a:rPr lang="en-US" smtClean="0"/>
+              <a:t>Edit Master text styles</a:t>
+            </a:r>
+          </a:p>
+        </p:txBody>
+      </p:sp>
+      <p:sp>
+        <p:nvSpPr>
+          <p:cNvPr id="3" name="Text Placeholder 2"/>
+          <p:cNvSpPr>
+            <a:spLocks noGrp="1"/>
+          </p:cNvSpPr>
+          <p:nvPr>
+            <p:ph type="body" idx="1"/>
+          </p:nvPr>
+        </p:nvSpPr>
+        <p:spPr>
+          <a:xfrm>
+            <a:off x="677335" y="4470400"/>
+            <a:ext cx="8596668" cy="1570962"/>
+          </a:xfrm>
+        </p:spPr>
+        <p:txBody>
+          <a:bodyPr anchor="ctr">
+            <a:normAutofit/>
+          </a:bodyPr>
+          <a:lstStyle>
+            <a:lvl1pPr marL="0" indent="0" algn="l">
+              <a:buNone/>
+              <a:defRPr sz="1800">
+                <a:solidFill>
+                  <a:schemeClr val="tx1">
+                    <a:lumMod val="75000"/>
+                    <a:lumOff val="25000"/>
+                  </a:schemeClr>
+                </a:solidFill>
+              </a:defRPr>
+            </a:lvl1pPr>
+            <a:lvl2pPr marL="457200" indent="0">
+              <a:buNone/>
+              <a:defRPr sz="1800">
+                <a:solidFill>
+                  <a:schemeClr val="tx1">
+                    <a:tint val="75000"/>
+                  </a:schemeClr>
+                </a:solidFill>
+              </a:defRPr>
+            </a:lvl2pPr>
+            <a:lvl3pPr marL="914400" indent="0">
+              <a:buNone/>
+              <a:defRPr sz="1600">
+                <a:solidFill>
+                  <a:schemeClr val="tx1">
+                    <a:tint val="75000"/>
+                  </a:schemeClr>
+                </a:solidFill>
+              </a:defRPr>
+            </a:lvl3pPr>
+            <a:lvl4pPr marL="1371600" indent="0">
+              <a:buNone/>
+              <a:defRPr sz="1400">
+                <a:solidFill>
+                  <a:schemeClr val="tx1">
+                    <a:tint val="75000"/>
+                  </a:schemeClr>
+                </a:solidFill>
+              </a:defRPr>
+            </a:lvl4pPr>
+            <a:lvl5pPr marL="1828800" indent="0">
+              <a:buNone/>
+              <a:defRPr sz="1400">
+                <a:solidFill>
+                  <a:schemeClr val="tx1">
+                    <a:tint val="75000"/>
+                  </a:schemeClr>
+                </a:solidFill>
+              </a:defRPr>
+            </a:lvl5pPr>
+            <a:lvl6pPr marL="2286000" indent="0">
+              <a:buNone/>
+              <a:defRPr sz="1400">
+                <a:solidFill>
+                  <a:schemeClr val="tx1">
+                    <a:tint val="75000"/>
+                  </a:schemeClr>
+                </a:solidFill>
+              </a:defRPr>
+            </a:lvl6pPr>
+            <a:lvl7pPr marL="2743200" indent="0">
+              <a:buNone/>
+              <a:defRPr sz="1400">
+                <a:solidFill>
+                  <a:schemeClr val="tx1">
+                    <a:tint val="75000"/>
+                  </a:schemeClr>
+                </a:solidFill>
+              </a:defRPr>
+            </a:lvl7pPr>
+            <a:lvl8pPr marL="3200400" indent="0">
+              <a:buNone/>
+              <a:defRPr sz="1400">
+                <a:solidFill>
+                  <a:schemeClr val="tx1">
+                    <a:tint val="75000"/>
+                  </a:schemeClr>
+                </a:solidFill>
+              </a:defRPr>
+            </a:lvl8pPr>
+            <a:lvl9pPr marL="3657600" indent="0">
+              <a:buNone/>
+              <a:defRPr sz="1400">
+                <a:solidFill>
+                  <a:schemeClr val="tx1">
+                    <a:tint val="75000"/>
+                  </a:schemeClr>
+                </a:solidFill>
+              </a:defRPr>
+            </a:lvl9pPr>
+          </a:lstStyle>
+          <a:p>
+            <a:pPr lvl="0"/>
+            <a:r>
+              <a:rPr lang="en-US" smtClean="0"/>
+              <a:t>Edit Master text styles</a:t>
+            </a:r>
+          </a:p>
+        </p:txBody>
+      </p:sp>
+      <p:sp>
+        <p:nvSpPr>
+          <p:cNvPr id="4" name="Date Placeholder 3"/>
+          <p:cNvSpPr>
+            <a:spLocks noGrp="1"/>
+          </p:cNvSpPr>
+          <p:nvPr>
+            <p:ph type="dt" sz="half" idx="10"/>
+          </p:nvPr>
+        </p:nvSpPr>
+        <p:spPr/>
+        <p:txBody>
+          <a:bodyPr/>
+          <a:lstStyle/>
+          <a:p>
+            <a:fld id="{9E2A3FCB-1800-44DC-A1B9-C3FA5D53B234}" type="datetimeFigureOut">
+              <a:rPr lang="en-GB" smtClean="0"/>
+              <a:t>31/01/2017</a:t>
+            </a:fld>
+            <a:endParaRPr lang="en-GB"/>
+          </a:p>
+        </p:txBody>
+      </p:sp>
+      <p:sp>
+        <p:nvSpPr>
+          <p:cNvPr id="5" name="Footer Placeholder 4"/>
+          <p:cNvSpPr>
+            <a:spLocks noGrp="1"/>
+          </p:cNvSpPr>
+          <p:nvPr>
+            <p:ph type="ftr" sz="quarter" idx="11"/>
+          </p:nvPr>
+        </p:nvSpPr>
+        <p:spPr/>
+        <p:txBody>
+          <a:bodyPr/>
+          <a:lstStyle/>
+          <a:p>
+            <a:endParaRPr lang="en-GB"/>
+          </a:p>
+        </p:txBody>
+      </p:sp>
+      <p:sp>
+        <p:nvSpPr>
+          <p:cNvPr id="6" name="Slide Number Placeholder 5"/>
+          <p:cNvSpPr>
+            <a:spLocks noGrp="1"/>
+          </p:cNvSpPr>
+          <p:nvPr>
+            <p:ph type="sldNum" sz="quarter" idx="12"/>
+          </p:nvPr>
+        </p:nvSpPr>
+        <p:spPr/>
+        <p:txBody>
+          <a:bodyPr/>
+          <a:lstStyle/>
+          <a:p>
+            <a:fld id="{5BEE2D4C-1E11-419D-B002-632BE72A6266}" type="slidenum">
+              <a:rPr lang="en-GB" smtClean="0"/>
+              <a:t>‹#›</a:t>
+            </a:fld>
+            <a:endParaRPr lang="en-GB"/>
+          </a:p>
+        </p:txBody>
+      </p:sp>
+      <p:sp>
+        <p:nvSpPr>
+          <p:cNvPr id="20" name="TextBox 19"/>
+          <p:cNvSpPr txBox="1"/>
+          <p:nvPr/>
+        </p:nvSpPr>
+        <p:spPr>
+          <a:xfrm>
+            <a:off x="541870" y="790378"/>
+            <a:ext cx="609600" cy="584776"/>
+          </a:xfrm>
+          <a:prstGeom prst="rect">
+            <a:avLst/>
+          </a:prstGeom>
+        </p:spPr>
+        <p:txBody>
+          <a:bodyPr vert="horz" lIns="91440" tIns="45720" rIns="91440" bIns="45720" rtlCol="0" anchor="ctr">
+            <a:noAutofit/>
+          </a:bodyPr>
+          <a:lstStyle/>
+          <a:p>
+            <a:pPr lvl="0"/>
+            <a:r>
+              <a:rPr lang="en-US" sz="8000" baseline="0" dirty="0">
+                <a:ln w="3175" cmpd="sng">
+                  <a:noFill/>
+                </a:ln>
+                <a:solidFill>
+                  <a:schemeClr val="accent1">
+                    <a:lumMod val="60000"/>
+                    <a:lumOff val="40000"/>
+                  </a:schemeClr>
+                </a:solidFill>
+                <a:effectLst/>
+                <a:latin typeface="Arial"/>
+              </a:rPr>
+              <a:t>“</a:t>
+            </a:r>
+          </a:p>
+        </p:txBody>
+      </p:sp>
+      <p:sp>
+        <p:nvSpPr>
+          <p:cNvPr id="22" name="TextBox 21"/>
+          <p:cNvSpPr txBox="1"/>
+          <p:nvPr/>
+        </p:nvSpPr>
+        <p:spPr>
+          <a:xfrm>
+            <a:off x="8893011" y="2886556"/>
+            <a:ext cx="609600" cy="584776"/>
+          </a:xfrm>
+          <a:prstGeom prst="rect">
+            <a:avLst/>
+          </a:prstGeom>
+        </p:spPr>
+        <p:txBody>
+          <a:bodyPr vert="horz" lIns="91440" tIns="45720" rIns="91440" bIns="45720" rtlCol="0" anchor="ctr">
+            <a:noAutofit/>
+          </a:bodyPr>
+          <a:lstStyle/>
+          <a:p>
+            <a:pPr lvl="0"/>
+            <a:r>
+              <a:rPr lang="en-US" sz="8000" baseline="0" dirty="0">
+                <a:ln w="3175" cmpd="sng">
+                  <a:noFill/>
+                </a:ln>
+                <a:solidFill>
+                  <a:schemeClr val="accent1">
+                    <a:lumMod val="60000"/>
+                    <a:lumOff val="40000"/>
+                  </a:schemeClr>
+                </a:solidFill>
+                <a:latin typeface="Arial"/>
+              </a:rPr>
+              <a:t>”</a:t>
+            </a:r>
+            <a:endParaRPr lang="en-US" dirty="0">
+              <a:solidFill>
+                <a:schemeClr val="accent1">
+                  <a:lumMod val="60000"/>
+                  <a:lumOff val="40000"/>
+                </a:schemeClr>
+              </a:solidFill>
+              <a:latin typeface="Arial"/>
+            </a:endParaRPr>
+          </a:p>
+        </p:txBody>
+      </p:sp>
+    </p:spTree>
+    <p:extLst>
+      <p:ext uri="{BB962C8B-B14F-4D97-AF65-F5344CB8AC3E}">
+        <p14:creationId xmlns:p14="http://schemas.microsoft.com/office/powerpoint/2010/main" val="3787248814"/>
+      </p:ext>
+    </p:extLst>
+  </p:cSld>
+  <p:clrMapOvr>
+    <a:masterClrMapping/>
+  </p:clrMapOvr>
+</p:sldLayout>
+</file>
+
+<file path=ppt/slideLayouts/slideLayout12.xml><?xml version="1.0" encoding="utf-8"?>
+<p:sldLayout xmlns:a="http://schemas.openxmlformats.org/drawingml/2006/main" xmlns:r="http://schemas.openxmlformats.org/officeDocument/2006/relationships" xmlns:p="http://schemas.openxmlformats.org/presentationml/2006/main" preserve="1">
+  <p:cSld name="Name Card">
+    <p:spTree>
+      <p:nvGrpSpPr>
+        <p:cNvPr id="1" name=""/>
+        <p:cNvGrpSpPr/>
+        <p:nvPr/>
+      </p:nvGrpSpPr>
+      <p:grpSpPr>
+        <a:xfrm>
+          <a:off x="0" y="0"/>
+          <a:ext cx="0" cy="0"/>
+          <a:chOff x="0" y="0"/>
+          <a:chExt cx="0" cy="0"/>
+        </a:xfrm>
+      </p:grpSpPr>
+      <p:sp>
+        <p:nvSpPr>
+          <p:cNvPr id="2" name="Title 1"/>
+          <p:cNvSpPr>
+            <a:spLocks noGrp="1"/>
+          </p:cNvSpPr>
+          <p:nvPr>
+            <p:ph type="title"/>
+          </p:nvPr>
+        </p:nvSpPr>
+        <p:spPr>
+          <a:xfrm>
+            <a:off x="677335" y="1931988"/>
+            <a:ext cx="8596668" cy="2595460"/>
+          </a:xfrm>
+        </p:spPr>
+        <p:txBody>
+          <a:bodyPr anchor="b">
+            <a:normAutofit/>
+          </a:bodyPr>
+          <a:lstStyle>
+            <a:lvl1pPr algn="l">
+              <a:defRPr sz="4400" b="0" cap="none"/>
+            </a:lvl1pPr>
+          </a:lstStyle>
+          <a:p>
+            <a:r>
+              <a:rPr lang="en-US" smtClean="0"/>
+              <a:t>Click to edit Master title style</a:t>
+            </a:r>
+            <a:endParaRPr lang="en-US" dirty="0"/>
+          </a:p>
+        </p:txBody>
+      </p:sp>
+      <p:sp>
+        <p:nvSpPr>
+          <p:cNvPr id="3" name="Text Placeholder 2"/>
+          <p:cNvSpPr>
+            <a:spLocks noGrp="1"/>
+          </p:cNvSpPr>
+          <p:nvPr>
+            <p:ph type="body" idx="1"/>
+          </p:nvPr>
+        </p:nvSpPr>
+        <p:spPr>
+          <a:xfrm>
+            <a:off x="677335" y="4527448"/>
+            <a:ext cx="8596668" cy="1513914"/>
+          </a:xfrm>
+        </p:spPr>
+        <p:txBody>
+          <a:bodyPr anchor="t">
+            <a:normAutofit/>
+          </a:bodyPr>
+          <a:lstStyle>
+            <a:lvl1pPr marL="0" indent="0" algn="l">
+              <a:buNone/>
+              <a:defRPr sz="1800">
+                <a:solidFill>
+                  <a:schemeClr val="tx1">
+                    <a:lumMod val="75000"/>
+                    <a:lumOff val="25000"/>
+                  </a:schemeClr>
+                </a:solidFill>
+              </a:defRPr>
+            </a:lvl1pPr>
+            <a:lvl2pPr marL="457200" indent="0">
+              <a:buNone/>
+              <a:defRPr sz="1800">
+                <a:solidFill>
+                  <a:schemeClr val="tx1">
+                    <a:tint val="75000"/>
+                  </a:schemeClr>
+                </a:solidFill>
+              </a:defRPr>
+            </a:lvl2pPr>
+            <a:lvl3pPr marL="914400" indent="0">
+              <a:buNone/>
+              <a:defRPr sz="1600">
+                <a:solidFill>
+                  <a:schemeClr val="tx1">
+                    <a:tint val="75000"/>
+                  </a:schemeClr>
+                </a:solidFill>
+              </a:defRPr>
+            </a:lvl3pPr>
+            <a:lvl4pPr marL="1371600" indent="0">
+              <a:buNone/>
+              <a:defRPr sz="1400">
+                <a:solidFill>
+                  <a:schemeClr val="tx1">
+                    <a:tint val="75000"/>
+                  </a:schemeClr>
+                </a:solidFill>
+              </a:defRPr>
+            </a:lvl4pPr>
+            <a:lvl5pPr marL="1828800" indent="0">
+              <a:buNone/>
+              <a:defRPr sz="1400">
+                <a:solidFill>
+                  <a:schemeClr val="tx1">
+                    <a:tint val="75000"/>
+                  </a:schemeClr>
+                </a:solidFill>
+              </a:defRPr>
+            </a:lvl5pPr>
+            <a:lvl6pPr marL="2286000" indent="0">
+              <a:buNone/>
+              <a:defRPr sz="1400">
+                <a:solidFill>
+                  <a:schemeClr val="tx1">
+                    <a:tint val="75000"/>
+                  </a:schemeClr>
+                </a:solidFill>
+              </a:defRPr>
+            </a:lvl6pPr>
+            <a:lvl7pPr marL="2743200" indent="0">
+              <a:buNone/>
+              <a:defRPr sz="1400">
+                <a:solidFill>
+                  <a:schemeClr val="tx1">
+                    <a:tint val="75000"/>
+                  </a:schemeClr>
+                </a:solidFill>
+              </a:defRPr>
+            </a:lvl7pPr>
+            <a:lvl8pPr marL="3200400" indent="0">
+              <a:buNone/>
+              <a:defRPr sz="1400">
+                <a:solidFill>
+                  <a:schemeClr val="tx1">
+                    <a:tint val="75000"/>
+                  </a:schemeClr>
+                </a:solidFill>
+              </a:defRPr>
+            </a:lvl8pPr>
+            <a:lvl9pPr marL="3657600" indent="0">
+              <a:buNone/>
+              <a:defRPr sz="1400">
+                <a:solidFill>
+                  <a:schemeClr val="tx1">
+                    <a:tint val="75000"/>
+                  </a:schemeClr>
+                </a:solidFill>
+              </a:defRPr>
+            </a:lvl9pPr>
+          </a:lstStyle>
+          <a:p>
+            <a:pPr lvl="0"/>
+            <a:r>
+              <a:rPr lang="en-US" smtClean="0"/>
+              <a:t>Edit Master text styles</a:t>
+            </a:r>
+          </a:p>
+        </p:txBody>
+      </p:sp>
+      <p:sp>
+        <p:nvSpPr>
+          <p:cNvPr id="4" name="Date Placeholder 3"/>
+          <p:cNvSpPr>
+            <a:spLocks noGrp="1"/>
+          </p:cNvSpPr>
+          <p:nvPr>
+            <p:ph type="dt" sz="half" idx="10"/>
+          </p:nvPr>
+        </p:nvSpPr>
+        <p:spPr/>
+        <p:txBody>
+          <a:bodyPr/>
+          <a:lstStyle/>
+          <a:p>
+            <a:fld id="{9E2A3FCB-1800-44DC-A1B9-C3FA5D53B234}" type="datetimeFigureOut">
+              <a:rPr lang="en-GB" smtClean="0"/>
+              <a:t>31/01/2017</a:t>
+            </a:fld>
+            <a:endParaRPr lang="en-GB"/>
+          </a:p>
+        </p:txBody>
+      </p:sp>
+      <p:sp>
+        <p:nvSpPr>
+          <p:cNvPr id="5" name="Footer Placeholder 4"/>
+          <p:cNvSpPr>
+            <a:spLocks noGrp="1"/>
+          </p:cNvSpPr>
+          <p:nvPr>
+            <p:ph type="ftr" sz="quarter" idx="11"/>
+          </p:nvPr>
+        </p:nvSpPr>
+        <p:spPr/>
+        <p:txBody>
+          <a:bodyPr/>
+          <a:lstStyle/>
+          <a:p>
+            <a:endParaRPr lang="en-GB"/>
+          </a:p>
+        </p:txBody>
+      </p:sp>
+      <p:sp>
+        <p:nvSpPr>
+          <p:cNvPr id="6" name="Slide Number Placeholder 5"/>
+          <p:cNvSpPr>
+            <a:spLocks noGrp="1"/>
+          </p:cNvSpPr>
+          <p:nvPr>
+            <p:ph type="sldNum" sz="quarter" idx="12"/>
+          </p:nvPr>
+        </p:nvSpPr>
+        <p:spPr/>
+        <p:txBody>
+          <a:bodyPr/>
+          <a:lstStyle/>
+          <a:p>
+            <a:fld id="{5BEE2D4C-1E11-419D-B002-632BE72A6266}" type="slidenum">
+              <a:rPr lang="en-GB" smtClean="0"/>
+              <a:t>‹#›</a:t>
+            </a:fld>
+            <a:endParaRPr lang="en-GB"/>
+          </a:p>
+        </p:txBody>
+      </p:sp>
+    </p:spTree>
+    <p:extLst>
+      <p:ext uri="{BB962C8B-B14F-4D97-AF65-F5344CB8AC3E}">
+        <p14:creationId xmlns:p14="http://schemas.microsoft.com/office/powerpoint/2010/main" val="883321841"/>
+      </p:ext>
+    </p:extLst>
+  </p:cSld>
+  <p:clrMapOvr>
+    <a:masterClrMapping/>
+  </p:clrMapOvr>
+</p:sldLayout>
+</file>
+
+<file path=ppt/slideLayouts/slideLayout13.xml><?xml version="1.0" encoding="utf-8"?>
+<p:sldLayout xmlns:a="http://schemas.openxmlformats.org/drawingml/2006/main" xmlns:r="http://schemas.openxmlformats.org/officeDocument/2006/relationships" xmlns:p="http://schemas.openxmlformats.org/presentationml/2006/main" preserve="1">
+  <p:cSld name="Quote Name Card">
+    <p:spTree>
+      <p:nvGrpSpPr>
+        <p:cNvPr id="1" name=""/>
+        <p:cNvGrpSpPr/>
+        <p:nvPr/>
+      </p:nvGrpSpPr>
+      <p:grpSpPr>
+        <a:xfrm>
+          <a:off x="0" y="0"/>
+          <a:ext cx="0" cy="0"/>
+          <a:chOff x="0" y="0"/>
+          <a:chExt cx="0" cy="0"/>
+        </a:xfrm>
+      </p:grpSpPr>
+      <p:sp>
+        <p:nvSpPr>
+          <p:cNvPr id="2" name="Title 1"/>
+          <p:cNvSpPr>
+            <a:spLocks noGrp="1"/>
+          </p:cNvSpPr>
+          <p:nvPr>
+            <p:ph type="title"/>
+          </p:nvPr>
+        </p:nvSpPr>
+        <p:spPr>
+          <a:xfrm>
+            <a:off x="931334" y="609600"/>
+            <a:ext cx="8094134" cy="3022600"/>
+          </a:xfrm>
+        </p:spPr>
+        <p:txBody>
+          <a:bodyPr anchor="ctr">
+            <a:normAutofit/>
+          </a:bodyPr>
+          <a:lstStyle>
+            <a:lvl1pPr algn="l">
+              <a:defRPr sz="4400" b="0" cap="none"/>
+            </a:lvl1pPr>
+          </a:lstStyle>
+          <a:p>
+            <a:r>
+              <a:rPr lang="en-US" smtClean="0"/>
+              <a:t>Click to edit Master title style</a:t>
+            </a:r>
+            <a:endParaRPr lang="en-US" dirty="0"/>
+          </a:p>
+        </p:txBody>
+      </p:sp>
+      <p:sp>
+        <p:nvSpPr>
+          <p:cNvPr id="23" name="Text Placeholder 9"/>
+          <p:cNvSpPr>
+            <a:spLocks noGrp="1"/>
+          </p:cNvSpPr>
+          <p:nvPr>
+            <p:ph type="body" sz="quarter" idx="13"/>
+          </p:nvPr>
+        </p:nvSpPr>
+        <p:spPr>
+          <a:xfrm>
+            <a:off x="677332" y="4013200"/>
+            <a:ext cx="8596669" cy="514248"/>
+          </a:xfrm>
+        </p:spPr>
+        <p:txBody>
+          <a:bodyPr anchor="b">
+            <a:noAutofit/>
+          </a:bodyPr>
+          <a:lstStyle>
+            <a:lvl1pPr marL="0" indent="0">
+              <a:buFontTx/>
+              <a:buNone/>
+              <a:defRPr sz="2400">
+                <a:solidFill>
+                  <a:schemeClr val="tx1">
+                    <a:lumMod val="75000"/>
+                    <a:lumOff val="25000"/>
+                  </a:schemeClr>
+                </a:solidFill>
+              </a:defRPr>
+            </a:lvl1pPr>
+            <a:lvl2pPr marL="457200" indent="0">
+              <a:buFontTx/>
+              <a:buNone/>
+              <a:defRPr/>
+            </a:lvl2pPr>
+            <a:lvl3pPr marL="914400" indent="0">
+              <a:buFontTx/>
+              <a:buNone/>
+              <a:defRPr/>
+            </a:lvl3pPr>
+            <a:lvl4pPr marL="1371600" indent="0">
+              <a:buFontTx/>
+              <a:buNone/>
+              <a:defRPr/>
+            </a:lvl4pPr>
+            <a:lvl5pPr marL="1828800" indent="0">
+              <a:buFontTx/>
+              <a:buNone/>
+              <a:defRPr/>
+            </a:lvl5pPr>
+          </a:lstStyle>
+          <a:p>
+            <a:pPr lvl="0"/>
+            <a:r>
+              <a:rPr lang="en-US" smtClean="0"/>
+              <a:t>Edit Master text styles</a:t>
+            </a:r>
+          </a:p>
+        </p:txBody>
+      </p:sp>
+      <p:sp>
+        <p:nvSpPr>
+          <p:cNvPr id="3" name="Text Placeholder 2"/>
+          <p:cNvSpPr>
+            <a:spLocks noGrp="1"/>
+          </p:cNvSpPr>
+          <p:nvPr>
+            <p:ph type="body" idx="1"/>
+          </p:nvPr>
+        </p:nvSpPr>
+        <p:spPr>
+          <a:xfrm>
+            <a:off x="677335" y="4527448"/>
+            <a:ext cx="8596668" cy="1513914"/>
+          </a:xfrm>
+        </p:spPr>
+        <p:txBody>
+          <a:bodyPr anchor="t">
+            <a:normAutofit/>
+          </a:bodyPr>
+          <a:lstStyle>
+            <a:lvl1pPr marL="0" indent="0" algn="l">
+              <a:buNone/>
+              <a:defRPr sz="1800">
+                <a:solidFill>
+                  <a:schemeClr val="tx1">
+                    <a:lumMod val="50000"/>
+                    <a:lumOff val="50000"/>
+                  </a:schemeClr>
+                </a:solidFill>
+              </a:defRPr>
+            </a:lvl1pPr>
+            <a:lvl2pPr marL="457200" indent="0">
+              <a:buNone/>
+              <a:defRPr sz="1800">
+                <a:solidFill>
+                  <a:schemeClr val="tx1">
+                    <a:tint val="75000"/>
+                  </a:schemeClr>
+                </a:solidFill>
+              </a:defRPr>
+            </a:lvl2pPr>
+            <a:lvl3pPr marL="914400" indent="0">
+              <a:buNone/>
+              <a:defRPr sz="1600">
+                <a:solidFill>
+                  <a:schemeClr val="tx1">
+                    <a:tint val="75000"/>
+                  </a:schemeClr>
+                </a:solidFill>
+              </a:defRPr>
+            </a:lvl3pPr>
+            <a:lvl4pPr marL="1371600" indent="0">
+              <a:buNone/>
+              <a:defRPr sz="1400">
+                <a:solidFill>
+                  <a:schemeClr val="tx1">
+                    <a:tint val="75000"/>
+                  </a:schemeClr>
+                </a:solidFill>
+              </a:defRPr>
+            </a:lvl4pPr>
+            <a:lvl5pPr marL="1828800" indent="0">
+              <a:buNone/>
+              <a:defRPr sz="1400">
+                <a:solidFill>
+                  <a:schemeClr val="tx1">
+                    <a:tint val="75000"/>
+                  </a:schemeClr>
+                </a:solidFill>
+              </a:defRPr>
+            </a:lvl5pPr>
+            <a:lvl6pPr marL="2286000" indent="0">
+              <a:buNone/>
+              <a:defRPr sz="1400">
+                <a:solidFill>
+                  <a:schemeClr val="tx1">
+                    <a:tint val="75000"/>
+                  </a:schemeClr>
+                </a:solidFill>
+              </a:defRPr>
+            </a:lvl6pPr>
+            <a:lvl7pPr marL="2743200" indent="0">
+              <a:buNone/>
+              <a:defRPr sz="1400">
+                <a:solidFill>
+                  <a:schemeClr val="tx1">
+                    <a:tint val="75000"/>
+                  </a:schemeClr>
+                </a:solidFill>
+              </a:defRPr>
+            </a:lvl7pPr>
+            <a:lvl8pPr marL="3200400" indent="0">
+              <a:buNone/>
+              <a:defRPr sz="1400">
+                <a:solidFill>
+                  <a:schemeClr val="tx1">
+                    <a:tint val="75000"/>
+                  </a:schemeClr>
+                </a:solidFill>
+              </a:defRPr>
+            </a:lvl8pPr>
+            <a:lvl9pPr marL="3657600" indent="0">
+              <a:buNone/>
+              <a:defRPr sz="1400">
+                <a:solidFill>
+                  <a:schemeClr val="tx1">
+                    <a:tint val="75000"/>
+                  </a:schemeClr>
+                </a:solidFill>
+              </a:defRPr>
+            </a:lvl9pPr>
+          </a:lstStyle>
+          <a:p>
+            <a:pPr lvl="0"/>
+            <a:r>
+              <a:rPr lang="en-US" smtClean="0"/>
+              <a:t>Edit Master text styles</a:t>
+            </a:r>
+          </a:p>
+        </p:txBody>
+      </p:sp>
+      <p:sp>
+        <p:nvSpPr>
+          <p:cNvPr id="4" name="Date Placeholder 3"/>
+          <p:cNvSpPr>
+            <a:spLocks noGrp="1"/>
+          </p:cNvSpPr>
+          <p:nvPr>
+            <p:ph type="dt" sz="half" idx="10"/>
+          </p:nvPr>
+        </p:nvSpPr>
+        <p:spPr/>
+        <p:txBody>
+          <a:bodyPr/>
+          <a:lstStyle/>
+          <a:p>
+            <a:fld id="{9E2A3FCB-1800-44DC-A1B9-C3FA5D53B234}" type="datetimeFigureOut">
+              <a:rPr lang="en-GB" smtClean="0"/>
+              <a:t>31/01/2017</a:t>
+            </a:fld>
+            <a:endParaRPr lang="en-GB"/>
+          </a:p>
+        </p:txBody>
+      </p:sp>
+      <p:sp>
+        <p:nvSpPr>
+          <p:cNvPr id="5" name="Footer Placeholder 4"/>
+          <p:cNvSpPr>
+            <a:spLocks noGrp="1"/>
+          </p:cNvSpPr>
+          <p:nvPr>
+            <p:ph type="ftr" sz="quarter" idx="11"/>
+          </p:nvPr>
+        </p:nvSpPr>
+        <p:spPr/>
+        <p:txBody>
+          <a:bodyPr/>
+          <a:lstStyle/>
+          <a:p>
+            <a:endParaRPr lang="en-GB"/>
+          </a:p>
+        </p:txBody>
+      </p:sp>
+      <p:sp>
+        <p:nvSpPr>
+          <p:cNvPr id="6" name="Slide Number Placeholder 5"/>
+          <p:cNvSpPr>
+            <a:spLocks noGrp="1"/>
+          </p:cNvSpPr>
+          <p:nvPr>
+            <p:ph type="sldNum" sz="quarter" idx="12"/>
+          </p:nvPr>
+        </p:nvSpPr>
+        <p:spPr/>
+        <p:txBody>
+          <a:bodyPr/>
+          <a:lstStyle/>
+          <a:p>
+            <a:fld id="{5BEE2D4C-1E11-419D-B002-632BE72A6266}" type="slidenum">
+              <a:rPr lang="en-GB" smtClean="0"/>
+              <a:t>‹#›</a:t>
+            </a:fld>
+            <a:endParaRPr lang="en-GB"/>
+          </a:p>
+        </p:txBody>
+      </p:sp>
+      <p:sp>
+        <p:nvSpPr>
+          <p:cNvPr id="24" name="TextBox 23"/>
+          <p:cNvSpPr txBox="1"/>
+          <p:nvPr/>
+        </p:nvSpPr>
+        <p:spPr>
+          <a:xfrm>
+            <a:off x="541870" y="790378"/>
+            <a:ext cx="609600" cy="584776"/>
+          </a:xfrm>
+          <a:prstGeom prst="rect">
+            <a:avLst/>
+          </a:prstGeom>
+        </p:spPr>
+        <p:txBody>
+          <a:bodyPr vert="horz" lIns="91440" tIns="45720" rIns="91440" bIns="45720" rtlCol="0" anchor="ctr">
+            <a:noAutofit/>
+          </a:bodyPr>
+          <a:lstStyle/>
+          <a:p>
+            <a:pPr lvl="0"/>
+            <a:r>
+              <a:rPr lang="en-US" sz="8000" baseline="0" dirty="0">
+                <a:ln w="3175" cmpd="sng">
+                  <a:noFill/>
+                </a:ln>
+                <a:solidFill>
+                  <a:schemeClr val="accent1">
+                    <a:lumMod val="60000"/>
+                    <a:lumOff val="40000"/>
+                  </a:schemeClr>
+                </a:solidFill>
+                <a:effectLst/>
+                <a:latin typeface="Arial"/>
+              </a:rPr>
+              <a:t>“</a:t>
+            </a:r>
+          </a:p>
+        </p:txBody>
+      </p:sp>
+      <p:sp>
+        <p:nvSpPr>
+          <p:cNvPr id="25" name="TextBox 24"/>
+          <p:cNvSpPr txBox="1"/>
+          <p:nvPr/>
+        </p:nvSpPr>
+        <p:spPr>
+          <a:xfrm>
+            <a:off x="8893011" y="2886556"/>
+            <a:ext cx="609600" cy="584776"/>
+          </a:xfrm>
+          <a:prstGeom prst="rect">
+            <a:avLst/>
+          </a:prstGeom>
+        </p:spPr>
+        <p:txBody>
+          <a:bodyPr vert="horz" lIns="91440" tIns="45720" rIns="91440" bIns="45720" rtlCol="0" anchor="ctr">
+            <a:noAutofit/>
+          </a:bodyPr>
+          <a:lstStyle/>
+          <a:p>
+            <a:pPr lvl="0"/>
+            <a:r>
+              <a:rPr lang="en-US" sz="8000" baseline="0" dirty="0">
+                <a:ln w="3175" cmpd="sng">
+                  <a:noFill/>
+                </a:ln>
+                <a:solidFill>
+                  <a:schemeClr val="accent1">
+                    <a:lumMod val="60000"/>
+                    <a:lumOff val="40000"/>
+                  </a:schemeClr>
+                </a:solidFill>
+                <a:effectLst/>
+                <a:latin typeface="Arial"/>
+              </a:rPr>
+              <a:t>”</a:t>
+            </a:r>
+          </a:p>
+        </p:txBody>
+      </p:sp>
+    </p:spTree>
+    <p:extLst>
+      <p:ext uri="{BB962C8B-B14F-4D97-AF65-F5344CB8AC3E}">
+        <p14:creationId xmlns:p14="http://schemas.microsoft.com/office/powerpoint/2010/main" val="2315757680"/>
+      </p:ext>
+    </p:extLst>
+  </p:cSld>
+  <p:clrMapOvr>
+    <a:masterClrMapping/>
+  </p:clrMapOvr>
+</p:sldLayout>
+</file>
+
+<file path=ppt/slideLayouts/slideLayout14.xml><?xml version="1.0" encoding="utf-8"?>
+<p:sldLayout xmlns:a="http://schemas.openxmlformats.org/drawingml/2006/main" xmlns:r="http://schemas.openxmlformats.org/officeDocument/2006/relationships" xmlns:p="http://schemas.openxmlformats.org/presentationml/2006/main" preserve="1">
+  <p:cSld name="True or False">
+    <p:spTree>
+      <p:nvGrpSpPr>
+        <p:cNvPr id="1" name=""/>
+        <p:cNvGrpSpPr/>
+        <p:nvPr/>
+      </p:nvGrpSpPr>
+      <p:grpSpPr>
+        <a:xfrm>
+          <a:off x="0" y="0"/>
+          <a:ext cx="0" cy="0"/>
+          <a:chOff x="0" y="0"/>
+          <a:chExt cx="0" cy="0"/>
+        </a:xfrm>
+      </p:grpSpPr>
+      <p:sp>
+        <p:nvSpPr>
+          <p:cNvPr id="2" name="Title 1"/>
+          <p:cNvSpPr>
+            <a:spLocks noGrp="1"/>
+          </p:cNvSpPr>
+          <p:nvPr>
+            <p:ph type="title"/>
+          </p:nvPr>
+        </p:nvSpPr>
+        <p:spPr>
+          <a:xfrm>
+            <a:off x="685799" y="609600"/>
+            <a:ext cx="8588203" cy="3022600"/>
+          </a:xfrm>
+        </p:spPr>
+        <p:txBody>
+          <a:bodyPr anchor="ctr">
+            <a:normAutofit/>
+          </a:bodyPr>
+          <a:lstStyle>
+            <a:lvl1pPr algn="l">
+              <a:defRPr sz="4400" b="0" cap="none"/>
+            </a:lvl1pPr>
+          </a:lstStyle>
+          <a:p>
+            <a:r>
+              <a:rPr lang="en-US" smtClean="0"/>
+              <a:t>Click to edit Master title style</a:t>
+            </a:r>
+            <a:endParaRPr lang="en-US" dirty="0"/>
+          </a:p>
+        </p:txBody>
+      </p:sp>
+      <p:sp>
+        <p:nvSpPr>
+          <p:cNvPr id="23" name="Text Placeholder 9"/>
+          <p:cNvSpPr>
+            <a:spLocks noGrp="1"/>
+          </p:cNvSpPr>
+          <p:nvPr>
+            <p:ph type="body" sz="quarter" idx="13"/>
+          </p:nvPr>
+        </p:nvSpPr>
+        <p:spPr>
+          <a:xfrm>
+            <a:off x="677332" y="4013200"/>
+            <a:ext cx="8596669" cy="514248"/>
+          </a:xfrm>
+        </p:spPr>
+        <p:txBody>
+          <a:bodyPr anchor="b">
+            <a:noAutofit/>
+          </a:bodyPr>
+          <a:lstStyle>
+            <a:lvl1pPr marL="0" indent="0">
+              <a:buFontTx/>
+              <a:buNone/>
+              <a:defRPr sz="2400">
+                <a:solidFill>
+                  <a:schemeClr val="accent1"/>
+                </a:solidFill>
+              </a:defRPr>
+            </a:lvl1pPr>
+            <a:lvl2pPr marL="457200" indent="0">
+              <a:buFontTx/>
+              <a:buNone/>
+              <a:defRPr/>
+            </a:lvl2pPr>
+            <a:lvl3pPr marL="914400" indent="0">
+              <a:buFontTx/>
+              <a:buNone/>
+              <a:defRPr/>
+            </a:lvl3pPr>
+            <a:lvl4pPr marL="1371600" indent="0">
+              <a:buFontTx/>
+              <a:buNone/>
+              <a:defRPr/>
+            </a:lvl4pPr>
+            <a:lvl5pPr marL="1828800" indent="0">
+              <a:buFontTx/>
+              <a:buNone/>
+              <a:defRPr/>
+            </a:lvl5pPr>
+          </a:lstStyle>
+          <a:p>
+            <a:pPr lvl="0"/>
+            <a:r>
+              <a:rPr lang="en-US" smtClean="0"/>
+              <a:t>Edit Master text styles</a:t>
+            </a:r>
+          </a:p>
+        </p:txBody>
+      </p:sp>
+      <p:sp>
+        <p:nvSpPr>
+          <p:cNvPr id="3" name="Text Placeholder 2"/>
+          <p:cNvSpPr>
+            <a:spLocks noGrp="1"/>
+          </p:cNvSpPr>
+          <p:nvPr>
+            <p:ph type="body" idx="1"/>
+          </p:nvPr>
+        </p:nvSpPr>
+        <p:spPr>
+          <a:xfrm>
+            <a:off x="677335" y="4527448"/>
+            <a:ext cx="8596668" cy="1513914"/>
+          </a:xfrm>
+        </p:spPr>
+        <p:txBody>
+          <a:bodyPr anchor="t">
+            <a:normAutofit/>
+          </a:bodyPr>
+          <a:lstStyle>
+            <a:lvl1pPr marL="0" indent="0" algn="l">
+              <a:buNone/>
+              <a:defRPr sz="1800">
+                <a:solidFill>
+                  <a:schemeClr val="tx1">
+                    <a:lumMod val="50000"/>
+                    <a:lumOff val="50000"/>
+                  </a:schemeClr>
+                </a:solidFill>
+              </a:defRPr>
+            </a:lvl1pPr>
+            <a:lvl2pPr marL="457200" indent="0">
+              <a:buNone/>
+              <a:defRPr sz="1800">
+                <a:solidFill>
+                  <a:schemeClr val="tx1">
+                    <a:tint val="75000"/>
+                  </a:schemeClr>
+                </a:solidFill>
+              </a:defRPr>
+            </a:lvl2pPr>
+            <a:lvl3pPr marL="914400" indent="0">
+              <a:buNone/>
+              <a:defRPr sz="1600">
+                <a:solidFill>
+                  <a:schemeClr val="tx1">
+                    <a:tint val="75000"/>
+                  </a:schemeClr>
+                </a:solidFill>
+              </a:defRPr>
+            </a:lvl3pPr>
+            <a:lvl4pPr marL="1371600" indent="0">
+              <a:buNone/>
+              <a:defRPr sz="1400">
+                <a:solidFill>
+                  <a:schemeClr val="tx1">
+                    <a:tint val="75000"/>
+                  </a:schemeClr>
+                </a:solidFill>
+              </a:defRPr>
+            </a:lvl4pPr>
+            <a:lvl5pPr marL="1828800" indent="0">
+              <a:buNone/>
+              <a:defRPr sz="1400">
+                <a:solidFill>
+                  <a:schemeClr val="tx1">
+                    <a:tint val="75000"/>
+                  </a:schemeClr>
+                </a:solidFill>
+              </a:defRPr>
+            </a:lvl5pPr>
+            <a:lvl6pPr marL="2286000" indent="0">
+              <a:buNone/>
+              <a:defRPr sz="1400">
+                <a:solidFill>
+                  <a:schemeClr val="tx1">
+                    <a:tint val="75000"/>
+                  </a:schemeClr>
+                </a:solidFill>
+              </a:defRPr>
+            </a:lvl6pPr>
+            <a:lvl7pPr marL="2743200" indent="0">
+              <a:buNone/>
+              <a:defRPr sz="1400">
+                <a:solidFill>
+                  <a:schemeClr val="tx1">
+                    <a:tint val="75000"/>
+                  </a:schemeClr>
+                </a:solidFill>
+              </a:defRPr>
+            </a:lvl7pPr>
+            <a:lvl8pPr marL="3200400" indent="0">
+              <a:buNone/>
+              <a:defRPr sz="1400">
+                <a:solidFill>
+                  <a:schemeClr val="tx1">
+                    <a:tint val="75000"/>
+                  </a:schemeClr>
+                </a:solidFill>
+              </a:defRPr>
+            </a:lvl8pPr>
+            <a:lvl9pPr marL="3657600" indent="0">
+              <a:buNone/>
+              <a:defRPr sz="1400">
+                <a:solidFill>
+                  <a:schemeClr val="tx1">
+                    <a:tint val="75000"/>
+                  </a:schemeClr>
+                </a:solidFill>
+              </a:defRPr>
+            </a:lvl9pPr>
+          </a:lstStyle>
+          <a:p>
+            <a:pPr lvl="0"/>
+            <a:r>
+              <a:rPr lang="en-US" smtClean="0"/>
+              <a:t>Edit Master text styles</a:t>
+            </a:r>
+          </a:p>
+        </p:txBody>
+      </p:sp>
+      <p:sp>
+        <p:nvSpPr>
+          <p:cNvPr id="4" name="Date Placeholder 3"/>
+          <p:cNvSpPr>
+            <a:spLocks noGrp="1"/>
+          </p:cNvSpPr>
+          <p:nvPr>
+            <p:ph type="dt" sz="half" idx="10"/>
+          </p:nvPr>
+        </p:nvSpPr>
+        <p:spPr/>
+        <p:txBody>
+          <a:bodyPr/>
+          <a:lstStyle/>
+          <a:p>
+            <a:fld id="{9E2A3FCB-1800-44DC-A1B9-C3FA5D53B234}" type="datetimeFigureOut">
+              <a:rPr lang="en-GB" smtClean="0"/>
+              <a:t>31/01/2017</a:t>
+            </a:fld>
+            <a:endParaRPr lang="en-GB"/>
+          </a:p>
+        </p:txBody>
+      </p:sp>
+      <p:sp>
+        <p:nvSpPr>
+          <p:cNvPr id="5" name="Footer Placeholder 4"/>
+          <p:cNvSpPr>
+            <a:spLocks noGrp="1"/>
+          </p:cNvSpPr>
+          <p:nvPr>
+            <p:ph type="ftr" sz="quarter" idx="11"/>
+          </p:nvPr>
+        </p:nvSpPr>
+        <p:spPr/>
+        <p:txBody>
+          <a:bodyPr/>
+          <a:lstStyle/>
+          <a:p>
+            <a:endParaRPr lang="en-GB"/>
+          </a:p>
+        </p:txBody>
+      </p:sp>
+      <p:sp>
+        <p:nvSpPr>
+          <p:cNvPr id="6" name="Slide Number Placeholder 5"/>
+          <p:cNvSpPr>
+            <a:spLocks noGrp="1"/>
+          </p:cNvSpPr>
+          <p:nvPr>
+            <p:ph type="sldNum" sz="quarter" idx="12"/>
+          </p:nvPr>
+        </p:nvSpPr>
+        <p:spPr/>
+        <p:txBody>
+          <a:bodyPr/>
+          <a:lstStyle/>
+          <a:p>
+            <a:fld id="{5BEE2D4C-1E11-419D-B002-632BE72A6266}" type="slidenum">
+              <a:rPr lang="en-GB" smtClean="0"/>
+              <a:t>‹#›</a:t>
+            </a:fld>
+            <a:endParaRPr lang="en-GB"/>
+          </a:p>
+        </p:txBody>
+      </p:sp>
+    </p:spTree>
+    <p:extLst>
+      <p:ext uri="{BB962C8B-B14F-4D97-AF65-F5344CB8AC3E}">
+        <p14:creationId xmlns:p14="http://schemas.microsoft.com/office/powerpoint/2010/main" val="968533169"/>
+      </p:ext>
+    </p:extLst>
+  </p:cSld>
+  <p:clrMapOvr>
+    <a:masterClrMapping/>
+  </p:clrMapOvr>
+</p:sldLayout>
+</file>
+
+<file path=ppt/slideLayouts/slideLayout15.xml><?xml version="1.0" encoding="utf-8"?>
 <p:sldLayout xmlns:a="http://schemas.openxmlformats.org/drawingml/2006/main" xmlns:r="http://schemas.openxmlformats.org/officeDocument/2006/relationships" xmlns:p="http://schemas.openxmlformats.org/presentationml/2006/main" type="vertTx" preserve="1">
   <p:cSld name="Title and Vertical Text">
     <p:spTree>
@@ -344,7 +3777,7 @@
               <a:rPr lang="en-US" smtClean="0"/>
               <a:t>Click to edit Master title style</a:t>
             </a:r>
-            <a:endParaRPr lang="en-GB"/>
+            <a:endParaRPr lang="en-US" dirty="0"/>
           </a:p>
         </p:txBody>
       </p:sp>
@@ -396,7 +3829,7 @@
               <a:rPr lang="en-US" smtClean="0"/>
               <a:t>Fifth level</a:t>
             </a:r>
-            <a:endParaRPr lang="en-GB"/>
+            <a:endParaRPr lang="en-US" dirty="0"/>
           </a:p>
         </p:txBody>
       </p:sp>
@@ -468,7 +3901,7 @@
     </p:spTree>
     <p:extLst>
       <p:ext uri="{BB962C8B-B14F-4D97-AF65-F5344CB8AC3E}">
-        <p14:creationId xmlns:p14="http://schemas.microsoft.com/office/powerpoint/2010/main" val="1436479582"/>
+        <p14:creationId xmlns:p14="http://schemas.microsoft.com/office/powerpoint/2010/main" val="1857875390"/>
       </p:ext>
     </p:extLst>
   </p:cSld>
@@ -478,7 +3911,7 @@
 </p:sldLayout>
 </file>
 
-<file path=ppt/slideLayouts/slideLayout11.xml><?xml version="1.0" encoding="utf-8"?>
+<file path=ppt/slideLayouts/slideLayout16.xml><?xml version="1.0" encoding="utf-8"?>
 <p:sldLayout xmlns:a="http://schemas.openxmlformats.org/drawingml/2006/main" xmlns:r="http://schemas.openxmlformats.org/officeDocument/2006/relationships" xmlns:p="http://schemas.openxmlformats.org/presentationml/2006/main" type="vertTitleAndTx" preserve="1">
   <p:cSld name="Vertical Title and Text">
     <p:spTree>
@@ -507,19 +3940,19 @@
         </p:nvSpPr>
         <p:spPr>
           <a:xfrm>
-            <a:off x="8724900" y="365125"/>
-            <a:ext cx="2628900" cy="5811838"/>
+            <a:off x="7967673" y="609599"/>
+            <a:ext cx="1304743" cy="5251451"/>
           </a:xfrm>
         </p:spPr>
         <p:txBody>
-          <a:bodyPr vert="eaVert"/>
+          <a:bodyPr vert="eaVert" anchor="ctr"/>
           <a:lstStyle/>
           <a:p>
             <a:r>
               <a:rPr lang="en-US" smtClean="0"/>
               <a:t>Click to edit Master title style</a:t>
             </a:r>
-            <a:endParaRPr lang="en-GB"/>
+            <a:endParaRPr lang="en-US" dirty="0"/>
           </a:p>
         </p:txBody>
       </p:sp>
@@ -535,8 +3968,8 @@
         </p:nvSpPr>
         <p:spPr>
           <a:xfrm>
-            <a:off x="838200" y="365125"/>
-            <a:ext cx="7734300" cy="5811838"/>
+            <a:off x="677335" y="609600"/>
+            <a:ext cx="7060150" cy="5251450"/>
           </a:xfrm>
         </p:spPr>
         <p:txBody>
@@ -576,7 +4009,7 @@
               <a:rPr lang="en-US" smtClean="0"/>
               <a:t>Fifth level</a:t>
             </a:r>
-            <a:endParaRPr lang="en-GB"/>
+            <a:endParaRPr lang="en-US" dirty="0"/>
           </a:p>
         </p:txBody>
       </p:sp>
@@ -648,7 +4081,7 @@
     </p:spTree>
     <p:extLst>
       <p:ext uri="{BB962C8B-B14F-4D97-AF65-F5344CB8AC3E}">
-        <p14:creationId xmlns:p14="http://schemas.microsoft.com/office/powerpoint/2010/main" val="4025443095"/>
+        <p14:creationId xmlns:p14="http://schemas.microsoft.com/office/powerpoint/2010/main" val="1806473495"/>
       </p:ext>
     </p:extLst>
   </p:cSld>
@@ -687,14 +4120,20 @@
         </p:nvSpPr>
         <p:spPr/>
         <p:txBody>
-          <a:bodyPr/>
-          <a:lstStyle/>
+          <a:bodyPr>
+            <a:normAutofit/>
+          </a:bodyPr>
+          <a:lstStyle>
+            <a:lvl1pPr>
+              <a:defRPr sz="3600"/>
+            </a:lvl1pPr>
+          </a:lstStyle>
           <a:p>
             <a:r>
               <a:rPr lang="en-US" smtClean="0"/>
               <a:t>Click to edit Master title style</a:t>
             </a:r>
-            <a:endParaRPr lang="en-GB"/>
+            <a:endParaRPr lang="en-US" dirty="0"/>
           </a:p>
         </p:txBody>
       </p:sp>
@@ -746,7 +4185,7 @@
               <a:rPr lang="en-US" smtClean="0"/>
               <a:t>Fifth level</a:t>
             </a:r>
-            <a:endParaRPr lang="en-GB"/>
+            <a:endParaRPr lang="en-US" dirty="0"/>
           </a:p>
         </p:txBody>
       </p:sp>
@@ -818,7 +4257,7 @@
     </p:spTree>
     <p:extLst>
       <p:ext uri="{BB962C8B-B14F-4D97-AF65-F5344CB8AC3E}">
-        <p14:creationId xmlns:p14="http://schemas.microsoft.com/office/powerpoint/2010/main" val="2553903838"/>
+        <p14:creationId xmlns:p14="http://schemas.microsoft.com/office/powerpoint/2010/main" val="3443736864"/>
       </p:ext>
     </p:extLst>
   </p:cSld>
@@ -857,15 +4296,15 @@
         </p:nvSpPr>
         <p:spPr>
           <a:xfrm>
-            <a:off x="831850" y="1709738"/>
-            <a:ext cx="10515600" cy="2852737"/>
+            <a:off x="677335" y="2700867"/>
+            <a:ext cx="8596668" cy="1826581"/>
           </a:xfrm>
         </p:spPr>
         <p:txBody>
           <a:bodyPr anchor="b"/>
           <a:lstStyle>
-            <a:lvl1pPr>
-              <a:defRPr sz="6000"/>
+            <a:lvl1pPr algn="l">
+              <a:defRPr sz="4000" b="0" cap="none"/>
             </a:lvl1pPr>
           </a:lstStyle>
           <a:p>
@@ -873,7 +4312,7 @@
               <a:rPr lang="en-US" smtClean="0"/>
               <a:t>Click to edit Master title style</a:t>
             </a:r>
-            <a:endParaRPr lang="en-GB"/>
+            <a:endParaRPr lang="en-US" dirty="0"/>
           </a:p>
         </p:txBody>
       </p:sp>
@@ -889,26 +4328,27 @@
         </p:nvSpPr>
         <p:spPr>
           <a:xfrm>
-            <a:off x="831850" y="4589463"/>
-            <a:ext cx="10515600" cy="1500187"/>
+            <a:off x="677335" y="4527448"/>
+            <a:ext cx="8596668" cy="860400"/>
           </a:xfrm>
         </p:spPr>
         <p:txBody>
-          <a:bodyPr/>
+          <a:bodyPr anchor="t"/>
           <a:lstStyle>
-            <a:lvl1pPr marL="0" indent="0">
-              <a:buNone/>
-              <a:defRPr sz="2400">
+            <a:lvl1pPr marL="0" indent="0" algn="l">
+              <a:buNone/>
+              <a:defRPr sz="2000">
                 <a:solidFill>
                   <a:schemeClr val="tx1">
-                    <a:tint val="75000"/>
+                    <a:lumMod val="50000"/>
+                    <a:lumOff val="50000"/>
                   </a:schemeClr>
                 </a:solidFill>
               </a:defRPr>
             </a:lvl1pPr>
             <a:lvl2pPr marL="457200" indent="0">
               <a:buNone/>
-              <a:defRPr sz="2000">
+              <a:defRPr sz="1800">
                 <a:solidFill>
                   <a:schemeClr val="tx1">
                     <a:tint val="75000"/>
@@ -918,7 +4358,7 @@
             </a:lvl2pPr>
             <a:lvl3pPr marL="914400" indent="0">
               <a:buNone/>
-              <a:defRPr sz="1800">
+              <a:defRPr sz="1600">
                 <a:solidFill>
                   <a:schemeClr val="tx1">
                     <a:tint val="75000"/>
@@ -928,7 +4368,7 @@
             </a:lvl3pPr>
             <a:lvl4pPr marL="1371600" indent="0">
               <a:buNone/>
-              <a:defRPr sz="1600">
+              <a:defRPr sz="1400">
                 <a:solidFill>
                   <a:schemeClr val="tx1">
                     <a:tint val="75000"/>
@@ -938,7 +4378,7 @@
             </a:lvl4pPr>
             <a:lvl5pPr marL="1828800" indent="0">
               <a:buNone/>
-              <a:defRPr sz="1600">
+              <a:defRPr sz="1400">
                 <a:solidFill>
                   <a:schemeClr val="tx1">
                     <a:tint val="75000"/>
@@ -948,7 +4388,7 @@
             </a:lvl5pPr>
             <a:lvl6pPr marL="2286000" indent="0">
               <a:buNone/>
-              <a:defRPr sz="1600">
+              <a:defRPr sz="1400">
                 <a:solidFill>
                   <a:schemeClr val="tx1">
                     <a:tint val="75000"/>
@@ -958,7 +4398,7 @@
             </a:lvl6pPr>
             <a:lvl7pPr marL="2743200" indent="0">
               <a:buNone/>
-              <a:defRPr sz="1600">
+              <a:defRPr sz="1400">
                 <a:solidFill>
                   <a:schemeClr val="tx1">
                     <a:tint val="75000"/>
@@ -968,7 +4408,7 @@
             </a:lvl7pPr>
             <a:lvl8pPr marL="3200400" indent="0">
               <a:buNone/>
-              <a:defRPr sz="1600">
+              <a:defRPr sz="1400">
                 <a:solidFill>
                   <a:schemeClr val="tx1">
                     <a:tint val="75000"/>
@@ -978,7 +4418,7 @@
             </a:lvl8pPr>
             <a:lvl9pPr marL="3657600" indent="0">
               <a:buNone/>
-              <a:defRPr sz="1600">
+              <a:defRPr sz="1400">
                 <a:solidFill>
                   <a:schemeClr val="tx1">
                     <a:tint val="75000"/>
@@ -1064,7 +4504,7 @@
     </p:spTree>
     <p:extLst>
       <p:ext uri="{BB962C8B-B14F-4D97-AF65-F5344CB8AC3E}">
-        <p14:creationId xmlns:p14="http://schemas.microsoft.com/office/powerpoint/2010/main" val="2535420419"/>
+        <p14:creationId xmlns:p14="http://schemas.microsoft.com/office/powerpoint/2010/main" val="3316077831"/>
       </p:ext>
     </p:extLst>
   </p:cSld>
@@ -1110,7 +4550,7 @@
               <a:rPr lang="en-US" smtClean="0"/>
               <a:t>Click to edit Master title style</a:t>
             </a:r>
-            <a:endParaRPr lang="en-GB"/>
+            <a:endParaRPr lang="en-US" dirty="0"/>
           </a:p>
         </p:txBody>
       </p:sp>
@@ -1126,8 +4566,8 @@
         </p:nvSpPr>
         <p:spPr>
           <a:xfrm>
-            <a:off x="838200" y="1825625"/>
-            <a:ext cx="5181600" cy="4351338"/>
+            <a:off x="677334" y="2160589"/>
+            <a:ext cx="4184035" cy="3880772"/>
           </a:xfrm>
         </p:spPr>
         <p:txBody>
@@ -1167,7 +4607,7 @@
               <a:rPr lang="en-US" smtClean="0"/>
               <a:t>Fifth level</a:t>
             </a:r>
-            <a:endParaRPr lang="en-GB"/>
+            <a:endParaRPr lang="en-US" dirty="0"/>
           </a:p>
         </p:txBody>
       </p:sp>
@@ -1183,8 +4623,8 @@
         </p:nvSpPr>
         <p:spPr>
           <a:xfrm>
-            <a:off x="6172200" y="1825625"/>
-            <a:ext cx="5181600" cy="4351338"/>
+            <a:off x="5089970" y="2160589"/>
+            <a:ext cx="4184034" cy="3880773"/>
           </a:xfrm>
         </p:spPr>
         <p:txBody>
@@ -1224,7 +4664,7 @@
               <a:rPr lang="en-US" smtClean="0"/>
               <a:t>Fifth level</a:t>
             </a:r>
-            <a:endParaRPr lang="en-GB"/>
+            <a:endParaRPr lang="en-US" dirty="0"/>
           </a:p>
         </p:txBody>
       </p:sp>
@@ -1296,7 +4736,7 @@
     </p:spTree>
     <p:extLst>
       <p:ext uri="{BB962C8B-B14F-4D97-AF65-F5344CB8AC3E}">
-        <p14:creationId xmlns:p14="http://schemas.microsoft.com/office/powerpoint/2010/main" val="1538415688"/>
+        <p14:creationId xmlns:p14="http://schemas.microsoft.com/office/powerpoint/2010/main" val="2050059861"/>
       </p:ext>
     </p:extLst>
   </p:cSld>
@@ -1333,46 +4773,47 @@
             <p:ph type="title"/>
           </p:nvPr>
         </p:nvSpPr>
+        <p:spPr/>
+        <p:txBody>
+          <a:bodyPr/>
+          <a:lstStyle>
+            <a:lvl1pPr>
+              <a:defRPr/>
+            </a:lvl1pPr>
+          </a:lstStyle>
+          <a:p>
+            <a:r>
+              <a:rPr lang="en-US" smtClean="0"/>
+              <a:t>Click to edit Master title style</a:t>
+            </a:r>
+            <a:endParaRPr lang="en-US" dirty="0"/>
+          </a:p>
+        </p:txBody>
+      </p:sp>
+      <p:sp>
+        <p:nvSpPr>
+          <p:cNvPr id="3" name="Text Placeholder 2"/>
+          <p:cNvSpPr>
+            <a:spLocks noGrp="1"/>
+          </p:cNvSpPr>
+          <p:nvPr>
+            <p:ph type="body" idx="1"/>
+          </p:nvPr>
+        </p:nvSpPr>
         <p:spPr>
           <a:xfrm>
-            <a:off x="839788" y="365125"/>
-            <a:ext cx="10515600" cy="1325563"/>
+            <a:off x="675745" y="2160983"/>
+            <a:ext cx="4185623" cy="576262"/>
           </a:xfrm>
         </p:spPr>
         <p:txBody>
-          <a:bodyPr/>
-          <a:lstStyle/>
-          <a:p>
-            <a:r>
-              <a:rPr lang="en-US" smtClean="0"/>
-              <a:t>Click to edit Master title style</a:t>
-            </a:r>
-            <a:endParaRPr lang="en-GB"/>
-          </a:p>
-        </p:txBody>
-      </p:sp>
-      <p:sp>
-        <p:nvSpPr>
-          <p:cNvPr id="3" name="Text Placeholder 2"/>
-          <p:cNvSpPr>
-            <a:spLocks noGrp="1"/>
-          </p:cNvSpPr>
-          <p:nvPr>
-            <p:ph type="body" idx="1"/>
-          </p:nvPr>
-        </p:nvSpPr>
-        <p:spPr>
-          <a:xfrm>
-            <a:off x="839788" y="1681163"/>
-            <a:ext cx="5157787" cy="823912"/>
-          </a:xfrm>
-        </p:spPr>
-        <p:txBody>
-          <a:bodyPr anchor="b"/>
+          <a:bodyPr anchor="b">
+            <a:noAutofit/>
+          </a:bodyPr>
           <a:lstStyle>
             <a:lvl1pPr marL="0" indent="0">
               <a:buNone/>
-              <a:defRPr sz="2400" b="1"/>
+              <a:defRPr sz="2400" b="0"/>
             </a:lvl1pPr>
             <a:lvl2pPr marL="457200" indent="0">
               <a:buNone/>
@@ -1428,12 +4869,14 @@
         </p:nvSpPr>
         <p:spPr>
           <a:xfrm>
-            <a:off x="839788" y="2505075"/>
-            <a:ext cx="5157787" cy="3684588"/>
+            <a:off x="675745" y="2737245"/>
+            <a:ext cx="4185623" cy="3304117"/>
           </a:xfrm>
         </p:spPr>
         <p:txBody>
-          <a:bodyPr/>
+          <a:bodyPr>
+            <a:normAutofit/>
+          </a:bodyPr>
           <a:lstStyle/>
           <a:p>
             <a:pPr lvl="0"/>
@@ -1469,7 +4912,7 @@
               <a:rPr lang="en-US" smtClean="0"/>
               <a:t>Fifth level</a:t>
             </a:r>
-            <a:endParaRPr lang="en-GB"/>
+            <a:endParaRPr lang="en-US" dirty="0"/>
           </a:p>
         </p:txBody>
       </p:sp>
@@ -1485,16 +4928,18 @@
         </p:nvSpPr>
         <p:spPr>
           <a:xfrm>
-            <a:off x="6172200" y="1681163"/>
-            <a:ext cx="5183188" cy="823912"/>
+            <a:off x="5088383" y="2160983"/>
+            <a:ext cx="4185618" cy="576262"/>
           </a:xfrm>
         </p:spPr>
         <p:txBody>
-          <a:bodyPr anchor="b"/>
+          <a:bodyPr anchor="b">
+            <a:noAutofit/>
+          </a:bodyPr>
           <a:lstStyle>
             <a:lvl1pPr marL="0" indent="0">
               <a:buNone/>
-              <a:defRPr sz="2400" b="1"/>
+              <a:defRPr sz="2400" b="0"/>
             </a:lvl1pPr>
             <a:lvl2pPr marL="457200" indent="0">
               <a:buNone/>
@@ -1550,12 +4995,14 @@
         </p:nvSpPr>
         <p:spPr>
           <a:xfrm>
-            <a:off x="6172200" y="2505075"/>
-            <a:ext cx="5183188" cy="3684588"/>
+            <a:off x="5088384" y="2737245"/>
+            <a:ext cx="4185617" cy="3304117"/>
           </a:xfrm>
         </p:spPr>
         <p:txBody>
-          <a:bodyPr/>
+          <a:bodyPr>
+            <a:normAutofit/>
+          </a:bodyPr>
           <a:lstStyle/>
           <a:p>
             <a:pPr lvl="0"/>
@@ -1591,7 +5038,7 @@
               <a:rPr lang="en-US" smtClean="0"/>
               <a:t>Fifth level</a:t>
             </a:r>
-            <a:endParaRPr lang="en-GB"/>
+            <a:endParaRPr lang="en-US" dirty="0"/>
           </a:p>
         </p:txBody>
       </p:sp>
@@ -1663,7 +5110,7 @@
     </p:spTree>
     <p:extLst>
       <p:ext uri="{BB962C8B-B14F-4D97-AF65-F5344CB8AC3E}">
-        <p14:creationId xmlns:p14="http://schemas.microsoft.com/office/powerpoint/2010/main" val="2370622066"/>
+        <p14:creationId xmlns:p14="http://schemas.microsoft.com/office/powerpoint/2010/main" val="1343648239"/>
       </p:ext>
     </p:extLst>
   </p:cSld>
@@ -1700,7 +5147,12 @@
             <p:ph type="title"/>
           </p:nvPr>
         </p:nvSpPr>
-        <p:spPr/>
+        <p:spPr>
+          <a:xfrm>
+            <a:off x="677334" y="609600"/>
+            <a:ext cx="8596668" cy="1320800"/>
+          </a:xfrm>
+        </p:spPr>
         <p:txBody>
           <a:bodyPr/>
           <a:lstStyle/>
@@ -1709,7 +5161,7 @@
               <a:rPr lang="en-US" smtClean="0"/>
               <a:t>Click to edit Master title style</a:t>
             </a:r>
-            <a:endParaRPr lang="en-GB"/>
+            <a:endParaRPr lang="en-US" dirty="0"/>
           </a:p>
         </p:txBody>
       </p:sp>
@@ -1781,7 +5233,7 @@
     </p:spTree>
     <p:extLst>
       <p:ext uri="{BB962C8B-B14F-4D97-AF65-F5344CB8AC3E}">
-        <p14:creationId xmlns:p14="http://schemas.microsoft.com/office/powerpoint/2010/main" val="1005547476"/>
+        <p14:creationId xmlns:p14="http://schemas.microsoft.com/office/powerpoint/2010/main" val="2792562306"/>
       </p:ext>
     </p:extLst>
   </p:cSld>
@@ -1876,7 +5328,7 @@
     </p:spTree>
     <p:extLst>
       <p:ext uri="{BB962C8B-B14F-4D97-AF65-F5344CB8AC3E}">
-        <p14:creationId xmlns:p14="http://schemas.microsoft.com/office/powerpoint/2010/main" val="683003812"/>
+        <p14:creationId xmlns:p14="http://schemas.microsoft.com/office/powerpoint/2010/main" val="4031008269"/>
       </p:ext>
     </p:extLst>
   </p:cSld>
@@ -1915,15 +5367,17 @@
         </p:nvSpPr>
         <p:spPr>
           <a:xfrm>
-            <a:off x="839788" y="457200"/>
-            <a:ext cx="3932237" cy="1600200"/>
+            <a:off x="677334" y="1498604"/>
+            <a:ext cx="3854528" cy="1278466"/>
           </a:xfrm>
         </p:spPr>
         <p:txBody>
-          <a:bodyPr anchor="b"/>
+          <a:bodyPr anchor="b">
+            <a:normAutofit/>
+          </a:bodyPr>
           <a:lstStyle>
             <a:lvl1pPr>
-              <a:defRPr sz="3200"/>
+              <a:defRPr sz="2000"/>
             </a:lvl1pPr>
           </a:lstStyle>
           <a:p>
@@ -1931,7 +5385,7 @@
               <a:rPr lang="en-US" smtClean="0"/>
               <a:t>Click to edit Master title style</a:t>
             </a:r>
-            <a:endParaRPr lang="en-GB"/>
+            <a:endParaRPr lang="en-US" dirty="0"/>
           </a:p>
         </p:txBody>
       </p:sp>
@@ -1947,41 +5401,15 @@
         </p:nvSpPr>
         <p:spPr>
           <a:xfrm>
-            <a:off x="5183188" y="987425"/>
-            <a:ext cx="6172200" cy="4873625"/>
+            <a:off x="4760461" y="514924"/>
+            <a:ext cx="4513541" cy="5526437"/>
           </a:xfrm>
         </p:spPr>
         <p:txBody>
-          <a:bodyPr/>
-          <a:lstStyle>
-            <a:lvl1pPr>
-              <a:defRPr sz="3200"/>
-            </a:lvl1pPr>
-            <a:lvl2pPr>
-              <a:defRPr sz="2800"/>
-            </a:lvl2pPr>
-            <a:lvl3pPr>
-              <a:defRPr sz="2400"/>
-            </a:lvl3pPr>
-            <a:lvl4pPr>
-              <a:defRPr sz="2000"/>
-            </a:lvl4pPr>
-            <a:lvl5pPr>
-              <a:defRPr sz="2000"/>
-            </a:lvl5pPr>
-            <a:lvl6pPr>
-              <a:defRPr sz="2000"/>
-            </a:lvl6pPr>
-            <a:lvl7pPr>
-              <a:defRPr sz="2000"/>
-            </a:lvl7pPr>
-            <a:lvl8pPr>
-              <a:defRPr sz="2000"/>
-            </a:lvl8pPr>
-            <a:lvl9pPr>
-              <a:defRPr sz="2000"/>
-            </a:lvl9pPr>
-          </a:lstStyle>
+          <a:bodyPr>
+            <a:normAutofit/>
+          </a:bodyPr>
+          <a:lstStyle/>
           <a:p>
             <a:pPr lvl="0"/>
             <a:r>
@@ -2016,7 +5444,7 @@
               <a:rPr lang="en-US" smtClean="0"/>
               <a:t>Fifth level</a:t>
             </a:r>
-            <a:endParaRPr lang="en-GB"/>
+            <a:endParaRPr lang="en-US" dirty="0"/>
           </a:p>
         </p:txBody>
       </p:sp>
@@ -2032,46 +5460,48 @@
         </p:nvSpPr>
         <p:spPr>
           <a:xfrm>
-            <a:off x="839788" y="2057400"/>
-            <a:ext cx="3932237" cy="3811588"/>
+            <a:off x="677334" y="2777069"/>
+            <a:ext cx="3854528" cy="2584449"/>
           </a:xfrm>
         </p:spPr>
         <p:txBody>
-          <a:bodyPr/>
+          <a:bodyPr>
+            <a:normAutofit/>
+          </a:bodyPr>
           <a:lstStyle>
             <a:lvl1pPr marL="0" indent="0">
               <a:buNone/>
-              <a:defRPr sz="1600"/>
+              <a:defRPr sz="1400"/>
             </a:lvl1pPr>
-            <a:lvl2pPr marL="457200" indent="0">
+            <a:lvl2pPr marL="457063" indent="0">
               <a:buNone/>
               <a:defRPr sz="1400"/>
             </a:lvl2pPr>
-            <a:lvl3pPr marL="914400" indent="0">
+            <a:lvl3pPr marL="914126" indent="0">
               <a:buNone/>
               <a:defRPr sz="1200"/>
             </a:lvl3pPr>
-            <a:lvl4pPr marL="1371600" indent="0">
+            <a:lvl4pPr marL="1371189" indent="0">
               <a:buNone/>
               <a:defRPr sz="1000"/>
             </a:lvl4pPr>
-            <a:lvl5pPr marL="1828800" indent="0">
+            <a:lvl5pPr marL="1828251" indent="0">
               <a:buNone/>
               <a:defRPr sz="1000"/>
             </a:lvl5pPr>
-            <a:lvl6pPr marL="2286000" indent="0">
+            <a:lvl6pPr marL="2285314" indent="0">
               <a:buNone/>
               <a:defRPr sz="1000"/>
             </a:lvl6pPr>
-            <a:lvl7pPr marL="2743200" indent="0">
+            <a:lvl7pPr marL="2742377" indent="0">
               <a:buNone/>
               <a:defRPr sz="1000"/>
             </a:lvl7pPr>
-            <a:lvl8pPr marL="3200400" indent="0">
+            <a:lvl8pPr marL="3199440" indent="0">
               <a:buNone/>
               <a:defRPr sz="1000"/>
             </a:lvl8pPr>
-            <a:lvl9pPr marL="3657600" indent="0">
+            <a:lvl9pPr marL="3656503" indent="0">
               <a:buNone/>
               <a:defRPr sz="1000"/>
             </a:lvl9pPr>
@@ -2153,7 +5583,7 @@
     </p:spTree>
     <p:extLst>
       <p:ext uri="{BB962C8B-B14F-4D97-AF65-F5344CB8AC3E}">
-        <p14:creationId xmlns:p14="http://schemas.microsoft.com/office/powerpoint/2010/main" val="3175448326"/>
+        <p14:creationId xmlns:p14="http://schemas.microsoft.com/office/powerpoint/2010/main" val="3562863425"/>
       </p:ext>
     </p:extLst>
   </p:cSld>
@@ -2192,15 +5622,17 @@
         </p:nvSpPr>
         <p:spPr>
           <a:xfrm>
-            <a:off x="839788" y="457200"/>
-            <a:ext cx="3932237" cy="1600200"/>
+            <a:off x="677334" y="4800600"/>
+            <a:ext cx="8596667" cy="566738"/>
           </a:xfrm>
         </p:spPr>
         <p:txBody>
-          <a:bodyPr anchor="b"/>
+          <a:bodyPr anchor="b">
+            <a:normAutofit/>
+          </a:bodyPr>
           <a:lstStyle>
-            <a:lvl1pPr>
-              <a:defRPr sz="3200"/>
+            <a:lvl1pPr algn="l">
+              <a:defRPr sz="2400" b="0"/>
             </a:lvl1pPr>
           </a:lstStyle>
           <a:p>
@@ -2208,7 +5640,7 @@
               <a:rPr lang="en-US" smtClean="0"/>
               <a:t>Click to edit Master title style</a:t>
             </a:r>
-            <a:endParaRPr lang="en-GB"/>
+            <a:endParaRPr lang="en-US" dirty="0"/>
           </a:p>
         </p:txBody>
       </p:sp>
@@ -2216,7 +5648,7 @@
         <p:nvSpPr>
           <p:cNvPr id="3" name="Picture Placeholder 2"/>
           <p:cNvSpPr>
-            <a:spLocks noGrp="1"/>
+            <a:spLocks noGrp="1" noChangeAspect="1"/>
           </p:cNvSpPr>
           <p:nvPr>
             <p:ph type="pic" idx="1"/>
@@ -2224,109 +5656,117 @@
         </p:nvSpPr>
         <p:spPr>
           <a:xfrm>
-            <a:off x="5183188" y="987425"/>
-            <a:ext cx="6172200" cy="4873625"/>
+            <a:off x="677334" y="609600"/>
+            <a:ext cx="8596668" cy="3845718"/>
           </a:xfrm>
         </p:spPr>
         <p:txBody>
-          <a:bodyPr/>
+          <a:bodyPr anchor="t">
+            <a:normAutofit/>
+          </a:bodyPr>
           <a:lstStyle>
-            <a:lvl1pPr marL="0" indent="0">
-              <a:buNone/>
-              <a:defRPr sz="3200"/>
-            </a:lvl1pPr>
-            <a:lvl2pPr marL="457200" indent="0">
-              <a:buNone/>
-              <a:defRPr sz="2800"/>
-            </a:lvl2pPr>
-            <a:lvl3pPr marL="914400" indent="0">
-              <a:buNone/>
-              <a:defRPr sz="2400"/>
-            </a:lvl3pPr>
-            <a:lvl4pPr marL="1371600" indent="0">
-              <a:buNone/>
-              <a:defRPr sz="2000"/>
-            </a:lvl4pPr>
-            <a:lvl5pPr marL="1828800" indent="0">
-              <a:buNone/>
-              <a:defRPr sz="2000"/>
-            </a:lvl5pPr>
-            <a:lvl6pPr marL="2286000" indent="0">
-              <a:buNone/>
-              <a:defRPr sz="2000"/>
-            </a:lvl6pPr>
-            <a:lvl7pPr marL="2743200" indent="0">
-              <a:buNone/>
-              <a:defRPr sz="2000"/>
-            </a:lvl7pPr>
-            <a:lvl8pPr marL="3200400" indent="0">
-              <a:buNone/>
-              <a:defRPr sz="2000"/>
-            </a:lvl8pPr>
-            <a:lvl9pPr marL="3657600" indent="0">
-              <a:buNone/>
-              <a:defRPr sz="2000"/>
-            </a:lvl9pPr>
-          </a:lstStyle>
-          <a:p>
-            <a:endParaRPr lang="en-GB"/>
-          </a:p>
-        </p:txBody>
-      </p:sp>
-      <p:sp>
-        <p:nvSpPr>
-          <p:cNvPr id="4" name="Text Placeholder 3"/>
-          <p:cNvSpPr>
-            <a:spLocks noGrp="1"/>
-          </p:cNvSpPr>
-          <p:nvPr>
-            <p:ph type="body" sz="half" idx="2"/>
-          </p:nvPr>
-        </p:nvSpPr>
-        <p:spPr>
-          <a:xfrm>
-            <a:off x="839788" y="2057400"/>
-            <a:ext cx="3932237" cy="3811588"/>
-          </a:xfrm>
-        </p:spPr>
-        <p:txBody>
-          <a:bodyPr/>
-          <a:lstStyle>
-            <a:lvl1pPr marL="0" indent="0">
+            <a:lvl1pPr marL="0" indent="0" algn="ctr">
               <a:buNone/>
               <a:defRPr sz="1600"/>
             </a:lvl1pPr>
             <a:lvl2pPr marL="457200" indent="0">
               <a:buNone/>
-              <a:defRPr sz="1400"/>
+              <a:defRPr sz="1600"/>
             </a:lvl2pPr>
             <a:lvl3pPr marL="914400" indent="0">
               <a:buNone/>
-              <a:defRPr sz="1200"/>
+              <a:defRPr sz="1600"/>
             </a:lvl3pPr>
             <a:lvl4pPr marL="1371600" indent="0">
               <a:buNone/>
-              <a:defRPr sz="1000"/>
+              <a:defRPr sz="1600"/>
             </a:lvl4pPr>
             <a:lvl5pPr marL="1828800" indent="0">
               <a:buNone/>
-              <a:defRPr sz="1000"/>
+              <a:defRPr sz="1600"/>
             </a:lvl5pPr>
             <a:lvl6pPr marL="2286000" indent="0">
               <a:buNone/>
-              <a:defRPr sz="1000"/>
+              <a:defRPr sz="1600"/>
             </a:lvl6pPr>
             <a:lvl7pPr marL="2743200" indent="0">
               <a:buNone/>
-              <a:defRPr sz="1000"/>
+              <a:defRPr sz="1600"/>
             </a:lvl7pPr>
             <a:lvl8pPr marL="3200400" indent="0">
               <a:buNone/>
-              <a:defRPr sz="1000"/>
+              <a:defRPr sz="1600"/>
             </a:lvl8pPr>
             <a:lvl9pPr marL="3657600" indent="0">
               <a:buNone/>
+              <a:defRPr sz="1600"/>
+            </a:lvl9pPr>
+          </a:lstStyle>
+          <a:p>
+            <a:r>
+              <a:rPr lang="en-US" smtClean="0"/>
+              <a:t>Click icon to add picture</a:t>
+            </a:r>
+            <a:endParaRPr lang="en-US" dirty="0"/>
+          </a:p>
+        </p:txBody>
+      </p:sp>
+      <p:sp>
+        <p:nvSpPr>
+          <p:cNvPr id="4" name="Text Placeholder 3"/>
+          <p:cNvSpPr>
+            <a:spLocks noGrp="1"/>
+          </p:cNvSpPr>
+          <p:nvPr>
+            <p:ph type="body" sz="half" idx="2"/>
+          </p:nvPr>
+        </p:nvSpPr>
+        <p:spPr>
+          <a:xfrm>
+            <a:off x="677334" y="5367338"/>
+            <a:ext cx="8596667" cy="674024"/>
+          </a:xfrm>
+        </p:spPr>
+        <p:txBody>
+          <a:bodyPr>
+            <a:normAutofit/>
+          </a:bodyPr>
+          <a:lstStyle>
+            <a:lvl1pPr marL="0" indent="0">
+              <a:buNone/>
+              <a:defRPr sz="1200"/>
+            </a:lvl1pPr>
+            <a:lvl2pPr marL="457200" indent="0">
+              <a:buNone/>
+              <a:defRPr sz="1200"/>
+            </a:lvl2pPr>
+            <a:lvl3pPr marL="914400" indent="0">
+              <a:buNone/>
               <a:defRPr sz="1000"/>
+            </a:lvl3pPr>
+            <a:lvl4pPr marL="1371600" indent="0">
+              <a:buNone/>
+              <a:defRPr sz="900"/>
+            </a:lvl4pPr>
+            <a:lvl5pPr marL="1828800" indent="0">
+              <a:buNone/>
+              <a:defRPr sz="900"/>
+            </a:lvl5pPr>
+            <a:lvl6pPr marL="2286000" indent="0">
+              <a:buNone/>
+              <a:defRPr sz="900"/>
+            </a:lvl6pPr>
+            <a:lvl7pPr marL="2743200" indent="0">
+              <a:buNone/>
+              <a:defRPr sz="900"/>
+            </a:lvl7pPr>
+            <a:lvl8pPr marL="3200400" indent="0">
+              <a:buNone/>
+              <a:defRPr sz="900"/>
+            </a:lvl8pPr>
+            <a:lvl9pPr marL="3657600" indent="0">
+              <a:buNone/>
+              <a:defRPr sz="900"/>
             </a:lvl9pPr>
           </a:lstStyle>
           <a:p>
@@ -2406,7 +5846,7 @@
     </p:spTree>
     <p:extLst>
       <p:ext uri="{BB962C8B-B14F-4D97-AF65-F5344CB8AC3E}">
-        <p14:creationId xmlns:p14="http://schemas.microsoft.com/office/powerpoint/2010/main" val="1978911530"/>
+        <p14:creationId xmlns:p14="http://schemas.microsoft.com/office/powerpoint/2010/main" val="827688642"/>
       </p:ext>
     </p:extLst>
   </p:cSld>
@@ -2438,6 +5878,536 @@
           <a:chExt cx="0" cy="0"/>
         </a:xfrm>
       </p:grpSpPr>
+      <p:grpSp>
+        <p:nvGrpSpPr>
+          <p:cNvPr id="7" name="Group 6"/>
+          <p:cNvGrpSpPr/>
+          <p:nvPr/>
+        </p:nvGrpSpPr>
+        <p:grpSpPr>
+          <a:xfrm>
+            <a:off x="0" y="-8467"/>
+            <a:ext cx="12192000" cy="6866467"/>
+            <a:chOff x="0" y="-8467"/>
+            <a:chExt cx="12192000" cy="6866467"/>
+          </a:xfrm>
+        </p:grpSpPr>
+        <p:cxnSp>
+          <p:nvCxnSpPr>
+            <p:cNvPr id="20" name="Straight Connector 19"/>
+            <p:cNvCxnSpPr/>
+            <p:nvPr/>
+          </p:nvCxnSpPr>
+          <p:spPr>
+            <a:xfrm>
+              <a:off x="9371012" y="0"/>
+              <a:ext cx="1219200" cy="6858000"/>
+            </a:xfrm>
+            <a:prstGeom prst="line">
+              <a:avLst/>
+            </a:prstGeom>
+            <a:ln w="9525">
+              <a:solidFill>
+                <a:schemeClr val="bg1">
+                  <a:lumMod val="75000"/>
+                </a:schemeClr>
+              </a:solidFill>
+            </a:ln>
+          </p:spPr>
+          <p:style>
+            <a:lnRef idx="2">
+              <a:schemeClr val="accent1"/>
+            </a:lnRef>
+            <a:fillRef idx="0">
+              <a:schemeClr val="accent1"/>
+            </a:fillRef>
+            <a:effectRef idx="1">
+              <a:schemeClr val="accent1"/>
+            </a:effectRef>
+            <a:fontRef idx="minor">
+              <a:schemeClr val="tx1"/>
+            </a:fontRef>
+          </p:style>
+        </p:cxnSp>
+        <p:cxnSp>
+          <p:nvCxnSpPr>
+            <p:cNvPr id="21" name="Straight Connector 20"/>
+            <p:cNvCxnSpPr/>
+            <p:nvPr/>
+          </p:nvCxnSpPr>
+          <p:spPr>
+            <a:xfrm flipH="1">
+              <a:off x="7425267" y="3681413"/>
+              <a:ext cx="4763558" cy="3176587"/>
+            </a:xfrm>
+            <a:prstGeom prst="line">
+              <a:avLst/>
+            </a:prstGeom>
+            <a:ln w="9525">
+              <a:solidFill>
+                <a:schemeClr val="bg1">
+                  <a:lumMod val="85000"/>
+                </a:schemeClr>
+              </a:solidFill>
+            </a:ln>
+          </p:spPr>
+          <p:style>
+            <a:lnRef idx="2">
+              <a:schemeClr val="accent1"/>
+            </a:lnRef>
+            <a:fillRef idx="0">
+              <a:schemeClr val="accent1"/>
+            </a:fillRef>
+            <a:effectRef idx="1">
+              <a:schemeClr val="accent1"/>
+            </a:effectRef>
+            <a:fontRef idx="minor">
+              <a:schemeClr val="tx1"/>
+            </a:fontRef>
+          </p:style>
+        </p:cxnSp>
+        <p:sp>
+          <p:nvSpPr>
+            <p:cNvPr id="22" name="Rectangle 23"/>
+            <p:cNvSpPr/>
+            <p:nvPr/>
+          </p:nvSpPr>
+          <p:spPr>
+            <a:xfrm>
+              <a:off x="9181476" y="-8467"/>
+              <a:ext cx="3007349" cy="6866467"/>
+            </a:xfrm>
+            <a:custGeom>
+              <a:avLst/>
+              <a:gdLst/>
+              <a:ahLst/>
+              <a:cxnLst/>
+              <a:rect l="l" t="t" r="r" b="b"/>
+              <a:pathLst>
+                <a:path w="3007349" h="6866467">
+                  <a:moveTo>
+                    <a:pt x="2045532" y="0"/>
+                  </a:moveTo>
+                  <a:lnTo>
+                    <a:pt x="3007349" y="0"/>
+                  </a:lnTo>
+                  <a:lnTo>
+                    <a:pt x="3007349" y="6866467"/>
+                  </a:lnTo>
+                  <a:lnTo>
+                    <a:pt x="0" y="6866467"/>
+                  </a:lnTo>
+                  <a:lnTo>
+                    <a:pt x="2045532" y="0"/>
+                  </a:lnTo>
+                  <a:close/>
+                </a:path>
+              </a:pathLst>
+            </a:custGeom>
+            <a:solidFill>
+              <a:schemeClr val="accent1">
+                <a:alpha val="30000"/>
+              </a:schemeClr>
+            </a:solidFill>
+            <a:ln>
+              <a:noFill/>
+            </a:ln>
+            <a:effectLst/>
+          </p:spPr>
+          <p:style>
+            <a:lnRef idx="1">
+              <a:schemeClr val="accent1"/>
+            </a:lnRef>
+            <a:fillRef idx="3">
+              <a:schemeClr val="accent1"/>
+            </a:fillRef>
+            <a:effectRef idx="2">
+              <a:schemeClr val="accent1"/>
+            </a:effectRef>
+            <a:fontRef idx="minor">
+              <a:schemeClr val="lt1"/>
+            </a:fontRef>
+          </p:style>
+        </p:sp>
+        <p:sp>
+          <p:nvSpPr>
+            <p:cNvPr id="23" name="Rectangle 25"/>
+            <p:cNvSpPr/>
+            <p:nvPr/>
+          </p:nvSpPr>
+          <p:spPr>
+            <a:xfrm>
+              <a:off x="9603442" y="-8467"/>
+              <a:ext cx="2588558" cy="6866467"/>
+            </a:xfrm>
+            <a:custGeom>
+              <a:avLst/>
+              <a:gdLst/>
+              <a:ahLst/>
+              <a:cxnLst/>
+              <a:rect l="l" t="t" r="r" b="b"/>
+              <a:pathLst>
+                <a:path w="2573311" h="6866467">
+                  <a:moveTo>
+                    <a:pt x="0" y="0"/>
+                  </a:moveTo>
+                  <a:lnTo>
+                    <a:pt x="2573311" y="0"/>
+                  </a:lnTo>
+                  <a:lnTo>
+                    <a:pt x="2573311" y="6866467"/>
+                  </a:lnTo>
+                  <a:lnTo>
+                    <a:pt x="1202336" y="6866467"/>
+                  </a:lnTo>
+                  <a:lnTo>
+                    <a:pt x="0" y="0"/>
+                  </a:lnTo>
+                  <a:close/>
+                </a:path>
+              </a:pathLst>
+            </a:custGeom>
+            <a:solidFill>
+              <a:schemeClr val="accent1">
+                <a:alpha val="20000"/>
+              </a:schemeClr>
+            </a:solidFill>
+            <a:ln>
+              <a:noFill/>
+            </a:ln>
+            <a:effectLst/>
+          </p:spPr>
+          <p:style>
+            <a:lnRef idx="1">
+              <a:schemeClr val="accent1"/>
+            </a:lnRef>
+            <a:fillRef idx="3">
+              <a:schemeClr val="accent1"/>
+            </a:fillRef>
+            <a:effectRef idx="2">
+              <a:schemeClr val="accent1"/>
+            </a:effectRef>
+            <a:fontRef idx="minor">
+              <a:schemeClr val="lt1"/>
+            </a:fontRef>
+          </p:style>
+        </p:sp>
+        <p:sp>
+          <p:nvSpPr>
+            <p:cNvPr id="24" name="Isosceles Triangle 23"/>
+            <p:cNvSpPr/>
+            <p:nvPr/>
+          </p:nvSpPr>
+          <p:spPr>
+            <a:xfrm>
+              <a:off x="8932333" y="3048000"/>
+              <a:ext cx="3259667" cy="3810000"/>
+            </a:xfrm>
+            <a:prstGeom prst="triangle">
+              <a:avLst>
+                <a:gd name="adj" fmla="val 100000"/>
+              </a:avLst>
+            </a:prstGeom>
+            <a:solidFill>
+              <a:schemeClr val="accent2">
+                <a:alpha val="72000"/>
+              </a:schemeClr>
+            </a:solidFill>
+            <a:ln>
+              <a:noFill/>
+            </a:ln>
+            <a:effectLst/>
+          </p:spPr>
+          <p:style>
+            <a:lnRef idx="1">
+              <a:schemeClr val="accent1"/>
+            </a:lnRef>
+            <a:fillRef idx="3">
+              <a:schemeClr val="accent1"/>
+            </a:fillRef>
+            <a:effectRef idx="2">
+              <a:schemeClr val="accent1"/>
+            </a:effectRef>
+            <a:fontRef idx="minor">
+              <a:schemeClr val="lt1"/>
+            </a:fontRef>
+          </p:style>
+        </p:sp>
+        <p:sp>
+          <p:nvSpPr>
+            <p:cNvPr id="25" name="Rectangle 27"/>
+            <p:cNvSpPr/>
+            <p:nvPr/>
+          </p:nvSpPr>
+          <p:spPr>
+            <a:xfrm>
+              <a:off x="9334500" y="-8467"/>
+              <a:ext cx="2854326" cy="6866467"/>
+            </a:xfrm>
+            <a:custGeom>
+              <a:avLst/>
+              <a:gdLst/>
+              <a:ahLst/>
+              <a:cxnLst/>
+              <a:rect l="l" t="t" r="r" b="b"/>
+              <a:pathLst>
+                <a:path w="2858013" h="6866467">
+                  <a:moveTo>
+                    <a:pt x="0" y="0"/>
+                  </a:moveTo>
+                  <a:lnTo>
+                    <a:pt x="2858013" y="0"/>
+                  </a:lnTo>
+                  <a:lnTo>
+                    <a:pt x="2858013" y="6866467"/>
+                  </a:lnTo>
+                  <a:lnTo>
+                    <a:pt x="2473942" y="6866467"/>
+                  </a:lnTo>
+                  <a:lnTo>
+                    <a:pt x="0" y="0"/>
+                  </a:lnTo>
+                  <a:close/>
+                </a:path>
+              </a:pathLst>
+            </a:custGeom>
+            <a:solidFill>
+              <a:schemeClr val="accent2">
+                <a:lumMod val="75000"/>
+                <a:alpha val="70000"/>
+              </a:schemeClr>
+            </a:solidFill>
+            <a:ln>
+              <a:noFill/>
+            </a:ln>
+            <a:effectLst/>
+          </p:spPr>
+          <p:style>
+            <a:lnRef idx="1">
+              <a:schemeClr val="accent1"/>
+            </a:lnRef>
+            <a:fillRef idx="3">
+              <a:schemeClr val="accent1"/>
+            </a:fillRef>
+            <a:effectRef idx="2">
+              <a:schemeClr val="accent1"/>
+            </a:effectRef>
+            <a:fontRef idx="minor">
+              <a:schemeClr val="lt1"/>
+            </a:fontRef>
+          </p:style>
+        </p:sp>
+        <p:sp>
+          <p:nvSpPr>
+            <p:cNvPr id="26" name="Rectangle 28"/>
+            <p:cNvSpPr/>
+            <p:nvPr/>
+          </p:nvSpPr>
+          <p:spPr>
+            <a:xfrm>
+              <a:off x="10898730" y="-8467"/>
+              <a:ext cx="1290094" cy="6866467"/>
+            </a:xfrm>
+            <a:custGeom>
+              <a:avLst/>
+              <a:gdLst/>
+              <a:ahLst/>
+              <a:cxnLst/>
+              <a:rect l="l" t="t" r="r" b="b"/>
+              <a:pathLst>
+                <a:path w="1290094" h="6858000">
+                  <a:moveTo>
+                    <a:pt x="1019735" y="0"/>
+                  </a:moveTo>
+                  <a:lnTo>
+                    <a:pt x="1290094" y="0"/>
+                  </a:lnTo>
+                  <a:lnTo>
+                    <a:pt x="1290094" y="6858000"/>
+                  </a:lnTo>
+                  <a:lnTo>
+                    <a:pt x="0" y="6858000"/>
+                  </a:lnTo>
+                  <a:lnTo>
+                    <a:pt x="1019735" y="0"/>
+                  </a:lnTo>
+                  <a:close/>
+                </a:path>
+              </a:pathLst>
+            </a:custGeom>
+            <a:solidFill>
+              <a:schemeClr val="accent1">
+                <a:lumMod val="60000"/>
+                <a:lumOff val="40000"/>
+                <a:alpha val="70000"/>
+              </a:schemeClr>
+            </a:solidFill>
+            <a:ln>
+              <a:noFill/>
+            </a:ln>
+            <a:effectLst/>
+          </p:spPr>
+          <p:style>
+            <a:lnRef idx="1">
+              <a:schemeClr val="accent1"/>
+            </a:lnRef>
+            <a:fillRef idx="3">
+              <a:schemeClr val="accent1"/>
+            </a:fillRef>
+            <a:effectRef idx="2">
+              <a:schemeClr val="accent1"/>
+            </a:effectRef>
+            <a:fontRef idx="minor">
+              <a:schemeClr val="lt1"/>
+            </a:fontRef>
+          </p:style>
+        </p:sp>
+        <p:sp>
+          <p:nvSpPr>
+            <p:cNvPr id="27" name="Rectangle 29"/>
+            <p:cNvSpPr/>
+            <p:nvPr/>
+          </p:nvSpPr>
+          <p:spPr>
+            <a:xfrm>
+              <a:off x="10938999" y="-8467"/>
+              <a:ext cx="1249825" cy="6866467"/>
+            </a:xfrm>
+            <a:custGeom>
+              <a:avLst/>
+              <a:gdLst/>
+              <a:ahLst/>
+              <a:cxnLst/>
+              <a:rect l="l" t="t" r="r" b="b"/>
+              <a:pathLst>
+                <a:path w="1249825" h="6858000">
+                  <a:moveTo>
+                    <a:pt x="0" y="0"/>
+                  </a:moveTo>
+                  <a:lnTo>
+                    <a:pt x="1249825" y="0"/>
+                  </a:lnTo>
+                  <a:lnTo>
+                    <a:pt x="1249825" y="6858000"/>
+                  </a:lnTo>
+                  <a:lnTo>
+                    <a:pt x="1109382" y="6858000"/>
+                  </a:lnTo>
+                  <a:lnTo>
+                    <a:pt x="0" y="0"/>
+                  </a:lnTo>
+                  <a:close/>
+                </a:path>
+              </a:pathLst>
+            </a:custGeom>
+            <a:solidFill>
+              <a:schemeClr val="accent1">
+                <a:alpha val="65000"/>
+              </a:schemeClr>
+            </a:solidFill>
+            <a:ln>
+              <a:noFill/>
+            </a:ln>
+            <a:effectLst/>
+          </p:spPr>
+          <p:style>
+            <a:lnRef idx="1">
+              <a:schemeClr val="accent1"/>
+            </a:lnRef>
+            <a:fillRef idx="3">
+              <a:schemeClr val="accent1"/>
+            </a:fillRef>
+            <a:effectRef idx="2">
+              <a:schemeClr val="accent1"/>
+            </a:effectRef>
+            <a:fontRef idx="minor">
+              <a:schemeClr val="lt1"/>
+            </a:fontRef>
+          </p:style>
+        </p:sp>
+        <p:sp>
+          <p:nvSpPr>
+            <p:cNvPr id="28" name="Isosceles Triangle 27"/>
+            <p:cNvSpPr/>
+            <p:nvPr/>
+          </p:nvSpPr>
+          <p:spPr>
+            <a:xfrm>
+              <a:off x="10371666" y="3589867"/>
+              <a:ext cx="1817159" cy="3268133"/>
+            </a:xfrm>
+            <a:prstGeom prst="triangle">
+              <a:avLst>
+                <a:gd name="adj" fmla="val 100000"/>
+              </a:avLst>
+            </a:prstGeom>
+            <a:solidFill>
+              <a:schemeClr val="accent1">
+                <a:alpha val="80000"/>
+              </a:schemeClr>
+            </a:solidFill>
+            <a:ln>
+              <a:noFill/>
+            </a:ln>
+            <a:effectLst/>
+          </p:spPr>
+          <p:style>
+            <a:lnRef idx="1">
+              <a:schemeClr val="accent1"/>
+            </a:lnRef>
+            <a:fillRef idx="3">
+              <a:schemeClr val="accent1"/>
+            </a:fillRef>
+            <a:effectRef idx="2">
+              <a:schemeClr val="accent1"/>
+            </a:effectRef>
+            <a:fontRef idx="minor">
+              <a:schemeClr val="lt1"/>
+            </a:fontRef>
+          </p:style>
+        </p:sp>
+        <p:sp>
+          <p:nvSpPr>
+            <p:cNvPr id="29" name="Isosceles Triangle 28"/>
+            <p:cNvSpPr/>
+            <p:nvPr/>
+          </p:nvSpPr>
+          <p:spPr>
+            <a:xfrm>
+              <a:off x="0" y="4013200"/>
+              <a:ext cx="448733" cy="2844800"/>
+            </a:xfrm>
+            <a:prstGeom prst="triangle">
+              <a:avLst>
+                <a:gd name="adj" fmla="val 0"/>
+              </a:avLst>
+            </a:prstGeom>
+            <a:solidFill>
+              <a:schemeClr val="accent1">
+                <a:alpha val="85000"/>
+              </a:schemeClr>
+            </a:solidFill>
+            <a:ln>
+              <a:noFill/>
+            </a:ln>
+            <a:effectLst/>
+          </p:spPr>
+          <p:style>
+            <a:lnRef idx="1">
+              <a:schemeClr val="accent1"/>
+            </a:lnRef>
+            <a:fillRef idx="3">
+              <a:schemeClr val="accent1"/>
+            </a:fillRef>
+            <a:effectRef idx="2">
+              <a:schemeClr val="accent1"/>
+            </a:effectRef>
+            <a:fontRef idx="minor">
+              <a:schemeClr val="lt1"/>
+            </a:fontRef>
+          </p:style>
+        </p:sp>
+      </p:grpSp>
       <p:sp>
         <p:nvSpPr>
           <p:cNvPr id="2" name="Title Placeholder 1"/>
@@ -2450,15 +6420,15 @@
         </p:nvSpPr>
         <p:spPr>
           <a:xfrm>
-            <a:off x="838200" y="365125"/>
-            <a:ext cx="10515600" cy="1325563"/>
+            <a:off x="677334" y="609600"/>
+            <a:ext cx="8596668" cy="1320800"/>
           </a:xfrm>
           <a:prstGeom prst="rect">
             <a:avLst/>
           </a:prstGeom>
         </p:spPr>
         <p:txBody>
-          <a:bodyPr vert="horz" lIns="91440" tIns="45720" rIns="91440" bIns="45720" rtlCol="0" anchor="ctr">
+          <a:bodyPr vert="horz" lIns="91440" tIns="45720" rIns="91440" bIns="45720" rtlCol="0" anchor="t">
             <a:normAutofit/>
           </a:bodyPr>
           <a:lstStyle/>
@@ -2467,7 +6437,7 @@
               <a:rPr lang="en-US" smtClean="0"/>
               <a:t>Click to edit Master title style</a:t>
             </a:r>
-            <a:endParaRPr lang="en-GB"/>
+            <a:endParaRPr lang="en-US" dirty="0"/>
           </a:p>
         </p:txBody>
       </p:sp>
@@ -2483,8 +6453,8 @@
         </p:nvSpPr>
         <p:spPr>
           <a:xfrm>
-            <a:off x="838200" y="1825625"/>
-            <a:ext cx="10515600" cy="4351338"/>
+            <a:off x="677334" y="2160589"/>
+            <a:ext cx="8596668" cy="3880773"/>
           </a:xfrm>
           <a:prstGeom prst="rect">
             <a:avLst/>
@@ -2529,7 +6499,7 @@
               <a:rPr lang="en-US" smtClean="0"/>
               <a:t>Fifth level</a:t>
             </a:r>
-            <a:endParaRPr lang="en-GB"/>
+            <a:endParaRPr lang="en-US" dirty="0"/>
           </a:p>
         </p:txBody>
       </p:sp>
@@ -2545,8 +6515,8 @@
         </p:nvSpPr>
         <p:spPr>
           <a:xfrm>
-            <a:off x="838200" y="6356350"/>
-            <a:ext cx="2743200" cy="365125"/>
+            <a:off x="7205133" y="6041362"/>
+            <a:ext cx="911939" cy="365125"/>
           </a:xfrm>
           <a:prstGeom prst="rect">
             <a:avLst/>
@@ -2555,8 +6525,8 @@
         <p:txBody>
           <a:bodyPr vert="horz" lIns="91440" tIns="45720" rIns="91440" bIns="45720" rtlCol="0" anchor="ctr"/>
           <a:lstStyle>
-            <a:lvl1pPr algn="l">
-              <a:defRPr sz="1200">
+            <a:lvl1pPr algn="r">
+              <a:defRPr sz="900">
                 <a:solidFill>
                   <a:schemeClr val="tx1">
                     <a:tint val="75000"/>
@@ -2586,8 +6556,8 @@
         </p:nvSpPr>
         <p:spPr>
           <a:xfrm>
-            <a:off x="4038600" y="6356350"/>
-            <a:ext cx="4114800" cy="365125"/>
+            <a:off x="677334" y="6041362"/>
+            <a:ext cx="6297612" cy="365125"/>
           </a:xfrm>
           <a:prstGeom prst="rect">
             <a:avLst/>
@@ -2596,8 +6566,8 @@
         <p:txBody>
           <a:bodyPr vert="horz" lIns="91440" tIns="45720" rIns="91440" bIns="45720" rtlCol="0" anchor="ctr"/>
           <a:lstStyle>
-            <a:lvl1pPr algn="ctr">
-              <a:defRPr sz="1200">
+            <a:lvl1pPr algn="l">
+              <a:defRPr sz="900">
                 <a:solidFill>
                   <a:schemeClr val="tx1">
                     <a:tint val="75000"/>
@@ -2623,8 +6593,8 @@
         </p:nvSpPr>
         <p:spPr>
           <a:xfrm>
-            <a:off x="8610600" y="6356350"/>
-            <a:ext cx="2743200" cy="365125"/>
+            <a:off x="8590663" y="6041362"/>
+            <a:ext cx="683339" cy="365125"/>
           </a:xfrm>
           <a:prstGeom prst="rect">
             <a:avLst/>
@@ -2634,11 +6604,9 @@
           <a:bodyPr vert="horz" lIns="91440" tIns="45720" rIns="91440" bIns="45720" rtlCol="0" anchor="ctr"/>
           <a:lstStyle>
             <a:lvl1pPr algn="r">
-              <a:defRPr sz="1200">
+              <a:defRPr sz="900">
                 <a:solidFill>
-                  <a:schemeClr val="tx1">
-                    <a:tint val="75000"/>
-                  </a:schemeClr>
+                  <a:schemeClr val="accent1"/>
                 </a:solidFill>
               </a:defRPr>
             </a:lvl1pPr>
@@ -2655,201 +6623,322 @@
     </p:spTree>
     <p:extLst>
       <p:ext uri="{BB962C8B-B14F-4D97-AF65-F5344CB8AC3E}">
-        <p14:creationId xmlns:p14="http://schemas.microsoft.com/office/powerpoint/2010/main" val="2000370067"/>
+        <p14:creationId xmlns:p14="http://schemas.microsoft.com/office/powerpoint/2010/main" val="3161034611"/>
       </p:ext>
     </p:extLst>
   </p:cSld>
   <p:clrMap bg1="lt1" tx1="dk1" bg2="lt2" tx2="dk2" accent1="accent1" accent2="accent2" accent3="accent3" accent4="accent4" accent5="accent5" accent6="accent6" hlink="hlink" folHlink="folHlink"/>
   <p:sldLayoutIdLst>
-    <p:sldLayoutId id="2147483649" r:id="rId1"/>
-    <p:sldLayoutId id="2147483650" r:id="rId2"/>
-    <p:sldLayoutId id="2147483651" r:id="rId3"/>
-    <p:sldLayoutId id="2147483652" r:id="rId4"/>
-    <p:sldLayoutId id="2147483653" r:id="rId5"/>
-    <p:sldLayoutId id="2147483654" r:id="rId6"/>
-    <p:sldLayoutId id="2147483655" r:id="rId7"/>
-    <p:sldLayoutId id="2147483656" r:id="rId8"/>
-    <p:sldLayoutId id="2147483657" r:id="rId9"/>
-    <p:sldLayoutId id="2147483658" r:id="rId10"/>
-    <p:sldLayoutId id="2147483659" r:id="rId11"/>
+    <p:sldLayoutId id="2147483702" r:id="rId1"/>
+    <p:sldLayoutId id="2147483703" r:id="rId2"/>
+    <p:sldLayoutId id="2147483704" r:id="rId3"/>
+    <p:sldLayoutId id="2147483705" r:id="rId4"/>
+    <p:sldLayoutId id="2147483706" r:id="rId5"/>
+    <p:sldLayoutId id="2147483707" r:id="rId6"/>
+    <p:sldLayoutId id="2147483708" r:id="rId7"/>
+    <p:sldLayoutId id="2147483709" r:id="rId8"/>
+    <p:sldLayoutId id="2147483710" r:id="rId9"/>
+    <p:sldLayoutId id="2147483711" r:id="rId10"/>
+    <p:sldLayoutId id="2147483712" r:id="rId11"/>
+    <p:sldLayoutId id="2147483713" r:id="rId12"/>
+    <p:sldLayoutId id="2147483714" r:id="rId13"/>
+    <p:sldLayoutId id="2147483715" r:id="rId14"/>
+    <p:sldLayoutId id="2147483716" r:id="rId15"/>
+    <p:sldLayoutId id="2147483717" r:id="rId16"/>
   </p:sldLayoutIdLst>
   <p:txStyles>
     <p:titleStyle>
-      <a:lvl1pPr algn="l" defTabSz="914400" rtl="0" eaLnBrk="1" latinLnBrk="0" hangingPunct="1">
-        <a:lnSpc>
-          <a:spcPct val="90000"/>
-        </a:lnSpc>
+      <a:lvl1pPr algn="l" defTabSz="457200" rtl="0" eaLnBrk="1" latinLnBrk="0" hangingPunct="1">
         <a:spcBef>
           <a:spcPct val="0"/>
         </a:spcBef>
         <a:buNone/>
-        <a:defRPr sz="4400" kern="1200">
+        <a:defRPr sz="3600" kern="1200">
           <a:solidFill>
-            <a:schemeClr val="tx1"/>
+            <a:schemeClr val="accent1"/>
           </a:solidFill>
           <a:latin typeface="+mj-lt"/>
           <a:ea typeface="+mj-ea"/>
           <a:cs typeface="+mj-cs"/>
         </a:defRPr>
       </a:lvl1pPr>
+      <a:lvl2pPr eaLnBrk="1" hangingPunct="1">
+        <a:defRPr>
+          <a:solidFill>
+            <a:schemeClr val="tx2"/>
+          </a:solidFill>
+        </a:defRPr>
+      </a:lvl2pPr>
+      <a:lvl3pPr eaLnBrk="1" hangingPunct="1">
+        <a:defRPr>
+          <a:solidFill>
+            <a:schemeClr val="tx2"/>
+          </a:solidFill>
+        </a:defRPr>
+      </a:lvl3pPr>
+      <a:lvl4pPr eaLnBrk="1" hangingPunct="1">
+        <a:defRPr>
+          <a:solidFill>
+            <a:schemeClr val="tx2"/>
+          </a:solidFill>
+        </a:defRPr>
+      </a:lvl4pPr>
+      <a:lvl5pPr eaLnBrk="1" hangingPunct="1">
+        <a:defRPr>
+          <a:solidFill>
+            <a:schemeClr val="tx2"/>
+          </a:solidFill>
+        </a:defRPr>
+      </a:lvl5pPr>
+      <a:lvl6pPr eaLnBrk="1" hangingPunct="1">
+        <a:defRPr>
+          <a:solidFill>
+            <a:schemeClr val="tx2"/>
+          </a:solidFill>
+        </a:defRPr>
+      </a:lvl6pPr>
+      <a:lvl7pPr eaLnBrk="1" hangingPunct="1">
+        <a:defRPr>
+          <a:solidFill>
+            <a:schemeClr val="tx2"/>
+          </a:solidFill>
+        </a:defRPr>
+      </a:lvl7pPr>
+      <a:lvl8pPr eaLnBrk="1" hangingPunct="1">
+        <a:defRPr>
+          <a:solidFill>
+            <a:schemeClr val="tx2"/>
+          </a:solidFill>
+        </a:defRPr>
+      </a:lvl8pPr>
+      <a:lvl9pPr eaLnBrk="1" hangingPunct="1">
+        <a:defRPr>
+          <a:solidFill>
+            <a:schemeClr val="tx2"/>
+          </a:solidFill>
+        </a:defRPr>
+      </a:lvl9pPr>
     </p:titleStyle>
     <p:bodyStyle>
-      <a:lvl1pPr marL="228600" indent="-228600" algn="l" defTabSz="914400" rtl="0" eaLnBrk="1" latinLnBrk="0" hangingPunct="1">
-        <a:lnSpc>
-          <a:spcPct val="90000"/>
-        </a:lnSpc>
+      <a:lvl1pPr marL="342900" indent="-342900" algn="l" defTabSz="457200" rtl="0" eaLnBrk="1" latinLnBrk="0" hangingPunct="1">
         <a:spcBef>
           <a:spcPts val="1000"/>
         </a:spcBef>
-        <a:buFont typeface="Arial" panose="020B0604020202020204" pitchFamily="34" charset="0"/>
-        <a:buChar char="•"/>
-        <a:defRPr sz="2800" kern="1200">
+        <a:spcAft>
+          <a:spcPts val="0"/>
+        </a:spcAft>
+        <a:buClr>
+          <a:schemeClr val="accent1"/>
+        </a:buClr>
+        <a:buSzPct val="80000"/>
+        <a:buFont typeface="Wingdings 3" charset="2"/>
+        <a:buChar char=""/>
+        <a:defRPr sz="1800" kern="1200">
           <a:solidFill>
-            <a:schemeClr val="tx1"/>
+            <a:schemeClr val="tx1">
+              <a:lumMod val="75000"/>
+              <a:lumOff val="25000"/>
+            </a:schemeClr>
           </a:solidFill>
           <a:latin typeface="+mn-lt"/>
           <a:ea typeface="+mn-ea"/>
           <a:cs typeface="+mn-cs"/>
         </a:defRPr>
       </a:lvl1pPr>
-      <a:lvl2pPr marL="685800" indent="-228600" algn="l" defTabSz="914400" rtl="0" eaLnBrk="1" latinLnBrk="0" hangingPunct="1">
-        <a:lnSpc>
-          <a:spcPct val="90000"/>
-        </a:lnSpc>
+      <a:lvl2pPr marL="742950" indent="-285750" algn="l" defTabSz="457200" rtl="0" eaLnBrk="1" latinLnBrk="0" hangingPunct="1">
         <a:spcBef>
-          <a:spcPts val="500"/>
+          <a:spcPts val="1000"/>
         </a:spcBef>
-        <a:buFont typeface="Arial" panose="020B0604020202020204" pitchFamily="34" charset="0"/>
-        <a:buChar char="•"/>
-        <a:defRPr sz="2400" kern="1200">
+        <a:spcAft>
+          <a:spcPts val="0"/>
+        </a:spcAft>
+        <a:buClr>
+          <a:schemeClr val="accent1"/>
+        </a:buClr>
+        <a:buSzPct val="80000"/>
+        <a:buFont typeface="Wingdings 3" charset="2"/>
+        <a:buChar char=""/>
+        <a:defRPr sz="1600" kern="1200">
           <a:solidFill>
-            <a:schemeClr val="tx1"/>
+            <a:schemeClr val="tx1">
+              <a:lumMod val="75000"/>
+              <a:lumOff val="25000"/>
+            </a:schemeClr>
           </a:solidFill>
           <a:latin typeface="+mn-lt"/>
           <a:ea typeface="+mn-ea"/>
           <a:cs typeface="+mn-cs"/>
         </a:defRPr>
       </a:lvl2pPr>
-      <a:lvl3pPr marL="1143000" indent="-228600" algn="l" defTabSz="914400" rtl="0" eaLnBrk="1" latinLnBrk="0" hangingPunct="1">
-        <a:lnSpc>
-          <a:spcPct val="90000"/>
-        </a:lnSpc>
+      <a:lvl3pPr marL="1143000" indent="-228600" algn="l" defTabSz="457200" rtl="0" eaLnBrk="1" latinLnBrk="0" hangingPunct="1">
         <a:spcBef>
-          <a:spcPts val="500"/>
+          <a:spcPts val="1000"/>
         </a:spcBef>
-        <a:buFont typeface="Arial" panose="020B0604020202020204" pitchFamily="34" charset="0"/>
-        <a:buChar char="•"/>
-        <a:defRPr sz="2000" kern="1200">
+        <a:spcAft>
+          <a:spcPts val="0"/>
+        </a:spcAft>
+        <a:buClr>
+          <a:schemeClr val="accent1"/>
+        </a:buClr>
+        <a:buSzPct val="80000"/>
+        <a:buFont typeface="Wingdings 3" charset="2"/>
+        <a:buChar char=""/>
+        <a:defRPr sz="1400" kern="1200">
           <a:solidFill>
-            <a:schemeClr val="tx1"/>
+            <a:schemeClr val="tx1">
+              <a:lumMod val="75000"/>
+              <a:lumOff val="25000"/>
+            </a:schemeClr>
           </a:solidFill>
           <a:latin typeface="+mn-lt"/>
           <a:ea typeface="+mn-ea"/>
           <a:cs typeface="+mn-cs"/>
         </a:defRPr>
       </a:lvl3pPr>
-      <a:lvl4pPr marL="1600200" indent="-228600" algn="l" defTabSz="914400" rtl="0" eaLnBrk="1" latinLnBrk="0" hangingPunct="1">
-        <a:lnSpc>
-          <a:spcPct val="90000"/>
-        </a:lnSpc>
+      <a:lvl4pPr marL="1600200" indent="-228600" algn="l" defTabSz="457200" rtl="0" eaLnBrk="1" latinLnBrk="0" hangingPunct="1">
         <a:spcBef>
-          <a:spcPts val="500"/>
+          <a:spcPts val="1000"/>
         </a:spcBef>
-        <a:buFont typeface="Arial" panose="020B0604020202020204" pitchFamily="34" charset="0"/>
-        <a:buChar char="•"/>
-        <a:defRPr sz="1800" kern="1200">
+        <a:spcAft>
+          <a:spcPts val="0"/>
+        </a:spcAft>
+        <a:buClr>
+          <a:schemeClr val="accent1"/>
+        </a:buClr>
+        <a:buSzPct val="80000"/>
+        <a:buFont typeface="Wingdings 3" charset="2"/>
+        <a:buChar char=""/>
+        <a:defRPr sz="1200" kern="1200">
           <a:solidFill>
-            <a:schemeClr val="tx1"/>
+            <a:schemeClr val="tx1">
+              <a:lumMod val="75000"/>
+              <a:lumOff val="25000"/>
+            </a:schemeClr>
           </a:solidFill>
           <a:latin typeface="+mn-lt"/>
           <a:ea typeface="+mn-ea"/>
           <a:cs typeface="+mn-cs"/>
         </a:defRPr>
       </a:lvl4pPr>
-      <a:lvl5pPr marL="2057400" indent="-228600" algn="l" defTabSz="914400" rtl="0" eaLnBrk="1" latinLnBrk="0" hangingPunct="1">
-        <a:lnSpc>
-          <a:spcPct val="90000"/>
-        </a:lnSpc>
+      <a:lvl5pPr marL="2057400" indent="-228600" algn="l" defTabSz="457200" rtl="0" eaLnBrk="1" latinLnBrk="0" hangingPunct="1">
         <a:spcBef>
-          <a:spcPts val="500"/>
+          <a:spcPts val="1000"/>
         </a:spcBef>
-        <a:buFont typeface="Arial" panose="020B0604020202020204" pitchFamily="34" charset="0"/>
-        <a:buChar char="•"/>
-        <a:defRPr sz="1800" kern="1200">
+        <a:spcAft>
+          <a:spcPts val="0"/>
+        </a:spcAft>
+        <a:buClr>
+          <a:schemeClr val="accent1"/>
+        </a:buClr>
+        <a:buSzPct val="80000"/>
+        <a:buFont typeface="Wingdings 3" charset="2"/>
+        <a:buChar char=""/>
+        <a:defRPr sz="1200" kern="1200">
           <a:solidFill>
-            <a:schemeClr val="tx1"/>
+            <a:schemeClr val="tx1">
+              <a:lumMod val="75000"/>
+              <a:lumOff val="25000"/>
+            </a:schemeClr>
           </a:solidFill>
           <a:latin typeface="+mn-lt"/>
           <a:ea typeface="+mn-ea"/>
           <a:cs typeface="+mn-cs"/>
         </a:defRPr>
       </a:lvl5pPr>
-      <a:lvl6pPr marL="2514600" indent="-228600" algn="l" defTabSz="914400" rtl="0" eaLnBrk="1" latinLnBrk="0" hangingPunct="1">
-        <a:lnSpc>
-          <a:spcPct val="90000"/>
-        </a:lnSpc>
+      <a:lvl6pPr marL="2514600" indent="-228600" algn="l" defTabSz="457200" rtl="0" eaLnBrk="1" latinLnBrk="0" hangingPunct="1">
         <a:spcBef>
-          <a:spcPts val="500"/>
+          <a:spcPts val="1000"/>
         </a:spcBef>
-        <a:buFont typeface="Arial" panose="020B0604020202020204" pitchFamily="34" charset="0"/>
-        <a:buChar char="•"/>
-        <a:defRPr sz="1800" kern="1200">
+        <a:spcAft>
+          <a:spcPts val="0"/>
+        </a:spcAft>
+        <a:buClr>
+          <a:schemeClr val="accent1"/>
+        </a:buClr>
+        <a:buSzPct val="80000"/>
+        <a:buFont typeface="Wingdings 3" charset="2"/>
+        <a:buChar char=""/>
+        <a:defRPr sz="1200" kern="1200">
           <a:solidFill>
-            <a:schemeClr val="tx1"/>
+            <a:schemeClr val="tx1">
+              <a:lumMod val="75000"/>
+              <a:lumOff val="25000"/>
+            </a:schemeClr>
           </a:solidFill>
           <a:latin typeface="+mn-lt"/>
           <a:ea typeface="+mn-ea"/>
           <a:cs typeface="+mn-cs"/>
         </a:defRPr>
       </a:lvl6pPr>
-      <a:lvl7pPr marL="2971800" indent="-228600" algn="l" defTabSz="914400" rtl="0" eaLnBrk="1" latinLnBrk="0" hangingPunct="1">
-        <a:lnSpc>
-          <a:spcPct val="90000"/>
-        </a:lnSpc>
+      <a:lvl7pPr marL="2971800" indent="-228600" algn="l" defTabSz="457200" rtl="0" eaLnBrk="1" latinLnBrk="0" hangingPunct="1">
         <a:spcBef>
-          <a:spcPts val="500"/>
+          <a:spcPts val="1000"/>
         </a:spcBef>
-        <a:buFont typeface="Arial" panose="020B0604020202020204" pitchFamily="34" charset="0"/>
-        <a:buChar char="•"/>
-        <a:defRPr sz="1800" kern="1200">
+        <a:spcAft>
+          <a:spcPts val="0"/>
+        </a:spcAft>
+        <a:buClr>
+          <a:schemeClr val="accent1"/>
+        </a:buClr>
+        <a:buSzPct val="80000"/>
+        <a:buFont typeface="Wingdings 3" charset="2"/>
+        <a:buChar char=""/>
+        <a:defRPr sz="1200" kern="1200">
           <a:solidFill>
-            <a:schemeClr val="tx1"/>
+            <a:schemeClr val="tx1">
+              <a:lumMod val="75000"/>
+              <a:lumOff val="25000"/>
+            </a:schemeClr>
           </a:solidFill>
           <a:latin typeface="+mn-lt"/>
           <a:ea typeface="+mn-ea"/>
           <a:cs typeface="+mn-cs"/>
         </a:defRPr>
       </a:lvl7pPr>
-      <a:lvl8pPr marL="3429000" indent="-228600" algn="l" defTabSz="914400" rtl="0" eaLnBrk="1" latinLnBrk="0" hangingPunct="1">
-        <a:lnSpc>
-          <a:spcPct val="90000"/>
-        </a:lnSpc>
+      <a:lvl8pPr marL="3429000" indent="-228600" algn="l" defTabSz="457200" rtl="0" eaLnBrk="1" latinLnBrk="0" hangingPunct="1">
         <a:spcBef>
-          <a:spcPts val="500"/>
+          <a:spcPts val="1000"/>
         </a:spcBef>
-        <a:buFont typeface="Arial" panose="020B0604020202020204" pitchFamily="34" charset="0"/>
-        <a:buChar char="•"/>
-        <a:defRPr sz="1800" kern="1200">
+        <a:spcAft>
+          <a:spcPts val="0"/>
+        </a:spcAft>
+        <a:buClr>
+          <a:schemeClr val="accent1"/>
+        </a:buClr>
+        <a:buSzPct val="80000"/>
+        <a:buFont typeface="Wingdings 3" charset="2"/>
+        <a:buChar char=""/>
+        <a:defRPr sz="1200" kern="1200">
           <a:solidFill>
-            <a:schemeClr val="tx1"/>
+            <a:schemeClr val="tx1">
+              <a:lumMod val="75000"/>
+              <a:lumOff val="25000"/>
+            </a:schemeClr>
           </a:solidFill>
           <a:latin typeface="+mn-lt"/>
           <a:ea typeface="+mn-ea"/>
           <a:cs typeface="+mn-cs"/>
         </a:defRPr>
       </a:lvl8pPr>
-      <a:lvl9pPr marL="3886200" indent="-228600" algn="l" defTabSz="914400" rtl="0" eaLnBrk="1" latinLnBrk="0" hangingPunct="1">
-        <a:lnSpc>
-          <a:spcPct val="90000"/>
-        </a:lnSpc>
+      <a:lvl9pPr marL="3886200" indent="-228600" algn="l" defTabSz="457200" rtl="0" eaLnBrk="1" latinLnBrk="0" hangingPunct="1">
         <a:spcBef>
-          <a:spcPts val="500"/>
+          <a:spcPts val="1000"/>
         </a:spcBef>
-        <a:buFont typeface="Arial" panose="020B0604020202020204" pitchFamily="34" charset="0"/>
-        <a:buChar char="•"/>
-        <a:defRPr sz="1800" kern="1200">
+        <a:spcAft>
+          <a:spcPts val="0"/>
+        </a:spcAft>
+        <a:buClr>
+          <a:schemeClr val="accent1"/>
+        </a:buClr>
+        <a:buSzPct val="80000"/>
+        <a:buFont typeface="Wingdings 3" charset="2"/>
+        <a:buChar char=""/>
+        <a:defRPr sz="1200" kern="1200">
           <a:solidFill>
-            <a:schemeClr val="tx1"/>
+            <a:schemeClr val="tx1">
+              <a:lumMod val="75000"/>
+              <a:lumOff val="25000"/>
+            </a:schemeClr>
           </a:solidFill>
           <a:latin typeface="+mn-lt"/>
           <a:ea typeface="+mn-ea"/>
@@ -2861,7 +6950,7 @@
       <a:defPPr>
         <a:defRPr lang="en-US"/>
       </a:defPPr>
-      <a:lvl1pPr marL="0" algn="l" defTabSz="914400" rtl="0" eaLnBrk="1" latinLnBrk="0" hangingPunct="1">
+      <a:lvl1pPr marL="0" algn="l" defTabSz="457200" rtl="0" eaLnBrk="1" latinLnBrk="0" hangingPunct="1">
         <a:defRPr sz="1800" kern="1200">
           <a:solidFill>
             <a:schemeClr val="tx1"/>
@@ -2871,7 +6960,7 @@
           <a:cs typeface="+mn-cs"/>
         </a:defRPr>
       </a:lvl1pPr>
-      <a:lvl2pPr marL="457200" algn="l" defTabSz="914400" rtl="0" eaLnBrk="1" latinLnBrk="0" hangingPunct="1">
+      <a:lvl2pPr marL="457200" algn="l" defTabSz="457200" rtl="0" eaLnBrk="1" latinLnBrk="0" hangingPunct="1">
         <a:defRPr sz="1800" kern="1200">
           <a:solidFill>
             <a:schemeClr val="tx1"/>
@@ -2881,7 +6970,7 @@
           <a:cs typeface="+mn-cs"/>
         </a:defRPr>
       </a:lvl2pPr>
-      <a:lvl3pPr marL="914400" algn="l" defTabSz="914400" rtl="0" eaLnBrk="1" latinLnBrk="0" hangingPunct="1">
+      <a:lvl3pPr marL="914400" algn="l" defTabSz="457200" rtl="0" eaLnBrk="1" latinLnBrk="0" hangingPunct="1">
         <a:defRPr sz="1800" kern="1200">
           <a:solidFill>
             <a:schemeClr val="tx1"/>
@@ -2891,7 +6980,7 @@
           <a:cs typeface="+mn-cs"/>
         </a:defRPr>
       </a:lvl3pPr>
-      <a:lvl4pPr marL="1371600" algn="l" defTabSz="914400" rtl="0" eaLnBrk="1" latinLnBrk="0" hangingPunct="1">
+      <a:lvl4pPr marL="1371600" algn="l" defTabSz="457200" rtl="0" eaLnBrk="1" latinLnBrk="0" hangingPunct="1">
         <a:defRPr sz="1800" kern="1200">
           <a:solidFill>
             <a:schemeClr val="tx1"/>
@@ -2901,7 +6990,7 @@
           <a:cs typeface="+mn-cs"/>
         </a:defRPr>
       </a:lvl4pPr>
-      <a:lvl5pPr marL="1828800" algn="l" defTabSz="914400" rtl="0" eaLnBrk="1" latinLnBrk="0" hangingPunct="1">
+      <a:lvl5pPr marL="1828800" algn="l" defTabSz="457200" rtl="0" eaLnBrk="1" latinLnBrk="0" hangingPunct="1">
         <a:defRPr sz="1800" kern="1200">
           <a:solidFill>
             <a:schemeClr val="tx1"/>
@@ -2911,7 +7000,7 @@
           <a:cs typeface="+mn-cs"/>
         </a:defRPr>
       </a:lvl5pPr>
-      <a:lvl6pPr marL="2286000" algn="l" defTabSz="914400" rtl="0" eaLnBrk="1" latinLnBrk="0" hangingPunct="1">
+      <a:lvl6pPr marL="2286000" algn="l" defTabSz="457200" rtl="0" eaLnBrk="1" latinLnBrk="0" hangingPunct="1">
         <a:defRPr sz="1800" kern="1200">
           <a:solidFill>
             <a:schemeClr val="tx1"/>
@@ -2921,7 +7010,7 @@
           <a:cs typeface="+mn-cs"/>
         </a:defRPr>
       </a:lvl6pPr>
-      <a:lvl7pPr marL="2743200" algn="l" defTabSz="914400" rtl="0" eaLnBrk="1" latinLnBrk="0" hangingPunct="1">
+      <a:lvl7pPr marL="2743200" algn="l" defTabSz="457200" rtl="0" eaLnBrk="1" latinLnBrk="0" hangingPunct="1">
         <a:defRPr sz="1800" kern="1200">
           <a:solidFill>
             <a:schemeClr val="tx1"/>
@@ -2931,7 +7020,7 @@
           <a:cs typeface="+mn-cs"/>
         </a:defRPr>
       </a:lvl7pPr>
-      <a:lvl8pPr marL="3200400" algn="l" defTabSz="914400" rtl="0" eaLnBrk="1" latinLnBrk="0" hangingPunct="1">
+      <a:lvl8pPr marL="3200400" algn="l" defTabSz="457200" rtl="0" eaLnBrk="1" latinLnBrk="0" hangingPunct="1">
         <a:defRPr sz="1800" kern="1200">
           <a:solidFill>
             <a:schemeClr val="tx1"/>
@@ -2941,7 +7030,7 @@
           <a:cs typeface="+mn-cs"/>
         </a:defRPr>
       </a:lvl8pPr>
-      <a:lvl9pPr marL="3657600" algn="l" defTabSz="914400" rtl="0" eaLnBrk="1" latinLnBrk="0" hangingPunct="1">
+      <a:lvl9pPr marL="3657600" algn="l" defTabSz="457200" rtl="0" eaLnBrk="1" latinLnBrk="0" hangingPunct="1">
         <a:defRPr sz="1800" kern="1200">
           <a:solidFill>
             <a:schemeClr val="tx1"/>
@@ -3062,6 +7151,78 @@
           <a:p>
             <a:r>
               <a:rPr lang="en-GB" dirty="0" smtClean="0"/>
+              <a:t>First Design </a:t>
+            </a:r>
+            <a:endParaRPr lang="en-GB" dirty="0"/>
+          </a:p>
+        </p:txBody>
+      </p:sp>
+      <p:sp>
+        <p:nvSpPr>
+          <p:cNvPr id="3" name="Content Placeholder 2"/>
+          <p:cNvSpPr>
+            <a:spLocks noGrp="1"/>
+          </p:cNvSpPr>
+          <p:nvPr>
+            <p:ph idx="1"/>
+          </p:nvPr>
+        </p:nvSpPr>
+        <p:spPr/>
+        <p:txBody>
+          <a:bodyPr/>
+          <a:lstStyle/>
+          <a:p>
+            <a:endParaRPr lang="en-GB"/>
+          </a:p>
+        </p:txBody>
+      </p:sp>
+    </p:spTree>
+    <p:extLst>
+      <p:ext uri="{BB962C8B-B14F-4D97-AF65-F5344CB8AC3E}">
+        <p14:creationId xmlns:p14="http://schemas.microsoft.com/office/powerpoint/2010/main" val="3516292689"/>
+      </p:ext>
+    </p:extLst>
+  </p:cSld>
+  <p:clrMapOvr>
+    <a:masterClrMapping/>
+  </p:clrMapOvr>
+</p:sld>
+</file>
+
+<file path=ppt/slides/slide11.xml><?xml version="1.0" encoding="utf-8"?>
+<p:sld xmlns:a="http://schemas.openxmlformats.org/drawingml/2006/main" xmlns:r="http://schemas.openxmlformats.org/officeDocument/2006/relationships" xmlns:p="http://schemas.openxmlformats.org/presentationml/2006/main">
+  <p:cSld>
+    <p:spTree>
+      <p:nvGrpSpPr>
+        <p:cNvPr id="1" name=""/>
+        <p:cNvGrpSpPr/>
+        <p:nvPr/>
+      </p:nvGrpSpPr>
+      <p:grpSpPr>
+        <a:xfrm>
+          <a:off x="0" y="0"/>
+          <a:ext cx="0" cy="0"/>
+          <a:chOff x="0" y="0"/>
+          <a:chExt cx="0" cy="0"/>
+        </a:xfrm>
+      </p:grpSpPr>
+      <p:sp>
+        <p:nvSpPr>
+          <p:cNvPr id="2" name="Title 1"/>
+          <p:cNvSpPr>
+            <a:spLocks noGrp="1"/>
+          </p:cNvSpPr>
+          <p:nvPr>
+            <p:ph type="title"/>
+          </p:nvPr>
+        </p:nvSpPr>
+        <p:spPr/>
+        <p:txBody>
+          <a:bodyPr/>
+          <a:lstStyle/>
+          <a:p>
+            <a:r>
+              <a:rPr lang="en-GB" dirty="0" smtClean="0"/>
               <a:t>Draft Design</a:t>
             </a:r>
             <a:endParaRPr lang="en-GB" dirty="0"/>
@@ -3161,7 +7322,11 @@
             </a:r>
             <a:r>
               <a:rPr lang="en-GB" dirty="0" smtClean="0"/>
-              <a:t> CASE STUDY</a:t>
+              <a:t> </a:t>
+            </a:r>
+            <a:r>
+              <a:rPr lang="en-GB" dirty="0" smtClean="0"/>
+              <a:t>CASE STUDY</a:t>
             </a:r>
             <a:endParaRPr lang="en-GB" dirty="0"/>
           </a:p>
@@ -3213,10 +7378,16 @@
           <a:lstStyle/>
           <a:p>
             <a:r>
-              <a:rPr lang="en-GB" dirty="0" smtClean="0"/>
+              <a:rPr lang="en-GB" dirty="0" smtClean="0">
+                <a:latin typeface="Adobe Devanagari" panose="02040503050201020203" pitchFamily="18" charset="0"/>
+                <a:cs typeface="Adobe Devanagari" panose="02040503050201020203" pitchFamily="18" charset="0"/>
+              </a:rPr>
               <a:t>Meet The Team</a:t>
             </a:r>
-            <a:endParaRPr lang="en-GB" dirty="0"/>
+            <a:endParaRPr lang="en-GB" dirty="0">
+              <a:latin typeface="Adobe Devanagari" panose="02040503050201020203" pitchFamily="18" charset="0"/>
+              <a:cs typeface="Adobe Devanagari" panose="02040503050201020203" pitchFamily="18" charset="0"/>
+            </a:endParaRPr>
           </a:p>
         </p:txBody>
       </p:sp>
@@ -3236,56 +7407,91 @@
           <a:lstStyle/>
           <a:p>
             <a:r>
-              <a:rPr lang="en-GB" dirty="0" smtClean="0"/>
+              <a:rPr lang="en-GB" dirty="0" smtClean="0">
+                <a:latin typeface="Adobe Devanagari" panose="02040503050201020203" pitchFamily="18" charset="0"/>
+                <a:cs typeface="Adobe Devanagari" panose="02040503050201020203" pitchFamily="18" charset="0"/>
+              </a:rPr>
               <a:t>Akber – Project Manager / </a:t>
             </a:r>
             <a:r>
-              <a:rPr lang="en-GB" dirty="0" err="1" smtClean="0"/>
+              <a:rPr lang="en-GB" dirty="0" err="1" smtClean="0">
+                <a:latin typeface="Adobe Devanagari" panose="02040503050201020203" pitchFamily="18" charset="0"/>
+                <a:cs typeface="Adobe Devanagari" panose="02040503050201020203" pitchFamily="18" charset="0"/>
+              </a:rPr>
               <a:t>Suplier</a:t>
             </a:r>
-            <a:endParaRPr lang="en-GB" dirty="0" smtClean="0"/>
-          </a:p>
-          <a:p>
-            <a:r>
-              <a:rPr lang="en-GB" dirty="0" err="1" smtClean="0"/>
+            <a:endParaRPr lang="en-GB" dirty="0" smtClean="0">
+              <a:latin typeface="Adobe Devanagari" panose="02040503050201020203" pitchFamily="18" charset="0"/>
+              <a:cs typeface="Adobe Devanagari" panose="02040503050201020203" pitchFamily="18" charset="0"/>
+            </a:endParaRPr>
+          </a:p>
+          <a:p>
+            <a:r>
+              <a:rPr lang="en-GB" dirty="0" err="1" smtClean="0">
+                <a:latin typeface="Adobe Devanagari" panose="02040503050201020203" pitchFamily="18" charset="0"/>
+                <a:cs typeface="Adobe Devanagari" panose="02040503050201020203" pitchFamily="18" charset="0"/>
+              </a:rPr>
               <a:t>Sabaa</a:t>
             </a:r>
             <a:r>
-              <a:rPr lang="en-GB" dirty="0" smtClean="0"/>
+              <a:rPr lang="en-GB" dirty="0" smtClean="0">
+                <a:latin typeface="Adobe Devanagari" panose="02040503050201020203" pitchFamily="18" charset="0"/>
+                <a:cs typeface="Adobe Devanagari" panose="02040503050201020203" pitchFamily="18" charset="0"/>
+              </a:rPr>
               <a:t> – Core </a:t>
             </a:r>
             <a:r>
-              <a:rPr lang="en-GB" dirty="0" err="1" smtClean="0"/>
+              <a:rPr lang="en-GB" dirty="0" err="1" smtClean="0">
+                <a:latin typeface="Adobe Devanagari" panose="02040503050201020203" pitchFamily="18" charset="0"/>
+                <a:cs typeface="Adobe Devanagari" panose="02040503050201020203" pitchFamily="18" charset="0"/>
+              </a:rPr>
               <a:t>Devloper</a:t>
             </a:r>
-            <a:endParaRPr lang="en-GB" dirty="0" smtClean="0"/>
-          </a:p>
-          <a:p>
-            <a:r>
-              <a:rPr lang="en-GB" dirty="0" err="1" smtClean="0"/>
+            <a:endParaRPr lang="en-GB" dirty="0" smtClean="0">
+              <a:latin typeface="Adobe Devanagari" panose="02040503050201020203" pitchFamily="18" charset="0"/>
+              <a:cs typeface="Adobe Devanagari" panose="02040503050201020203" pitchFamily="18" charset="0"/>
+            </a:endParaRPr>
+          </a:p>
+          <a:p>
+            <a:r>
+              <a:rPr lang="en-GB" dirty="0" err="1" smtClean="0">
+                <a:latin typeface="Adobe Devanagari" panose="02040503050201020203" pitchFamily="18" charset="0"/>
+                <a:cs typeface="Adobe Devanagari" panose="02040503050201020203" pitchFamily="18" charset="0"/>
+              </a:rPr>
               <a:t>Abdala</a:t>
             </a:r>
             <a:r>
-              <a:rPr lang="en-GB" dirty="0" smtClean="0"/>
+              <a:rPr lang="en-GB" dirty="0" smtClean="0">
+                <a:latin typeface="Adobe Devanagari" panose="02040503050201020203" pitchFamily="18" charset="0"/>
+                <a:cs typeface="Adobe Devanagari" panose="02040503050201020203" pitchFamily="18" charset="0"/>
+              </a:rPr>
               <a:t> - Marketing </a:t>
             </a:r>
           </a:p>
           <a:p>
             <a:r>
-              <a:rPr lang="en-GB" dirty="0" smtClean="0"/>
+              <a:rPr lang="en-GB" dirty="0" smtClean="0">
+                <a:latin typeface="Adobe Devanagari" panose="02040503050201020203" pitchFamily="18" charset="0"/>
+                <a:cs typeface="Adobe Devanagari" panose="02040503050201020203" pitchFamily="18" charset="0"/>
+              </a:rPr>
               <a:t>David – Payment </a:t>
             </a:r>
           </a:p>
           <a:p>
             <a:r>
-              <a:rPr lang="en-GB" dirty="0" err="1" smtClean="0"/>
+              <a:rPr lang="en-GB" dirty="0" err="1" smtClean="0">
+                <a:latin typeface="Adobe Devanagari" panose="02040503050201020203" pitchFamily="18" charset="0"/>
+                <a:cs typeface="Adobe Devanagari" panose="02040503050201020203" pitchFamily="18" charset="0"/>
+              </a:rPr>
               <a:t>Subodh</a:t>
             </a:r>
             <a:r>
-              <a:rPr lang="en-GB" dirty="0" smtClean="0"/>
+              <a:rPr lang="en-GB" dirty="0" smtClean="0">
+                <a:latin typeface="Adobe Devanagari" panose="02040503050201020203" pitchFamily="18" charset="0"/>
+                <a:cs typeface="Adobe Devanagari" panose="02040503050201020203" pitchFamily="18" charset="0"/>
+              </a:rPr>
               <a:t> – Loyalty Scheme</a:t>
             </a:r>
-            <a:endParaRPr lang="en-GB" dirty="0" smtClean="0"/>
           </a:p>
           <a:p>
             <a:endParaRPr lang="en-GB" dirty="0"/>
@@ -3341,7 +7547,6 @@
               <a:rPr lang="en-GB" dirty="0" smtClean="0"/>
               <a:t>Loyalty Scheme</a:t>
             </a:r>
-            <a:endParaRPr lang="en-GB" dirty="0" smtClean="0"/>
           </a:p>
         </p:txBody>
       </p:sp>
@@ -3489,32 +7694,120 @@
           <a:lstStyle/>
           <a:p>
             <a:r>
-              <a:rPr lang="en-GB" dirty="0" smtClean="0"/>
+              <a:rPr lang="en-GB" dirty="0" smtClean="0">
+                <a:latin typeface="Adobe Devanagari" panose="02040503050201020203" pitchFamily="18" charset="0"/>
+                <a:cs typeface="Adobe Devanagari" panose="02040503050201020203" pitchFamily="18" charset="0"/>
+              </a:rPr>
               <a:t>Marketing </a:t>
             </a:r>
             <a:br>
-              <a:rPr lang="en-GB" dirty="0" smtClean="0"/>
+              <a:rPr lang="en-GB" dirty="0" smtClean="0">
+                <a:latin typeface="Adobe Devanagari" panose="02040503050201020203" pitchFamily="18" charset="0"/>
+                <a:cs typeface="Adobe Devanagari" panose="02040503050201020203" pitchFamily="18" charset="0"/>
+              </a:rPr>
             </a:br>
+            <a:endParaRPr lang="en-GB" dirty="0">
+              <a:latin typeface="Adobe Devanagari" panose="02040503050201020203" pitchFamily="18" charset="0"/>
+              <a:cs typeface="Adobe Devanagari" panose="02040503050201020203" pitchFamily="18" charset="0"/>
+            </a:endParaRPr>
+          </a:p>
+        </p:txBody>
+      </p:sp>
+      <p:sp>
+        <p:nvSpPr>
+          <p:cNvPr id="3" name="Content Placeholder 2"/>
+          <p:cNvSpPr>
+            <a:spLocks noGrp="1"/>
+          </p:cNvSpPr>
+          <p:nvPr>
+            <p:ph idx="1"/>
+          </p:nvPr>
+        </p:nvSpPr>
+        <p:spPr/>
+        <p:txBody>
+          <a:bodyPr/>
+          <a:lstStyle/>
+          <a:p>
+            <a:pPr lvl="0"/>
+            <a:r>
+              <a:rPr lang="en-GB" dirty="0">
+                <a:latin typeface="Adobe Devanagari" panose="02040503050201020203" pitchFamily="18" charset="0"/>
+                <a:cs typeface="Adobe Devanagari" panose="02040503050201020203" pitchFamily="18" charset="0"/>
+              </a:rPr>
+              <a:t>Marketing is where a business </a:t>
+            </a:r>
+            <a:r>
+              <a:rPr lang="en-GB" dirty="0" smtClean="0">
+                <a:latin typeface="Adobe Devanagari" panose="02040503050201020203" pitchFamily="18" charset="0"/>
+                <a:cs typeface="Adobe Devanagari" panose="02040503050201020203" pitchFamily="18" charset="0"/>
+              </a:rPr>
+              <a:t>creates new ways in which it can improve the performance of sales in hopes of increasing profit.</a:t>
+            </a:r>
+            <a:endParaRPr lang="en-GB" dirty="0">
+              <a:latin typeface="Adobe Devanagari" panose="02040503050201020203" pitchFamily="18" charset="0"/>
+              <a:cs typeface="Adobe Devanagari" panose="02040503050201020203" pitchFamily="18" charset="0"/>
+            </a:endParaRPr>
+          </a:p>
+          <a:p>
+            <a:pPr lvl="0"/>
+            <a:r>
+              <a:rPr lang="en-GB" dirty="0">
+                <a:latin typeface="Adobe Devanagari" panose="02040503050201020203" pitchFamily="18" charset="0"/>
+                <a:cs typeface="Adobe Devanagari" panose="02040503050201020203" pitchFamily="18" charset="0"/>
+              </a:rPr>
+              <a:t> A business can do this by tracking consumer purchase, and by doing so can offer promotions and offers on popular products.</a:t>
+            </a:r>
+          </a:p>
+          <a:p>
+            <a:pPr lvl="0"/>
+            <a:r>
+              <a:rPr lang="en-GB" dirty="0">
+                <a:latin typeface="Adobe Devanagari" panose="02040503050201020203" pitchFamily="18" charset="0"/>
+                <a:cs typeface="Adobe Devanagari" panose="02040503050201020203" pitchFamily="18" charset="0"/>
+              </a:rPr>
+              <a:t>I approached this core by first researching the offers and promotions of other companies such as </a:t>
+            </a:r>
+            <a:r>
+              <a:rPr lang="en-GB" dirty="0" smtClean="0">
+                <a:latin typeface="Adobe Devanagari" panose="02040503050201020203" pitchFamily="18" charset="0"/>
+                <a:cs typeface="Adobe Devanagari" panose="02040503050201020203" pitchFamily="18" charset="0"/>
+              </a:rPr>
+              <a:t>Tesco and Sainsbury for a better insight.</a:t>
+            </a:r>
+            <a:endParaRPr lang="en-GB" dirty="0">
+              <a:latin typeface="Adobe Devanagari" panose="02040503050201020203" pitchFamily="18" charset="0"/>
+              <a:cs typeface="Adobe Devanagari" panose="02040503050201020203" pitchFamily="18" charset="0"/>
+            </a:endParaRPr>
+          </a:p>
+          <a:p>
+            <a:pPr lvl="0"/>
+            <a:r>
+              <a:rPr lang="en-GB" dirty="0">
+                <a:latin typeface="Adobe Devanagari" panose="02040503050201020203" pitchFamily="18" charset="0"/>
+                <a:cs typeface="Adobe Devanagari" panose="02040503050201020203" pitchFamily="18" charset="0"/>
+              </a:rPr>
+              <a:t> In doing so it has helped in deciding on offers and promotions that </a:t>
+            </a:r>
+            <a:r>
+              <a:rPr lang="en-GB" dirty="0" smtClean="0">
+                <a:latin typeface="Adobe Devanagari" panose="02040503050201020203" pitchFamily="18" charset="0"/>
+                <a:cs typeface="Adobe Devanagari" panose="02040503050201020203" pitchFamily="18" charset="0"/>
+              </a:rPr>
+              <a:t>we will integrate into the software.</a:t>
+            </a:r>
+            <a:endParaRPr lang="en-GB" dirty="0">
+              <a:latin typeface="Adobe Devanagari" panose="02040503050201020203" pitchFamily="18" charset="0"/>
+              <a:cs typeface="Adobe Devanagari" panose="02040503050201020203" pitchFamily="18" charset="0"/>
+            </a:endParaRPr>
+          </a:p>
+          <a:p>
             <a:endParaRPr lang="en-GB" dirty="0"/>
           </a:p>
-        </p:txBody>
-      </p:sp>
-      <p:sp>
-        <p:nvSpPr>
-          <p:cNvPr id="3" name="Content Placeholder 2"/>
-          <p:cNvSpPr>
-            <a:spLocks noGrp="1"/>
-          </p:cNvSpPr>
-          <p:nvPr>
-            <p:ph idx="1"/>
-          </p:nvPr>
-        </p:nvSpPr>
-        <p:spPr/>
-        <p:txBody>
-          <a:bodyPr/>
-          <a:lstStyle/>
-          <a:p>
-            <a:endParaRPr lang="en-GB"/>
+          <a:p>
+            <a:endParaRPr lang="en-GB" dirty="0"/>
+          </a:p>
+          <a:p>
+            <a:endParaRPr lang="en-GB" dirty="0"/>
           </a:p>
         </p:txBody>
       </p:sp>
@@ -3564,13 +7857,16 @@
           <a:lstStyle/>
           <a:p>
             <a:r>
-              <a:rPr lang="en-GB" dirty="0" smtClean="0"/>
-              <a:t>Core Developer / Analytics</a:t>
-            </a:r>
-            <a:br>
-              <a:rPr lang="en-GB" dirty="0" smtClean="0"/>
-            </a:br>
-            <a:endParaRPr lang="en-GB" dirty="0"/>
+              <a:rPr lang="en-GB" dirty="0" smtClean="0">
+                <a:latin typeface="Adobe Devanagari" panose="02040503050201020203" pitchFamily="18" charset="0"/>
+                <a:cs typeface="Adobe Devanagari" panose="02040503050201020203" pitchFamily="18" charset="0"/>
+              </a:rPr>
+              <a:t>Marketing-Software</a:t>
+            </a:r>
+            <a:endParaRPr lang="en-GB" dirty="0">
+              <a:latin typeface="Adobe Devanagari" panose="02040503050201020203" pitchFamily="18" charset="0"/>
+              <a:cs typeface="Adobe Devanagari" panose="02040503050201020203" pitchFamily="18" charset="0"/>
+            </a:endParaRPr>
           </a:p>
         </p:txBody>
       </p:sp>
@@ -3589,14 +7885,31 @@
           <a:bodyPr/>
           <a:lstStyle/>
           <a:p>
-            <a:endParaRPr lang="en-GB" dirty="0"/>
+            <a:r>
+              <a:rPr lang="en-GB" dirty="0">
+                <a:latin typeface="Adobe Devanagari" panose="02040503050201020203" pitchFamily="18" charset="0"/>
+                <a:cs typeface="Adobe Devanagari" panose="02040503050201020203" pitchFamily="18" charset="0"/>
+              </a:rPr>
+              <a:t>[</a:t>
+            </a:r>
+            <a:r>
+              <a:rPr lang="en-GB" dirty="0" smtClean="0">
+                <a:latin typeface="Adobe Devanagari" panose="02040503050201020203" pitchFamily="18" charset="0"/>
+                <a:cs typeface="Adobe Devanagari" panose="02040503050201020203" pitchFamily="18" charset="0"/>
+              </a:rPr>
+              <a:t>The code will be here along with a screenshot displaying its function and purpose and how it affects the software.]</a:t>
+            </a:r>
+            <a:endParaRPr lang="en-GB" dirty="0">
+              <a:latin typeface="Adobe Devanagari" panose="02040503050201020203" pitchFamily="18" charset="0"/>
+              <a:cs typeface="Adobe Devanagari" panose="02040503050201020203" pitchFamily="18" charset="0"/>
+            </a:endParaRPr>
           </a:p>
         </p:txBody>
       </p:sp>
     </p:spTree>
     <p:extLst>
       <p:ext uri="{BB962C8B-B14F-4D97-AF65-F5344CB8AC3E}">
-        <p14:creationId xmlns:p14="http://schemas.microsoft.com/office/powerpoint/2010/main" val="3848158416"/>
+        <p14:creationId xmlns:p14="http://schemas.microsoft.com/office/powerpoint/2010/main" val="241369529"/>
       </p:ext>
     </p:extLst>
   </p:cSld>
@@ -3635,21 +7948,12 @@
         </p:nvSpPr>
         <p:spPr/>
         <p:txBody>
-          <a:bodyPr>
-            <a:normAutofit fontScale="90000"/>
-          </a:bodyPr>
+          <a:bodyPr/>
           <a:lstStyle/>
           <a:p>
             <a:r>
               <a:rPr lang="en-GB" dirty="0" smtClean="0"/>
-              <a:t>Project Manager / Supplier</a:t>
-            </a:r>
-            <a:br>
-              <a:rPr lang="en-GB" dirty="0" smtClean="0"/>
-            </a:br>
-            <a:r>
-              <a:rPr lang="en-GB" dirty="0" smtClean="0"/>
-              <a:t/>
+              <a:t>Core Developer / Analytics</a:t>
             </a:r>
             <a:br>
               <a:rPr lang="en-GB" dirty="0" smtClean="0"/>
@@ -3680,7 +7984,7 @@
     </p:spTree>
     <p:extLst>
       <p:ext uri="{BB962C8B-B14F-4D97-AF65-F5344CB8AC3E}">
-        <p14:creationId xmlns:p14="http://schemas.microsoft.com/office/powerpoint/2010/main" val="3323877898"/>
+        <p14:creationId xmlns:p14="http://schemas.microsoft.com/office/powerpoint/2010/main" val="3848158416"/>
       </p:ext>
     </p:extLst>
   </p:cSld>
@@ -3719,13 +8023,25 @@
         </p:nvSpPr>
         <p:spPr/>
         <p:txBody>
-          <a:bodyPr/>
+          <a:bodyPr>
+            <a:normAutofit fontScale="90000"/>
+          </a:bodyPr>
           <a:lstStyle/>
           <a:p>
             <a:r>
               <a:rPr lang="en-GB" dirty="0" smtClean="0"/>
-              <a:t>First Design </a:t>
-            </a:r>
+              <a:t>Project Manager / Supplier</a:t>
+            </a:r>
+            <a:br>
+              <a:rPr lang="en-GB" dirty="0" smtClean="0"/>
+            </a:br>
+            <a:r>
+              <a:rPr lang="en-GB" dirty="0" smtClean="0"/>
+              <a:t/>
+            </a:r>
+            <a:br>
+              <a:rPr lang="en-GB" dirty="0" smtClean="0"/>
+            </a:br>
             <a:endParaRPr lang="en-GB" dirty="0"/>
           </a:p>
         </p:txBody>
@@ -3745,14 +8061,14 @@
           <a:bodyPr/>
           <a:lstStyle/>
           <a:p>
-            <a:endParaRPr lang="en-GB"/>
+            <a:endParaRPr lang="en-GB" dirty="0"/>
           </a:p>
         </p:txBody>
       </p:sp>
     </p:spTree>
     <p:extLst>
       <p:ext uri="{BB962C8B-B14F-4D97-AF65-F5344CB8AC3E}">
-        <p14:creationId xmlns:p14="http://schemas.microsoft.com/office/powerpoint/2010/main" val="3516292689"/>
+        <p14:creationId xmlns:p14="http://schemas.microsoft.com/office/powerpoint/2010/main" val="3323877898"/>
       </p:ext>
     </p:extLst>
   </p:cSld>
@@ -3762,7 +8078,324 @@
 </p:sld>
 </file>
 
+<file path=ppt/tags/tag1.xml><?xml version="1.0" encoding="utf-8"?>
+<p:tagLst xmlns:a="http://schemas.openxmlformats.org/drawingml/2006/main" xmlns:r="http://schemas.openxmlformats.org/officeDocument/2006/relationships" xmlns:p="http://schemas.openxmlformats.org/presentationml/2006/main">
+  <p:tag name="__PE_HAS_URLS" val="oh hey this is notes box, due to this not being an empty string. woot."/>
+</p:tagLst>
+</file>
+
+<file path=ppt/tags/tag10.xml><?xml version="1.0" encoding="utf-8"?>
+<p:tagLst xmlns:a="http://schemas.openxmlformats.org/drawingml/2006/main" xmlns:r="http://schemas.openxmlformats.org/officeDocument/2006/relationships" xmlns:p="http://schemas.openxmlformats.org/presentationml/2006/main">
+  <p:tag name="__PE_HAS_URLS" val="oh hey this is notes box, due to this not being an empty string. woot."/>
+</p:tagLst>
+</file>
+
+<file path=ppt/tags/tag2.xml><?xml version="1.0" encoding="utf-8"?>
+<p:tagLst xmlns:a="http://schemas.openxmlformats.org/drawingml/2006/main" xmlns:r="http://schemas.openxmlformats.org/officeDocument/2006/relationships" xmlns:p="http://schemas.openxmlformats.org/presentationml/2006/main">
+  <p:tag name="__PE_HAS_URLS" val="oh hey this is notes box, due to this not being an empty string. woot."/>
+</p:tagLst>
+</file>
+
+<file path=ppt/tags/tag3.xml><?xml version="1.0" encoding="utf-8"?>
+<p:tagLst xmlns:a="http://schemas.openxmlformats.org/drawingml/2006/main" xmlns:r="http://schemas.openxmlformats.org/officeDocument/2006/relationships" xmlns:p="http://schemas.openxmlformats.org/presentationml/2006/main">
+  <p:tag name="__PE_HAS_URLS" val="oh hey this is notes box, due to this not being an empty string. woot."/>
+</p:tagLst>
+</file>
+
+<file path=ppt/tags/tag4.xml><?xml version="1.0" encoding="utf-8"?>
+<p:tagLst xmlns:a="http://schemas.openxmlformats.org/drawingml/2006/main" xmlns:r="http://schemas.openxmlformats.org/officeDocument/2006/relationships" xmlns:p="http://schemas.openxmlformats.org/presentationml/2006/main">
+  <p:tag name="__PE_HAS_URLS" val="oh hey this is notes box, due to this not being an empty string. woot."/>
+</p:tagLst>
+</file>
+
+<file path=ppt/tags/tag5.xml><?xml version="1.0" encoding="utf-8"?>
+<p:tagLst xmlns:a="http://schemas.openxmlformats.org/drawingml/2006/main" xmlns:r="http://schemas.openxmlformats.org/officeDocument/2006/relationships" xmlns:p="http://schemas.openxmlformats.org/presentationml/2006/main">
+  <p:tag name="__PE_HAS_URLS" val="oh hey this is notes box, due to this not being an empty string. woot."/>
+</p:tagLst>
+</file>
+
+<file path=ppt/tags/tag6.xml><?xml version="1.0" encoding="utf-8"?>
+<p:tagLst xmlns:a="http://schemas.openxmlformats.org/drawingml/2006/main" xmlns:r="http://schemas.openxmlformats.org/officeDocument/2006/relationships" xmlns:p="http://schemas.openxmlformats.org/presentationml/2006/main">
+  <p:tag name="__PE_HAS_URLS" val="oh hey this is notes box, due to this not being an empty string. woot."/>
+</p:tagLst>
+</file>
+
+<file path=ppt/tags/tag7.xml><?xml version="1.0" encoding="utf-8"?>
+<p:tagLst xmlns:a="http://schemas.openxmlformats.org/drawingml/2006/main" xmlns:r="http://schemas.openxmlformats.org/officeDocument/2006/relationships" xmlns:p="http://schemas.openxmlformats.org/presentationml/2006/main">
+  <p:tag name="__PE_HAS_URLS" val="oh hey this is notes box, due to this not being an empty string. woot."/>
+</p:tagLst>
+</file>
+
+<file path=ppt/tags/tag8.xml><?xml version="1.0" encoding="utf-8"?>
+<p:tagLst xmlns:a="http://schemas.openxmlformats.org/drawingml/2006/main" xmlns:r="http://schemas.openxmlformats.org/officeDocument/2006/relationships" xmlns:p="http://schemas.openxmlformats.org/presentationml/2006/main">
+  <p:tag name="__PE_HAS_URLS" val="oh hey this is notes box, due to this not being an empty string. woot."/>
+</p:tagLst>
+</file>
+
+<file path=ppt/tags/tag9.xml><?xml version="1.0" encoding="utf-8"?>
+<p:tagLst xmlns:a="http://schemas.openxmlformats.org/drawingml/2006/main" xmlns:r="http://schemas.openxmlformats.org/officeDocument/2006/relationships" xmlns:p="http://schemas.openxmlformats.org/presentationml/2006/main">
+  <p:tag name="__PE_HAS_URLS" val="oh hey this is notes box, due to this not being an empty string. woot."/>
+</p:tagLst>
+</file>
+
 <file path=ppt/theme/theme1.xml><?xml version="1.0" encoding="utf-8"?>
+<a:theme xmlns:a="http://schemas.openxmlformats.org/drawingml/2006/main" name="Facet">
+  <a:themeElements>
+    <a:clrScheme name="Facet">
+      <a:dk1>
+        <a:sysClr val="windowText" lastClr="000000"/>
+      </a:dk1>
+      <a:lt1>
+        <a:sysClr val="window" lastClr="FFFFFF"/>
+      </a:lt1>
+      <a:dk2>
+        <a:srgbClr val="2C3C43"/>
+      </a:dk2>
+      <a:lt2>
+        <a:srgbClr val="EBEBEB"/>
+      </a:lt2>
+      <a:accent1>
+        <a:srgbClr val="90C226"/>
+      </a:accent1>
+      <a:accent2>
+        <a:srgbClr val="54A021"/>
+      </a:accent2>
+      <a:accent3>
+        <a:srgbClr val="E6B91E"/>
+      </a:accent3>
+      <a:accent4>
+        <a:srgbClr val="E76618"/>
+      </a:accent4>
+      <a:accent5>
+        <a:srgbClr val="C42F1A"/>
+      </a:accent5>
+      <a:accent6>
+        <a:srgbClr val="918655"/>
+      </a:accent6>
+      <a:hlink>
+        <a:srgbClr val="99CA3C"/>
+      </a:hlink>
+      <a:folHlink>
+        <a:srgbClr val="B9D181"/>
+      </a:folHlink>
+    </a:clrScheme>
+    <a:fontScheme name="Facet">
+      <a:majorFont>
+        <a:latin typeface="Trebuchet MS" panose="020B0603020202020204"/>
+        <a:ea typeface=""/>
+        <a:cs typeface=""/>
+        <a:font script="Jpan" typeface="メイリオ"/>
+        <a:font script="Hang" typeface="맑은 고딕"/>
+        <a:font script="Hans" typeface="方正姚体"/>
+        <a:font script="Hant" typeface="微軟正黑體"/>
+        <a:font script="Arab" typeface="Tahoma"/>
+        <a:font script="Hebr" typeface="Arial"/>
+        <a:font script="Thai" typeface="Cordia New"/>
+        <a:font script="Ethi" typeface="Nyala"/>
+        <a:font script="Beng" typeface="Vrinda"/>
+        <a:font script="Gujr" typeface="Shruti"/>
+        <a:font script="Khmr" typeface="DaunPenh"/>
+        <a:font script="Knda" typeface="Tunga"/>
+        <a:font script="Guru" typeface="Raavi"/>
+        <a:font script="Cans" typeface="Euphemia"/>
+        <a:font script="Cher" typeface="Plantagenet Cherokee"/>
+        <a:font script="Yiii" typeface="Microsoft Yi Baiti"/>
+        <a:font script="Tibt" typeface="Microsoft Himalaya"/>
+        <a:font script="Thaa" typeface="MV Boli"/>
+        <a:font script="Deva" typeface="Mangal"/>
+        <a:font script="Telu" typeface="Gautami"/>
+        <a:font script="Taml" typeface="Latha"/>
+        <a:font script="Syrc" typeface="Estrangelo Edessa"/>
+        <a:font script="Orya" typeface="Kalinga"/>
+        <a:font script="Mlym" typeface="Kartika"/>
+        <a:font script="Laoo" typeface="DokChampa"/>
+        <a:font script="Sinh" typeface="Iskoola Pota"/>
+        <a:font script="Mong" typeface="Mongolian Baiti"/>
+        <a:font script="Viet" typeface="Tahoma"/>
+        <a:font script="Uigh" typeface="Microsoft Uighur"/>
+        <a:font script="Geor" typeface="Sylfaen"/>
+      </a:majorFont>
+      <a:minorFont>
+        <a:latin typeface="Trebuchet MS" panose="020B0603020202020204"/>
+        <a:ea typeface=""/>
+        <a:cs typeface=""/>
+        <a:font script="Jpan" typeface="メイリオ"/>
+        <a:font script="Hang" typeface="HY그래픽M"/>
+        <a:font script="Hans" typeface="华文新魏"/>
+        <a:font script="Hant" typeface="微軟正黑體"/>
+        <a:font script="Arab" typeface="Tahoma"/>
+        <a:font script="Hebr" typeface="Gisha"/>
+        <a:font script="Thai" typeface="IrisUPC"/>
+        <a:font script="Ethi" typeface="Nyala"/>
+        <a:font script="Beng" typeface="Vrinda"/>
+        <a:font script="Gujr" typeface="Shruti"/>
+        <a:font script="Khmr" typeface="DaunPenh"/>
+        <a:font script="Knda" typeface="Tunga"/>
+        <a:font script="Guru" typeface="Raavi"/>
+        <a:font script="Cans" typeface="Euphemia"/>
+        <a:font script="Cher" typeface="Plantagenet Cherokee"/>
+        <a:font script="Yiii" typeface="Microsoft Yi Baiti"/>
+        <a:font script="Tibt" typeface="Microsoft Himalaya"/>
+        <a:font script="Thaa" typeface="MV Boli"/>
+        <a:font script="Deva" typeface="Mangal"/>
+        <a:font script="Telu" typeface="Gautami"/>
+        <a:font script="Taml" typeface="Latha"/>
+        <a:font script="Syrc" typeface="Estrangelo Edessa"/>
+        <a:font script="Orya" typeface="Kalinga"/>
+        <a:font script="Mlym" typeface="Kartika"/>
+        <a:font script="Laoo" typeface="DokChampa"/>
+        <a:font script="Sinh" typeface="Iskoola Pota"/>
+        <a:font script="Mong" typeface="Mongolian Baiti"/>
+        <a:font script="Viet" typeface="Arial"/>
+        <a:font script="Uigh" typeface="Microsoft Uighur"/>
+        <a:font script="Geor" typeface="Sylfaen"/>
+      </a:minorFont>
+    </a:fontScheme>
+    <a:fmtScheme name="Facet">
+      <a:fillStyleLst>
+        <a:solidFill>
+          <a:schemeClr val="phClr"/>
+        </a:solidFill>
+        <a:gradFill rotWithShape="1">
+          <a:gsLst>
+            <a:gs pos="0">
+              <a:schemeClr val="phClr">
+                <a:tint val="65000"/>
+                <a:lumMod val="110000"/>
+              </a:schemeClr>
+            </a:gs>
+            <a:gs pos="88000">
+              <a:schemeClr val="phClr">
+                <a:tint val="90000"/>
+              </a:schemeClr>
+            </a:gs>
+          </a:gsLst>
+          <a:lin ang="5400000" scaled="0"/>
+        </a:gradFill>
+        <a:gradFill rotWithShape="1">
+          <a:gsLst>
+            <a:gs pos="0">
+              <a:schemeClr val="phClr">
+                <a:tint val="96000"/>
+                <a:lumMod val="100000"/>
+              </a:schemeClr>
+            </a:gs>
+            <a:gs pos="78000">
+              <a:schemeClr val="phClr">
+                <a:shade val="94000"/>
+                <a:lumMod val="94000"/>
+              </a:schemeClr>
+            </a:gs>
+          </a:gsLst>
+          <a:lin ang="5400000" scaled="0"/>
+        </a:gradFill>
+      </a:fillStyleLst>
+      <a:lnStyleLst>
+        <a:ln w="12700" cap="rnd" cmpd="sng" algn="ctr">
+          <a:solidFill>
+            <a:schemeClr val="phClr"/>
+          </a:solidFill>
+          <a:prstDash val="solid"/>
+        </a:ln>
+        <a:ln w="19050" cap="rnd" cmpd="sng" algn="ctr">
+          <a:solidFill>
+            <a:schemeClr val="phClr"/>
+          </a:solidFill>
+          <a:prstDash val="solid"/>
+        </a:ln>
+        <a:ln w="25400" cap="rnd" cmpd="sng" algn="ctr">
+          <a:solidFill>
+            <a:schemeClr val="phClr"/>
+          </a:solidFill>
+          <a:prstDash val="solid"/>
+        </a:ln>
+      </a:lnStyleLst>
+      <a:effectStyleLst>
+        <a:effectStyle>
+          <a:effectLst/>
+        </a:effectStyle>
+        <a:effectStyle>
+          <a:effectLst>
+            <a:outerShdw blurRad="38100" dist="25400" dir="5400000" rotWithShape="0">
+              <a:srgbClr val="000000">
+                <a:alpha val="35000"/>
+              </a:srgbClr>
+            </a:outerShdw>
+          </a:effectLst>
+        </a:effectStyle>
+        <a:effectStyle>
+          <a:effectLst>
+            <a:outerShdw blurRad="50800" dist="38100" dir="5400000" rotWithShape="0">
+              <a:srgbClr val="000000">
+                <a:alpha val="35000"/>
+              </a:srgbClr>
+            </a:outerShdw>
+          </a:effectLst>
+          <a:scene3d>
+            <a:camera prst="orthographicFront">
+              <a:rot lat="0" lon="0" rev="0"/>
+            </a:camera>
+            <a:lightRig rig="threePt" dir="tl"/>
+          </a:scene3d>
+          <a:sp3d prstMaterial="plastic">
+            <a:bevelT w="0" h="0"/>
+          </a:sp3d>
+        </a:effectStyle>
+      </a:effectStyleLst>
+      <a:bgFillStyleLst>
+        <a:solidFill>
+          <a:schemeClr val="phClr"/>
+        </a:solidFill>
+        <a:gradFill rotWithShape="1">
+          <a:gsLst>
+            <a:gs pos="0">
+              <a:schemeClr val="phClr">
+                <a:tint val="90000"/>
+                <a:lumMod val="104000"/>
+              </a:schemeClr>
+            </a:gs>
+            <a:gs pos="94000">
+              <a:schemeClr val="phClr">
+                <a:shade val="96000"/>
+                <a:lumMod val="82000"/>
+              </a:schemeClr>
+            </a:gs>
+          </a:gsLst>
+          <a:lin ang="5400000" scaled="0"/>
+        </a:gradFill>
+        <a:gradFill rotWithShape="1">
+          <a:gsLst>
+            <a:gs pos="0">
+              <a:schemeClr val="phClr">
+                <a:tint val="90000"/>
+                <a:lumMod val="110000"/>
+              </a:schemeClr>
+            </a:gs>
+            <a:gs pos="100000">
+              <a:schemeClr val="phClr">
+                <a:shade val="94000"/>
+                <a:lumMod val="96000"/>
+              </a:schemeClr>
+            </a:gs>
+          </a:gsLst>
+          <a:path path="circle">
+            <a:fillToRect l="50000" t="50000" r="100000" b="100000"/>
+          </a:path>
+        </a:gradFill>
+      </a:bgFillStyleLst>
+    </a:fmtScheme>
+  </a:themeElements>
+  <a:objectDefaults/>
+  <a:extraClrSchemeLst/>
+  <a:extLst>
+    <a:ext uri="{05A4C25C-085E-4340-85A3-A5531E510DB2}">
+      <thm15:themeFamily xmlns:thm15="http://schemas.microsoft.com/office/thememl/2012/main" name="Facet" id="{C0C680CD-088A-49FC-A102-D699147F32B2}" vid="{CFBC31BA-B70F-4F30-BCAA-4F3011E16C4D}"/>
+    </a:ext>
+  </a:extLst>
+</a:theme>
+</file>
+
+<file path=ppt/theme/theme2.xml><?xml version="1.0" encoding="utf-8"?>
 <a:theme xmlns:a="http://schemas.openxmlformats.org/drawingml/2006/main" name="Office Theme">
   <a:themeElements>
     <a:clrScheme name="Office">

--- a/Team Project/Presentation.pptx
+++ b/Team Project/Presentation.pptx
@@ -5,20 +5,22 @@
     <p:sldMasterId id="2147483701" r:id="rId1"/>
   </p:sldMasterIdLst>
   <p:notesMasterIdLst>
-    <p:notesMasterId r:id="rId13"/>
+    <p:notesMasterId r:id="rId15"/>
   </p:notesMasterIdLst>
   <p:sldIdLst>
     <p:sldId id="256" r:id="rId2"/>
     <p:sldId id="258" r:id="rId3"/>
     <p:sldId id="257" r:id="rId4"/>
-    <p:sldId id="259" r:id="rId5"/>
-    <p:sldId id="260" r:id="rId6"/>
-    <p:sldId id="261" r:id="rId7"/>
-    <p:sldId id="266" r:id="rId8"/>
-    <p:sldId id="262" r:id="rId9"/>
-    <p:sldId id="263" r:id="rId10"/>
-    <p:sldId id="264" r:id="rId11"/>
-    <p:sldId id="265" r:id="rId12"/>
+    <p:sldId id="268" r:id="rId5"/>
+    <p:sldId id="267" r:id="rId6"/>
+    <p:sldId id="259" r:id="rId7"/>
+    <p:sldId id="260" r:id="rId8"/>
+    <p:sldId id="261" r:id="rId9"/>
+    <p:sldId id="266" r:id="rId10"/>
+    <p:sldId id="262" r:id="rId11"/>
+    <p:sldId id="263" r:id="rId12"/>
+    <p:sldId id="264" r:id="rId13"/>
+    <p:sldId id="265" r:id="rId14"/>
   </p:sldIdLst>
   <p:sldSz cx="12192000" cy="6858000"/>
   <p:notesSz cx="6858000" cy="9144000"/>
@@ -207,7 +209,7 @@
           <a:p>
             <a:fld id="{57B2CC98-97A6-4F1A-8480-9FF6240887CB}" type="datetimeFigureOut">
               <a:rPr lang="en-GB" smtClean="0"/>
-              <a:t>31/01/2017</a:t>
+              <a:t>10/02/2017</a:t>
             </a:fld>
             <a:endParaRPr lang="en-GB"/>
           </a:p>
@@ -271,35 +273,35 @@
           <a:p>
             <a:pPr lvl="0"/>
             <a:r>
-              <a:rPr lang="en-US" smtClean="0"/>
+              <a:rPr lang="en-US"/>
               <a:t>Edit Master text styles</a:t>
             </a:r>
           </a:p>
           <a:p>
             <a:pPr lvl="1"/>
             <a:r>
-              <a:rPr lang="en-US" smtClean="0"/>
+              <a:rPr lang="en-US"/>
               <a:t>Second level</a:t>
             </a:r>
           </a:p>
           <a:p>
             <a:pPr lvl="2"/>
             <a:r>
-              <a:rPr lang="en-US" smtClean="0"/>
+              <a:rPr lang="en-US"/>
               <a:t>Third level</a:t>
             </a:r>
           </a:p>
           <a:p>
             <a:pPr lvl="3"/>
             <a:r>
-              <a:rPr lang="en-US" smtClean="0"/>
+              <a:rPr lang="en-US"/>
               <a:t>Fourth level</a:t>
             </a:r>
           </a:p>
           <a:p>
             <a:pPr lvl="4"/>
             <a:r>
-              <a:rPr lang="en-US" smtClean="0"/>
+              <a:rPr lang="en-US"/>
               <a:t>Fifth level</a:t>
             </a:r>
             <a:endParaRPr lang="en-GB"/>
@@ -630,7 +632,7 @@
           <a:p>
             <a:fld id="{8D460739-ED95-4F61-A777-121342EC40AB}" type="slidenum">
               <a:rPr lang="en-GB" smtClean="0"/>
-              <a:t>11</a:t>
+              <a:t>13</a:t>
             </a:fld>
             <a:endParaRPr lang="en-GB"/>
           </a:p>
@@ -891,7 +893,7 @@
           <a:p>
             <a:fld id="{8D460739-ED95-4F61-A777-121342EC40AB}" type="slidenum">
               <a:rPr lang="en-GB" smtClean="0"/>
-              <a:t>4</a:t>
+              <a:t>6</a:t>
             </a:fld>
             <a:endParaRPr lang="en-GB"/>
           </a:p>
@@ -978,7 +980,7 @@
           <a:p>
             <a:fld id="{8D460739-ED95-4F61-A777-121342EC40AB}" type="slidenum">
               <a:rPr lang="en-GB" smtClean="0"/>
-              <a:t>5</a:t>
+              <a:t>7</a:t>
             </a:fld>
             <a:endParaRPr lang="en-GB"/>
           </a:p>
@@ -1065,7 +1067,7 @@
           <a:p>
             <a:fld id="{8D460739-ED95-4F61-A777-121342EC40AB}" type="slidenum">
               <a:rPr lang="en-GB" smtClean="0"/>
-              <a:t>6</a:t>
+              <a:t>8</a:t>
             </a:fld>
             <a:endParaRPr lang="en-GB"/>
           </a:p>
@@ -1152,7 +1154,7 @@
           <a:p>
             <a:fld id="{8D460739-ED95-4F61-A777-121342EC40AB}" type="slidenum">
               <a:rPr lang="en-GB" smtClean="0"/>
-              <a:t>8</a:t>
+              <a:t>10</a:t>
             </a:fld>
             <a:endParaRPr lang="en-GB"/>
           </a:p>
@@ -1239,7 +1241,7 @@
           <a:p>
             <a:fld id="{8D460739-ED95-4F61-A777-121342EC40AB}" type="slidenum">
               <a:rPr lang="en-GB" smtClean="0"/>
-              <a:t>9</a:t>
+              <a:t>11</a:t>
             </a:fld>
             <a:endParaRPr lang="en-GB"/>
           </a:p>
@@ -1326,7 +1328,7 @@
           <a:p>
             <a:fld id="{8D460739-ED95-4F61-A777-121342EC40AB}" type="slidenum">
               <a:rPr lang="en-GB" smtClean="0"/>
-              <a:t>10</a:t>
+              <a:t>12</a:t>
             </a:fld>
             <a:endParaRPr lang="en-GB"/>
           </a:p>
@@ -1923,7 +1925,7 @@
           </a:lstStyle>
           <a:p>
             <a:r>
-              <a:rPr lang="en-US" smtClean="0"/>
+              <a:rPr lang="en-US"/>
               <a:t>Click to edit Master title style</a:t>
             </a:r>
             <a:endParaRPr lang="en-US" dirty="0"/>
@@ -2043,7 +2045,7 @@
           </a:lstStyle>
           <a:p>
             <a:r>
-              <a:rPr lang="en-US" smtClean="0"/>
+              <a:rPr lang="en-US"/>
               <a:t>Click to edit Master subtitle style</a:t>
             </a:r>
             <a:endParaRPr lang="en-US" dirty="0"/>
@@ -2067,7 +2069,7 @@
           <a:p>
             <a:fld id="{9E2A3FCB-1800-44DC-A1B9-C3FA5D53B234}" type="datetimeFigureOut">
               <a:rPr lang="en-GB" smtClean="0"/>
-              <a:t>31/01/2017</a:t>
+              <a:t>10/02/2017</a:t>
             </a:fld>
             <a:endParaRPr lang="en-GB"/>
           </a:p>
@@ -2172,7 +2174,7 @@
           </a:lstStyle>
           <a:p>
             <a:r>
-              <a:rPr lang="en-US" smtClean="0"/>
+              <a:rPr lang="en-US"/>
               <a:t>Click to edit Master title style</a:t>
             </a:r>
             <a:endParaRPr lang="en-US" dirty="0"/>
@@ -2295,7 +2297,7 @@
           <a:p>
             <a:pPr lvl="0"/>
             <a:r>
-              <a:rPr lang="en-US" smtClean="0"/>
+              <a:rPr lang="en-US"/>
               <a:t>Edit Master text styles</a:t>
             </a:r>
           </a:p>
@@ -2318,7 +2320,7 @@
           <a:p>
             <a:fld id="{9E2A3FCB-1800-44DC-A1B9-C3FA5D53B234}" type="datetimeFigureOut">
               <a:rPr lang="en-GB" smtClean="0"/>
-              <a:t>31/01/2017</a:t>
+              <a:t>10/02/2017</a:t>
             </a:fld>
             <a:endParaRPr lang="en-GB"/>
           </a:p>
@@ -2423,7 +2425,7 @@
           </a:lstStyle>
           <a:p>
             <a:r>
-              <a:rPr lang="en-US" smtClean="0"/>
+              <a:rPr lang="en-US"/>
               <a:t>Click to edit Master title style</a:t>
             </a:r>
             <a:endParaRPr lang="en-US" dirty="0"/>
@@ -2487,7 +2489,7 @@
           <a:p>
             <a:pPr lvl="0"/>
             <a:r>
-              <a:rPr lang="en-US" smtClean="0"/>
+              <a:rPr lang="en-US"/>
               <a:t>Edit Master text styles</a:t>
             </a:r>
           </a:p>
@@ -2609,7 +2611,7 @@
           <a:p>
             <a:pPr lvl="0"/>
             <a:r>
-              <a:rPr lang="en-US" smtClean="0"/>
+              <a:rPr lang="en-US"/>
               <a:t>Edit Master text styles</a:t>
             </a:r>
           </a:p>
@@ -2632,7 +2634,7 @@
           <a:p>
             <a:fld id="{9E2A3FCB-1800-44DC-A1B9-C3FA5D53B234}" type="datetimeFigureOut">
               <a:rPr lang="en-GB" smtClean="0"/>
-              <a:t>31/01/2017</a:t>
+              <a:t>10/02/2017</a:t>
             </a:fld>
             <a:endParaRPr lang="en-GB"/>
           </a:p>
@@ -2827,7 +2829,7 @@
           </a:lstStyle>
           <a:p>
             <a:r>
-              <a:rPr lang="en-US" smtClean="0"/>
+              <a:rPr lang="en-US"/>
               <a:t>Click to edit Master title style</a:t>
             </a:r>
             <a:endParaRPr lang="en-US" dirty="0"/>
@@ -2950,7 +2952,7 @@
           <a:p>
             <a:pPr lvl="0"/>
             <a:r>
-              <a:rPr lang="en-US" smtClean="0"/>
+              <a:rPr lang="en-US"/>
               <a:t>Edit Master text styles</a:t>
             </a:r>
           </a:p>
@@ -2973,7 +2975,7 @@
           <a:p>
             <a:fld id="{9E2A3FCB-1800-44DC-A1B9-C3FA5D53B234}" type="datetimeFigureOut">
               <a:rPr lang="en-GB" smtClean="0"/>
-              <a:t>31/01/2017</a:t>
+              <a:t>10/02/2017</a:t>
             </a:fld>
             <a:endParaRPr lang="en-GB"/>
           </a:p>
@@ -3078,7 +3080,7 @@
           </a:lstStyle>
           <a:p>
             <a:r>
-              <a:rPr lang="en-US" smtClean="0"/>
+              <a:rPr lang="en-US"/>
               <a:t>Click to edit Master title style</a:t>
             </a:r>
             <a:endParaRPr lang="en-US" dirty="0"/>
@@ -3142,7 +3144,7 @@
           <a:p>
             <a:pPr lvl="0"/>
             <a:r>
-              <a:rPr lang="en-US" smtClean="0"/>
+              <a:rPr lang="en-US"/>
               <a:t>Edit Master text styles</a:t>
             </a:r>
           </a:p>
@@ -3264,7 +3266,7 @@
           <a:p>
             <a:pPr lvl="0"/>
             <a:r>
-              <a:rPr lang="en-US" smtClean="0"/>
+              <a:rPr lang="en-US"/>
               <a:t>Edit Master text styles</a:t>
             </a:r>
           </a:p>
@@ -3287,7 +3289,7 @@
           <a:p>
             <a:fld id="{9E2A3FCB-1800-44DC-A1B9-C3FA5D53B234}" type="datetimeFigureOut">
               <a:rPr lang="en-GB" smtClean="0"/>
-              <a:t>31/01/2017</a:t>
+              <a:t>10/02/2017</a:t>
             </a:fld>
             <a:endParaRPr lang="en-GB"/>
           </a:p>
@@ -3474,7 +3476,7 @@
           </a:lstStyle>
           <a:p>
             <a:r>
-              <a:rPr lang="en-US" smtClean="0"/>
+              <a:rPr lang="en-US"/>
               <a:t>Click to edit Master title style</a:t>
             </a:r>
             <a:endParaRPr lang="en-US" dirty="0"/>
@@ -3535,7 +3537,7 @@
           <a:p>
             <a:pPr lvl="0"/>
             <a:r>
-              <a:rPr lang="en-US" smtClean="0"/>
+              <a:rPr lang="en-US"/>
               <a:t>Edit Master text styles</a:t>
             </a:r>
           </a:p>
@@ -3657,7 +3659,7 @@
           <a:p>
             <a:pPr lvl="0"/>
             <a:r>
-              <a:rPr lang="en-US" smtClean="0"/>
+              <a:rPr lang="en-US"/>
               <a:t>Edit Master text styles</a:t>
             </a:r>
           </a:p>
@@ -3680,7 +3682,7 @@
           <a:p>
             <a:fld id="{9E2A3FCB-1800-44DC-A1B9-C3FA5D53B234}" type="datetimeFigureOut">
               <a:rPr lang="en-GB" smtClean="0"/>
-              <a:t>31/01/2017</a:t>
+              <a:t>10/02/2017</a:t>
             </a:fld>
             <a:endParaRPr lang="en-GB"/>
           </a:p>
@@ -3774,7 +3776,7 @@
           <a:lstStyle/>
           <a:p>
             <a:r>
-              <a:rPr lang="en-US" smtClean="0"/>
+              <a:rPr lang="en-US"/>
               <a:t>Click to edit Master title style</a:t>
             </a:r>
             <a:endParaRPr lang="en-US" dirty="0"/>
@@ -3798,35 +3800,35 @@
           <a:p>
             <a:pPr lvl="0"/>
             <a:r>
-              <a:rPr lang="en-US" smtClean="0"/>
+              <a:rPr lang="en-US"/>
               <a:t>Edit Master text styles</a:t>
             </a:r>
           </a:p>
           <a:p>
             <a:pPr lvl="1"/>
             <a:r>
-              <a:rPr lang="en-US" smtClean="0"/>
+              <a:rPr lang="en-US"/>
               <a:t>Second level</a:t>
             </a:r>
           </a:p>
           <a:p>
             <a:pPr lvl="2"/>
             <a:r>
-              <a:rPr lang="en-US" smtClean="0"/>
+              <a:rPr lang="en-US"/>
               <a:t>Third level</a:t>
             </a:r>
           </a:p>
           <a:p>
             <a:pPr lvl="3"/>
             <a:r>
-              <a:rPr lang="en-US" smtClean="0"/>
+              <a:rPr lang="en-US"/>
               <a:t>Fourth level</a:t>
             </a:r>
           </a:p>
           <a:p>
             <a:pPr lvl="4"/>
             <a:r>
-              <a:rPr lang="en-US" smtClean="0"/>
+              <a:rPr lang="en-US"/>
               <a:t>Fifth level</a:t>
             </a:r>
             <a:endParaRPr lang="en-US" dirty="0"/>
@@ -3850,7 +3852,7 @@
           <a:p>
             <a:fld id="{9E2A3FCB-1800-44DC-A1B9-C3FA5D53B234}" type="datetimeFigureOut">
               <a:rPr lang="en-GB" smtClean="0"/>
-              <a:t>31/01/2017</a:t>
+              <a:t>10/02/2017</a:t>
             </a:fld>
             <a:endParaRPr lang="en-GB"/>
           </a:p>
@@ -3949,7 +3951,7 @@
           <a:lstStyle/>
           <a:p>
             <a:r>
-              <a:rPr lang="en-US" smtClean="0"/>
+              <a:rPr lang="en-US"/>
               <a:t>Click to edit Master title style</a:t>
             </a:r>
             <a:endParaRPr lang="en-US" dirty="0"/>
@@ -3978,35 +3980,35 @@
           <a:p>
             <a:pPr lvl="0"/>
             <a:r>
-              <a:rPr lang="en-US" smtClean="0"/>
+              <a:rPr lang="en-US"/>
               <a:t>Edit Master text styles</a:t>
             </a:r>
           </a:p>
           <a:p>
             <a:pPr lvl="1"/>
             <a:r>
-              <a:rPr lang="en-US" smtClean="0"/>
+              <a:rPr lang="en-US"/>
               <a:t>Second level</a:t>
             </a:r>
           </a:p>
           <a:p>
             <a:pPr lvl="2"/>
             <a:r>
-              <a:rPr lang="en-US" smtClean="0"/>
+              <a:rPr lang="en-US"/>
               <a:t>Third level</a:t>
             </a:r>
           </a:p>
           <a:p>
             <a:pPr lvl="3"/>
             <a:r>
-              <a:rPr lang="en-US" smtClean="0"/>
+              <a:rPr lang="en-US"/>
               <a:t>Fourth level</a:t>
             </a:r>
           </a:p>
           <a:p>
             <a:pPr lvl="4"/>
             <a:r>
-              <a:rPr lang="en-US" smtClean="0"/>
+              <a:rPr lang="en-US"/>
               <a:t>Fifth level</a:t>
             </a:r>
             <a:endParaRPr lang="en-US" dirty="0"/>
@@ -4030,7 +4032,7 @@
           <a:p>
             <a:fld id="{9E2A3FCB-1800-44DC-A1B9-C3FA5D53B234}" type="datetimeFigureOut">
               <a:rPr lang="en-GB" smtClean="0"/>
-              <a:t>31/01/2017</a:t>
+              <a:t>10/02/2017</a:t>
             </a:fld>
             <a:endParaRPr lang="en-GB"/>
           </a:p>
@@ -4130,7 +4132,7 @@
           </a:lstStyle>
           <a:p>
             <a:r>
-              <a:rPr lang="en-US" smtClean="0"/>
+              <a:rPr lang="en-US"/>
               <a:t>Click to edit Master title style</a:t>
             </a:r>
             <a:endParaRPr lang="en-US" dirty="0"/>
@@ -4154,35 +4156,35 @@
           <a:p>
             <a:pPr lvl="0"/>
             <a:r>
-              <a:rPr lang="en-US" smtClean="0"/>
+              <a:rPr lang="en-US"/>
               <a:t>Edit Master text styles</a:t>
             </a:r>
           </a:p>
           <a:p>
             <a:pPr lvl="1"/>
             <a:r>
-              <a:rPr lang="en-US" smtClean="0"/>
+              <a:rPr lang="en-US"/>
               <a:t>Second level</a:t>
             </a:r>
           </a:p>
           <a:p>
             <a:pPr lvl="2"/>
             <a:r>
-              <a:rPr lang="en-US" smtClean="0"/>
+              <a:rPr lang="en-US"/>
               <a:t>Third level</a:t>
             </a:r>
           </a:p>
           <a:p>
             <a:pPr lvl="3"/>
             <a:r>
-              <a:rPr lang="en-US" smtClean="0"/>
+              <a:rPr lang="en-US"/>
               <a:t>Fourth level</a:t>
             </a:r>
           </a:p>
           <a:p>
             <a:pPr lvl="4"/>
             <a:r>
-              <a:rPr lang="en-US" smtClean="0"/>
+              <a:rPr lang="en-US"/>
               <a:t>Fifth level</a:t>
             </a:r>
             <a:endParaRPr lang="en-US" dirty="0"/>
@@ -4206,7 +4208,7 @@
           <a:p>
             <a:fld id="{9E2A3FCB-1800-44DC-A1B9-C3FA5D53B234}" type="datetimeFigureOut">
               <a:rPr lang="en-GB" smtClean="0"/>
-              <a:t>31/01/2017</a:t>
+              <a:t>10/02/2017</a:t>
             </a:fld>
             <a:endParaRPr lang="en-GB"/>
           </a:p>
@@ -4309,7 +4311,7 @@
           </a:lstStyle>
           <a:p>
             <a:r>
-              <a:rPr lang="en-US" smtClean="0"/>
+              <a:rPr lang="en-US"/>
               <a:t>Click to edit Master title style</a:t>
             </a:r>
             <a:endParaRPr lang="en-US" dirty="0"/>
@@ -4430,7 +4432,7 @@
           <a:p>
             <a:pPr lvl="0"/>
             <a:r>
-              <a:rPr lang="en-US" smtClean="0"/>
+              <a:rPr lang="en-US"/>
               <a:t>Edit Master text styles</a:t>
             </a:r>
           </a:p>
@@ -4453,7 +4455,7 @@
           <a:p>
             <a:fld id="{9E2A3FCB-1800-44DC-A1B9-C3FA5D53B234}" type="datetimeFigureOut">
               <a:rPr lang="en-GB" smtClean="0"/>
-              <a:t>31/01/2017</a:t>
+              <a:t>10/02/2017</a:t>
             </a:fld>
             <a:endParaRPr lang="en-GB"/>
           </a:p>
@@ -4547,7 +4549,7 @@
           <a:lstStyle/>
           <a:p>
             <a:r>
-              <a:rPr lang="en-US" smtClean="0"/>
+              <a:rPr lang="en-US"/>
               <a:t>Click to edit Master title style</a:t>
             </a:r>
             <a:endParaRPr lang="en-US" dirty="0"/>
@@ -4576,35 +4578,35 @@
           <a:p>
             <a:pPr lvl="0"/>
             <a:r>
-              <a:rPr lang="en-US" smtClean="0"/>
+              <a:rPr lang="en-US"/>
               <a:t>Edit Master text styles</a:t>
             </a:r>
           </a:p>
           <a:p>
             <a:pPr lvl="1"/>
             <a:r>
-              <a:rPr lang="en-US" smtClean="0"/>
+              <a:rPr lang="en-US"/>
               <a:t>Second level</a:t>
             </a:r>
           </a:p>
           <a:p>
             <a:pPr lvl="2"/>
             <a:r>
-              <a:rPr lang="en-US" smtClean="0"/>
+              <a:rPr lang="en-US"/>
               <a:t>Third level</a:t>
             </a:r>
           </a:p>
           <a:p>
             <a:pPr lvl="3"/>
             <a:r>
-              <a:rPr lang="en-US" smtClean="0"/>
+              <a:rPr lang="en-US"/>
               <a:t>Fourth level</a:t>
             </a:r>
           </a:p>
           <a:p>
             <a:pPr lvl="4"/>
             <a:r>
-              <a:rPr lang="en-US" smtClean="0"/>
+              <a:rPr lang="en-US"/>
               <a:t>Fifth level</a:t>
             </a:r>
             <a:endParaRPr lang="en-US" dirty="0"/>
@@ -4633,35 +4635,35 @@
           <a:p>
             <a:pPr lvl="0"/>
             <a:r>
-              <a:rPr lang="en-US" smtClean="0"/>
+              <a:rPr lang="en-US"/>
               <a:t>Edit Master text styles</a:t>
             </a:r>
           </a:p>
           <a:p>
             <a:pPr lvl="1"/>
             <a:r>
-              <a:rPr lang="en-US" smtClean="0"/>
+              <a:rPr lang="en-US"/>
               <a:t>Second level</a:t>
             </a:r>
           </a:p>
           <a:p>
             <a:pPr lvl="2"/>
             <a:r>
-              <a:rPr lang="en-US" smtClean="0"/>
+              <a:rPr lang="en-US"/>
               <a:t>Third level</a:t>
             </a:r>
           </a:p>
           <a:p>
             <a:pPr lvl="3"/>
             <a:r>
-              <a:rPr lang="en-US" smtClean="0"/>
+              <a:rPr lang="en-US"/>
               <a:t>Fourth level</a:t>
             </a:r>
           </a:p>
           <a:p>
             <a:pPr lvl="4"/>
             <a:r>
-              <a:rPr lang="en-US" smtClean="0"/>
+              <a:rPr lang="en-US"/>
               <a:t>Fifth level</a:t>
             </a:r>
             <a:endParaRPr lang="en-US" dirty="0"/>
@@ -4685,7 +4687,7 @@
           <a:p>
             <a:fld id="{9E2A3FCB-1800-44DC-A1B9-C3FA5D53B234}" type="datetimeFigureOut">
               <a:rPr lang="en-GB" smtClean="0"/>
-              <a:t>31/01/2017</a:t>
+              <a:t>10/02/2017</a:t>
             </a:fld>
             <a:endParaRPr lang="en-GB"/>
           </a:p>
@@ -4783,7 +4785,7 @@
           </a:lstStyle>
           <a:p>
             <a:r>
-              <a:rPr lang="en-US" smtClean="0"/>
+              <a:rPr lang="en-US"/>
               <a:t>Click to edit Master title style</a:t>
             </a:r>
             <a:endParaRPr lang="en-US" dirty="0"/>
@@ -4851,7 +4853,7 @@
           <a:p>
             <a:pPr lvl="0"/>
             <a:r>
-              <a:rPr lang="en-US" smtClean="0"/>
+              <a:rPr lang="en-US"/>
               <a:t>Edit Master text styles</a:t>
             </a:r>
           </a:p>
@@ -4881,35 +4883,35 @@
           <a:p>
             <a:pPr lvl="0"/>
             <a:r>
-              <a:rPr lang="en-US" smtClean="0"/>
+              <a:rPr lang="en-US"/>
               <a:t>Edit Master text styles</a:t>
             </a:r>
           </a:p>
           <a:p>
             <a:pPr lvl="1"/>
             <a:r>
-              <a:rPr lang="en-US" smtClean="0"/>
+              <a:rPr lang="en-US"/>
               <a:t>Second level</a:t>
             </a:r>
           </a:p>
           <a:p>
             <a:pPr lvl="2"/>
             <a:r>
-              <a:rPr lang="en-US" smtClean="0"/>
+              <a:rPr lang="en-US"/>
               <a:t>Third level</a:t>
             </a:r>
           </a:p>
           <a:p>
             <a:pPr lvl="3"/>
             <a:r>
-              <a:rPr lang="en-US" smtClean="0"/>
+              <a:rPr lang="en-US"/>
               <a:t>Fourth level</a:t>
             </a:r>
           </a:p>
           <a:p>
             <a:pPr lvl="4"/>
             <a:r>
-              <a:rPr lang="en-US" smtClean="0"/>
+              <a:rPr lang="en-US"/>
               <a:t>Fifth level</a:t>
             </a:r>
             <a:endParaRPr lang="en-US" dirty="0"/>
@@ -4977,7 +4979,7 @@
           <a:p>
             <a:pPr lvl="0"/>
             <a:r>
-              <a:rPr lang="en-US" smtClean="0"/>
+              <a:rPr lang="en-US"/>
               <a:t>Edit Master text styles</a:t>
             </a:r>
           </a:p>
@@ -5007,35 +5009,35 @@
           <a:p>
             <a:pPr lvl="0"/>
             <a:r>
-              <a:rPr lang="en-US" smtClean="0"/>
+              <a:rPr lang="en-US"/>
               <a:t>Edit Master text styles</a:t>
             </a:r>
           </a:p>
           <a:p>
             <a:pPr lvl="1"/>
             <a:r>
-              <a:rPr lang="en-US" smtClean="0"/>
+              <a:rPr lang="en-US"/>
               <a:t>Second level</a:t>
             </a:r>
           </a:p>
           <a:p>
             <a:pPr lvl="2"/>
             <a:r>
-              <a:rPr lang="en-US" smtClean="0"/>
+              <a:rPr lang="en-US"/>
               <a:t>Third level</a:t>
             </a:r>
           </a:p>
           <a:p>
             <a:pPr lvl="3"/>
             <a:r>
-              <a:rPr lang="en-US" smtClean="0"/>
+              <a:rPr lang="en-US"/>
               <a:t>Fourth level</a:t>
             </a:r>
           </a:p>
           <a:p>
             <a:pPr lvl="4"/>
             <a:r>
-              <a:rPr lang="en-US" smtClean="0"/>
+              <a:rPr lang="en-US"/>
               <a:t>Fifth level</a:t>
             </a:r>
             <a:endParaRPr lang="en-US" dirty="0"/>
@@ -5059,7 +5061,7 @@
           <a:p>
             <a:fld id="{9E2A3FCB-1800-44DC-A1B9-C3FA5D53B234}" type="datetimeFigureOut">
               <a:rPr lang="en-GB" smtClean="0"/>
-              <a:t>31/01/2017</a:t>
+              <a:t>10/02/2017</a:t>
             </a:fld>
             <a:endParaRPr lang="en-GB"/>
           </a:p>
@@ -5158,7 +5160,7 @@
           <a:lstStyle/>
           <a:p>
             <a:r>
-              <a:rPr lang="en-US" smtClean="0"/>
+              <a:rPr lang="en-US"/>
               <a:t>Click to edit Master title style</a:t>
             </a:r>
             <a:endParaRPr lang="en-US" dirty="0"/>
@@ -5182,7 +5184,7 @@
           <a:p>
             <a:fld id="{9E2A3FCB-1800-44DC-A1B9-C3FA5D53B234}" type="datetimeFigureOut">
               <a:rPr lang="en-GB" smtClean="0"/>
-              <a:t>31/01/2017</a:t>
+              <a:t>10/02/2017</a:t>
             </a:fld>
             <a:endParaRPr lang="en-GB"/>
           </a:p>
@@ -5277,7 +5279,7 @@
           <a:p>
             <a:fld id="{9E2A3FCB-1800-44DC-A1B9-C3FA5D53B234}" type="datetimeFigureOut">
               <a:rPr lang="en-GB" smtClean="0"/>
-              <a:t>31/01/2017</a:t>
+              <a:t>10/02/2017</a:t>
             </a:fld>
             <a:endParaRPr lang="en-GB"/>
           </a:p>
@@ -5382,7 +5384,7 @@
           </a:lstStyle>
           <a:p>
             <a:r>
-              <a:rPr lang="en-US" smtClean="0"/>
+              <a:rPr lang="en-US"/>
               <a:t>Click to edit Master title style</a:t>
             </a:r>
             <a:endParaRPr lang="en-US" dirty="0"/>
@@ -5413,35 +5415,35 @@
           <a:p>
             <a:pPr lvl="0"/>
             <a:r>
-              <a:rPr lang="en-US" smtClean="0"/>
+              <a:rPr lang="en-US"/>
               <a:t>Edit Master text styles</a:t>
             </a:r>
           </a:p>
           <a:p>
             <a:pPr lvl="1"/>
             <a:r>
-              <a:rPr lang="en-US" smtClean="0"/>
+              <a:rPr lang="en-US"/>
               <a:t>Second level</a:t>
             </a:r>
           </a:p>
           <a:p>
             <a:pPr lvl="2"/>
             <a:r>
-              <a:rPr lang="en-US" smtClean="0"/>
+              <a:rPr lang="en-US"/>
               <a:t>Third level</a:t>
             </a:r>
           </a:p>
           <a:p>
             <a:pPr lvl="3"/>
             <a:r>
-              <a:rPr lang="en-US" smtClean="0"/>
+              <a:rPr lang="en-US"/>
               <a:t>Fourth level</a:t>
             </a:r>
           </a:p>
           <a:p>
             <a:pPr lvl="4"/>
             <a:r>
-              <a:rPr lang="en-US" smtClean="0"/>
+              <a:rPr lang="en-US"/>
               <a:t>Fifth level</a:t>
             </a:r>
             <a:endParaRPr lang="en-US" dirty="0"/>
@@ -5509,7 +5511,7 @@
           <a:p>
             <a:pPr lvl="0"/>
             <a:r>
-              <a:rPr lang="en-US" smtClean="0"/>
+              <a:rPr lang="en-US"/>
               <a:t>Edit Master text styles</a:t>
             </a:r>
           </a:p>
@@ -5532,7 +5534,7 @@
           <a:p>
             <a:fld id="{9E2A3FCB-1800-44DC-A1B9-C3FA5D53B234}" type="datetimeFigureOut">
               <a:rPr lang="en-GB" smtClean="0"/>
-              <a:t>31/01/2017</a:t>
+              <a:t>10/02/2017</a:t>
             </a:fld>
             <a:endParaRPr lang="en-GB"/>
           </a:p>
@@ -5637,7 +5639,7 @@
           </a:lstStyle>
           <a:p>
             <a:r>
-              <a:rPr lang="en-US" smtClean="0"/>
+              <a:rPr lang="en-US"/>
               <a:t>Click to edit Master title style</a:t>
             </a:r>
             <a:endParaRPr lang="en-US" dirty="0"/>
@@ -5704,7 +5706,7 @@
           </a:lstStyle>
           <a:p>
             <a:r>
-              <a:rPr lang="en-US" smtClean="0"/>
+              <a:rPr lang="en-US"/>
               <a:t>Click icon to add picture</a:t>
             </a:r>
             <a:endParaRPr lang="en-US" dirty="0"/>
@@ -5772,7 +5774,7 @@
           <a:p>
             <a:pPr lvl="0"/>
             <a:r>
-              <a:rPr lang="en-US" smtClean="0"/>
+              <a:rPr lang="en-US"/>
               <a:t>Edit Master text styles</a:t>
             </a:r>
           </a:p>
@@ -5795,7 +5797,7 @@
           <a:p>
             <a:fld id="{9E2A3FCB-1800-44DC-A1B9-C3FA5D53B234}" type="datetimeFigureOut">
               <a:rPr lang="en-GB" smtClean="0"/>
-              <a:t>31/01/2017</a:t>
+              <a:t>10/02/2017</a:t>
             </a:fld>
             <a:endParaRPr lang="en-GB"/>
           </a:p>
@@ -6434,7 +6436,7 @@
           <a:lstStyle/>
           <a:p>
             <a:r>
-              <a:rPr lang="en-US" smtClean="0"/>
+              <a:rPr lang="en-US"/>
               <a:t>Click to edit Master title style</a:t>
             </a:r>
             <a:endParaRPr lang="en-US" dirty="0"/>
@@ -6468,35 +6470,35 @@
           <a:p>
             <a:pPr lvl="0"/>
             <a:r>
-              <a:rPr lang="en-US" smtClean="0"/>
+              <a:rPr lang="en-US"/>
               <a:t>Edit Master text styles</a:t>
             </a:r>
           </a:p>
           <a:p>
             <a:pPr lvl="1"/>
             <a:r>
-              <a:rPr lang="en-US" smtClean="0"/>
+              <a:rPr lang="en-US"/>
               <a:t>Second level</a:t>
             </a:r>
           </a:p>
           <a:p>
             <a:pPr lvl="2"/>
             <a:r>
-              <a:rPr lang="en-US" smtClean="0"/>
+              <a:rPr lang="en-US"/>
               <a:t>Third level</a:t>
             </a:r>
           </a:p>
           <a:p>
             <a:pPr lvl="3"/>
             <a:r>
-              <a:rPr lang="en-US" smtClean="0"/>
+              <a:rPr lang="en-US"/>
               <a:t>Fourth level</a:t>
             </a:r>
           </a:p>
           <a:p>
             <a:pPr lvl="4"/>
             <a:r>
-              <a:rPr lang="en-US" smtClean="0"/>
+              <a:rPr lang="en-US"/>
               <a:t>Fifth level</a:t>
             </a:r>
             <a:endParaRPr lang="en-US" dirty="0"/>
@@ -6538,7 +6540,7 @@
           <a:p>
             <a:fld id="{9E2A3FCB-1800-44DC-A1B9-C3FA5D53B234}" type="datetimeFigureOut">
               <a:rPr lang="en-GB" smtClean="0"/>
-              <a:t>31/01/2017</a:t>
+              <a:t>10/02/2017</a:t>
             </a:fld>
             <a:endParaRPr lang="en-GB"/>
           </a:p>
@@ -7078,10 +7080,9 @@
           <a:lstStyle/>
           <a:p>
             <a:r>
-              <a:rPr lang="en-GB" dirty="0" smtClean="0"/>
+              <a:rPr lang="en-GB" dirty="0"/>
               <a:t>intro</a:t>
             </a:r>
-            <a:endParaRPr lang="en-GB" dirty="0"/>
           </a:p>
         </p:txBody>
       </p:sp>
@@ -7150,9 +7151,12 @@
           <a:lstStyle/>
           <a:p>
             <a:r>
-              <a:rPr lang="en-GB" dirty="0" smtClean="0"/>
-              <a:t>First Design </a:t>
-            </a:r>
+              <a:rPr lang="en-GB" dirty="0"/>
+              <a:t>Core Developer / Analytics</a:t>
+            </a:r>
+            <a:br>
+              <a:rPr lang="en-GB" dirty="0"/>
+            </a:br>
             <a:endParaRPr lang="en-GB" dirty="0"/>
           </a:p>
         </p:txBody>
@@ -7172,14 +7176,14 @@
           <a:bodyPr/>
           <a:lstStyle/>
           <a:p>
-            <a:endParaRPr lang="en-GB"/>
+            <a:endParaRPr lang="en-GB" dirty="0"/>
           </a:p>
         </p:txBody>
       </p:sp>
     </p:spTree>
     <p:extLst>
       <p:ext uri="{BB962C8B-B14F-4D97-AF65-F5344CB8AC3E}">
-        <p14:creationId xmlns:p14="http://schemas.microsoft.com/office/powerpoint/2010/main" val="3516292689"/>
+        <p14:creationId xmlns:p14="http://schemas.microsoft.com/office/powerpoint/2010/main" val="3848158416"/>
       </p:ext>
     </p:extLst>
   </p:cSld>
@@ -7218,36 +7222,208 @@
         </p:nvSpPr>
         <p:spPr/>
         <p:txBody>
-          <a:bodyPr/>
-          <a:lstStyle/>
-          <a:p>
-            <a:r>
-              <a:rPr lang="en-GB" dirty="0" smtClean="0"/>
+          <a:bodyPr>
+            <a:normAutofit fontScale="90000"/>
+          </a:bodyPr>
+          <a:lstStyle/>
+          <a:p>
+            <a:r>
+              <a:rPr lang="en-GB" dirty="0"/>
+              <a:t>Project Manager / Supplier</a:t>
+            </a:r>
+            <a:br>
+              <a:rPr lang="en-GB" dirty="0"/>
+            </a:br>
+            <a:br>
+              <a:rPr lang="en-GB" dirty="0"/>
+            </a:br>
+            <a:endParaRPr lang="en-GB" dirty="0"/>
+          </a:p>
+        </p:txBody>
+      </p:sp>
+      <p:sp>
+        <p:nvSpPr>
+          <p:cNvPr id="3" name="Content Placeholder 2"/>
+          <p:cNvSpPr>
+            <a:spLocks noGrp="1"/>
+          </p:cNvSpPr>
+          <p:nvPr>
+            <p:ph idx="1"/>
+          </p:nvPr>
+        </p:nvSpPr>
+        <p:spPr/>
+        <p:txBody>
+          <a:bodyPr/>
+          <a:lstStyle/>
+          <a:p>
+            <a:endParaRPr lang="en-GB" dirty="0"/>
+          </a:p>
+        </p:txBody>
+      </p:sp>
+    </p:spTree>
+    <p:extLst>
+      <p:ext uri="{BB962C8B-B14F-4D97-AF65-F5344CB8AC3E}">
+        <p14:creationId xmlns:p14="http://schemas.microsoft.com/office/powerpoint/2010/main" val="3323877898"/>
+      </p:ext>
+    </p:extLst>
+  </p:cSld>
+  <p:clrMapOvr>
+    <a:masterClrMapping/>
+  </p:clrMapOvr>
+</p:sld>
+</file>
+
+<file path=ppt/slides/slide12.xml><?xml version="1.0" encoding="utf-8"?>
+<p:sld xmlns:a="http://schemas.openxmlformats.org/drawingml/2006/main" xmlns:r="http://schemas.openxmlformats.org/officeDocument/2006/relationships" xmlns:p="http://schemas.openxmlformats.org/presentationml/2006/main">
+  <p:cSld>
+    <p:spTree>
+      <p:nvGrpSpPr>
+        <p:cNvPr id="1" name=""/>
+        <p:cNvGrpSpPr/>
+        <p:nvPr/>
+      </p:nvGrpSpPr>
+      <p:grpSpPr>
+        <a:xfrm>
+          <a:off x="0" y="0"/>
+          <a:ext cx="0" cy="0"/>
+          <a:chOff x="0" y="0"/>
+          <a:chExt cx="0" cy="0"/>
+        </a:xfrm>
+      </p:grpSpPr>
+      <p:sp>
+        <p:nvSpPr>
+          <p:cNvPr id="2" name="Title 1"/>
+          <p:cNvSpPr>
+            <a:spLocks noGrp="1"/>
+          </p:cNvSpPr>
+          <p:nvPr>
+            <p:ph type="title"/>
+          </p:nvPr>
+        </p:nvSpPr>
+        <p:spPr/>
+        <p:txBody>
+          <a:bodyPr/>
+          <a:lstStyle/>
+          <a:p>
+            <a:r>
+              <a:rPr lang="en-GB" dirty="0"/>
+              <a:t>First Design </a:t>
+            </a:r>
+          </a:p>
+        </p:txBody>
+      </p:sp>
+      <p:sp>
+        <p:nvSpPr>
+          <p:cNvPr id="3" name="Content Placeholder 2"/>
+          <p:cNvSpPr>
+            <a:spLocks noGrp="1"/>
+          </p:cNvSpPr>
+          <p:nvPr>
+            <p:ph idx="1"/>
+          </p:nvPr>
+        </p:nvSpPr>
+        <p:spPr/>
+        <p:txBody>
+          <a:bodyPr/>
+          <a:lstStyle/>
+          <a:p>
+            <a:endParaRPr lang="en-GB"/>
+          </a:p>
+        </p:txBody>
+      </p:sp>
+    </p:spTree>
+    <p:extLst>
+      <p:ext uri="{BB962C8B-B14F-4D97-AF65-F5344CB8AC3E}">
+        <p14:creationId xmlns:p14="http://schemas.microsoft.com/office/powerpoint/2010/main" val="3516292689"/>
+      </p:ext>
+    </p:extLst>
+  </p:cSld>
+  <p:clrMapOvr>
+    <a:masterClrMapping/>
+  </p:clrMapOvr>
+</p:sld>
+</file>
+
+<file path=ppt/slides/slide13.xml><?xml version="1.0" encoding="utf-8"?>
+<p:sld xmlns:a="http://schemas.openxmlformats.org/drawingml/2006/main" xmlns:r="http://schemas.openxmlformats.org/officeDocument/2006/relationships" xmlns:p="http://schemas.openxmlformats.org/presentationml/2006/main">
+  <p:cSld>
+    <p:spTree>
+      <p:nvGrpSpPr>
+        <p:cNvPr id="1" name=""/>
+        <p:cNvGrpSpPr/>
+        <p:nvPr/>
+      </p:nvGrpSpPr>
+      <p:grpSpPr>
+        <a:xfrm>
+          <a:off x="0" y="0"/>
+          <a:ext cx="0" cy="0"/>
+          <a:chOff x="0" y="0"/>
+          <a:chExt cx="0" cy="0"/>
+        </a:xfrm>
+      </p:grpSpPr>
+      <p:sp>
+        <p:nvSpPr>
+          <p:cNvPr id="2" name="Title 1"/>
+          <p:cNvSpPr>
+            <a:spLocks noGrp="1"/>
+          </p:cNvSpPr>
+          <p:nvPr>
+            <p:ph type="title"/>
+          </p:nvPr>
+        </p:nvSpPr>
+        <p:spPr/>
+        <p:txBody>
+          <a:bodyPr/>
+          <a:lstStyle/>
+          <a:p>
+            <a:r>
+              <a:rPr lang="en-GB" dirty="0"/>
               <a:t>Draft Design</a:t>
             </a:r>
-            <a:endParaRPr lang="en-GB" dirty="0"/>
-          </a:p>
-        </p:txBody>
-      </p:sp>
-      <p:sp>
-        <p:nvSpPr>
-          <p:cNvPr id="3" name="Content Placeholder 2"/>
-          <p:cNvSpPr>
-            <a:spLocks noGrp="1"/>
-          </p:cNvSpPr>
-          <p:nvPr>
-            <p:ph idx="1"/>
-          </p:nvPr>
-        </p:nvSpPr>
-        <p:spPr/>
-        <p:txBody>
-          <a:bodyPr/>
-          <a:lstStyle/>
-          <a:p>
-            <a:endParaRPr lang="en-GB"/>
-          </a:p>
-        </p:txBody>
-      </p:sp>
+          </a:p>
+        </p:txBody>
+      </p:sp>
+      <p:pic>
+        <p:nvPicPr>
+          <p:cNvPr id="2050" name="Picture 2" descr="draft_design1.jpg"/>
+          <p:cNvPicPr>
+            <a:picLocks noChangeAspect="1" noChangeArrowheads="1"/>
+          </p:cNvPicPr>
+          <p:nvPr/>
+        </p:nvPicPr>
+        <p:blipFill>
+          <a:blip r:embed="rId3">
+            <a:extLst>
+              <a:ext uri="{28A0092B-C50C-407E-A947-70E740481C1C}">
+                <a14:useLocalDpi xmlns:a14="http://schemas.microsoft.com/office/drawing/2010/main" val="0"/>
+              </a:ext>
+            </a:extLst>
+          </a:blip>
+          <a:srcRect/>
+          <a:stretch>
+            <a:fillRect/>
+          </a:stretch>
+        </p:blipFill>
+        <p:spPr bwMode="auto">
+          <a:xfrm>
+            <a:off x="2829768" y="1393517"/>
+            <a:ext cx="6547498" cy="5231217"/>
+          </a:xfrm>
+          <a:prstGeom prst="rect">
+            <a:avLst/>
+          </a:prstGeom>
+          <a:noFill/>
+          <a:extLst>
+            <a:ext uri="{909E8E84-426E-40DD-AFC4-6F175D3DCCD1}">
+              <a14:hiddenFill xmlns:a14="http://schemas.microsoft.com/office/drawing/2010/main">
+                <a:solidFill>
+                  <a:srgbClr val="FFFFFF"/>
+                </a:solidFill>
+              </a14:hiddenFill>
+            </a:ext>
+          </a:extLst>
+        </p:spPr>
+      </p:pic>
     </p:spTree>
     <p:extLst>
       <p:ext uri="{BB962C8B-B14F-4D97-AF65-F5344CB8AC3E}">
@@ -7294,10 +7470,9 @@
           <a:lstStyle/>
           <a:p>
             <a:r>
-              <a:rPr lang="en-GB" dirty="0" smtClean="0"/>
-              <a:t>What we choose</a:t>
-            </a:r>
-            <a:endParaRPr lang="en-GB" dirty="0"/>
+              <a:rPr lang="en-GB" dirty="0"/>
+              <a:t>What we chose</a:t>
+            </a:r>
           </a:p>
         </p:txBody>
       </p:sp>
@@ -7317,18 +7492,21 @@
           <a:lstStyle/>
           <a:p>
             <a:r>
-              <a:rPr lang="en-GB" dirty="0" err="1" smtClean="0"/>
-              <a:t>Requirments</a:t>
-            </a:r>
-            <a:r>
-              <a:rPr lang="en-GB" dirty="0" smtClean="0"/>
-              <a:t> </a:t>
-            </a:r>
-            <a:r>
-              <a:rPr lang="en-GB" dirty="0" smtClean="0"/>
-              <a:t>CASE STUDY</a:t>
-            </a:r>
-            <a:endParaRPr lang="en-GB" dirty="0"/>
+              <a:rPr lang="en-GB" dirty="0"/>
+              <a:t>We chose the provided case study for the team project which was to create a software for an on-line supermarket.</a:t>
+            </a:r>
+          </a:p>
+          <a:p>
+            <a:r>
+              <a:rPr lang="en-GB" dirty="0"/>
+              <a:t>The requirement of the case study is to produce a software that meets the four cores, which include loyalty scheme, payment, marketing and supplier interface.</a:t>
+            </a:r>
+          </a:p>
+          <a:p>
+            <a:r>
+              <a:rPr lang="en-GB" dirty="0"/>
+              <a:t>The group is made up five so we produced an additional core which is analytics, which is simply an analysis of the software's performance.</a:t>
+            </a:r>
           </a:p>
         </p:txBody>
       </p:sp>
@@ -7378,90 +7556,86 @@
           <a:lstStyle/>
           <a:p>
             <a:r>
-              <a:rPr lang="en-GB" dirty="0" smtClean="0">
+              <a:rPr lang="en-GB" dirty="0">
                 <a:latin typeface="Adobe Devanagari" panose="02040503050201020203" pitchFamily="18" charset="0"/>
                 <a:cs typeface="Adobe Devanagari" panose="02040503050201020203" pitchFamily="18" charset="0"/>
               </a:rPr>
               <a:t>Meet The Team</a:t>
             </a:r>
+          </a:p>
+        </p:txBody>
+      </p:sp>
+      <p:sp>
+        <p:nvSpPr>
+          <p:cNvPr id="3" name="Content Placeholder 2"/>
+          <p:cNvSpPr>
+            <a:spLocks noGrp="1"/>
+          </p:cNvSpPr>
+          <p:nvPr>
+            <p:ph idx="1"/>
+          </p:nvPr>
+        </p:nvSpPr>
+        <p:spPr/>
+        <p:txBody>
+          <a:bodyPr/>
+          <a:lstStyle/>
+          <a:p>
+            <a:r>
+              <a:rPr lang="en-GB" dirty="0">
+                <a:latin typeface="Adobe Devanagari" panose="02040503050201020203" pitchFamily="18" charset="0"/>
+                <a:cs typeface="Adobe Devanagari" panose="02040503050201020203" pitchFamily="18" charset="0"/>
+              </a:rPr>
+              <a:t>Akber – Project Manager / </a:t>
+            </a:r>
+            <a:r>
+              <a:rPr lang="en-GB" dirty="0" err="1">
+                <a:latin typeface="Adobe Devanagari" panose="02040503050201020203" pitchFamily="18" charset="0"/>
+                <a:cs typeface="Adobe Devanagari" panose="02040503050201020203" pitchFamily="18" charset="0"/>
+              </a:rPr>
+              <a:t>Suplier</a:t>
+            </a:r>
             <a:endParaRPr lang="en-GB" dirty="0">
               <a:latin typeface="Adobe Devanagari" panose="02040503050201020203" pitchFamily="18" charset="0"/>
               <a:cs typeface="Adobe Devanagari" panose="02040503050201020203" pitchFamily="18" charset="0"/>
             </a:endParaRPr>
           </a:p>
-        </p:txBody>
-      </p:sp>
-      <p:sp>
-        <p:nvSpPr>
-          <p:cNvPr id="3" name="Content Placeholder 2"/>
-          <p:cNvSpPr>
-            <a:spLocks noGrp="1"/>
-          </p:cNvSpPr>
-          <p:nvPr>
-            <p:ph idx="1"/>
-          </p:nvPr>
-        </p:nvSpPr>
-        <p:spPr/>
-        <p:txBody>
-          <a:bodyPr/>
-          <a:lstStyle/>
-          <a:p>
-            <a:r>
-              <a:rPr lang="en-GB" dirty="0" smtClean="0">
-                <a:latin typeface="Adobe Devanagari" panose="02040503050201020203" pitchFamily="18" charset="0"/>
-                <a:cs typeface="Adobe Devanagari" panose="02040503050201020203" pitchFamily="18" charset="0"/>
-              </a:rPr>
-              <a:t>Akber – Project Manager / </a:t>
-            </a:r>
-            <a:r>
-              <a:rPr lang="en-GB" dirty="0" err="1" smtClean="0">
-                <a:latin typeface="Adobe Devanagari" panose="02040503050201020203" pitchFamily="18" charset="0"/>
-                <a:cs typeface="Adobe Devanagari" panose="02040503050201020203" pitchFamily="18" charset="0"/>
-              </a:rPr>
-              <a:t>Suplier</a:t>
-            </a:r>
-            <a:endParaRPr lang="en-GB" dirty="0" smtClean="0">
-              <a:latin typeface="Adobe Devanagari" panose="02040503050201020203" pitchFamily="18" charset="0"/>
-              <a:cs typeface="Adobe Devanagari" panose="02040503050201020203" pitchFamily="18" charset="0"/>
-            </a:endParaRPr>
-          </a:p>
-          <a:p>
-            <a:r>
-              <a:rPr lang="en-GB" dirty="0" err="1" smtClean="0">
+          <a:p>
+            <a:r>
+              <a:rPr lang="en-GB" dirty="0" err="1">
                 <a:latin typeface="Adobe Devanagari" panose="02040503050201020203" pitchFamily="18" charset="0"/>
                 <a:cs typeface="Adobe Devanagari" panose="02040503050201020203" pitchFamily="18" charset="0"/>
               </a:rPr>
               <a:t>Sabaa</a:t>
             </a:r>
             <a:r>
-              <a:rPr lang="en-GB" dirty="0" smtClean="0">
+              <a:rPr lang="en-GB" dirty="0">
                 <a:latin typeface="Adobe Devanagari" panose="02040503050201020203" pitchFamily="18" charset="0"/>
                 <a:cs typeface="Adobe Devanagari" panose="02040503050201020203" pitchFamily="18" charset="0"/>
               </a:rPr>
               <a:t> – Core </a:t>
             </a:r>
             <a:r>
-              <a:rPr lang="en-GB" dirty="0" err="1" smtClean="0">
+              <a:rPr lang="en-GB" dirty="0" err="1">
                 <a:latin typeface="Adobe Devanagari" panose="02040503050201020203" pitchFamily="18" charset="0"/>
                 <a:cs typeface="Adobe Devanagari" panose="02040503050201020203" pitchFamily="18" charset="0"/>
               </a:rPr>
               <a:t>Devloper</a:t>
             </a:r>
-            <a:endParaRPr lang="en-GB" dirty="0" smtClean="0">
+            <a:endParaRPr lang="en-GB" dirty="0">
               <a:latin typeface="Adobe Devanagari" panose="02040503050201020203" pitchFamily="18" charset="0"/>
               <a:cs typeface="Adobe Devanagari" panose="02040503050201020203" pitchFamily="18" charset="0"/>
             </a:endParaRPr>
           </a:p>
           <a:p>
             <a:r>
-              <a:rPr lang="en-GB" dirty="0" err="1" smtClean="0">
+              <a:rPr lang="en-GB" dirty="0" err="1">
                 <a:latin typeface="Adobe Devanagari" panose="02040503050201020203" pitchFamily="18" charset="0"/>
                 <a:cs typeface="Adobe Devanagari" panose="02040503050201020203" pitchFamily="18" charset="0"/>
               </a:rPr>
               <a:t>Abdala</a:t>
             </a:r>
             <a:r>
-              <a:rPr lang="en-GB" dirty="0" smtClean="0">
+              <a:rPr lang="en-GB" dirty="0">
                 <a:latin typeface="Adobe Devanagari" panose="02040503050201020203" pitchFamily="18" charset="0"/>
                 <a:cs typeface="Adobe Devanagari" panose="02040503050201020203" pitchFamily="18" charset="0"/>
               </a:rPr>
@@ -7470,7 +7644,7 @@
           </a:p>
           <a:p>
             <a:r>
-              <a:rPr lang="en-GB" dirty="0" smtClean="0">
+              <a:rPr lang="en-GB" dirty="0">
                 <a:latin typeface="Adobe Devanagari" panose="02040503050201020203" pitchFamily="18" charset="0"/>
                 <a:cs typeface="Adobe Devanagari" panose="02040503050201020203" pitchFamily="18" charset="0"/>
               </a:rPr>
@@ -7479,14 +7653,14 @@
           </a:p>
           <a:p>
             <a:r>
-              <a:rPr lang="en-GB" dirty="0" err="1" smtClean="0">
+              <a:rPr lang="en-GB" dirty="0" err="1">
                 <a:latin typeface="Adobe Devanagari" panose="02040503050201020203" pitchFamily="18" charset="0"/>
                 <a:cs typeface="Adobe Devanagari" panose="02040503050201020203" pitchFamily="18" charset="0"/>
               </a:rPr>
               <a:t>Subodh</a:t>
             </a:r>
             <a:r>
-              <a:rPr lang="en-GB" dirty="0" smtClean="0">
+              <a:rPr lang="en-GB" dirty="0">
                 <a:latin typeface="Adobe Devanagari" panose="02040503050201020203" pitchFamily="18" charset="0"/>
                 <a:cs typeface="Adobe Devanagari" panose="02040503050201020203" pitchFamily="18" charset="0"/>
               </a:rPr>
@@ -7544,39 +7718,100 @@
           <a:lstStyle/>
           <a:p>
             <a:r>
-              <a:rPr lang="en-GB" dirty="0" smtClean="0"/>
-              <a:t>Loyalty Scheme</a:t>
-            </a:r>
-          </a:p>
-        </p:txBody>
-      </p:sp>
-      <p:sp>
-        <p:nvSpPr>
-          <p:cNvPr id="3" name="Content Placeholder 2"/>
-          <p:cNvSpPr>
-            <a:spLocks noGrp="1"/>
-          </p:cNvSpPr>
-          <p:nvPr>
-            <p:ph idx="1"/>
-          </p:nvPr>
-        </p:nvSpPr>
-        <p:spPr/>
-        <p:txBody>
-          <a:bodyPr/>
-          <a:lstStyle/>
-          <a:p>
-            <a:r>
-              <a:rPr lang="en-GB" dirty="0" smtClean="0"/>
-              <a:t> Loyalty Scheme</a:t>
-            </a:r>
+              <a:rPr lang="en-GB" dirty="0"/>
+              <a:t>Planning</a:t>
+            </a:r>
+          </a:p>
+        </p:txBody>
+      </p:sp>
+      <p:sp>
+        <p:nvSpPr>
+          <p:cNvPr id="5" name="Text Placeholder 4"/>
+          <p:cNvSpPr>
+            <a:spLocks noGrp="1"/>
+          </p:cNvSpPr>
+          <p:nvPr>
+            <p:ph type="body" sz="half" idx="2"/>
+          </p:nvPr>
+        </p:nvSpPr>
+        <p:spPr/>
+        <p:txBody>
+          <a:bodyPr/>
+          <a:lstStyle/>
+          <a:p>
+            <a:pPr marL="285750" indent="-285750">
+              <a:buFont typeface="Arial" panose="020B0604020202020204" pitchFamily="34" charset="0"/>
+              <a:buChar char="•"/>
+            </a:pPr>
+            <a:r>
+              <a:rPr lang="en-GB" dirty="0"/>
+              <a:t>The course of action we took towards the planning of the  project was brain storming.</a:t>
+            </a:r>
+          </a:p>
+          <a:p>
+            <a:pPr marL="285750" indent="-285750">
+              <a:buFont typeface="Arial" panose="020B0604020202020204" pitchFamily="34" charset="0"/>
+              <a:buChar char="•"/>
+            </a:pPr>
+            <a:r>
+              <a:rPr lang="en-GB" dirty="0"/>
+              <a:t>This was basic but effective as it encouraged group members to provide their ideas and perspective on the project.</a:t>
+            </a:r>
+          </a:p>
+          <a:p>
+            <a:pPr marL="285750" indent="-285750">
+              <a:buFont typeface="Arial" panose="020B0604020202020204" pitchFamily="34" charset="0"/>
+              <a:buChar char="•"/>
+            </a:pPr>
             <a:endParaRPr lang="en-GB" dirty="0"/>
           </a:p>
         </p:txBody>
       </p:sp>
+      <p:pic>
+        <p:nvPicPr>
+          <p:cNvPr id="3074" name="Picture 2" descr="Spider Diagram.jpg"/>
+          <p:cNvPicPr>
+            <a:picLocks noChangeAspect="1" noChangeArrowheads="1"/>
+          </p:cNvPicPr>
+          <p:nvPr/>
+        </p:nvPicPr>
+        <p:blipFill>
+          <a:blip r:embed="rId2" cstate="print">
+            <a:extLst>
+              <a:ext uri="{28A0092B-C50C-407E-A947-70E740481C1C}">
+                <a14:useLocalDpi xmlns:a14="http://schemas.microsoft.com/office/drawing/2010/main" val="0"/>
+              </a:ext>
+            </a:extLst>
+          </a:blip>
+          <a:srcRect/>
+          <a:stretch>
+            <a:fillRect/>
+          </a:stretch>
+        </p:blipFill>
+        <p:spPr bwMode="auto">
+          <a:xfrm>
+            <a:off x="5324008" y="1099518"/>
+            <a:ext cx="6529636" cy="5280038"/>
+          </a:xfrm>
+          <a:prstGeom prst="rect">
+            <a:avLst/>
+          </a:prstGeom>
+          <a:noFill/>
+          <a:extLst>
+            <a:ext uri="{909E8E84-426E-40DD-AFC4-6F175D3DCCD1}">
+              <a14:hiddenFill xmlns:a14="http://schemas.microsoft.com/office/drawing/2010/main">
+                <a:solidFill>
+                  <a:srgbClr val="FFFFFF"/>
+                </a:solidFill>
+              </a14:hiddenFill>
+            </a:ext>
+          </a:extLst>
+        </p:spPr>
+      </p:pic>
     </p:spTree>
     <p:extLst>
       <p:ext uri="{BB962C8B-B14F-4D97-AF65-F5344CB8AC3E}">
-        <p14:creationId xmlns:p14="http://schemas.microsoft.com/office/powerpoint/2010/main" val="4066050362"/>
+        <p14:creationId xmlns:p14="http://schemas.microsoft.com/office/powerpoint/2010/main" val="3549050706"/>
       </p:ext>
     </p:extLst>
   </p:cSld>
@@ -7605,7 +7840,7 @@
       </p:grpSpPr>
       <p:sp>
         <p:nvSpPr>
-          <p:cNvPr id="2" name="Title 1"/>
+          <p:cNvPr id="4" name="Title 3"/>
           <p:cNvSpPr>
             <a:spLocks noGrp="1"/>
           </p:cNvSpPr>
@@ -7613,45 +7848,90 @@
             <p:ph type="title"/>
           </p:nvPr>
         </p:nvSpPr>
-        <p:spPr/>
-        <p:txBody>
-          <a:bodyPr/>
-          <a:lstStyle/>
-          <a:p>
-            <a:r>
-              <a:rPr lang="en-GB" dirty="0" smtClean="0"/>
-              <a:t>Payment </a:t>
-            </a:r>
-            <a:br>
-              <a:rPr lang="en-GB" dirty="0" smtClean="0"/>
-            </a:br>
-            <a:endParaRPr lang="en-GB" dirty="0"/>
-          </a:p>
-        </p:txBody>
-      </p:sp>
-      <p:sp>
-        <p:nvSpPr>
-          <p:cNvPr id="3" name="Content Placeholder 2"/>
-          <p:cNvSpPr>
-            <a:spLocks noGrp="1"/>
-          </p:cNvSpPr>
-          <p:nvPr>
-            <p:ph idx="1"/>
-          </p:nvPr>
-        </p:nvSpPr>
-        <p:spPr/>
-        <p:txBody>
-          <a:bodyPr/>
-          <a:lstStyle/>
-          <a:p>
-            <a:endParaRPr lang="en-GB"/>
-          </a:p>
-        </p:txBody>
-      </p:sp>
+        <p:spPr>
+          <a:xfrm>
+            <a:off x="574698" y="181428"/>
+            <a:ext cx="8596668" cy="1320800"/>
+          </a:xfrm>
+        </p:spPr>
+        <p:txBody>
+          <a:bodyPr/>
+          <a:lstStyle/>
+          <a:p>
+            <a:r>
+              <a:rPr lang="en-GB" dirty="0">
+                <a:latin typeface="Adobe Devanagari"/>
+              </a:rPr>
+              <a:t>WBS (Work Breakdown Structure)</a:t>
+            </a:r>
+          </a:p>
+        </p:txBody>
+      </p:sp>
+      <p:pic>
+        <p:nvPicPr>
+          <p:cNvPr id="6" name="Picture 5"/>
+          <p:cNvPicPr/>
+          <p:nvPr/>
+        </p:nvPicPr>
+        <p:blipFill rotWithShape="1">
+          <a:blip r:embed="rId2">
+            <a:extLst>
+              <a:ext uri="{28A0092B-C50C-407E-A947-70E740481C1C}">
+                <a14:useLocalDpi xmlns:a14="http://schemas.microsoft.com/office/drawing/2010/main" val="0"/>
+              </a:ext>
+            </a:extLst>
+          </a:blip>
+          <a:srcRect l="28084" t="18022" r="29205" b="16683"/>
+          <a:stretch/>
+        </p:blipFill>
+        <p:spPr bwMode="auto">
+          <a:xfrm>
+            <a:off x="2371296" y="1057013"/>
+            <a:ext cx="7116653" cy="5580289"/>
+          </a:xfrm>
+          <a:prstGeom prst="rect">
+            <a:avLst/>
+          </a:prstGeom>
+          <a:solidFill>
+            <a:srgbClr val="FFFFFF">
+              <a:shade val="85000"/>
+            </a:srgbClr>
+          </a:solidFill>
+          <a:ln w="190500" cap="rnd">
+            <a:solidFill>
+              <a:srgbClr val="FFFFFF"/>
+            </a:solidFill>
+          </a:ln>
+          <a:effectLst>
+            <a:outerShdw blurRad="50000" algn="tl" rotWithShape="0">
+              <a:srgbClr val="000000">
+                <a:alpha val="41000"/>
+              </a:srgbClr>
+            </a:outerShdw>
+          </a:effectLst>
+          <a:scene3d>
+            <a:camera prst="orthographicFront"/>
+            <a:lightRig rig="twoPt" dir="t">
+              <a:rot lat="0" lon="0" rev="7800000"/>
+            </a:lightRig>
+          </a:scene3d>
+          <a:sp3d contourW="6350">
+            <a:bevelT w="50800" h="16510"/>
+            <a:contourClr>
+              <a:srgbClr val="C0C0C0"/>
+            </a:contourClr>
+          </a:sp3d>
+          <a:extLst>
+            <a:ext uri="{53640926-AAD7-44D8-BBD7-CCE9431645EC}">
+              <a14:shadowObscured xmlns:a14="http://schemas.microsoft.com/office/drawing/2010/main"/>
+            </a:ext>
+          </a:extLst>
+        </p:spPr>
+      </p:pic>
     </p:spTree>
     <p:extLst>
       <p:ext uri="{BB962C8B-B14F-4D97-AF65-F5344CB8AC3E}">
-        <p14:creationId xmlns:p14="http://schemas.microsoft.com/office/powerpoint/2010/main" val="492739854"/>
+        <p14:creationId xmlns:p14="http://schemas.microsoft.com/office/powerpoint/2010/main" val="4097450086"/>
       </p:ext>
     </p:extLst>
   </p:cSld>
@@ -7694,22 +7974,9 @@
           <a:lstStyle/>
           <a:p>
             <a:r>
-              <a:rPr lang="en-GB" dirty="0" smtClean="0">
-                <a:latin typeface="Adobe Devanagari" panose="02040503050201020203" pitchFamily="18" charset="0"/>
-                <a:cs typeface="Adobe Devanagari" panose="02040503050201020203" pitchFamily="18" charset="0"/>
-              </a:rPr>
-              <a:t>Marketing </a:t>
-            </a:r>
-            <a:br>
-              <a:rPr lang="en-GB" dirty="0" smtClean="0">
-                <a:latin typeface="Adobe Devanagari" panose="02040503050201020203" pitchFamily="18" charset="0"/>
-                <a:cs typeface="Adobe Devanagari" panose="02040503050201020203" pitchFamily="18" charset="0"/>
-              </a:rPr>
-            </a:br>
-            <a:endParaRPr lang="en-GB" dirty="0">
-              <a:latin typeface="Adobe Devanagari" panose="02040503050201020203" pitchFamily="18" charset="0"/>
-              <a:cs typeface="Adobe Devanagari" panose="02040503050201020203" pitchFamily="18" charset="0"/>
-            </a:endParaRPr>
+              <a:rPr lang="en-GB" dirty="0"/>
+              <a:t>Loyalty Scheme</a:t>
+            </a:r>
           </a:p>
         </p:txBody>
       </p:sp>
@@ -7728,93 +7995,17 @@
           <a:bodyPr/>
           <a:lstStyle/>
           <a:p>
-            <a:pPr lvl="0"/>
-            <a:r>
-              <a:rPr lang="en-GB" dirty="0">
-                <a:latin typeface="Adobe Devanagari" panose="02040503050201020203" pitchFamily="18" charset="0"/>
-                <a:cs typeface="Adobe Devanagari" panose="02040503050201020203" pitchFamily="18" charset="0"/>
-              </a:rPr>
-              <a:t>Marketing is where a business </a:t>
-            </a:r>
-            <a:r>
-              <a:rPr lang="en-GB" dirty="0" smtClean="0">
-                <a:latin typeface="Adobe Devanagari" panose="02040503050201020203" pitchFamily="18" charset="0"/>
-                <a:cs typeface="Adobe Devanagari" panose="02040503050201020203" pitchFamily="18" charset="0"/>
-              </a:rPr>
-              <a:t>creates new ways in which it can improve the performance of sales in hopes of increasing profit.</a:t>
-            </a:r>
-            <a:endParaRPr lang="en-GB" dirty="0">
-              <a:latin typeface="Adobe Devanagari" panose="02040503050201020203" pitchFamily="18" charset="0"/>
-              <a:cs typeface="Adobe Devanagari" panose="02040503050201020203" pitchFamily="18" charset="0"/>
-            </a:endParaRPr>
-          </a:p>
-          <a:p>
-            <a:pPr lvl="0"/>
-            <a:r>
-              <a:rPr lang="en-GB" dirty="0">
-                <a:latin typeface="Adobe Devanagari" panose="02040503050201020203" pitchFamily="18" charset="0"/>
-                <a:cs typeface="Adobe Devanagari" panose="02040503050201020203" pitchFamily="18" charset="0"/>
-              </a:rPr>
-              <a:t> A business can do this by tracking consumer purchase, and by doing so can offer promotions and offers on popular products.</a:t>
-            </a:r>
-          </a:p>
-          <a:p>
-            <a:pPr lvl="0"/>
-            <a:r>
-              <a:rPr lang="en-GB" dirty="0">
-                <a:latin typeface="Adobe Devanagari" panose="02040503050201020203" pitchFamily="18" charset="0"/>
-                <a:cs typeface="Adobe Devanagari" panose="02040503050201020203" pitchFamily="18" charset="0"/>
-              </a:rPr>
-              <a:t>I approached this core by first researching the offers and promotions of other companies such as </a:t>
-            </a:r>
-            <a:r>
-              <a:rPr lang="en-GB" dirty="0" smtClean="0">
-                <a:latin typeface="Adobe Devanagari" panose="02040503050201020203" pitchFamily="18" charset="0"/>
-                <a:cs typeface="Adobe Devanagari" panose="02040503050201020203" pitchFamily="18" charset="0"/>
-              </a:rPr>
-              <a:t>Tesco and Sainsbury for a better insight.</a:t>
-            </a:r>
-            <a:endParaRPr lang="en-GB" dirty="0">
-              <a:latin typeface="Adobe Devanagari" panose="02040503050201020203" pitchFamily="18" charset="0"/>
-              <a:cs typeface="Adobe Devanagari" panose="02040503050201020203" pitchFamily="18" charset="0"/>
-            </a:endParaRPr>
-          </a:p>
-          <a:p>
-            <a:pPr lvl="0"/>
-            <a:r>
-              <a:rPr lang="en-GB" dirty="0">
-                <a:latin typeface="Adobe Devanagari" panose="02040503050201020203" pitchFamily="18" charset="0"/>
-                <a:cs typeface="Adobe Devanagari" panose="02040503050201020203" pitchFamily="18" charset="0"/>
-              </a:rPr>
-              <a:t> In doing so it has helped in deciding on offers and promotions that </a:t>
-            </a:r>
-            <a:r>
-              <a:rPr lang="en-GB" dirty="0" smtClean="0">
-                <a:latin typeface="Adobe Devanagari" panose="02040503050201020203" pitchFamily="18" charset="0"/>
-                <a:cs typeface="Adobe Devanagari" panose="02040503050201020203" pitchFamily="18" charset="0"/>
-              </a:rPr>
-              <a:t>we will integrate into the software.</a:t>
-            </a:r>
-            <a:endParaRPr lang="en-GB" dirty="0">
-              <a:latin typeface="Adobe Devanagari" panose="02040503050201020203" pitchFamily="18" charset="0"/>
-              <a:cs typeface="Adobe Devanagari" panose="02040503050201020203" pitchFamily="18" charset="0"/>
-            </a:endParaRPr>
-          </a:p>
-          <a:p>
-            <a:endParaRPr lang="en-GB" dirty="0"/>
-          </a:p>
-          <a:p>
-            <a:endParaRPr lang="en-GB" dirty="0"/>
-          </a:p>
-          <a:p>
-            <a:endParaRPr lang="en-GB" dirty="0"/>
+            <a:r>
+              <a:rPr lang="en-GB" dirty="0"/>
+              <a:t> Loyalty Scheme</a:t>
+            </a:r>
           </a:p>
         </p:txBody>
       </p:sp>
     </p:spTree>
     <p:extLst>
       <p:ext uri="{BB962C8B-B14F-4D97-AF65-F5344CB8AC3E}">
-        <p14:creationId xmlns:p14="http://schemas.microsoft.com/office/powerpoint/2010/main" val="3035221819"/>
+        <p14:creationId xmlns:p14="http://schemas.microsoft.com/office/powerpoint/2010/main" val="4066050362"/>
       </p:ext>
     </p:extLst>
   </p:cSld>
@@ -7857,16 +8048,13 @@
           <a:lstStyle/>
           <a:p>
             <a:r>
-              <a:rPr lang="en-GB" dirty="0" smtClean="0">
-                <a:latin typeface="Adobe Devanagari" panose="02040503050201020203" pitchFamily="18" charset="0"/>
-                <a:cs typeface="Adobe Devanagari" panose="02040503050201020203" pitchFamily="18" charset="0"/>
-              </a:rPr>
-              <a:t>Marketing-Software</a:t>
-            </a:r>
-            <a:endParaRPr lang="en-GB" dirty="0">
-              <a:latin typeface="Adobe Devanagari" panose="02040503050201020203" pitchFamily="18" charset="0"/>
-              <a:cs typeface="Adobe Devanagari" panose="02040503050201020203" pitchFamily="18" charset="0"/>
-            </a:endParaRPr>
+              <a:rPr lang="en-GB" dirty="0"/>
+              <a:t>Payment </a:t>
+            </a:r>
+            <a:br>
+              <a:rPr lang="en-GB" dirty="0"/>
+            </a:br>
+            <a:endParaRPr lang="en-GB" dirty="0"/>
           </a:p>
         </p:txBody>
       </p:sp>
@@ -7885,31 +8073,14 @@
           <a:bodyPr/>
           <a:lstStyle/>
           <a:p>
-            <a:r>
-              <a:rPr lang="en-GB" dirty="0">
-                <a:latin typeface="Adobe Devanagari" panose="02040503050201020203" pitchFamily="18" charset="0"/>
-                <a:cs typeface="Adobe Devanagari" panose="02040503050201020203" pitchFamily="18" charset="0"/>
-              </a:rPr>
-              <a:t>[</a:t>
-            </a:r>
-            <a:r>
-              <a:rPr lang="en-GB" dirty="0" smtClean="0">
-                <a:latin typeface="Adobe Devanagari" panose="02040503050201020203" pitchFamily="18" charset="0"/>
-                <a:cs typeface="Adobe Devanagari" panose="02040503050201020203" pitchFamily="18" charset="0"/>
-              </a:rPr>
-              <a:t>The code will be here along with a screenshot displaying its function and purpose and how it affects the software.]</a:t>
-            </a:r>
-            <a:endParaRPr lang="en-GB" dirty="0">
-              <a:latin typeface="Adobe Devanagari" panose="02040503050201020203" pitchFamily="18" charset="0"/>
-              <a:cs typeface="Adobe Devanagari" panose="02040503050201020203" pitchFamily="18" charset="0"/>
-            </a:endParaRPr>
+            <a:endParaRPr lang="en-GB"/>
           </a:p>
         </p:txBody>
       </p:sp>
     </p:spTree>
     <p:extLst>
       <p:ext uri="{BB962C8B-B14F-4D97-AF65-F5344CB8AC3E}">
-        <p14:creationId xmlns:p14="http://schemas.microsoft.com/office/powerpoint/2010/main" val="241369529"/>
+        <p14:creationId xmlns:p14="http://schemas.microsoft.com/office/powerpoint/2010/main" val="492739854"/>
       </p:ext>
     </p:extLst>
   </p:cSld>
@@ -7952,30 +8123,85 @@
           <a:lstStyle/>
           <a:p>
             <a:r>
-              <a:rPr lang="en-GB" dirty="0" smtClean="0"/>
-              <a:t>Core Developer / Analytics</a:t>
+              <a:rPr lang="en-GB" dirty="0">
+                <a:latin typeface="Adobe Devanagari" panose="02040503050201020203" pitchFamily="18" charset="0"/>
+                <a:cs typeface="Adobe Devanagari" panose="02040503050201020203" pitchFamily="18" charset="0"/>
+              </a:rPr>
+              <a:t>Marketing </a:t>
             </a:r>
             <a:br>
-              <a:rPr lang="en-GB" dirty="0" smtClean="0"/>
+              <a:rPr lang="en-GB" dirty="0">
+                <a:latin typeface="Adobe Devanagari" panose="02040503050201020203" pitchFamily="18" charset="0"/>
+                <a:cs typeface="Adobe Devanagari" panose="02040503050201020203" pitchFamily="18" charset="0"/>
+              </a:rPr>
             </a:br>
+            <a:endParaRPr lang="en-GB" dirty="0">
+              <a:latin typeface="Adobe Devanagari" panose="02040503050201020203" pitchFamily="18" charset="0"/>
+              <a:cs typeface="Adobe Devanagari" panose="02040503050201020203" pitchFamily="18" charset="0"/>
+            </a:endParaRPr>
+          </a:p>
+        </p:txBody>
+      </p:sp>
+      <p:sp>
+        <p:nvSpPr>
+          <p:cNvPr id="3" name="Content Placeholder 2"/>
+          <p:cNvSpPr>
+            <a:spLocks noGrp="1"/>
+          </p:cNvSpPr>
+          <p:nvPr>
+            <p:ph idx="1"/>
+          </p:nvPr>
+        </p:nvSpPr>
+        <p:spPr/>
+        <p:txBody>
+          <a:bodyPr/>
+          <a:lstStyle/>
+          <a:p>
+            <a:pPr lvl="0"/>
+            <a:r>
+              <a:rPr lang="en-GB" dirty="0">
+                <a:latin typeface="Adobe Devanagari" panose="02040503050201020203" pitchFamily="18" charset="0"/>
+                <a:cs typeface="Adobe Devanagari" panose="02040503050201020203" pitchFamily="18" charset="0"/>
+              </a:rPr>
+              <a:t>Marketing is where a business creates new ways in which it can improve the performance of sales in hopes of increasing profit.</a:t>
+            </a:r>
+          </a:p>
+          <a:p>
+            <a:pPr lvl="0"/>
+            <a:r>
+              <a:rPr lang="en-GB" dirty="0">
+                <a:latin typeface="Adobe Devanagari" panose="02040503050201020203" pitchFamily="18" charset="0"/>
+                <a:cs typeface="Adobe Devanagari" panose="02040503050201020203" pitchFamily="18" charset="0"/>
+              </a:rPr>
+              <a:t> A business can do this by tracking consumer purchase, and by doing so can offer promotions and offers on popular products.</a:t>
+            </a:r>
+          </a:p>
+          <a:p>
+            <a:pPr lvl="0"/>
+            <a:r>
+              <a:rPr lang="en-GB" dirty="0">
+                <a:latin typeface="Adobe Devanagari" panose="02040503050201020203" pitchFamily="18" charset="0"/>
+                <a:cs typeface="Adobe Devanagari" panose="02040503050201020203" pitchFamily="18" charset="0"/>
+              </a:rPr>
+              <a:t>I approached this core by first researching the offers and promotions of other companies such as Tesco and Sainsbury for a better insight.</a:t>
+            </a:r>
+          </a:p>
+          <a:p>
+            <a:pPr lvl="0"/>
+            <a:r>
+              <a:rPr lang="en-GB" dirty="0">
+                <a:latin typeface="Adobe Devanagari" panose="02040503050201020203" pitchFamily="18" charset="0"/>
+                <a:cs typeface="Adobe Devanagari" panose="02040503050201020203" pitchFamily="18" charset="0"/>
+              </a:rPr>
+              <a:t> In doing so it has helped in deciding on offers and promotions that we will integrate into the software.</a:t>
+            </a:r>
+          </a:p>
+          <a:p>
             <a:endParaRPr lang="en-GB" dirty="0"/>
           </a:p>
-        </p:txBody>
-      </p:sp>
-      <p:sp>
-        <p:nvSpPr>
-          <p:cNvPr id="3" name="Content Placeholder 2"/>
-          <p:cNvSpPr>
-            <a:spLocks noGrp="1"/>
-          </p:cNvSpPr>
-          <p:nvPr>
-            <p:ph idx="1"/>
-          </p:nvPr>
-        </p:nvSpPr>
-        <p:spPr/>
-        <p:txBody>
-          <a:bodyPr/>
-          <a:lstStyle/>
+          <a:p>
+            <a:endParaRPr lang="en-GB" dirty="0"/>
+          </a:p>
           <a:p>
             <a:endParaRPr lang="en-GB" dirty="0"/>
           </a:p>
@@ -7984,7 +8210,7 @@
     </p:spTree>
     <p:extLst>
       <p:ext uri="{BB962C8B-B14F-4D97-AF65-F5344CB8AC3E}">
-        <p14:creationId xmlns:p14="http://schemas.microsoft.com/office/powerpoint/2010/main" val="3848158416"/>
+        <p14:creationId xmlns:p14="http://schemas.microsoft.com/office/powerpoint/2010/main" val="3035221819"/>
       </p:ext>
     </p:extLst>
   </p:cSld>
@@ -8023,26 +8249,16 @@
         </p:nvSpPr>
         <p:spPr/>
         <p:txBody>
-          <a:bodyPr>
-            <a:normAutofit fontScale="90000"/>
-          </a:bodyPr>
-          <a:lstStyle/>
-          <a:p>
-            <a:r>
-              <a:rPr lang="en-GB" dirty="0" smtClean="0"/>
-              <a:t>Project Manager / Supplier</a:t>
-            </a:r>
-            <a:br>
-              <a:rPr lang="en-GB" dirty="0" smtClean="0"/>
-            </a:br>
-            <a:r>
-              <a:rPr lang="en-GB" dirty="0" smtClean="0"/>
-              <a:t/>
-            </a:r>
-            <a:br>
-              <a:rPr lang="en-GB" dirty="0" smtClean="0"/>
-            </a:br>
-            <a:endParaRPr lang="en-GB" dirty="0"/>
+          <a:bodyPr/>
+          <a:lstStyle/>
+          <a:p>
+            <a:r>
+              <a:rPr lang="en-GB" dirty="0">
+                <a:latin typeface="Adobe Devanagari" panose="02040503050201020203" pitchFamily="18" charset="0"/>
+                <a:cs typeface="Adobe Devanagari" panose="02040503050201020203" pitchFamily="18" charset="0"/>
+              </a:rPr>
+              <a:t>Marketing-Software</a:t>
+            </a:r>
           </a:p>
         </p:txBody>
       </p:sp>
@@ -8061,14 +8277,20 @@
           <a:bodyPr/>
           <a:lstStyle/>
           <a:p>
-            <a:endParaRPr lang="en-GB" dirty="0"/>
+            <a:r>
+              <a:rPr lang="en-GB" dirty="0">
+                <a:latin typeface="Adobe Devanagari" panose="02040503050201020203" pitchFamily="18" charset="0"/>
+                <a:cs typeface="Adobe Devanagari" panose="02040503050201020203" pitchFamily="18" charset="0"/>
+              </a:rPr>
+              <a:t>[The code will be here along with a screenshot displaying its function and purpose and how it affects the software.]</a:t>
+            </a:r>
           </a:p>
         </p:txBody>
       </p:sp>
     </p:spTree>
     <p:extLst>
       <p:ext uri="{BB962C8B-B14F-4D97-AF65-F5344CB8AC3E}">
-        <p14:creationId xmlns:p14="http://schemas.microsoft.com/office/powerpoint/2010/main" val="3323877898"/>
+        <p14:creationId xmlns:p14="http://schemas.microsoft.com/office/powerpoint/2010/main" val="241369529"/>
       </p:ext>
     </p:extLst>
   </p:cSld>

--- a/Team Project/Presentation.pptx
+++ b/Team Project/Presentation.pptx
@@ -5,7 +5,7 @@
     <p:sldMasterId id="2147483701" r:id="rId1"/>
   </p:sldMasterIdLst>
   <p:notesMasterIdLst>
-    <p:notesMasterId r:id="rId23"/>
+    <p:notesMasterId r:id="rId22"/>
   </p:notesMasterIdLst>
   <p:sldIdLst>
     <p:sldId id="256" r:id="rId2"/>
@@ -24,11 +24,10 @@
     <p:sldId id="266" r:id="rId15"/>
     <p:sldId id="259" r:id="rId16"/>
     <p:sldId id="260" r:id="rId17"/>
-    <p:sldId id="277" r:id="rId18"/>
-    <p:sldId id="264" r:id="rId19"/>
-    <p:sldId id="265" r:id="rId20"/>
-    <p:sldId id="275" r:id="rId21"/>
-    <p:sldId id="276" r:id="rId22"/>
+    <p:sldId id="264" r:id="rId18"/>
+    <p:sldId id="265" r:id="rId19"/>
+    <p:sldId id="275" r:id="rId20"/>
+    <p:sldId id="276" r:id="rId21"/>
   </p:sldIdLst>
   <p:sldSz cx="12192000" cy="6858000"/>
   <p:notesSz cx="6858000" cy="9144000"/>
@@ -655,7 +654,711 @@
             <a:fld id="{8D460739-ED95-4F61-A777-121342EC40AB}" type="slidenum">
               <a:rPr lang="en-GB" smtClean="0"/>
               <a:pPr/>
-              <a:t>19</a:t>
+              <a:t>10</a:t>
+            </a:fld>
+            <a:endParaRPr lang="en-GB"/>
+          </a:p>
+        </p:txBody>
+      </p:sp>
+    </p:spTree>
+    <p:extLst>
+      <p:ext uri="{BB962C8B-B14F-4D97-AF65-F5344CB8AC3E}">
+        <p14:creationId xmlns:p14="http://schemas.microsoft.com/office/powerpoint/2010/main" val="639975216"/>
+      </p:ext>
+    </p:extLst>
+  </p:cSld>
+  <p:clrMapOvr>
+    <a:masterClrMapping/>
+  </p:clrMapOvr>
+</p:notes>
+</file>
+
+<file path=ppt/notesSlides/notesSlide11.xml><?xml version="1.0" encoding="utf-8"?>
+<p:notes xmlns:a="http://schemas.openxmlformats.org/drawingml/2006/main" xmlns:r="http://schemas.openxmlformats.org/officeDocument/2006/relationships" xmlns:p="http://schemas.openxmlformats.org/presentationml/2006/main">
+  <p:cSld>
+    <p:spTree>
+      <p:nvGrpSpPr>
+        <p:cNvPr id="1" name=""/>
+        <p:cNvGrpSpPr/>
+        <p:nvPr/>
+      </p:nvGrpSpPr>
+      <p:grpSpPr>
+        <a:xfrm>
+          <a:off x="0" y="0"/>
+          <a:ext cx="0" cy="0"/>
+          <a:chOff x="0" y="0"/>
+          <a:chExt cx="0" cy="0"/>
+        </a:xfrm>
+      </p:grpSpPr>
+      <p:sp>
+        <p:nvSpPr>
+          <p:cNvPr id="2" name="Slide Image Placeholder 1"/>
+          <p:cNvSpPr>
+            <a:spLocks noGrp="1" noRot="1" noChangeAspect="1"/>
+          </p:cNvSpPr>
+          <p:nvPr>
+            <p:ph type="sldImg"/>
+          </p:nvPr>
+        </p:nvSpPr>
+        <p:spPr/>
+      </p:sp>
+      <p:sp>
+        <p:nvSpPr>
+          <p:cNvPr id="3" name="Notes Placeholder 2"/>
+          <p:cNvSpPr>
+            <a:spLocks noGrp="1"/>
+          </p:cNvSpPr>
+          <p:nvPr>
+            <p:ph type="body" idx="1"/>
+            <p:custDataLst>
+              <p:tags r:id="rId1"/>
+            </p:custDataLst>
+          </p:nvPr>
+        </p:nvSpPr>
+        <p:spPr/>
+        <p:txBody>
+          <a:bodyPr/>
+          <a:lstStyle/>
+          <a:p>
+            <a:endParaRPr lang="en-GB"/>
+          </a:p>
+        </p:txBody>
+      </p:sp>
+      <p:sp>
+        <p:nvSpPr>
+          <p:cNvPr id="4" name="Slide Number Placeholder 3"/>
+          <p:cNvSpPr>
+            <a:spLocks noGrp="1"/>
+          </p:cNvSpPr>
+          <p:nvPr>
+            <p:ph type="sldNum" sz="quarter" idx="10"/>
+          </p:nvPr>
+        </p:nvSpPr>
+        <p:spPr/>
+        <p:txBody>
+          <a:bodyPr/>
+          <a:lstStyle/>
+          <a:p>
+            <a:fld id="{8D460739-ED95-4F61-A777-121342EC40AB}" type="slidenum">
+              <a:rPr lang="en-GB" smtClean="0"/>
+              <a:pPr/>
+              <a:t>11</a:t>
+            </a:fld>
+            <a:endParaRPr lang="en-GB"/>
+          </a:p>
+        </p:txBody>
+      </p:sp>
+    </p:spTree>
+    <p:extLst>
+      <p:ext uri="{BB962C8B-B14F-4D97-AF65-F5344CB8AC3E}">
+        <p14:creationId xmlns:p14="http://schemas.microsoft.com/office/powerpoint/2010/main" val="3213541872"/>
+      </p:ext>
+    </p:extLst>
+  </p:cSld>
+  <p:clrMapOvr>
+    <a:masterClrMapping/>
+  </p:clrMapOvr>
+</p:notes>
+</file>
+
+<file path=ppt/notesSlides/notesSlide12.xml><?xml version="1.0" encoding="utf-8"?>
+<p:notes xmlns:a="http://schemas.openxmlformats.org/drawingml/2006/main" xmlns:r="http://schemas.openxmlformats.org/officeDocument/2006/relationships" xmlns:p="http://schemas.openxmlformats.org/presentationml/2006/main">
+  <p:cSld>
+    <p:spTree>
+      <p:nvGrpSpPr>
+        <p:cNvPr id="1" name=""/>
+        <p:cNvGrpSpPr/>
+        <p:nvPr/>
+      </p:nvGrpSpPr>
+      <p:grpSpPr>
+        <a:xfrm>
+          <a:off x="0" y="0"/>
+          <a:ext cx="0" cy="0"/>
+          <a:chOff x="0" y="0"/>
+          <a:chExt cx="0" cy="0"/>
+        </a:xfrm>
+      </p:grpSpPr>
+      <p:sp>
+        <p:nvSpPr>
+          <p:cNvPr id="2" name="Slide Image Placeholder 1"/>
+          <p:cNvSpPr>
+            <a:spLocks noGrp="1" noRot="1" noChangeAspect="1"/>
+          </p:cNvSpPr>
+          <p:nvPr>
+            <p:ph type="sldImg"/>
+          </p:nvPr>
+        </p:nvSpPr>
+        <p:spPr/>
+      </p:sp>
+      <p:sp>
+        <p:nvSpPr>
+          <p:cNvPr id="3" name="Notes Placeholder 2"/>
+          <p:cNvSpPr>
+            <a:spLocks noGrp="1"/>
+          </p:cNvSpPr>
+          <p:nvPr>
+            <p:ph type="body" idx="1"/>
+            <p:custDataLst>
+              <p:tags r:id="rId1"/>
+            </p:custDataLst>
+          </p:nvPr>
+        </p:nvSpPr>
+        <p:spPr/>
+        <p:txBody>
+          <a:bodyPr/>
+          <a:lstStyle/>
+          <a:p>
+            <a:endParaRPr lang="en-GB"/>
+          </a:p>
+        </p:txBody>
+      </p:sp>
+      <p:sp>
+        <p:nvSpPr>
+          <p:cNvPr id="4" name="Slide Number Placeholder 3"/>
+          <p:cNvSpPr>
+            <a:spLocks noGrp="1"/>
+          </p:cNvSpPr>
+          <p:nvPr>
+            <p:ph type="sldNum" sz="quarter" idx="10"/>
+          </p:nvPr>
+        </p:nvSpPr>
+        <p:spPr/>
+        <p:txBody>
+          <a:bodyPr/>
+          <a:lstStyle/>
+          <a:p>
+            <a:fld id="{8D460739-ED95-4F61-A777-121342EC40AB}" type="slidenum">
+              <a:rPr lang="en-GB" smtClean="0"/>
+              <a:pPr/>
+              <a:t>12</a:t>
+            </a:fld>
+            <a:endParaRPr lang="en-GB"/>
+          </a:p>
+        </p:txBody>
+      </p:sp>
+    </p:spTree>
+    <p:extLst>
+      <p:ext uri="{BB962C8B-B14F-4D97-AF65-F5344CB8AC3E}">
+        <p14:creationId xmlns:p14="http://schemas.microsoft.com/office/powerpoint/2010/main" val="3078406671"/>
+      </p:ext>
+    </p:extLst>
+  </p:cSld>
+  <p:clrMapOvr>
+    <a:masterClrMapping/>
+  </p:clrMapOvr>
+</p:notes>
+</file>
+
+<file path=ppt/notesSlides/notesSlide13.xml><?xml version="1.0" encoding="utf-8"?>
+<p:notes xmlns:a="http://schemas.openxmlformats.org/drawingml/2006/main" xmlns:r="http://schemas.openxmlformats.org/officeDocument/2006/relationships" xmlns:p="http://schemas.openxmlformats.org/presentationml/2006/main">
+  <p:cSld>
+    <p:spTree>
+      <p:nvGrpSpPr>
+        <p:cNvPr id="1" name=""/>
+        <p:cNvGrpSpPr/>
+        <p:nvPr/>
+      </p:nvGrpSpPr>
+      <p:grpSpPr>
+        <a:xfrm>
+          <a:off x="0" y="0"/>
+          <a:ext cx="0" cy="0"/>
+          <a:chOff x="0" y="0"/>
+          <a:chExt cx="0" cy="0"/>
+        </a:xfrm>
+      </p:grpSpPr>
+      <p:sp>
+        <p:nvSpPr>
+          <p:cNvPr id="2" name="Slide Image Placeholder 1"/>
+          <p:cNvSpPr>
+            <a:spLocks noGrp="1" noRot="1" noChangeAspect="1"/>
+          </p:cNvSpPr>
+          <p:nvPr>
+            <p:ph type="sldImg"/>
+          </p:nvPr>
+        </p:nvSpPr>
+        <p:spPr/>
+      </p:sp>
+      <p:sp>
+        <p:nvSpPr>
+          <p:cNvPr id="3" name="Notes Placeholder 2"/>
+          <p:cNvSpPr>
+            <a:spLocks noGrp="1"/>
+          </p:cNvSpPr>
+          <p:nvPr>
+            <p:ph type="body" idx="1"/>
+            <p:custDataLst>
+              <p:tags r:id="rId1"/>
+            </p:custDataLst>
+          </p:nvPr>
+        </p:nvSpPr>
+        <p:spPr/>
+        <p:txBody>
+          <a:bodyPr/>
+          <a:lstStyle/>
+          <a:p>
+            <a:endParaRPr lang="en-GB"/>
+          </a:p>
+        </p:txBody>
+      </p:sp>
+      <p:sp>
+        <p:nvSpPr>
+          <p:cNvPr id="4" name="Slide Number Placeholder 3"/>
+          <p:cNvSpPr>
+            <a:spLocks noGrp="1"/>
+          </p:cNvSpPr>
+          <p:nvPr>
+            <p:ph type="sldNum" sz="quarter" idx="10"/>
+          </p:nvPr>
+        </p:nvSpPr>
+        <p:spPr/>
+        <p:txBody>
+          <a:bodyPr/>
+          <a:lstStyle/>
+          <a:p>
+            <a:fld id="{8D460739-ED95-4F61-A777-121342EC40AB}" type="slidenum">
+              <a:rPr lang="en-GB" smtClean="0"/>
+              <a:pPr/>
+              <a:t>13</a:t>
+            </a:fld>
+            <a:endParaRPr lang="en-GB"/>
+          </a:p>
+        </p:txBody>
+      </p:sp>
+    </p:spTree>
+    <p:extLst>
+      <p:ext uri="{BB962C8B-B14F-4D97-AF65-F5344CB8AC3E}">
+        <p14:creationId xmlns:p14="http://schemas.microsoft.com/office/powerpoint/2010/main" val="1099860108"/>
+      </p:ext>
+    </p:extLst>
+  </p:cSld>
+  <p:clrMapOvr>
+    <a:masterClrMapping/>
+  </p:clrMapOvr>
+</p:notes>
+</file>
+
+<file path=ppt/notesSlides/notesSlide14.xml><?xml version="1.0" encoding="utf-8"?>
+<p:notes xmlns:a="http://schemas.openxmlformats.org/drawingml/2006/main" xmlns:r="http://schemas.openxmlformats.org/officeDocument/2006/relationships" xmlns:p="http://schemas.openxmlformats.org/presentationml/2006/main">
+  <p:cSld>
+    <p:spTree>
+      <p:nvGrpSpPr>
+        <p:cNvPr id="1" name=""/>
+        <p:cNvGrpSpPr/>
+        <p:nvPr/>
+      </p:nvGrpSpPr>
+      <p:grpSpPr>
+        <a:xfrm>
+          <a:off x="0" y="0"/>
+          <a:ext cx="0" cy="0"/>
+          <a:chOff x="0" y="0"/>
+          <a:chExt cx="0" cy="0"/>
+        </a:xfrm>
+      </p:grpSpPr>
+      <p:sp>
+        <p:nvSpPr>
+          <p:cNvPr id="2" name="Slide Image Placeholder 1"/>
+          <p:cNvSpPr>
+            <a:spLocks noGrp="1" noRot="1" noChangeAspect="1"/>
+          </p:cNvSpPr>
+          <p:nvPr>
+            <p:ph type="sldImg"/>
+          </p:nvPr>
+        </p:nvSpPr>
+        <p:spPr/>
+      </p:sp>
+      <p:sp>
+        <p:nvSpPr>
+          <p:cNvPr id="3" name="Notes Placeholder 2"/>
+          <p:cNvSpPr>
+            <a:spLocks noGrp="1"/>
+          </p:cNvSpPr>
+          <p:nvPr>
+            <p:ph type="body" idx="1"/>
+            <p:custDataLst>
+              <p:tags r:id="rId1"/>
+            </p:custDataLst>
+          </p:nvPr>
+        </p:nvSpPr>
+        <p:spPr/>
+        <p:txBody>
+          <a:bodyPr/>
+          <a:lstStyle/>
+          <a:p>
+            <a:endParaRPr lang="en-GB"/>
+          </a:p>
+        </p:txBody>
+      </p:sp>
+      <p:sp>
+        <p:nvSpPr>
+          <p:cNvPr id="4" name="Slide Number Placeholder 3"/>
+          <p:cNvSpPr>
+            <a:spLocks noGrp="1"/>
+          </p:cNvSpPr>
+          <p:nvPr>
+            <p:ph type="sldNum" sz="quarter" idx="10"/>
+          </p:nvPr>
+        </p:nvSpPr>
+        <p:spPr/>
+        <p:txBody>
+          <a:bodyPr/>
+          <a:lstStyle/>
+          <a:p>
+            <a:fld id="{8D460739-ED95-4F61-A777-121342EC40AB}" type="slidenum">
+              <a:rPr lang="en-GB" smtClean="0"/>
+              <a:pPr/>
+              <a:t>14</a:t>
+            </a:fld>
+            <a:endParaRPr lang="en-GB"/>
+          </a:p>
+        </p:txBody>
+      </p:sp>
+    </p:spTree>
+    <p:extLst>
+      <p:ext uri="{BB962C8B-B14F-4D97-AF65-F5344CB8AC3E}">
+        <p14:creationId xmlns:p14="http://schemas.microsoft.com/office/powerpoint/2010/main" val="328377358"/>
+      </p:ext>
+    </p:extLst>
+  </p:cSld>
+  <p:clrMapOvr>
+    <a:masterClrMapping/>
+  </p:clrMapOvr>
+</p:notes>
+</file>
+
+<file path=ppt/notesSlides/notesSlide15.xml><?xml version="1.0" encoding="utf-8"?>
+<p:notes xmlns:a="http://schemas.openxmlformats.org/drawingml/2006/main" xmlns:r="http://schemas.openxmlformats.org/officeDocument/2006/relationships" xmlns:p="http://schemas.openxmlformats.org/presentationml/2006/main">
+  <p:cSld>
+    <p:spTree>
+      <p:nvGrpSpPr>
+        <p:cNvPr id="1" name=""/>
+        <p:cNvGrpSpPr/>
+        <p:nvPr/>
+      </p:nvGrpSpPr>
+      <p:grpSpPr>
+        <a:xfrm>
+          <a:off x="0" y="0"/>
+          <a:ext cx="0" cy="0"/>
+          <a:chOff x="0" y="0"/>
+          <a:chExt cx="0" cy="0"/>
+        </a:xfrm>
+      </p:grpSpPr>
+      <p:sp>
+        <p:nvSpPr>
+          <p:cNvPr id="2" name="Slide Image Placeholder 1"/>
+          <p:cNvSpPr>
+            <a:spLocks noGrp="1" noRot="1" noChangeAspect="1"/>
+          </p:cNvSpPr>
+          <p:nvPr>
+            <p:ph type="sldImg"/>
+          </p:nvPr>
+        </p:nvSpPr>
+        <p:spPr/>
+      </p:sp>
+      <p:sp>
+        <p:nvSpPr>
+          <p:cNvPr id="3" name="Notes Placeholder 2"/>
+          <p:cNvSpPr>
+            <a:spLocks noGrp="1"/>
+          </p:cNvSpPr>
+          <p:nvPr>
+            <p:ph type="body" idx="1"/>
+            <p:custDataLst>
+              <p:tags r:id="rId1"/>
+            </p:custDataLst>
+          </p:nvPr>
+        </p:nvSpPr>
+        <p:spPr/>
+        <p:txBody>
+          <a:bodyPr/>
+          <a:lstStyle/>
+          <a:p>
+            <a:endParaRPr lang="en-GB"/>
+          </a:p>
+        </p:txBody>
+      </p:sp>
+      <p:sp>
+        <p:nvSpPr>
+          <p:cNvPr id="4" name="Slide Number Placeholder 3"/>
+          <p:cNvSpPr>
+            <a:spLocks noGrp="1"/>
+          </p:cNvSpPr>
+          <p:nvPr>
+            <p:ph type="sldNum" sz="quarter" idx="10"/>
+          </p:nvPr>
+        </p:nvSpPr>
+        <p:spPr/>
+        <p:txBody>
+          <a:bodyPr/>
+          <a:lstStyle/>
+          <a:p>
+            <a:fld id="{8D460739-ED95-4F61-A777-121342EC40AB}" type="slidenum">
+              <a:rPr lang="en-GB" smtClean="0"/>
+              <a:pPr/>
+              <a:t>15</a:t>
+            </a:fld>
+            <a:endParaRPr lang="en-GB"/>
+          </a:p>
+        </p:txBody>
+      </p:sp>
+    </p:spTree>
+    <p:extLst>
+      <p:ext uri="{BB962C8B-B14F-4D97-AF65-F5344CB8AC3E}">
+        <p14:creationId xmlns:p14="http://schemas.microsoft.com/office/powerpoint/2010/main" val="993353610"/>
+      </p:ext>
+    </p:extLst>
+  </p:cSld>
+  <p:clrMapOvr>
+    <a:masterClrMapping/>
+  </p:clrMapOvr>
+</p:notes>
+</file>
+
+<file path=ppt/notesSlides/notesSlide16.xml><?xml version="1.0" encoding="utf-8"?>
+<p:notes xmlns:a="http://schemas.openxmlformats.org/drawingml/2006/main" xmlns:r="http://schemas.openxmlformats.org/officeDocument/2006/relationships" xmlns:p="http://schemas.openxmlformats.org/presentationml/2006/main">
+  <p:cSld>
+    <p:spTree>
+      <p:nvGrpSpPr>
+        <p:cNvPr id="1" name=""/>
+        <p:cNvGrpSpPr/>
+        <p:nvPr/>
+      </p:nvGrpSpPr>
+      <p:grpSpPr>
+        <a:xfrm>
+          <a:off x="0" y="0"/>
+          <a:ext cx="0" cy="0"/>
+          <a:chOff x="0" y="0"/>
+          <a:chExt cx="0" cy="0"/>
+        </a:xfrm>
+      </p:grpSpPr>
+      <p:sp>
+        <p:nvSpPr>
+          <p:cNvPr id="2" name="Slide Image Placeholder 1"/>
+          <p:cNvSpPr>
+            <a:spLocks noGrp="1" noRot="1" noChangeAspect="1"/>
+          </p:cNvSpPr>
+          <p:nvPr>
+            <p:ph type="sldImg"/>
+          </p:nvPr>
+        </p:nvSpPr>
+        <p:spPr/>
+      </p:sp>
+      <p:sp>
+        <p:nvSpPr>
+          <p:cNvPr id="3" name="Notes Placeholder 2"/>
+          <p:cNvSpPr>
+            <a:spLocks noGrp="1"/>
+          </p:cNvSpPr>
+          <p:nvPr>
+            <p:ph type="body" idx="1"/>
+            <p:custDataLst>
+              <p:tags r:id="rId1"/>
+            </p:custDataLst>
+          </p:nvPr>
+        </p:nvSpPr>
+        <p:spPr/>
+        <p:txBody>
+          <a:bodyPr/>
+          <a:lstStyle/>
+          <a:p>
+            <a:endParaRPr lang="en-GB"/>
+          </a:p>
+        </p:txBody>
+      </p:sp>
+      <p:sp>
+        <p:nvSpPr>
+          <p:cNvPr id="4" name="Slide Number Placeholder 3"/>
+          <p:cNvSpPr>
+            <a:spLocks noGrp="1"/>
+          </p:cNvSpPr>
+          <p:nvPr>
+            <p:ph type="sldNum" sz="quarter" idx="10"/>
+          </p:nvPr>
+        </p:nvSpPr>
+        <p:spPr/>
+        <p:txBody>
+          <a:bodyPr/>
+          <a:lstStyle/>
+          <a:p>
+            <a:fld id="{8D460739-ED95-4F61-A777-121342EC40AB}" type="slidenum">
+              <a:rPr lang="en-GB" smtClean="0"/>
+              <a:pPr/>
+              <a:t>16</a:t>
+            </a:fld>
+            <a:endParaRPr lang="en-GB"/>
+          </a:p>
+        </p:txBody>
+      </p:sp>
+    </p:spTree>
+    <p:extLst>
+      <p:ext uri="{BB962C8B-B14F-4D97-AF65-F5344CB8AC3E}">
+        <p14:creationId xmlns:p14="http://schemas.microsoft.com/office/powerpoint/2010/main" val="1082509836"/>
+      </p:ext>
+    </p:extLst>
+  </p:cSld>
+  <p:clrMapOvr>
+    <a:masterClrMapping/>
+  </p:clrMapOvr>
+</p:notes>
+</file>
+
+<file path=ppt/notesSlides/notesSlide17.xml><?xml version="1.0" encoding="utf-8"?>
+<p:notes xmlns:a="http://schemas.openxmlformats.org/drawingml/2006/main" xmlns:r="http://schemas.openxmlformats.org/officeDocument/2006/relationships" xmlns:p="http://schemas.openxmlformats.org/presentationml/2006/main">
+  <p:cSld>
+    <p:spTree>
+      <p:nvGrpSpPr>
+        <p:cNvPr id="1" name=""/>
+        <p:cNvGrpSpPr/>
+        <p:nvPr/>
+      </p:nvGrpSpPr>
+      <p:grpSpPr>
+        <a:xfrm>
+          <a:off x="0" y="0"/>
+          <a:ext cx="0" cy="0"/>
+          <a:chOff x="0" y="0"/>
+          <a:chExt cx="0" cy="0"/>
+        </a:xfrm>
+      </p:grpSpPr>
+      <p:sp>
+        <p:nvSpPr>
+          <p:cNvPr id="2" name="Slide Image Placeholder 1"/>
+          <p:cNvSpPr>
+            <a:spLocks noGrp="1" noRot="1" noChangeAspect="1"/>
+          </p:cNvSpPr>
+          <p:nvPr>
+            <p:ph type="sldImg"/>
+          </p:nvPr>
+        </p:nvSpPr>
+        <p:spPr/>
+      </p:sp>
+      <p:sp>
+        <p:nvSpPr>
+          <p:cNvPr id="3" name="Notes Placeholder 2"/>
+          <p:cNvSpPr>
+            <a:spLocks noGrp="1"/>
+          </p:cNvSpPr>
+          <p:nvPr>
+            <p:ph type="body" idx="1"/>
+            <p:custDataLst>
+              <p:tags r:id="rId1"/>
+            </p:custDataLst>
+          </p:nvPr>
+        </p:nvSpPr>
+        <p:spPr/>
+        <p:txBody>
+          <a:bodyPr/>
+          <a:lstStyle/>
+          <a:p>
+            <a:endParaRPr lang="en-GB"/>
+          </a:p>
+        </p:txBody>
+      </p:sp>
+      <p:sp>
+        <p:nvSpPr>
+          <p:cNvPr id="4" name="Slide Number Placeholder 3"/>
+          <p:cNvSpPr>
+            <a:spLocks noGrp="1"/>
+          </p:cNvSpPr>
+          <p:nvPr>
+            <p:ph type="sldNum" sz="quarter" idx="10"/>
+          </p:nvPr>
+        </p:nvSpPr>
+        <p:spPr/>
+        <p:txBody>
+          <a:bodyPr/>
+          <a:lstStyle/>
+          <a:p>
+            <a:fld id="{8D460739-ED95-4F61-A777-121342EC40AB}" type="slidenum">
+              <a:rPr lang="en-GB" smtClean="0"/>
+              <a:pPr/>
+              <a:t>17</a:t>
+            </a:fld>
+            <a:endParaRPr lang="en-GB"/>
+          </a:p>
+        </p:txBody>
+      </p:sp>
+    </p:spTree>
+    <p:extLst>
+      <p:ext uri="{BB962C8B-B14F-4D97-AF65-F5344CB8AC3E}">
+        <p14:creationId xmlns:p14="http://schemas.microsoft.com/office/powerpoint/2010/main" val="3780271285"/>
+      </p:ext>
+    </p:extLst>
+  </p:cSld>
+  <p:clrMapOvr>
+    <a:masterClrMapping/>
+  </p:clrMapOvr>
+</p:notes>
+</file>
+
+<file path=ppt/notesSlides/notesSlide18.xml><?xml version="1.0" encoding="utf-8"?>
+<p:notes xmlns:a="http://schemas.openxmlformats.org/drawingml/2006/main" xmlns:r="http://schemas.openxmlformats.org/officeDocument/2006/relationships" xmlns:p="http://schemas.openxmlformats.org/presentationml/2006/main">
+  <p:cSld>
+    <p:spTree>
+      <p:nvGrpSpPr>
+        <p:cNvPr id="1" name=""/>
+        <p:cNvGrpSpPr/>
+        <p:nvPr/>
+      </p:nvGrpSpPr>
+      <p:grpSpPr>
+        <a:xfrm>
+          <a:off x="0" y="0"/>
+          <a:ext cx="0" cy="0"/>
+          <a:chOff x="0" y="0"/>
+          <a:chExt cx="0" cy="0"/>
+        </a:xfrm>
+      </p:grpSpPr>
+      <p:sp>
+        <p:nvSpPr>
+          <p:cNvPr id="2" name="Slide Image Placeholder 1"/>
+          <p:cNvSpPr>
+            <a:spLocks noGrp="1" noRot="1" noChangeAspect="1"/>
+          </p:cNvSpPr>
+          <p:nvPr>
+            <p:ph type="sldImg"/>
+          </p:nvPr>
+        </p:nvSpPr>
+        <p:spPr/>
+      </p:sp>
+      <p:sp>
+        <p:nvSpPr>
+          <p:cNvPr id="3" name="Notes Placeholder 2"/>
+          <p:cNvSpPr>
+            <a:spLocks noGrp="1"/>
+          </p:cNvSpPr>
+          <p:nvPr>
+            <p:ph type="body" idx="1"/>
+            <p:custDataLst>
+              <p:tags r:id="rId1"/>
+            </p:custDataLst>
+          </p:nvPr>
+        </p:nvSpPr>
+        <p:spPr/>
+        <p:txBody>
+          <a:bodyPr/>
+          <a:lstStyle/>
+          <a:p>
+            <a:endParaRPr lang="en-GB"/>
+          </a:p>
+        </p:txBody>
+      </p:sp>
+      <p:sp>
+        <p:nvSpPr>
+          <p:cNvPr id="4" name="Slide Number Placeholder 3"/>
+          <p:cNvSpPr>
+            <a:spLocks noGrp="1"/>
+          </p:cNvSpPr>
+          <p:nvPr>
+            <p:ph type="sldNum" sz="quarter" idx="10"/>
+          </p:nvPr>
+        </p:nvSpPr>
+        <p:spPr/>
+        <p:txBody>
+          <a:bodyPr/>
+          <a:lstStyle/>
+          <a:p>
+            <a:fld id="{8D460739-ED95-4F61-A777-121342EC40AB}" type="slidenum">
+              <a:rPr lang="en-GB" smtClean="0"/>
+              <a:pPr/>
+              <a:t>18</a:t>
             </a:fld>
             <a:endParaRPr lang="en-GB"/>
           </a:p>
@@ -665,6 +1368,94 @@
     <p:extLst>
       <p:ext uri="{BB962C8B-B14F-4D97-AF65-F5344CB8AC3E}">
         <p14:creationId xmlns:p14="http://schemas.microsoft.com/office/powerpoint/2010/main" val="2424727545"/>
+      </p:ext>
+    </p:extLst>
+  </p:cSld>
+  <p:clrMapOvr>
+    <a:masterClrMapping/>
+  </p:clrMapOvr>
+</p:notes>
+</file>
+
+<file path=ppt/notesSlides/notesSlide19.xml><?xml version="1.0" encoding="utf-8"?>
+<p:notes xmlns:a="http://schemas.openxmlformats.org/drawingml/2006/main" xmlns:r="http://schemas.openxmlformats.org/officeDocument/2006/relationships" xmlns:p="http://schemas.openxmlformats.org/presentationml/2006/main">
+  <p:cSld>
+    <p:spTree>
+      <p:nvGrpSpPr>
+        <p:cNvPr id="1" name=""/>
+        <p:cNvGrpSpPr/>
+        <p:nvPr/>
+      </p:nvGrpSpPr>
+      <p:grpSpPr>
+        <a:xfrm>
+          <a:off x="0" y="0"/>
+          <a:ext cx="0" cy="0"/>
+          <a:chOff x="0" y="0"/>
+          <a:chExt cx="0" cy="0"/>
+        </a:xfrm>
+      </p:grpSpPr>
+      <p:sp>
+        <p:nvSpPr>
+          <p:cNvPr id="2" name="Slide Image Placeholder 1"/>
+          <p:cNvSpPr>
+            <a:spLocks noGrp="1" noRot="1" noChangeAspect="1"/>
+          </p:cNvSpPr>
+          <p:nvPr>
+            <p:ph type="sldImg"/>
+          </p:nvPr>
+        </p:nvSpPr>
+        <p:spPr/>
+      </p:sp>
+      <p:sp>
+        <p:nvSpPr>
+          <p:cNvPr id="3" name="Notes Placeholder 2"/>
+          <p:cNvSpPr>
+            <a:spLocks noGrp="1"/>
+          </p:cNvSpPr>
+          <p:nvPr>
+            <p:ph type="body" idx="1"/>
+            <p:custDataLst>
+              <p:tags r:id="rId1"/>
+            </p:custDataLst>
+          </p:nvPr>
+        </p:nvSpPr>
+        <p:spPr/>
+        <p:txBody>
+          <a:bodyPr/>
+          <a:lstStyle/>
+          <a:p>
+            <a:endParaRPr lang="en-GB"/>
+          </a:p>
+        </p:txBody>
+      </p:sp>
+      <p:sp>
+        <p:nvSpPr>
+          <p:cNvPr id="4" name="Slide Number Placeholder 3"/>
+          <p:cNvSpPr>
+            <a:spLocks noGrp="1"/>
+          </p:cNvSpPr>
+          <p:nvPr>
+            <p:ph type="sldNum" sz="quarter" idx="10"/>
+          </p:nvPr>
+        </p:nvSpPr>
+        <p:spPr/>
+        <p:txBody>
+          <a:bodyPr/>
+          <a:lstStyle/>
+          <a:p>
+            <a:fld id="{8D460739-ED95-4F61-A777-121342EC40AB}" type="slidenum">
+              <a:rPr lang="en-GB" smtClean="0"/>
+              <a:pPr/>
+              <a:t>19</a:t>
+            </a:fld>
+            <a:endParaRPr lang="en-GB"/>
+          </a:p>
+        </p:txBody>
+      </p:sp>
+    </p:spTree>
+    <p:extLst>
+      <p:ext uri="{BB962C8B-B14F-4D97-AF65-F5344CB8AC3E}">
+        <p14:creationId xmlns:p14="http://schemas.microsoft.com/office/powerpoint/2010/main" val="312456574"/>
       </p:ext>
     </p:extLst>
   </p:cSld>
@@ -753,6 +1544,94 @@
     <p:extLst>
       <p:ext uri="{BB962C8B-B14F-4D97-AF65-F5344CB8AC3E}">
         <p14:creationId xmlns:p14="http://schemas.microsoft.com/office/powerpoint/2010/main" val="91602918"/>
+      </p:ext>
+    </p:extLst>
+  </p:cSld>
+  <p:clrMapOvr>
+    <a:masterClrMapping/>
+  </p:clrMapOvr>
+</p:notes>
+</file>
+
+<file path=ppt/notesSlides/notesSlide20.xml><?xml version="1.0" encoding="utf-8"?>
+<p:notes xmlns:a="http://schemas.openxmlformats.org/drawingml/2006/main" xmlns:r="http://schemas.openxmlformats.org/officeDocument/2006/relationships" xmlns:p="http://schemas.openxmlformats.org/presentationml/2006/main">
+  <p:cSld>
+    <p:spTree>
+      <p:nvGrpSpPr>
+        <p:cNvPr id="1" name=""/>
+        <p:cNvGrpSpPr/>
+        <p:nvPr/>
+      </p:nvGrpSpPr>
+      <p:grpSpPr>
+        <a:xfrm>
+          <a:off x="0" y="0"/>
+          <a:ext cx="0" cy="0"/>
+          <a:chOff x="0" y="0"/>
+          <a:chExt cx="0" cy="0"/>
+        </a:xfrm>
+      </p:grpSpPr>
+      <p:sp>
+        <p:nvSpPr>
+          <p:cNvPr id="2" name="Slide Image Placeholder 1"/>
+          <p:cNvSpPr>
+            <a:spLocks noGrp="1" noRot="1" noChangeAspect="1"/>
+          </p:cNvSpPr>
+          <p:nvPr>
+            <p:ph type="sldImg"/>
+          </p:nvPr>
+        </p:nvSpPr>
+        <p:spPr/>
+      </p:sp>
+      <p:sp>
+        <p:nvSpPr>
+          <p:cNvPr id="3" name="Notes Placeholder 2"/>
+          <p:cNvSpPr>
+            <a:spLocks noGrp="1"/>
+          </p:cNvSpPr>
+          <p:nvPr>
+            <p:ph type="body" idx="1"/>
+            <p:custDataLst>
+              <p:tags r:id="rId1"/>
+            </p:custDataLst>
+          </p:nvPr>
+        </p:nvSpPr>
+        <p:spPr/>
+        <p:txBody>
+          <a:bodyPr/>
+          <a:lstStyle/>
+          <a:p>
+            <a:endParaRPr lang="en-GB"/>
+          </a:p>
+        </p:txBody>
+      </p:sp>
+      <p:sp>
+        <p:nvSpPr>
+          <p:cNvPr id="4" name="Slide Number Placeholder 3"/>
+          <p:cNvSpPr>
+            <a:spLocks noGrp="1"/>
+          </p:cNvSpPr>
+          <p:nvPr>
+            <p:ph type="sldNum" sz="quarter" idx="10"/>
+          </p:nvPr>
+        </p:nvSpPr>
+        <p:spPr/>
+        <p:txBody>
+          <a:bodyPr/>
+          <a:lstStyle/>
+          <a:p>
+            <a:fld id="{8D460739-ED95-4F61-A777-121342EC40AB}" type="slidenum">
+              <a:rPr lang="en-GB" smtClean="0"/>
+              <a:pPr/>
+              <a:t>20</a:t>
+            </a:fld>
+            <a:endParaRPr lang="en-GB"/>
+          </a:p>
+        </p:txBody>
+      </p:sp>
+    </p:spTree>
+    <p:extLst>
+      <p:ext uri="{BB962C8B-B14F-4D97-AF65-F5344CB8AC3E}">
+        <p14:creationId xmlns:p14="http://schemas.microsoft.com/office/powerpoint/2010/main" val="696402179"/>
       </p:ext>
     </p:extLst>
   </p:cSld>
@@ -919,7 +1798,7 @@
             <a:fld id="{8D460739-ED95-4F61-A777-121342EC40AB}" type="slidenum">
               <a:rPr lang="en-GB" smtClean="0"/>
               <a:pPr/>
-              <a:t>7</a:t>
+              <a:t>4</a:t>
             </a:fld>
             <a:endParaRPr lang="en-GB"/>
           </a:p>
@@ -928,7 +1807,7 @@
     </p:spTree>
     <p:extLst>
       <p:ext uri="{BB962C8B-B14F-4D97-AF65-F5344CB8AC3E}">
-        <p14:creationId xmlns:p14="http://schemas.microsoft.com/office/powerpoint/2010/main" val="4061955364"/>
+        <p14:creationId xmlns:p14="http://schemas.microsoft.com/office/powerpoint/2010/main" val="2429642287"/>
       </p:ext>
     </p:extLst>
   </p:cSld>
@@ -1007,7 +1886,7 @@
             <a:fld id="{8D460739-ED95-4F61-A777-121342EC40AB}" type="slidenum">
               <a:rPr lang="en-GB" smtClean="0"/>
               <a:pPr/>
-              <a:t>12</a:t>
+              <a:t>5</a:t>
             </a:fld>
             <a:endParaRPr lang="en-GB"/>
           </a:p>
@@ -1016,7 +1895,7 @@
     </p:spTree>
     <p:extLst>
       <p:ext uri="{BB962C8B-B14F-4D97-AF65-F5344CB8AC3E}">
-        <p14:creationId xmlns:p14="http://schemas.microsoft.com/office/powerpoint/2010/main" val="3078406671"/>
+        <p14:creationId xmlns:p14="http://schemas.microsoft.com/office/powerpoint/2010/main" val="1315705175"/>
       </p:ext>
     </p:extLst>
   </p:cSld>
@@ -1095,7 +1974,7 @@
             <a:fld id="{8D460739-ED95-4F61-A777-121342EC40AB}" type="slidenum">
               <a:rPr lang="en-GB" smtClean="0"/>
               <a:pPr/>
-              <a:t>13</a:t>
+              <a:t>6</a:t>
             </a:fld>
             <a:endParaRPr lang="en-GB"/>
           </a:p>
@@ -1104,7 +1983,7 @@
     </p:spTree>
     <p:extLst>
       <p:ext uri="{BB962C8B-B14F-4D97-AF65-F5344CB8AC3E}">
-        <p14:creationId xmlns:p14="http://schemas.microsoft.com/office/powerpoint/2010/main" val="1099860108"/>
+        <p14:creationId xmlns:p14="http://schemas.microsoft.com/office/powerpoint/2010/main" val="3036617599"/>
       </p:ext>
     </p:extLst>
   </p:cSld>
@@ -1183,7 +2062,7 @@
             <a:fld id="{8D460739-ED95-4F61-A777-121342EC40AB}" type="slidenum">
               <a:rPr lang="en-GB" smtClean="0"/>
               <a:pPr/>
-              <a:t>15</a:t>
+              <a:t>7</a:t>
             </a:fld>
             <a:endParaRPr lang="en-GB"/>
           </a:p>
@@ -1192,7 +2071,7 @@
     </p:spTree>
     <p:extLst>
       <p:ext uri="{BB962C8B-B14F-4D97-AF65-F5344CB8AC3E}">
-        <p14:creationId xmlns:p14="http://schemas.microsoft.com/office/powerpoint/2010/main" val="993353610"/>
+        <p14:creationId xmlns:p14="http://schemas.microsoft.com/office/powerpoint/2010/main" val="4061955364"/>
       </p:ext>
     </p:extLst>
   </p:cSld>
@@ -1271,7 +2150,7 @@
             <a:fld id="{8D460739-ED95-4F61-A777-121342EC40AB}" type="slidenum">
               <a:rPr lang="en-GB" smtClean="0"/>
               <a:pPr/>
-              <a:t>16</a:t>
+              <a:t>8</a:t>
             </a:fld>
             <a:endParaRPr lang="en-GB"/>
           </a:p>
@@ -1280,7 +2159,7 @@
     </p:spTree>
     <p:extLst>
       <p:ext uri="{BB962C8B-B14F-4D97-AF65-F5344CB8AC3E}">
-        <p14:creationId xmlns:p14="http://schemas.microsoft.com/office/powerpoint/2010/main" val="1082509836"/>
+        <p14:creationId xmlns:p14="http://schemas.microsoft.com/office/powerpoint/2010/main" val="344155132"/>
       </p:ext>
     </p:extLst>
   </p:cSld>
@@ -1359,7 +2238,7 @@
             <a:fld id="{8D460739-ED95-4F61-A777-121342EC40AB}" type="slidenum">
               <a:rPr lang="en-GB" smtClean="0"/>
               <a:pPr/>
-              <a:t>18</a:t>
+              <a:t>9</a:t>
             </a:fld>
             <a:endParaRPr lang="en-GB"/>
           </a:p>
@@ -1368,7 +2247,7 @@
     </p:spTree>
     <p:extLst>
       <p:ext uri="{BB962C8B-B14F-4D97-AF65-F5344CB8AC3E}">
-        <p14:creationId xmlns:p14="http://schemas.microsoft.com/office/powerpoint/2010/main" val="3780271285"/>
+        <p14:creationId xmlns:p14="http://schemas.microsoft.com/office/powerpoint/2010/main" val="2306072906"/>
       </p:ext>
     </p:extLst>
   </p:cSld>
@@ -8797,6 +9676,10 @@
             <a:br>
               <a:rPr lang="en-GB" dirty="0"/>
             </a:br>
+            <a:r>
+              <a:rPr lang="en-GB" dirty="0"/>
+              <a:t/>
+            </a:r>
             <a:br>
               <a:rPr lang="en-GB" dirty="0"/>
             </a:br>
@@ -9348,9 +10231,16 @@
             <p:ph type="title"/>
           </p:nvPr>
         </p:nvSpPr>
-        <p:spPr/>
-        <p:txBody>
-          <a:bodyPr/>
+        <p:spPr>
+          <a:xfrm>
+            <a:off x="677334" y="609600"/>
+            <a:ext cx="8596668" cy="749968"/>
+          </a:xfrm>
+        </p:spPr>
+        <p:txBody>
+          <a:bodyPr>
+            <a:normAutofit fontScale="90000"/>
+          </a:bodyPr>
           <a:lstStyle/>
           <a:p>
             <a:r>
@@ -9374,20 +10264,73 @@
             <p:ph idx="1"/>
           </p:nvPr>
         </p:nvSpPr>
-        <p:spPr/>
-        <p:txBody>
-          <a:bodyPr/>
-          <a:lstStyle/>
-          <a:p>
+        <p:spPr>
+          <a:xfrm>
+            <a:off x="677334" y="1359569"/>
+            <a:ext cx="8596668" cy="4681794"/>
+          </a:xfrm>
+        </p:spPr>
+        <p:txBody>
+          <a:bodyPr>
+            <a:normAutofit/>
+          </a:bodyPr>
+          <a:lstStyle/>
+          <a:p>
+            <a:r>
+              <a:rPr lang="en-US" dirty="0"/>
+              <a:t>The main idea of Payment development </a:t>
+            </a:r>
+            <a:r>
+              <a:rPr lang="en-US" dirty="0" smtClean="0"/>
+              <a:t>plan: The </a:t>
+            </a:r>
+            <a:r>
+              <a:rPr lang="en-US" dirty="0"/>
+              <a:t>customer can select a payment option Credit card or </a:t>
+            </a:r>
+            <a:r>
+              <a:rPr lang="en-US" dirty="0" smtClean="0"/>
+              <a:t>PayPal, then select </a:t>
+            </a:r>
+            <a:r>
+              <a:rPr lang="en-US" dirty="0"/>
+              <a:t>the amount he/she wants to add  </a:t>
+            </a:r>
+            <a:r>
+              <a:rPr lang="en-US" dirty="0" smtClean="0"/>
+              <a:t>and </a:t>
+            </a:r>
+            <a:r>
+              <a:rPr lang="en-US" dirty="0"/>
+              <a:t>uses the money to purchase goods from the </a:t>
+            </a:r>
+            <a:r>
+              <a:rPr lang="en-US" dirty="0" smtClean="0"/>
+              <a:t>website</a:t>
+            </a:r>
+          </a:p>
+          <a:p>
+            <a:r>
+              <a:rPr lang="en-GB" dirty="0" smtClean="0"/>
+              <a:t>Research </a:t>
+            </a:r>
             <a:r>
               <a:rPr lang="en-GB" dirty="0"/>
-              <a:t>Research of Php payment integration</a:t>
-            </a:r>
-          </a:p>
-          <a:p>
+              <a:t>of Php payment integration</a:t>
+            </a:r>
+          </a:p>
+          <a:p>
+            <a:r>
+              <a:rPr lang="en-GB" dirty="0" smtClean="0"/>
+              <a:t>Research the payment</a:t>
+            </a:r>
+            <a:r>
+              <a:rPr lang="en-GB" dirty="0" smtClean="0"/>
+              <a:t> </a:t>
+            </a:r>
             <a:r>
               <a:rPr lang="en-GB" dirty="0"/>
-              <a:t>Payment options Credit card Or PayPal</a:t>
+              <a:t>options Credit card Or PayPal</a:t>
             </a:r>
           </a:p>
           <a:p>
@@ -9398,14 +10341,12 @@
           </a:p>
           <a:p>
             <a:r>
+              <a:rPr lang="en-GB" dirty="0" smtClean="0"/>
+              <a:t>Functions </a:t>
+            </a:r>
+            <a:r>
               <a:rPr lang="en-GB" dirty="0"/>
-              <a:t>Testing</a:t>
-            </a:r>
-          </a:p>
-          <a:p>
-            <a:r>
-              <a:rPr lang="en-GB" dirty="0"/>
-              <a:t>Functions required:</a:t>
+              <a:t>required:</a:t>
             </a:r>
           </a:p>
           <a:p>
@@ -9434,9 +10375,17 @@
               <a:buChar char="§"/>
             </a:pPr>
             <a:r>
-              <a:rPr lang="en-GB" dirty="0"/>
+              <a:rPr lang="en-GB" dirty="0" err="1" smtClean="0"/>
               <a:t>Receipt.php</a:t>
             </a:r>
+            <a:endParaRPr lang="en-GB" dirty="0" smtClean="0"/>
+          </a:p>
+          <a:p>
+            <a:r>
+              <a:rPr lang="en-GB" dirty="0" smtClean="0"/>
+              <a:t>Testing of functions</a:t>
+            </a:r>
+            <a:endParaRPr lang="en-GB" dirty="0"/>
           </a:p>
           <a:p>
             <a:pPr lvl="1">
@@ -9496,120 +10445,6 @@
           <a:lstStyle/>
           <a:p>
             <a:r>
-              <a:rPr lang="en-US" dirty="0"/>
-              <a:t>Payment operation</a:t>
-            </a:r>
-            <a:br>
-              <a:rPr lang="en-US" dirty="0"/>
-            </a:br>
-            <a:endParaRPr lang="en-US" dirty="0"/>
-          </a:p>
-        </p:txBody>
-      </p:sp>
-      <p:sp>
-        <p:nvSpPr>
-          <p:cNvPr id="3" name="Content Placeholder 2"/>
-          <p:cNvSpPr>
-            <a:spLocks noGrp="1"/>
-          </p:cNvSpPr>
-          <p:nvPr>
-            <p:ph idx="1"/>
-          </p:nvPr>
-        </p:nvSpPr>
-        <p:spPr/>
-        <p:txBody>
-          <a:bodyPr/>
-          <a:lstStyle/>
-          <a:p>
-            <a:r>
-              <a:rPr lang="en-US" dirty="0"/>
-              <a:t>The main idea of Payment development plan:</a:t>
-            </a:r>
-          </a:p>
-          <a:p>
-            <a:pPr marL="0" indent="0">
-              <a:buNone/>
-            </a:pPr>
-            <a:r>
-              <a:rPr lang="en-US" dirty="0"/>
-              <a:t>	The customer can select a payment option Credit card or PayPal</a:t>
-            </a:r>
-          </a:p>
-          <a:p>
-            <a:pPr marL="0" indent="0">
-              <a:buNone/>
-            </a:pPr>
-            <a:r>
-              <a:rPr lang="en-US" dirty="0"/>
-              <a:t>	select the amount he/she wants to add </a:t>
-            </a:r>
-          </a:p>
-          <a:p>
-            <a:pPr marL="0" indent="0">
-              <a:buNone/>
-            </a:pPr>
-            <a:r>
-              <a:rPr lang="en-US" dirty="0"/>
-              <a:t>	and uses the money to purchase goods from the website</a:t>
-            </a:r>
-          </a:p>
-          <a:p>
-            <a:pPr marL="0" indent="0">
-              <a:buNone/>
-            </a:pPr>
-            <a:r>
-              <a:rPr lang="en-US" dirty="0"/>
-              <a:t>		</a:t>
-            </a:r>
-          </a:p>
-        </p:txBody>
-      </p:sp>
-    </p:spTree>
-    <p:extLst>
-      <p:ext uri="{BB962C8B-B14F-4D97-AF65-F5344CB8AC3E}">
-        <p14:creationId xmlns:p14="http://schemas.microsoft.com/office/powerpoint/2010/main" val="3195211005"/>
-      </p:ext>
-    </p:extLst>
-  </p:cSld>
-  <p:clrMapOvr>
-    <a:masterClrMapping/>
-  </p:clrMapOvr>
-</p:sld>
-</file>
-
-<file path=ppt/slides/slide18.xml><?xml version="1.0" encoding="utf-8"?>
-<p:sld xmlns:a="http://schemas.openxmlformats.org/drawingml/2006/main" xmlns:r="http://schemas.openxmlformats.org/officeDocument/2006/relationships" xmlns:p="http://schemas.openxmlformats.org/presentationml/2006/main">
-  <p:cSld>
-    <p:spTree>
-      <p:nvGrpSpPr>
-        <p:cNvPr id="1" name=""/>
-        <p:cNvGrpSpPr/>
-        <p:nvPr/>
-      </p:nvGrpSpPr>
-      <p:grpSpPr>
-        <a:xfrm>
-          <a:off x="0" y="0"/>
-          <a:ext cx="0" cy="0"/>
-          <a:chOff x="0" y="0"/>
-          <a:chExt cx="0" cy="0"/>
-        </a:xfrm>
-      </p:grpSpPr>
-      <p:sp>
-        <p:nvSpPr>
-          <p:cNvPr id="2" name="Title 1"/>
-          <p:cNvSpPr>
-            <a:spLocks noGrp="1"/>
-          </p:cNvSpPr>
-          <p:nvPr>
-            <p:ph type="title"/>
-          </p:nvPr>
-        </p:nvSpPr>
-        <p:spPr/>
-        <p:txBody>
-          <a:bodyPr/>
-          <a:lstStyle/>
-          <a:p>
-            <a:r>
               <a:rPr lang="en-GB" dirty="0"/>
               <a:t>First Design </a:t>
             </a:r>
@@ -9655,7 +10490,7 @@
 </p:sld>
 </file>
 
-<file path=ppt/slides/slide19.xml><?xml version="1.0" encoding="utf-8"?>
+<file path=ppt/slides/slide18.xml><?xml version="1.0" encoding="utf-8"?>
 <p:sld xmlns:a="http://schemas.openxmlformats.org/drawingml/2006/main" xmlns:r="http://schemas.openxmlformats.org/officeDocument/2006/relationships" xmlns:p="http://schemas.openxmlformats.org/presentationml/2006/main">
   <p:cSld>
     <p:spTree>
@@ -9748,101 +10583,7 @@
 </p:sld>
 </file>
 
-<file path=ppt/slides/slide2.xml><?xml version="1.0" encoding="utf-8"?>
-<p:sld xmlns:a="http://schemas.openxmlformats.org/drawingml/2006/main" xmlns:r="http://schemas.openxmlformats.org/officeDocument/2006/relationships" xmlns:p="http://schemas.openxmlformats.org/presentationml/2006/main">
-  <p:cSld>
-    <p:spTree>
-      <p:nvGrpSpPr>
-        <p:cNvPr id="1" name=""/>
-        <p:cNvGrpSpPr/>
-        <p:nvPr/>
-      </p:nvGrpSpPr>
-      <p:grpSpPr>
-        <a:xfrm>
-          <a:off x="0" y="0"/>
-          <a:ext cx="0" cy="0"/>
-          <a:chOff x="0" y="0"/>
-          <a:chExt cx="0" cy="0"/>
-        </a:xfrm>
-      </p:grpSpPr>
-      <p:sp>
-        <p:nvSpPr>
-          <p:cNvPr id="2" name="Title 1"/>
-          <p:cNvSpPr>
-            <a:spLocks noGrp="1"/>
-          </p:cNvSpPr>
-          <p:nvPr>
-            <p:ph type="title"/>
-          </p:nvPr>
-        </p:nvSpPr>
-        <p:spPr/>
-        <p:txBody>
-          <a:bodyPr/>
-          <a:lstStyle/>
-          <a:p>
-            <a:r>
-              <a:rPr lang="en-GB" dirty="0"/>
-              <a:t>What we chose</a:t>
-            </a:r>
-          </a:p>
-        </p:txBody>
-      </p:sp>
-      <p:sp>
-        <p:nvSpPr>
-          <p:cNvPr id="3" name="Content Placeholder 2"/>
-          <p:cNvSpPr>
-            <a:spLocks noGrp="1"/>
-          </p:cNvSpPr>
-          <p:nvPr>
-            <p:ph idx="1"/>
-          </p:nvPr>
-        </p:nvSpPr>
-        <p:spPr/>
-        <p:txBody>
-          <a:bodyPr/>
-          <a:lstStyle/>
-          <a:p>
-            <a:r>
-              <a:rPr lang="en-GB" dirty="0"/>
-              <a:t>We chose the provided case study for the team project which was to create a software for an on-line supermarket.</a:t>
-            </a:r>
-          </a:p>
-          <a:p>
-            <a:r>
-              <a:rPr lang="en-GB" dirty="0"/>
-              <a:t>The requirement of the case study is to produce a software that meets the four cores, which include loyalty scheme, payment, marketing and supplier interface.</a:t>
-            </a:r>
-          </a:p>
-          <a:p>
-            <a:r>
-              <a:rPr lang="en-GB" dirty="0"/>
-              <a:t>The group is made up five so we produced an additional core which is analytics, </a:t>
-            </a:r>
-            <a:r>
-              <a:rPr lang="en-GB" dirty="0">
-                <a:solidFill>
-                  <a:srgbClr val="FF0000"/>
-                </a:solidFill>
-              </a:rPr>
-              <a:t>which is simply an analysis of the software's performance.</a:t>
-            </a:r>
-          </a:p>
-        </p:txBody>
-      </p:sp>
-    </p:spTree>
-    <p:extLst>
-      <p:ext uri="{BB962C8B-B14F-4D97-AF65-F5344CB8AC3E}">
-        <p14:creationId xmlns:p14="http://schemas.microsoft.com/office/powerpoint/2010/main" val="1898146874"/>
-      </p:ext>
-    </p:extLst>
-  </p:cSld>
-  <p:clrMapOvr>
-    <a:masterClrMapping/>
-  </p:clrMapOvr>
-</p:sld>
-</file>
-
-<file path=ppt/slides/slide20.xml><?xml version="1.0" encoding="utf-8"?>
+<file path=ppt/slides/slide19.xml><?xml version="1.0" encoding="utf-8"?>
 <p:sld xmlns:a="http://schemas.openxmlformats.org/drawingml/2006/main" xmlns:r="http://schemas.openxmlformats.org/officeDocument/2006/relationships" xmlns:p="http://schemas.openxmlformats.org/presentationml/2006/main" showMasterSp="0">
   <p:cSld>
     <p:spTree>
@@ -9868,7 +10609,7 @@
           <p:nvPr/>
         </p:nvPicPr>
         <p:blipFill rotWithShape="1">
-          <a:blip r:embed="rId2" cstate="print"/>
+          <a:blip r:embed="rId3" cstate="print"/>
           <a:srcRect l="13846" t="6826" r="14859" b="8889"/>
           <a:stretch/>
         </p:blipFill>
@@ -9895,7 +10636,101 @@
 </p:sld>
 </file>
 
-<file path=ppt/slides/slide21.xml><?xml version="1.0" encoding="utf-8"?>
+<file path=ppt/slides/slide2.xml><?xml version="1.0" encoding="utf-8"?>
+<p:sld xmlns:a="http://schemas.openxmlformats.org/drawingml/2006/main" xmlns:r="http://schemas.openxmlformats.org/officeDocument/2006/relationships" xmlns:p="http://schemas.openxmlformats.org/presentationml/2006/main">
+  <p:cSld>
+    <p:spTree>
+      <p:nvGrpSpPr>
+        <p:cNvPr id="1" name=""/>
+        <p:cNvGrpSpPr/>
+        <p:nvPr/>
+      </p:nvGrpSpPr>
+      <p:grpSpPr>
+        <a:xfrm>
+          <a:off x="0" y="0"/>
+          <a:ext cx="0" cy="0"/>
+          <a:chOff x="0" y="0"/>
+          <a:chExt cx="0" cy="0"/>
+        </a:xfrm>
+      </p:grpSpPr>
+      <p:sp>
+        <p:nvSpPr>
+          <p:cNvPr id="2" name="Title 1"/>
+          <p:cNvSpPr>
+            <a:spLocks noGrp="1"/>
+          </p:cNvSpPr>
+          <p:nvPr>
+            <p:ph type="title"/>
+          </p:nvPr>
+        </p:nvSpPr>
+        <p:spPr/>
+        <p:txBody>
+          <a:bodyPr/>
+          <a:lstStyle/>
+          <a:p>
+            <a:r>
+              <a:rPr lang="en-GB" dirty="0"/>
+              <a:t>What we chose</a:t>
+            </a:r>
+          </a:p>
+        </p:txBody>
+      </p:sp>
+      <p:sp>
+        <p:nvSpPr>
+          <p:cNvPr id="3" name="Content Placeholder 2"/>
+          <p:cNvSpPr>
+            <a:spLocks noGrp="1"/>
+          </p:cNvSpPr>
+          <p:nvPr>
+            <p:ph idx="1"/>
+          </p:nvPr>
+        </p:nvSpPr>
+        <p:spPr/>
+        <p:txBody>
+          <a:bodyPr/>
+          <a:lstStyle/>
+          <a:p>
+            <a:r>
+              <a:rPr lang="en-GB" dirty="0"/>
+              <a:t>We chose the provided case study for the team project which was to create a software for an on-line supermarket.</a:t>
+            </a:r>
+          </a:p>
+          <a:p>
+            <a:r>
+              <a:rPr lang="en-GB" dirty="0"/>
+              <a:t>The requirement of the case study is to produce a software that meets the four cores, which include loyalty scheme, payment, marketing and supplier interface.</a:t>
+            </a:r>
+          </a:p>
+          <a:p>
+            <a:r>
+              <a:rPr lang="en-GB" dirty="0"/>
+              <a:t>The group is made up five so we produced an additional core which is analytics, </a:t>
+            </a:r>
+            <a:r>
+              <a:rPr lang="en-GB" dirty="0">
+                <a:solidFill>
+                  <a:srgbClr val="FF0000"/>
+                </a:solidFill>
+              </a:rPr>
+              <a:t>which is simply an analysis of the software's performance.</a:t>
+            </a:r>
+          </a:p>
+        </p:txBody>
+      </p:sp>
+    </p:spTree>
+    <p:extLst>
+      <p:ext uri="{BB962C8B-B14F-4D97-AF65-F5344CB8AC3E}">
+        <p14:creationId xmlns:p14="http://schemas.microsoft.com/office/powerpoint/2010/main" val="1898146874"/>
+      </p:ext>
+    </p:extLst>
+  </p:cSld>
+  <p:clrMapOvr>
+    <a:masterClrMapping/>
+  </p:clrMapOvr>
+</p:sld>
+</file>
+
+<file path=ppt/slides/slide20.xml><?xml version="1.0" encoding="utf-8"?>
 <p:sld xmlns:a="http://schemas.openxmlformats.org/drawingml/2006/main" xmlns:r="http://schemas.openxmlformats.org/officeDocument/2006/relationships" xmlns:p="http://schemas.openxmlformats.org/presentationml/2006/main">
   <p:cSld>
     <p:spTree>
@@ -10205,7 +11040,7 @@
           <p:nvPr/>
         </p:nvPicPr>
         <p:blipFill>
-          <a:blip r:embed="rId2" cstate="print">
+          <a:blip r:embed="rId3" cstate="print">
             <a:extLst>
               <a:ext uri="{28A0092B-C50C-407E-A947-70E740481C1C}">
                 <a14:useLocalDpi xmlns:a14="http://schemas.microsoft.com/office/drawing/2010/main" val="0"/>
@@ -10384,7 +11219,7 @@
           <p:nvPr/>
         </p:nvPicPr>
         <p:blipFill rotWithShape="1">
-          <a:blip r:embed="rId2" cstate="print">
+          <a:blip r:embed="rId3" cstate="print">
             <a:extLst>
               <a:ext uri="{28A0092B-C50C-407E-A947-70E740481C1C}">
                 <a14:useLocalDpi xmlns:a14="http://schemas.microsoft.com/office/drawing/2010/main" val="0"/>
@@ -10553,6 +11388,10 @@
             <a:pPr marL="0" indent="0">
               <a:buNone/>
             </a:pPr>
+            <a:r>
+              <a:rPr lang="en-GB" dirty="0"/>
+              <a:t/>
+            </a:r>
             <a:br>
               <a:rPr lang="en-GB" dirty="0"/>
             </a:br>
@@ -10601,7 +11440,7 @@
           </p:nvPr>
         </p:nvPicPr>
         <p:blipFill rotWithShape="1">
-          <a:blip r:embed="rId2" cstate="print">
+          <a:blip r:embed="rId3" cstate="print">
             <a:extLst>
               <a:ext uri="{28A0092B-C50C-407E-A947-70E740481C1C}">
                 <a14:useLocalDpi xmlns:a14="http://schemas.microsoft.com/office/drawing/2010/main" val="0"/>
@@ -10799,7 +11638,67 @@
 </p:tagLst>
 </file>
 
+<file path=ppt/tags/tag11.xml><?xml version="1.0" encoding="utf-8"?>
+<p:tagLst xmlns:a="http://schemas.openxmlformats.org/drawingml/2006/main" xmlns:r="http://schemas.openxmlformats.org/officeDocument/2006/relationships" xmlns:p="http://schemas.openxmlformats.org/presentationml/2006/main">
+  <p:tag name="__PE_HAS_URLS" val="oh hey this is notes box, due to this not being an empty string. woot."/>
+</p:tagLst>
+</file>
+
+<file path=ppt/tags/tag12.xml><?xml version="1.0" encoding="utf-8"?>
+<p:tagLst xmlns:a="http://schemas.openxmlformats.org/drawingml/2006/main" xmlns:r="http://schemas.openxmlformats.org/officeDocument/2006/relationships" xmlns:p="http://schemas.openxmlformats.org/presentationml/2006/main">
+  <p:tag name="__PE_HAS_URLS" val="oh hey this is notes box, due to this not being an empty string. woot."/>
+</p:tagLst>
+</file>
+
+<file path=ppt/tags/tag13.xml><?xml version="1.0" encoding="utf-8"?>
+<p:tagLst xmlns:a="http://schemas.openxmlformats.org/drawingml/2006/main" xmlns:r="http://schemas.openxmlformats.org/officeDocument/2006/relationships" xmlns:p="http://schemas.openxmlformats.org/presentationml/2006/main">
+  <p:tag name="__PE_HAS_URLS" val="oh hey this is notes box, due to this not being an empty string. woot."/>
+</p:tagLst>
+</file>
+
+<file path=ppt/tags/tag14.xml><?xml version="1.0" encoding="utf-8"?>
+<p:tagLst xmlns:a="http://schemas.openxmlformats.org/drawingml/2006/main" xmlns:r="http://schemas.openxmlformats.org/officeDocument/2006/relationships" xmlns:p="http://schemas.openxmlformats.org/presentationml/2006/main">
+  <p:tag name="__PE_HAS_URLS" val="oh hey this is notes box, due to this not being an empty string. woot."/>
+</p:tagLst>
+</file>
+
+<file path=ppt/tags/tag15.xml><?xml version="1.0" encoding="utf-8"?>
+<p:tagLst xmlns:a="http://schemas.openxmlformats.org/drawingml/2006/main" xmlns:r="http://schemas.openxmlformats.org/officeDocument/2006/relationships" xmlns:p="http://schemas.openxmlformats.org/presentationml/2006/main">
+  <p:tag name="__PE_HAS_URLS" val="oh hey this is notes box, due to this not being an empty string. woot."/>
+</p:tagLst>
+</file>
+
+<file path=ppt/tags/tag16.xml><?xml version="1.0" encoding="utf-8"?>
+<p:tagLst xmlns:a="http://schemas.openxmlformats.org/drawingml/2006/main" xmlns:r="http://schemas.openxmlformats.org/officeDocument/2006/relationships" xmlns:p="http://schemas.openxmlformats.org/presentationml/2006/main">
+  <p:tag name="__PE_HAS_URLS" val="oh hey this is notes box, due to this not being an empty string. woot."/>
+</p:tagLst>
+</file>
+
+<file path=ppt/tags/tag17.xml><?xml version="1.0" encoding="utf-8"?>
+<p:tagLst xmlns:a="http://schemas.openxmlformats.org/drawingml/2006/main" xmlns:r="http://schemas.openxmlformats.org/officeDocument/2006/relationships" xmlns:p="http://schemas.openxmlformats.org/presentationml/2006/main">
+  <p:tag name="__PE_HAS_URLS" val="oh hey this is notes box, due to this not being an empty string. woot."/>
+</p:tagLst>
+</file>
+
+<file path=ppt/tags/tag18.xml><?xml version="1.0" encoding="utf-8"?>
+<p:tagLst xmlns:a="http://schemas.openxmlformats.org/drawingml/2006/main" xmlns:r="http://schemas.openxmlformats.org/officeDocument/2006/relationships" xmlns:p="http://schemas.openxmlformats.org/presentationml/2006/main">
+  <p:tag name="__PE_HAS_URLS" val="oh hey this is notes box, due to this not being an empty string. woot."/>
+</p:tagLst>
+</file>
+
+<file path=ppt/tags/tag19.xml><?xml version="1.0" encoding="utf-8"?>
+<p:tagLst xmlns:a="http://schemas.openxmlformats.org/drawingml/2006/main" xmlns:r="http://schemas.openxmlformats.org/officeDocument/2006/relationships" xmlns:p="http://schemas.openxmlformats.org/presentationml/2006/main">
+  <p:tag name="__PE_HAS_URLS" val="oh hey this is notes box, due to this not being an empty string. woot."/>
+</p:tagLst>
+</file>
+
 <file path=ppt/tags/tag2.xml><?xml version="1.0" encoding="utf-8"?>
+<p:tagLst xmlns:a="http://schemas.openxmlformats.org/drawingml/2006/main" xmlns:r="http://schemas.openxmlformats.org/officeDocument/2006/relationships" xmlns:p="http://schemas.openxmlformats.org/presentationml/2006/main">
+  <p:tag name="__PE_HAS_URLS" val="oh hey this is notes box, due to this not being an empty string. woot."/>
+</p:tagLst>
+</file>
+
+<file path=ppt/tags/tag20.xml><?xml version="1.0" encoding="utf-8"?>
 <p:tagLst xmlns:a="http://schemas.openxmlformats.org/drawingml/2006/main" xmlns:r="http://schemas.openxmlformats.org/officeDocument/2006/relationships" xmlns:p="http://schemas.openxmlformats.org/presentationml/2006/main">
   <p:tag name="__PE_HAS_URLS" val="oh hey this is notes box, due to this not being an empty string. woot."/>
 </p:tagLst>

--- a/Team Project/Presentation.pptx
+++ b/Team Project/Presentation.pptx
@@ -5,7 +5,7 @@
     <p:sldMasterId id="2147483701" r:id="rId1"/>
   </p:sldMasterIdLst>
   <p:notesMasterIdLst>
-    <p:notesMasterId r:id="rId22"/>
+    <p:notesMasterId r:id="rId24"/>
   </p:notesMasterIdLst>
   <p:sldIdLst>
     <p:sldId id="256" r:id="rId2"/>
@@ -23,11 +23,13 @@
     <p:sldId id="261" r:id="rId14"/>
     <p:sldId id="266" r:id="rId15"/>
     <p:sldId id="259" r:id="rId16"/>
-    <p:sldId id="260" r:id="rId17"/>
-    <p:sldId id="264" r:id="rId18"/>
-    <p:sldId id="265" r:id="rId19"/>
-    <p:sldId id="275" r:id="rId20"/>
-    <p:sldId id="276" r:id="rId21"/>
+    <p:sldId id="278" r:id="rId17"/>
+    <p:sldId id="260" r:id="rId18"/>
+    <p:sldId id="277" r:id="rId19"/>
+    <p:sldId id="264" r:id="rId20"/>
+    <p:sldId id="265" r:id="rId21"/>
+    <p:sldId id="275" r:id="rId22"/>
+    <p:sldId id="276" r:id="rId23"/>
   </p:sldIdLst>
   <p:sldSz cx="12192000" cy="6858000"/>
   <p:notesSz cx="6858000" cy="9144000"/>
@@ -654,711 +656,7 @@
             <a:fld id="{8D460739-ED95-4F61-A777-121342EC40AB}" type="slidenum">
               <a:rPr lang="en-GB" smtClean="0"/>
               <a:pPr/>
-              <a:t>10</a:t>
-            </a:fld>
-            <a:endParaRPr lang="en-GB"/>
-          </a:p>
-        </p:txBody>
-      </p:sp>
-    </p:spTree>
-    <p:extLst>
-      <p:ext uri="{BB962C8B-B14F-4D97-AF65-F5344CB8AC3E}">
-        <p14:creationId xmlns:p14="http://schemas.microsoft.com/office/powerpoint/2010/main" val="639975216"/>
-      </p:ext>
-    </p:extLst>
-  </p:cSld>
-  <p:clrMapOvr>
-    <a:masterClrMapping/>
-  </p:clrMapOvr>
-</p:notes>
-</file>
-
-<file path=ppt/notesSlides/notesSlide11.xml><?xml version="1.0" encoding="utf-8"?>
-<p:notes xmlns:a="http://schemas.openxmlformats.org/drawingml/2006/main" xmlns:r="http://schemas.openxmlformats.org/officeDocument/2006/relationships" xmlns:p="http://schemas.openxmlformats.org/presentationml/2006/main">
-  <p:cSld>
-    <p:spTree>
-      <p:nvGrpSpPr>
-        <p:cNvPr id="1" name=""/>
-        <p:cNvGrpSpPr/>
-        <p:nvPr/>
-      </p:nvGrpSpPr>
-      <p:grpSpPr>
-        <a:xfrm>
-          <a:off x="0" y="0"/>
-          <a:ext cx="0" cy="0"/>
-          <a:chOff x="0" y="0"/>
-          <a:chExt cx="0" cy="0"/>
-        </a:xfrm>
-      </p:grpSpPr>
-      <p:sp>
-        <p:nvSpPr>
-          <p:cNvPr id="2" name="Slide Image Placeholder 1"/>
-          <p:cNvSpPr>
-            <a:spLocks noGrp="1" noRot="1" noChangeAspect="1"/>
-          </p:cNvSpPr>
-          <p:nvPr>
-            <p:ph type="sldImg"/>
-          </p:nvPr>
-        </p:nvSpPr>
-        <p:spPr/>
-      </p:sp>
-      <p:sp>
-        <p:nvSpPr>
-          <p:cNvPr id="3" name="Notes Placeholder 2"/>
-          <p:cNvSpPr>
-            <a:spLocks noGrp="1"/>
-          </p:cNvSpPr>
-          <p:nvPr>
-            <p:ph type="body" idx="1"/>
-            <p:custDataLst>
-              <p:tags r:id="rId1"/>
-            </p:custDataLst>
-          </p:nvPr>
-        </p:nvSpPr>
-        <p:spPr/>
-        <p:txBody>
-          <a:bodyPr/>
-          <a:lstStyle/>
-          <a:p>
-            <a:endParaRPr lang="en-GB"/>
-          </a:p>
-        </p:txBody>
-      </p:sp>
-      <p:sp>
-        <p:nvSpPr>
-          <p:cNvPr id="4" name="Slide Number Placeholder 3"/>
-          <p:cNvSpPr>
-            <a:spLocks noGrp="1"/>
-          </p:cNvSpPr>
-          <p:nvPr>
-            <p:ph type="sldNum" sz="quarter" idx="10"/>
-          </p:nvPr>
-        </p:nvSpPr>
-        <p:spPr/>
-        <p:txBody>
-          <a:bodyPr/>
-          <a:lstStyle/>
-          <a:p>
-            <a:fld id="{8D460739-ED95-4F61-A777-121342EC40AB}" type="slidenum">
-              <a:rPr lang="en-GB" smtClean="0"/>
-              <a:pPr/>
-              <a:t>11</a:t>
-            </a:fld>
-            <a:endParaRPr lang="en-GB"/>
-          </a:p>
-        </p:txBody>
-      </p:sp>
-    </p:spTree>
-    <p:extLst>
-      <p:ext uri="{BB962C8B-B14F-4D97-AF65-F5344CB8AC3E}">
-        <p14:creationId xmlns:p14="http://schemas.microsoft.com/office/powerpoint/2010/main" val="3213541872"/>
-      </p:ext>
-    </p:extLst>
-  </p:cSld>
-  <p:clrMapOvr>
-    <a:masterClrMapping/>
-  </p:clrMapOvr>
-</p:notes>
-</file>
-
-<file path=ppt/notesSlides/notesSlide12.xml><?xml version="1.0" encoding="utf-8"?>
-<p:notes xmlns:a="http://schemas.openxmlformats.org/drawingml/2006/main" xmlns:r="http://schemas.openxmlformats.org/officeDocument/2006/relationships" xmlns:p="http://schemas.openxmlformats.org/presentationml/2006/main">
-  <p:cSld>
-    <p:spTree>
-      <p:nvGrpSpPr>
-        <p:cNvPr id="1" name=""/>
-        <p:cNvGrpSpPr/>
-        <p:nvPr/>
-      </p:nvGrpSpPr>
-      <p:grpSpPr>
-        <a:xfrm>
-          <a:off x="0" y="0"/>
-          <a:ext cx="0" cy="0"/>
-          <a:chOff x="0" y="0"/>
-          <a:chExt cx="0" cy="0"/>
-        </a:xfrm>
-      </p:grpSpPr>
-      <p:sp>
-        <p:nvSpPr>
-          <p:cNvPr id="2" name="Slide Image Placeholder 1"/>
-          <p:cNvSpPr>
-            <a:spLocks noGrp="1" noRot="1" noChangeAspect="1"/>
-          </p:cNvSpPr>
-          <p:nvPr>
-            <p:ph type="sldImg"/>
-          </p:nvPr>
-        </p:nvSpPr>
-        <p:spPr/>
-      </p:sp>
-      <p:sp>
-        <p:nvSpPr>
-          <p:cNvPr id="3" name="Notes Placeholder 2"/>
-          <p:cNvSpPr>
-            <a:spLocks noGrp="1"/>
-          </p:cNvSpPr>
-          <p:nvPr>
-            <p:ph type="body" idx="1"/>
-            <p:custDataLst>
-              <p:tags r:id="rId1"/>
-            </p:custDataLst>
-          </p:nvPr>
-        </p:nvSpPr>
-        <p:spPr/>
-        <p:txBody>
-          <a:bodyPr/>
-          <a:lstStyle/>
-          <a:p>
-            <a:endParaRPr lang="en-GB"/>
-          </a:p>
-        </p:txBody>
-      </p:sp>
-      <p:sp>
-        <p:nvSpPr>
-          <p:cNvPr id="4" name="Slide Number Placeholder 3"/>
-          <p:cNvSpPr>
-            <a:spLocks noGrp="1"/>
-          </p:cNvSpPr>
-          <p:nvPr>
-            <p:ph type="sldNum" sz="quarter" idx="10"/>
-          </p:nvPr>
-        </p:nvSpPr>
-        <p:spPr/>
-        <p:txBody>
-          <a:bodyPr/>
-          <a:lstStyle/>
-          <a:p>
-            <a:fld id="{8D460739-ED95-4F61-A777-121342EC40AB}" type="slidenum">
-              <a:rPr lang="en-GB" smtClean="0"/>
-              <a:pPr/>
-              <a:t>12</a:t>
-            </a:fld>
-            <a:endParaRPr lang="en-GB"/>
-          </a:p>
-        </p:txBody>
-      </p:sp>
-    </p:spTree>
-    <p:extLst>
-      <p:ext uri="{BB962C8B-B14F-4D97-AF65-F5344CB8AC3E}">
-        <p14:creationId xmlns:p14="http://schemas.microsoft.com/office/powerpoint/2010/main" val="3078406671"/>
-      </p:ext>
-    </p:extLst>
-  </p:cSld>
-  <p:clrMapOvr>
-    <a:masterClrMapping/>
-  </p:clrMapOvr>
-</p:notes>
-</file>
-
-<file path=ppt/notesSlides/notesSlide13.xml><?xml version="1.0" encoding="utf-8"?>
-<p:notes xmlns:a="http://schemas.openxmlformats.org/drawingml/2006/main" xmlns:r="http://schemas.openxmlformats.org/officeDocument/2006/relationships" xmlns:p="http://schemas.openxmlformats.org/presentationml/2006/main">
-  <p:cSld>
-    <p:spTree>
-      <p:nvGrpSpPr>
-        <p:cNvPr id="1" name=""/>
-        <p:cNvGrpSpPr/>
-        <p:nvPr/>
-      </p:nvGrpSpPr>
-      <p:grpSpPr>
-        <a:xfrm>
-          <a:off x="0" y="0"/>
-          <a:ext cx="0" cy="0"/>
-          <a:chOff x="0" y="0"/>
-          <a:chExt cx="0" cy="0"/>
-        </a:xfrm>
-      </p:grpSpPr>
-      <p:sp>
-        <p:nvSpPr>
-          <p:cNvPr id="2" name="Slide Image Placeholder 1"/>
-          <p:cNvSpPr>
-            <a:spLocks noGrp="1" noRot="1" noChangeAspect="1"/>
-          </p:cNvSpPr>
-          <p:nvPr>
-            <p:ph type="sldImg"/>
-          </p:nvPr>
-        </p:nvSpPr>
-        <p:spPr/>
-      </p:sp>
-      <p:sp>
-        <p:nvSpPr>
-          <p:cNvPr id="3" name="Notes Placeholder 2"/>
-          <p:cNvSpPr>
-            <a:spLocks noGrp="1"/>
-          </p:cNvSpPr>
-          <p:nvPr>
-            <p:ph type="body" idx="1"/>
-            <p:custDataLst>
-              <p:tags r:id="rId1"/>
-            </p:custDataLst>
-          </p:nvPr>
-        </p:nvSpPr>
-        <p:spPr/>
-        <p:txBody>
-          <a:bodyPr/>
-          <a:lstStyle/>
-          <a:p>
-            <a:endParaRPr lang="en-GB"/>
-          </a:p>
-        </p:txBody>
-      </p:sp>
-      <p:sp>
-        <p:nvSpPr>
-          <p:cNvPr id="4" name="Slide Number Placeholder 3"/>
-          <p:cNvSpPr>
-            <a:spLocks noGrp="1"/>
-          </p:cNvSpPr>
-          <p:nvPr>
-            <p:ph type="sldNum" sz="quarter" idx="10"/>
-          </p:nvPr>
-        </p:nvSpPr>
-        <p:spPr/>
-        <p:txBody>
-          <a:bodyPr/>
-          <a:lstStyle/>
-          <a:p>
-            <a:fld id="{8D460739-ED95-4F61-A777-121342EC40AB}" type="slidenum">
-              <a:rPr lang="en-GB" smtClean="0"/>
-              <a:pPr/>
-              <a:t>13</a:t>
-            </a:fld>
-            <a:endParaRPr lang="en-GB"/>
-          </a:p>
-        </p:txBody>
-      </p:sp>
-    </p:spTree>
-    <p:extLst>
-      <p:ext uri="{BB962C8B-B14F-4D97-AF65-F5344CB8AC3E}">
-        <p14:creationId xmlns:p14="http://schemas.microsoft.com/office/powerpoint/2010/main" val="1099860108"/>
-      </p:ext>
-    </p:extLst>
-  </p:cSld>
-  <p:clrMapOvr>
-    <a:masterClrMapping/>
-  </p:clrMapOvr>
-</p:notes>
-</file>
-
-<file path=ppt/notesSlides/notesSlide14.xml><?xml version="1.0" encoding="utf-8"?>
-<p:notes xmlns:a="http://schemas.openxmlformats.org/drawingml/2006/main" xmlns:r="http://schemas.openxmlformats.org/officeDocument/2006/relationships" xmlns:p="http://schemas.openxmlformats.org/presentationml/2006/main">
-  <p:cSld>
-    <p:spTree>
-      <p:nvGrpSpPr>
-        <p:cNvPr id="1" name=""/>
-        <p:cNvGrpSpPr/>
-        <p:nvPr/>
-      </p:nvGrpSpPr>
-      <p:grpSpPr>
-        <a:xfrm>
-          <a:off x="0" y="0"/>
-          <a:ext cx="0" cy="0"/>
-          <a:chOff x="0" y="0"/>
-          <a:chExt cx="0" cy="0"/>
-        </a:xfrm>
-      </p:grpSpPr>
-      <p:sp>
-        <p:nvSpPr>
-          <p:cNvPr id="2" name="Slide Image Placeholder 1"/>
-          <p:cNvSpPr>
-            <a:spLocks noGrp="1" noRot="1" noChangeAspect="1"/>
-          </p:cNvSpPr>
-          <p:nvPr>
-            <p:ph type="sldImg"/>
-          </p:nvPr>
-        </p:nvSpPr>
-        <p:spPr/>
-      </p:sp>
-      <p:sp>
-        <p:nvSpPr>
-          <p:cNvPr id="3" name="Notes Placeholder 2"/>
-          <p:cNvSpPr>
-            <a:spLocks noGrp="1"/>
-          </p:cNvSpPr>
-          <p:nvPr>
-            <p:ph type="body" idx="1"/>
-            <p:custDataLst>
-              <p:tags r:id="rId1"/>
-            </p:custDataLst>
-          </p:nvPr>
-        </p:nvSpPr>
-        <p:spPr/>
-        <p:txBody>
-          <a:bodyPr/>
-          <a:lstStyle/>
-          <a:p>
-            <a:endParaRPr lang="en-GB"/>
-          </a:p>
-        </p:txBody>
-      </p:sp>
-      <p:sp>
-        <p:nvSpPr>
-          <p:cNvPr id="4" name="Slide Number Placeholder 3"/>
-          <p:cNvSpPr>
-            <a:spLocks noGrp="1"/>
-          </p:cNvSpPr>
-          <p:nvPr>
-            <p:ph type="sldNum" sz="quarter" idx="10"/>
-          </p:nvPr>
-        </p:nvSpPr>
-        <p:spPr/>
-        <p:txBody>
-          <a:bodyPr/>
-          <a:lstStyle/>
-          <a:p>
-            <a:fld id="{8D460739-ED95-4F61-A777-121342EC40AB}" type="slidenum">
-              <a:rPr lang="en-GB" smtClean="0"/>
-              <a:pPr/>
-              <a:t>14</a:t>
-            </a:fld>
-            <a:endParaRPr lang="en-GB"/>
-          </a:p>
-        </p:txBody>
-      </p:sp>
-    </p:spTree>
-    <p:extLst>
-      <p:ext uri="{BB962C8B-B14F-4D97-AF65-F5344CB8AC3E}">
-        <p14:creationId xmlns:p14="http://schemas.microsoft.com/office/powerpoint/2010/main" val="328377358"/>
-      </p:ext>
-    </p:extLst>
-  </p:cSld>
-  <p:clrMapOvr>
-    <a:masterClrMapping/>
-  </p:clrMapOvr>
-</p:notes>
-</file>
-
-<file path=ppt/notesSlides/notesSlide15.xml><?xml version="1.0" encoding="utf-8"?>
-<p:notes xmlns:a="http://schemas.openxmlformats.org/drawingml/2006/main" xmlns:r="http://schemas.openxmlformats.org/officeDocument/2006/relationships" xmlns:p="http://schemas.openxmlformats.org/presentationml/2006/main">
-  <p:cSld>
-    <p:spTree>
-      <p:nvGrpSpPr>
-        <p:cNvPr id="1" name=""/>
-        <p:cNvGrpSpPr/>
-        <p:nvPr/>
-      </p:nvGrpSpPr>
-      <p:grpSpPr>
-        <a:xfrm>
-          <a:off x="0" y="0"/>
-          <a:ext cx="0" cy="0"/>
-          <a:chOff x="0" y="0"/>
-          <a:chExt cx="0" cy="0"/>
-        </a:xfrm>
-      </p:grpSpPr>
-      <p:sp>
-        <p:nvSpPr>
-          <p:cNvPr id="2" name="Slide Image Placeholder 1"/>
-          <p:cNvSpPr>
-            <a:spLocks noGrp="1" noRot="1" noChangeAspect="1"/>
-          </p:cNvSpPr>
-          <p:nvPr>
-            <p:ph type="sldImg"/>
-          </p:nvPr>
-        </p:nvSpPr>
-        <p:spPr/>
-      </p:sp>
-      <p:sp>
-        <p:nvSpPr>
-          <p:cNvPr id="3" name="Notes Placeholder 2"/>
-          <p:cNvSpPr>
-            <a:spLocks noGrp="1"/>
-          </p:cNvSpPr>
-          <p:nvPr>
-            <p:ph type="body" idx="1"/>
-            <p:custDataLst>
-              <p:tags r:id="rId1"/>
-            </p:custDataLst>
-          </p:nvPr>
-        </p:nvSpPr>
-        <p:spPr/>
-        <p:txBody>
-          <a:bodyPr/>
-          <a:lstStyle/>
-          <a:p>
-            <a:endParaRPr lang="en-GB"/>
-          </a:p>
-        </p:txBody>
-      </p:sp>
-      <p:sp>
-        <p:nvSpPr>
-          <p:cNvPr id="4" name="Slide Number Placeholder 3"/>
-          <p:cNvSpPr>
-            <a:spLocks noGrp="1"/>
-          </p:cNvSpPr>
-          <p:nvPr>
-            <p:ph type="sldNum" sz="quarter" idx="10"/>
-          </p:nvPr>
-        </p:nvSpPr>
-        <p:spPr/>
-        <p:txBody>
-          <a:bodyPr/>
-          <a:lstStyle/>
-          <a:p>
-            <a:fld id="{8D460739-ED95-4F61-A777-121342EC40AB}" type="slidenum">
-              <a:rPr lang="en-GB" smtClean="0"/>
-              <a:pPr/>
-              <a:t>15</a:t>
-            </a:fld>
-            <a:endParaRPr lang="en-GB"/>
-          </a:p>
-        </p:txBody>
-      </p:sp>
-    </p:spTree>
-    <p:extLst>
-      <p:ext uri="{BB962C8B-B14F-4D97-AF65-F5344CB8AC3E}">
-        <p14:creationId xmlns:p14="http://schemas.microsoft.com/office/powerpoint/2010/main" val="993353610"/>
-      </p:ext>
-    </p:extLst>
-  </p:cSld>
-  <p:clrMapOvr>
-    <a:masterClrMapping/>
-  </p:clrMapOvr>
-</p:notes>
-</file>
-
-<file path=ppt/notesSlides/notesSlide16.xml><?xml version="1.0" encoding="utf-8"?>
-<p:notes xmlns:a="http://schemas.openxmlformats.org/drawingml/2006/main" xmlns:r="http://schemas.openxmlformats.org/officeDocument/2006/relationships" xmlns:p="http://schemas.openxmlformats.org/presentationml/2006/main">
-  <p:cSld>
-    <p:spTree>
-      <p:nvGrpSpPr>
-        <p:cNvPr id="1" name=""/>
-        <p:cNvGrpSpPr/>
-        <p:nvPr/>
-      </p:nvGrpSpPr>
-      <p:grpSpPr>
-        <a:xfrm>
-          <a:off x="0" y="0"/>
-          <a:ext cx="0" cy="0"/>
-          <a:chOff x="0" y="0"/>
-          <a:chExt cx="0" cy="0"/>
-        </a:xfrm>
-      </p:grpSpPr>
-      <p:sp>
-        <p:nvSpPr>
-          <p:cNvPr id="2" name="Slide Image Placeholder 1"/>
-          <p:cNvSpPr>
-            <a:spLocks noGrp="1" noRot="1" noChangeAspect="1"/>
-          </p:cNvSpPr>
-          <p:nvPr>
-            <p:ph type="sldImg"/>
-          </p:nvPr>
-        </p:nvSpPr>
-        <p:spPr/>
-      </p:sp>
-      <p:sp>
-        <p:nvSpPr>
-          <p:cNvPr id="3" name="Notes Placeholder 2"/>
-          <p:cNvSpPr>
-            <a:spLocks noGrp="1"/>
-          </p:cNvSpPr>
-          <p:nvPr>
-            <p:ph type="body" idx="1"/>
-            <p:custDataLst>
-              <p:tags r:id="rId1"/>
-            </p:custDataLst>
-          </p:nvPr>
-        </p:nvSpPr>
-        <p:spPr/>
-        <p:txBody>
-          <a:bodyPr/>
-          <a:lstStyle/>
-          <a:p>
-            <a:endParaRPr lang="en-GB"/>
-          </a:p>
-        </p:txBody>
-      </p:sp>
-      <p:sp>
-        <p:nvSpPr>
-          <p:cNvPr id="4" name="Slide Number Placeholder 3"/>
-          <p:cNvSpPr>
-            <a:spLocks noGrp="1"/>
-          </p:cNvSpPr>
-          <p:nvPr>
-            <p:ph type="sldNum" sz="quarter" idx="10"/>
-          </p:nvPr>
-        </p:nvSpPr>
-        <p:spPr/>
-        <p:txBody>
-          <a:bodyPr/>
-          <a:lstStyle/>
-          <a:p>
-            <a:fld id="{8D460739-ED95-4F61-A777-121342EC40AB}" type="slidenum">
-              <a:rPr lang="en-GB" smtClean="0"/>
-              <a:pPr/>
-              <a:t>16</a:t>
-            </a:fld>
-            <a:endParaRPr lang="en-GB"/>
-          </a:p>
-        </p:txBody>
-      </p:sp>
-    </p:spTree>
-    <p:extLst>
-      <p:ext uri="{BB962C8B-B14F-4D97-AF65-F5344CB8AC3E}">
-        <p14:creationId xmlns:p14="http://schemas.microsoft.com/office/powerpoint/2010/main" val="1082509836"/>
-      </p:ext>
-    </p:extLst>
-  </p:cSld>
-  <p:clrMapOvr>
-    <a:masterClrMapping/>
-  </p:clrMapOvr>
-</p:notes>
-</file>
-
-<file path=ppt/notesSlides/notesSlide17.xml><?xml version="1.0" encoding="utf-8"?>
-<p:notes xmlns:a="http://schemas.openxmlformats.org/drawingml/2006/main" xmlns:r="http://schemas.openxmlformats.org/officeDocument/2006/relationships" xmlns:p="http://schemas.openxmlformats.org/presentationml/2006/main">
-  <p:cSld>
-    <p:spTree>
-      <p:nvGrpSpPr>
-        <p:cNvPr id="1" name=""/>
-        <p:cNvGrpSpPr/>
-        <p:nvPr/>
-      </p:nvGrpSpPr>
-      <p:grpSpPr>
-        <a:xfrm>
-          <a:off x="0" y="0"/>
-          <a:ext cx="0" cy="0"/>
-          <a:chOff x="0" y="0"/>
-          <a:chExt cx="0" cy="0"/>
-        </a:xfrm>
-      </p:grpSpPr>
-      <p:sp>
-        <p:nvSpPr>
-          <p:cNvPr id="2" name="Slide Image Placeholder 1"/>
-          <p:cNvSpPr>
-            <a:spLocks noGrp="1" noRot="1" noChangeAspect="1"/>
-          </p:cNvSpPr>
-          <p:nvPr>
-            <p:ph type="sldImg"/>
-          </p:nvPr>
-        </p:nvSpPr>
-        <p:spPr/>
-      </p:sp>
-      <p:sp>
-        <p:nvSpPr>
-          <p:cNvPr id="3" name="Notes Placeholder 2"/>
-          <p:cNvSpPr>
-            <a:spLocks noGrp="1"/>
-          </p:cNvSpPr>
-          <p:nvPr>
-            <p:ph type="body" idx="1"/>
-            <p:custDataLst>
-              <p:tags r:id="rId1"/>
-            </p:custDataLst>
-          </p:nvPr>
-        </p:nvSpPr>
-        <p:spPr/>
-        <p:txBody>
-          <a:bodyPr/>
-          <a:lstStyle/>
-          <a:p>
-            <a:endParaRPr lang="en-GB"/>
-          </a:p>
-        </p:txBody>
-      </p:sp>
-      <p:sp>
-        <p:nvSpPr>
-          <p:cNvPr id="4" name="Slide Number Placeholder 3"/>
-          <p:cNvSpPr>
-            <a:spLocks noGrp="1"/>
-          </p:cNvSpPr>
-          <p:nvPr>
-            <p:ph type="sldNum" sz="quarter" idx="10"/>
-          </p:nvPr>
-        </p:nvSpPr>
-        <p:spPr/>
-        <p:txBody>
-          <a:bodyPr/>
-          <a:lstStyle/>
-          <a:p>
-            <a:fld id="{8D460739-ED95-4F61-A777-121342EC40AB}" type="slidenum">
-              <a:rPr lang="en-GB" smtClean="0"/>
-              <a:pPr/>
-              <a:t>17</a:t>
-            </a:fld>
-            <a:endParaRPr lang="en-GB"/>
-          </a:p>
-        </p:txBody>
-      </p:sp>
-    </p:spTree>
-    <p:extLst>
-      <p:ext uri="{BB962C8B-B14F-4D97-AF65-F5344CB8AC3E}">
-        <p14:creationId xmlns:p14="http://schemas.microsoft.com/office/powerpoint/2010/main" val="3780271285"/>
-      </p:ext>
-    </p:extLst>
-  </p:cSld>
-  <p:clrMapOvr>
-    <a:masterClrMapping/>
-  </p:clrMapOvr>
-</p:notes>
-</file>
-
-<file path=ppt/notesSlides/notesSlide18.xml><?xml version="1.0" encoding="utf-8"?>
-<p:notes xmlns:a="http://schemas.openxmlformats.org/drawingml/2006/main" xmlns:r="http://schemas.openxmlformats.org/officeDocument/2006/relationships" xmlns:p="http://schemas.openxmlformats.org/presentationml/2006/main">
-  <p:cSld>
-    <p:spTree>
-      <p:nvGrpSpPr>
-        <p:cNvPr id="1" name=""/>
-        <p:cNvGrpSpPr/>
-        <p:nvPr/>
-      </p:nvGrpSpPr>
-      <p:grpSpPr>
-        <a:xfrm>
-          <a:off x="0" y="0"/>
-          <a:ext cx="0" cy="0"/>
-          <a:chOff x="0" y="0"/>
-          <a:chExt cx="0" cy="0"/>
-        </a:xfrm>
-      </p:grpSpPr>
-      <p:sp>
-        <p:nvSpPr>
-          <p:cNvPr id="2" name="Slide Image Placeholder 1"/>
-          <p:cNvSpPr>
-            <a:spLocks noGrp="1" noRot="1" noChangeAspect="1"/>
-          </p:cNvSpPr>
-          <p:nvPr>
-            <p:ph type="sldImg"/>
-          </p:nvPr>
-        </p:nvSpPr>
-        <p:spPr/>
-      </p:sp>
-      <p:sp>
-        <p:nvSpPr>
-          <p:cNvPr id="3" name="Notes Placeholder 2"/>
-          <p:cNvSpPr>
-            <a:spLocks noGrp="1"/>
-          </p:cNvSpPr>
-          <p:nvPr>
-            <p:ph type="body" idx="1"/>
-            <p:custDataLst>
-              <p:tags r:id="rId1"/>
-            </p:custDataLst>
-          </p:nvPr>
-        </p:nvSpPr>
-        <p:spPr/>
-        <p:txBody>
-          <a:bodyPr/>
-          <a:lstStyle/>
-          <a:p>
-            <a:endParaRPr lang="en-GB"/>
-          </a:p>
-        </p:txBody>
-      </p:sp>
-      <p:sp>
-        <p:nvSpPr>
-          <p:cNvPr id="4" name="Slide Number Placeholder 3"/>
-          <p:cNvSpPr>
-            <a:spLocks noGrp="1"/>
-          </p:cNvSpPr>
-          <p:nvPr>
-            <p:ph type="sldNum" sz="quarter" idx="10"/>
-          </p:nvPr>
-        </p:nvSpPr>
-        <p:spPr/>
-        <p:txBody>
-          <a:bodyPr/>
-          <a:lstStyle/>
-          <a:p>
-            <a:fld id="{8D460739-ED95-4F61-A777-121342EC40AB}" type="slidenum">
-              <a:rPr lang="en-GB" smtClean="0"/>
-              <a:pPr/>
-              <a:t>18</a:t>
+              <a:t>20</a:t>
             </a:fld>
             <a:endParaRPr lang="en-GB"/>
           </a:p>
@@ -1368,94 +666,6 @@
     <p:extLst>
       <p:ext uri="{BB962C8B-B14F-4D97-AF65-F5344CB8AC3E}">
         <p14:creationId xmlns:p14="http://schemas.microsoft.com/office/powerpoint/2010/main" val="2424727545"/>
-      </p:ext>
-    </p:extLst>
-  </p:cSld>
-  <p:clrMapOvr>
-    <a:masterClrMapping/>
-  </p:clrMapOvr>
-</p:notes>
-</file>
-
-<file path=ppt/notesSlides/notesSlide19.xml><?xml version="1.0" encoding="utf-8"?>
-<p:notes xmlns:a="http://schemas.openxmlformats.org/drawingml/2006/main" xmlns:r="http://schemas.openxmlformats.org/officeDocument/2006/relationships" xmlns:p="http://schemas.openxmlformats.org/presentationml/2006/main">
-  <p:cSld>
-    <p:spTree>
-      <p:nvGrpSpPr>
-        <p:cNvPr id="1" name=""/>
-        <p:cNvGrpSpPr/>
-        <p:nvPr/>
-      </p:nvGrpSpPr>
-      <p:grpSpPr>
-        <a:xfrm>
-          <a:off x="0" y="0"/>
-          <a:ext cx="0" cy="0"/>
-          <a:chOff x="0" y="0"/>
-          <a:chExt cx="0" cy="0"/>
-        </a:xfrm>
-      </p:grpSpPr>
-      <p:sp>
-        <p:nvSpPr>
-          <p:cNvPr id="2" name="Slide Image Placeholder 1"/>
-          <p:cNvSpPr>
-            <a:spLocks noGrp="1" noRot="1" noChangeAspect="1"/>
-          </p:cNvSpPr>
-          <p:nvPr>
-            <p:ph type="sldImg"/>
-          </p:nvPr>
-        </p:nvSpPr>
-        <p:spPr/>
-      </p:sp>
-      <p:sp>
-        <p:nvSpPr>
-          <p:cNvPr id="3" name="Notes Placeholder 2"/>
-          <p:cNvSpPr>
-            <a:spLocks noGrp="1"/>
-          </p:cNvSpPr>
-          <p:nvPr>
-            <p:ph type="body" idx="1"/>
-            <p:custDataLst>
-              <p:tags r:id="rId1"/>
-            </p:custDataLst>
-          </p:nvPr>
-        </p:nvSpPr>
-        <p:spPr/>
-        <p:txBody>
-          <a:bodyPr/>
-          <a:lstStyle/>
-          <a:p>
-            <a:endParaRPr lang="en-GB"/>
-          </a:p>
-        </p:txBody>
-      </p:sp>
-      <p:sp>
-        <p:nvSpPr>
-          <p:cNvPr id="4" name="Slide Number Placeholder 3"/>
-          <p:cNvSpPr>
-            <a:spLocks noGrp="1"/>
-          </p:cNvSpPr>
-          <p:nvPr>
-            <p:ph type="sldNum" sz="quarter" idx="10"/>
-          </p:nvPr>
-        </p:nvSpPr>
-        <p:spPr/>
-        <p:txBody>
-          <a:bodyPr/>
-          <a:lstStyle/>
-          <a:p>
-            <a:fld id="{8D460739-ED95-4F61-A777-121342EC40AB}" type="slidenum">
-              <a:rPr lang="en-GB" smtClean="0"/>
-              <a:pPr/>
-              <a:t>19</a:t>
-            </a:fld>
-            <a:endParaRPr lang="en-GB"/>
-          </a:p>
-        </p:txBody>
-      </p:sp>
-    </p:spTree>
-    <p:extLst>
-      <p:ext uri="{BB962C8B-B14F-4D97-AF65-F5344CB8AC3E}">
-        <p14:creationId xmlns:p14="http://schemas.microsoft.com/office/powerpoint/2010/main" val="312456574"/>
       </p:ext>
     </p:extLst>
   </p:cSld>
@@ -1544,94 +754,6 @@
     <p:extLst>
       <p:ext uri="{BB962C8B-B14F-4D97-AF65-F5344CB8AC3E}">
         <p14:creationId xmlns:p14="http://schemas.microsoft.com/office/powerpoint/2010/main" val="91602918"/>
-      </p:ext>
-    </p:extLst>
-  </p:cSld>
-  <p:clrMapOvr>
-    <a:masterClrMapping/>
-  </p:clrMapOvr>
-</p:notes>
-</file>
-
-<file path=ppt/notesSlides/notesSlide20.xml><?xml version="1.0" encoding="utf-8"?>
-<p:notes xmlns:a="http://schemas.openxmlformats.org/drawingml/2006/main" xmlns:r="http://schemas.openxmlformats.org/officeDocument/2006/relationships" xmlns:p="http://schemas.openxmlformats.org/presentationml/2006/main">
-  <p:cSld>
-    <p:spTree>
-      <p:nvGrpSpPr>
-        <p:cNvPr id="1" name=""/>
-        <p:cNvGrpSpPr/>
-        <p:nvPr/>
-      </p:nvGrpSpPr>
-      <p:grpSpPr>
-        <a:xfrm>
-          <a:off x="0" y="0"/>
-          <a:ext cx="0" cy="0"/>
-          <a:chOff x="0" y="0"/>
-          <a:chExt cx="0" cy="0"/>
-        </a:xfrm>
-      </p:grpSpPr>
-      <p:sp>
-        <p:nvSpPr>
-          <p:cNvPr id="2" name="Slide Image Placeholder 1"/>
-          <p:cNvSpPr>
-            <a:spLocks noGrp="1" noRot="1" noChangeAspect="1"/>
-          </p:cNvSpPr>
-          <p:nvPr>
-            <p:ph type="sldImg"/>
-          </p:nvPr>
-        </p:nvSpPr>
-        <p:spPr/>
-      </p:sp>
-      <p:sp>
-        <p:nvSpPr>
-          <p:cNvPr id="3" name="Notes Placeholder 2"/>
-          <p:cNvSpPr>
-            <a:spLocks noGrp="1"/>
-          </p:cNvSpPr>
-          <p:nvPr>
-            <p:ph type="body" idx="1"/>
-            <p:custDataLst>
-              <p:tags r:id="rId1"/>
-            </p:custDataLst>
-          </p:nvPr>
-        </p:nvSpPr>
-        <p:spPr/>
-        <p:txBody>
-          <a:bodyPr/>
-          <a:lstStyle/>
-          <a:p>
-            <a:endParaRPr lang="en-GB"/>
-          </a:p>
-        </p:txBody>
-      </p:sp>
-      <p:sp>
-        <p:nvSpPr>
-          <p:cNvPr id="4" name="Slide Number Placeholder 3"/>
-          <p:cNvSpPr>
-            <a:spLocks noGrp="1"/>
-          </p:cNvSpPr>
-          <p:nvPr>
-            <p:ph type="sldNum" sz="quarter" idx="10"/>
-          </p:nvPr>
-        </p:nvSpPr>
-        <p:spPr/>
-        <p:txBody>
-          <a:bodyPr/>
-          <a:lstStyle/>
-          <a:p>
-            <a:fld id="{8D460739-ED95-4F61-A777-121342EC40AB}" type="slidenum">
-              <a:rPr lang="en-GB" smtClean="0"/>
-              <a:pPr/>
-              <a:t>20</a:t>
-            </a:fld>
-            <a:endParaRPr lang="en-GB"/>
-          </a:p>
-        </p:txBody>
-      </p:sp>
-    </p:spTree>
-    <p:extLst>
-      <p:ext uri="{BB962C8B-B14F-4D97-AF65-F5344CB8AC3E}">
-        <p14:creationId xmlns:p14="http://schemas.microsoft.com/office/powerpoint/2010/main" val="696402179"/>
       </p:ext>
     </p:extLst>
   </p:cSld>
@@ -1798,7 +920,7 @@
             <a:fld id="{8D460739-ED95-4F61-A777-121342EC40AB}" type="slidenum">
               <a:rPr lang="en-GB" smtClean="0"/>
               <a:pPr/>
-              <a:t>4</a:t>
+              <a:t>7</a:t>
             </a:fld>
             <a:endParaRPr lang="en-GB"/>
           </a:p>
@@ -1807,7 +929,7 @@
     </p:spTree>
     <p:extLst>
       <p:ext uri="{BB962C8B-B14F-4D97-AF65-F5344CB8AC3E}">
-        <p14:creationId xmlns:p14="http://schemas.microsoft.com/office/powerpoint/2010/main" val="2429642287"/>
+        <p14:creationId xmlns:p14="http://schemas.microsoft.com/office/powerpoint/2010/main" val="4061955364"/>
       </p:ext>
     </p:extLst>
   </p:cSld>
@@ -1886,7 +1008,7 @@
             <a:fld id="{8D460739-ED95-4F61-A777-121342EC40AB}" type="slidenum">
               <a:rPr lang="en-GB" smtClean="0"/>
               <a:pPr/>
-              <a:t>5</a:t>
+              <a:t>12</a:t>
             </a:fld>
             <a:endParaRPr lang="en-GB"/>
           </a:p>
@@ -1895,7 +1017,7 @@
     </p:spTree>
     <p:extLst>
       <p:ext uri="{BB962C8B-B14F-4D97-AF65-F5344CB8AC3E}">
-        <p14:creationId xmlns:p14="http://schemas.microsoft.com/office/powerpoint/2010/main" val="1315705175"/>
+        <p14:creationId xmlns:p14="http://schemas.microsoft.com/office/powerpoint/2010/main" val="3078406671"/>
       </p:ext>
     </p:extLst>
   </p:cSld>
@@ -1974,7 +1096,7 @@
             <a:fld id="{8D460739-ED95-4F61-A777-121342EC40AB}" type="slidenum">
               <a:rPr lang="en-GB" smtClean="0"/>
               <a:pPr/>
-              <a:t>6</a:t>
+              <a:t>13</a:t>
             </a:fld>
             <a:endParaRPr lang="en-GB"/>
           </a:p>
@@ -1983,7 +1105,7 @@
     </p:spTree>
     <p:extLst>
       <p:ext uri="{BB962C8B-B14F-4D97-AF65-F5344CB8AC3E}">
-        <p14:creationId xmlns:p14="http://schemas.microsoft.com/office/powerpoint/2010/main" val="3036617599"/>
+        <p14:creationId xmlns:p14="http://schemas.microsoft.com/office/powerpoint/2010/main" val="1099860108"/>
       </p:ext>
     </p:extLst>
   </p:cSld>
@@ -2062,7 +1184,7 @@
             <a:fld id="{8D460739-ED95-4F61-A777-121342EC40AB}" type="slidenum">
               <a:rPr lang="en-GB" smtClean="0"/>
               <a:pPr/>
-              <a:t>7</a:t>
+              <a:t>15</a:t>
             </a:fld>
             <a:endParaRPr lang="en-GB"/>
           </a:p>
@@ -2071,7 +1193,7 @@
     </p:spTree>
     <p:extLst>
       <p:ext uri="{BB962C8B-B14F-4D97-AF65-F5344CB8AC3E}">
-        <p14:creationId xmlns:p14="http://schemas.microsoft.com/office/powerpoint/2010/main" val="4061955364"/>
+        <p14:creationId xmlns:p14="http://schemas.microsoft.com/office/powerpoint/2010/main" val="993353610"/>
       </p:ext>
     </p:extLst>
   </p:cSld>
@@ -2150,7 +1272,7 @@
             <a:fld id="{8D460739-ED95-4F61-A777-121342EC40AB}" type="slidenum">
               <a:rPr lang="en-GB" smtClean="0"/>
               <a:pPr/>
-              <a:t>8</a:t>
+              <a:t>17</a:t>
             </a:fld>
             <a:endParaRPr lang="en-GB"/>
           </a:p>
@@ -2159,7 +1281,7 @@
     </p:spTree>
     <p:extLst>
       <p:ext uri="{BB962C8B-B14F-4D97-AF65-F5344CB8AC3E}">
-        <p14:creationId xmlns:p14="http://schemas.microsoft.com/office/powerpoint/2010/main" val="344155132"/>
+        <p14:creationId xmlns:p14="http://schemas.microsoft.com/office/powerpoint/2010/main" val="1082509836"/>
       </p:ext>
     </p:extLst>
   </p:cSld>
@@ -2238,7 +1360,7 @@
             <a:fld id="{8D460739-ED95-4F61-A777-121342EC40AB}" type="slidenum">
               <a:rPr lang="en-GB" smtClean="0"/>
               <a:pPr/>
-              <a:t>9</a:t>
+              <a:t>19</a:t>
             </a:fld>
             <a:endParaRPr lang="en-GB"/>
           </a:p>
@@ -2247,7 +1369,7 @@
     </p:spTree>
     <p:extLst>
       <p:ext uri="{BB962C8B-B14F-4D97-AF65-F5344CB8AC3E}">
-        <p14:creationId xmlns:p14="http://schemas.microsoft.com/office/powerpoint/2010/main" val="2306072906"/>
+        <p14:creationId xmlns:p14="http://schemas.microsoft.com/office/powerpoint/2010/main" val="3780271285"/>
       </p:ext>
     </p:extLst>
   </p:cSld>
@@ -9676,10 +8798,6 @@
             <a:br>
               <a:rPr lang="en-GB" dirty="0"/>
             </a:br>
-            <a:r>
-              <a:rPr lang="en-GB" dirty="0"/>
-              <a:t/>
-            </a:r>
             <a:br>
               <a:rPr lang="en-GB" dirty="0"/>
             </a:br>
@@ -10107,7 +9225,7 @@
         <p:spPr>
           <a:xfrm>
             <a:off x="677334" y="1476103"/>
-            <a:ext cx="8596668" cy="4937760"/>
+            <a:ext cx="8943744" cy="4937760"/>
           </a:xfrm>
         </p:spPr>
         <p:txBody>
@@ -10118,25 +9236,19 @@
           <a:p>
             <a:r>
               <a:rPr lang="en-GB" sz="1400" dirty="0"/>
-              <a:t>Loyalty Scheme is a rewards program offered by our company to those customers who frequently make purchases in our store. A loyalty scheme program gives our customer advanced access to new products, special sales coupons or free gift voucher to use within our  stores. </a:t>
-            </a:r>
-          </a:p>
-          <a:p>
-            <a:pPr>
+              <a:t>Loyalty Scheme is a rewards program offered by our company to those customers who frequently make purchases in our store. our loyalty scheme program gives our loyalty card holder customers extra  points every time they make purchase in one of our stores. Loyalty card holders get five points for  Every £1 they spent. These points can be redeemed to increase balance.</a:t>
+            </a:r>
+          </a:p>
+          <a:p>
+            <a:pPr marL="0" indent="0">
               <a:buNone/>
             </a:pPr>
+            <a:endParaRPr lang="en-GB" sz="1400" dirty="0"/>
+          </a:p>
+          <a:p>
             <a:r>
               <a:rPr lang="en-GB" sz="1400" dirty="0"/>
-              <a:t>      To benefit form this scheme ,customers have to  register their personal information with the our store. After successful registration we issue a unique identifier, such as a numerical ID or membership card so that our customers can use that identifier when making a purchase in our stores.</a:t>
-            </a:r>
-          </a:p>
-          <a:p>
-            <a:endParaRPr lang="en-GB" sz="1400" dirty="0"/>
-          </a:p>
-          <a:p>
-            <a:r>
-              <a:rPr lang="en-GB" sz="1400" dirty="0"/>
-              <a:t>Research of php and mysql loyalty scheme  integration</a:t>
+              <a:t>Research of php and mysql loyalty scheme integration</a:t>
             </a:r>
           </a:p>
           <a:p>
@@ -10149,12 +9261,6 @@
             <a:r>
               <a:rPr lang="en-GB" sz="1400" dirty="0"/>
               <a:t>Gathering resources</a:t>
-            </a:r>
-          </a:p>
-          <a:p>
-            <a:r>
-              <a:rPr lang="en-GB" sz="1400" dirty="0"/>
-              <a:t>Testing </a:t>
             </a:r>
           </a:p>
           <a:p>
@@ -10185,6 +9291,33 @@
               <a:rPr lang="en-GB" sz="1400" dirty="0"/>
               <a:t>create function to  redeem the points to increase balance</a:t>
             </a:r>
+          </a:p>
+          <a:p>
+            <a:pPr lvl="1">
+              <a:buFont typeface="+mj-lt"/>
+              <a:buAutoNum type="arabicPeriod"/>
+            </a:pPr>
+            <a:r>
+              <a:rPr lang="en-GB" sz="1400" dirty="0"/>
+              <a:t>Code to operate log in and log out functions</a:t>
+            </a:r>
+          </a:p>
+          <a:p>
+            <a:pPr lvl="1">
+              <a:buFont typeface="+mj-lt"/>
+              <a:buAutoNum type="arabicPeriod"/>
+            </a:pPr>
+            <a:r>
+              <a:rPr lang="en-GB" sz="1400" dirty="0"/>
+              <a:t>Testing </a:t>
+            </a:r>
+          </a:p>
+          <a:p>
+            <a:pPr lvl="1">
+              <a:buFont typeface="+mj-lt"/>
+              <a:buAutoNum type="arabicPeriod"/>
+            </a:pPr>
+            <a:endParaRPr lang="en-GB" sz="1400" dirty="0"/>
           </a:p>
           <a:p>
             <a:endParaRPr lang="en-GB" dirty="0"/>
@@ -10231,16 +9364,77 @@
             <p:ph type="title"/>
           </p:nvPr>
         </p:nvSpPr>
-        <p:spPr>
-          <a:xfrm>
-            <a:off x="677334" y="609600"/>
-            <a:ext cx="8596668" cy="749968"/>
-          </a:xfrm>
-        </p:spPr>
-        <p:txBody>
-          <a:bodyPr>
-            <a:normAutofit fontScale="90000"/>
-          </a:bodyPr>
+        <p:spPr/>
+        <p:txBody>
+          <a:bodyPr/>
+          <a:lstStyle/>
+          <a:p>
+            <a:endParaRPr lang="en-GB"/>
+          </a:p>
+        </p:txBody>
+      </p:sp>
+      <p:sp>
+        <p:nvSpPr>
+          <p:cNvPr id="3" name="Content Placeholder 2"/>
+          <p:cNvSpPr>
+            <a:spLocks noGrp="1"/>
+          </p:cNvSpPr>
+          <p:nvPr>
+            <p:ph idx="1"/>
+          </p:nvPr>
+        </p:nvSpPr>
+        <p:spPr/>
+        <p:txBody>
+          <a:bodyPr/>
+          <a:lstStyle/>
+          <a:p>
+            <a:endParaRPr lang="en-GB"/>
+          </a:p>
+        </p:txBody>
+      </p:sp>
+    </p:spTree>
+    <p:extLst>
+      <p:ext uri="{BB962C8B-B14F-4D97-AF65-F5344CB8AC3E}">
+        <p14:creationId xmlns:p14="http://schemas.microsoft.com/office/powerpoint/2010/main" val="3682071251"/>
+      </p:ext>
+    </p:extLst>
+  </p:cSld>
+  <p:clrMapOvr>
+    <a:masterClrMapping/>
+  </p:clrMapOvr>
+</p:sld>
+</file>
+
+<file path=ppt/slides/slide17.xml><?xml version="1.0" encoding="utf-8"?>
+<p:sld xmlns:a="http://schemas.openxmlformats.org/drawingml/2006/main" xmlns:r="http://schemas.openxmlformats.org/officeDocument/2006/relationships" xmlns:p="http://schemas.openxmlformats.org/presentationml/2006/main">
+  <p:cSld>
+    <p:spTree>
+      <p:nvGrpSpPr>
+        <p:cNvPr id="1" name=""/>
+        <p:cNvGrpSpPr/>
+        <p:nvPr/>
+      </p:nvGrpSpPr>
+      <p:grpSpPr>
+        <a:xfrm>
+          <a:off x="0" y="0"/>
+          <a:ext cx="0" cy="0"/>
+          <a:chOff x="0" y="0"/>
+          <a:chExt cx="0" cy="0"/>
+        </a:xfrm>
+      </p:grpSpPr>
+      <p:sp>
+        <p:nvSpPr>
+          <p:cNvPr id="2" name="Title 1"/>
+          <p:cNvSpPr>
+            <a:spLocks noGrp="1"/>
+          </p:cNvSpPr>
+          <p:nvPr>
+            <p:ph type="title"/>
+          </p:nvPr>
+        </p:nvSpPr>
+        <p:spPr/>
+        <p:txBody>
+          <a:bodyPr/>
           <a:lstStyle/>
           <a:p>
             <a:r>
@@ -10264,73 +9458,20 @@
             <p:ph idx="1"/>
           </p:nvPr>
         </p:nvSpPr>
-        <p:spPr>
-          <a:xfrm>
-            <a:off x="677334" y="1359569"/>
-            <a:ext cx="8596668" cy="4681794"/>
-          </a:xfrm>
-        </p:spPr>
-        <p:txBody>
-          <a:bodyPr>
-            <a:normAutofit/>
-          </a:bodyPr>
-          <a:lstStyle/>
-          <a:p>
-            <a:r>
-              <a:rPr lang="en-US" dirty="0"/>
-              <a:t>The main idea of Payment development </a:t>
-            </a:r>
-            <a:r>
-              <a:rPr lang="en-US" dirty="0" smtClean="0"/>
-              <a:t>plan: The </a:t>
-            </a:r>
-            <a:r>
-              <a:rPr lang="en-US" dirty="0"/>
-              <a:t>customer can select a payment option Credit card or </a:t>
-            </a:r>
-            <a:r>
-              <a:rPr lang="en-US" dirty="0" smtClean="0"/>
-              <a:t>PayPal, then select </a:t>
-            </a:r>
-            <a:r>
-              <a:rPr lang="en-US" dirty="0"/>
-              <a:t>the amount he/she wants to add  </a:t>
-            </a:r>
-            <a:r>
-              <a:rPr lang="en-US" dirty="0" smtClean="0"/>
-              <a:t>and </a:t>
-            </a:r>
-            <a:r>
-              <a:rPr lang="en-US" dirty="0"/>
-              <a:t>uses the money to purchase goods from the </a:t>
-            </a:r>
-            <a:r>
-              <a:rPr lang="en-US" dirty="0" smtClean="0"/>
-              <a:t>website</a:t>
-            </a:r>
-          </a:p>
-          <a:p>
-            <a:r>
-              <a:rPr lang="en-GB" dirty="0" smtClean="0"/>
-              <a:t>Research </a:t>
-            </a:r>
+        <p:spPr/>
+        <p:txBody>
+          <a:bodyPr/>
+          <a:lstStyle/>
+          <a:p>
             <a:r>
               <a:rPr lang="en-GB" dirty="0"/>
-              <a:t>of Php payment integration</a:t>
-            </a:r>
-          </a:p>
-          <a:p>
-            <a:r>
-              <a:rPr lang="en-GB" dirty="0" smtClean="0"/>
-              <a:t>Research the payment</a:t>
-            </a:r>
-            <a:r>
-              <a:rPr lang="en-GB" dirty="0" smtClean="0"/>
-              <a:t> </a:t>
-            </a:r>
+              <a:t>Research of Php payment integration</a:t>
+            </a:r>
+          </a:p>
+          <a:p>
             <a:r>
               <a:rPr lang="en-GB" dirty="0"/>
-              <a:t>options Credit card Or PayPal</a:t>
+              <a:t>Payment options Credit card Or PayPal</a:t>
             </a:r>
           </a:p>
           <a:p>
@@ -10341,12 +9482,14 @@
           </a:p>
           <a:p>
             <a:r>
-              <a:rPr lang="en-GB" dirty="0" smtClean="0"/>
-              <a:t>Functions </a:t>
-            </a:r>
-            <a:r>
               <a:rPr lang="en-GB" dirty="0"/>
-              <a:t>required:</a:t>
+              <a:t>Testing</a:t>
+            </a:r>
+          </a:p>
+          <a:p>
+            <a:r>
+              <a:rPr lang="en-GB" dirty="0"/>
+              <a:t>Functions required:</a:t>
             </a:r>
           </a:p>
           <a:p>
@@ -10375,17 +9518,9 @@
               <a:buChar char="§"/>
             </a:pPr>
             <a:r>
-              <a:rPr lang="en-GB" dirty="0" err="1" smtClean="0"/>
+              <a:rPr lang="en-GB" dirty="0"/>
               <a:t>Receipt.php</a:t>
             </a:r>
-            <a:endParaRPr lang="en-GB" dirty="0" smtClean="0"/>
-          </a:p>
-          <a:p>
-            <a:r>
-              <a:rPr lang="en-GB" dirty="0" smtClean="0"/>
-              <a:t>Testing of functions</a:t>
-            </a:r>
-            <a:endParaRPr lang="en-GB" dirty="0"/>
           </a:p>
           <a:p>
             <a:pPr lvl="1">
@@ -10412,7 +9547,121 @@
 </p:sld>
 </file>
 
-<file path=ppt/slides/slide17.xml><?xml version="1.0" encoding="utf-8"?>
+<file path=ppt/slides/slide18.xml><?xml version="1.0" encoding="utf-8"?>
+<p:sld xmlns:a="http://schemas.openxmlformats.org/drawingml/2006/main" xmlns:r="http://schemas.openxmlformats.org/officeDocument/2006/relationships" xmlns:p="http://schemas.openxmlformats.org/presentationml/2006/main">
+  <p:cSld>
+    <p:spTree>
+      <p:nvGrpSpPr>
+        <p:cNvPr id="1" name=""/>
+        <p:cNvGrpSpPr/>
+        <p:nvPr/>
+      </p:nvGrpSpPr>
+      <p:grpSpPr>
+        <a:xfrm>
+          <a:off x="0" y="0"/>
+          <a:ext cx="0" cy="0"/>
+          <a:chOff x="0" y="0"/>
+          <a:chExt cx="0" cy="0"/>
+        </a:xfrm>
+      </p:grpSpPr>
+      <p:sp>
+        <p:nvSpPr>
+          <p:cNvPr id="2" name="Title 1"/>
+          <p:cNvSpPr>
+            <a:spLocks noGrp="1"/>
+          </p:cNvSpPr>
+          <p:nvPr>
+            <p:ph type="title"/>
+          </p:nvPr>
+        </p:nvSpPr>
+        <p:spPr/>
+        <p:txBody>
+          <a:bodyPr/>
+          <a:lstStyle/>
+          <a:p>
+            <a:r>
+              <a:rPr lang="en-US" dirty="0"/>
+              <a:t>Payment operation</a:t>
+            </a:r>
+            <a:br>
+              <a:rPr lang="en-US" dirty="0"/>
+            </a:br>
+            <a:endParaRPr lang="en-US" dirty="0"/>
+          </a:p>
+        </p:txBody>
+      </p:sp>
+      <p:sp>
+        <p:nvSpPr>
+          <p:cNvPr id="3" name="Content Placeholder 2"/>
+          <p:cNvSpPr>
+            <a:spLocks noGrp="1"/>
+          </p:cNvSpPr>
+          <p:nvPr>
+            <p:ph idx="1"/>
+          </p:nvPr>
+        </p:nvSpPr>
+        <p:spPr/>
+        <p:txBody>
+          <a:bodyPr/>
+          <a:lstStyle/>
+          <a:p>
+            <a:r>
+              <a:rPr lang="en-US" dirty="0"/>
+              <a:t>The main idea of Payment development plan:</a:t>
+            </a:r>
+          </a:p>
+          <a:p>
+            <a:pPr marL="0" indent="0">
+              <a:buNone/>
+            </a:pPr>
+            <a:r>
+              <a:rPr lang="en-US" dirty="0"/>
+              <a:t>	The customer can select a payment option Credit card or PayPal</a:t>
+            </a:r>
+          </a:p>
+          <a:p>
+            <a:pPr marL="0" indent="0">
+              <a:buNone/>
+            </a:pPr>
+            <a:r>
+              <a:rPr lang="en-US" dirty="0"/>
+              <a:t>	select the amount he/she wants to add </a:t>
+            </a:r>
+          </a:p>
+          <a:p>
+            <a:pPr marL="0" indent="0">
+              <a:buNone/>
+            </a:pPr>
+            <a:r>
+              <a:rPr lang="en-US" dirty="0"/>
+              <a:t>	and uses the money to purchase goods from the website</a:t>
+            </a:r>
+          </a:p>
+          <a:p>
+            <a:pPr marL="0" indent="0">
+              <a:buNone/>
+            </a:pPr>
+            <a:r>
+              <a:rPr lang="en-US" dirty="0"/>
+              <a:t>		</a:t>
+            </a:r>
+          </a:p>
+        </p:txBody>
+      </p:sp>
+    </p:spTree>
+    <p:extLst>
+      <p:ext uri="{BB962C8B-B14F-4D97-AF65-F5344CB8AC3E}">
+        <p14:creationId xmlns:p14="http://schemas.microsoft.com/office/powerpoint/2010/main" val="3195211005"/>
+      </p:ext>
+    </p:extLst>
+  </p:cSld>
+  <p:clrMapOvr>
+    <a:masterClrMapping/>
+  </p:clrMapOvr>
+</p:sld>
+</file>
+
+<file path=ppt/slides/slide19.xml><?xml version="1.0" encoding="utf-8"?>
 <p:sld xmlns:a="http://schemas.openxmlformats.org/drawingml/2006/main" xmlns:r="http://schemas.openxmlformats.org/officeDocument/2006/relationships" xmlns:p="http://schemas.openxmlformats.org/presentationml/2006/main">
   <p:cSld>
     <p:spTree>
@@ -10490,7 +9739,101 @@
 </p:sld>
 </file>
 
-<file path=ppt/slides/slide18.xml><?xml version="1.0" encoding="utf-8"?>
+<file path=ppt/slides/slide2.xml><?xml version="1.0" encoding="utf-8"?>
+<p:sld xmlns:a="http://schemas.openxmlformats.org/drawingml/2006/main" xmlns:r="http://schemas.openxmlformats.org/officeDocument/2006/relationships" xmlns:p="http://schemas.openxmlformats.org/presentationml/2006/main">
+  <p:cSld>
+    <p:spTree>
+      <p:nvGrpSpPr>
+        <p:cNvPr id="1" name=""/>
+        <p:cNvGrpSpPr/>
+        <p:nvPr/>
+      </p:nvGrpSpPr>
+      <p:grpSpPr>
+        <a:xfrm>
+          <a:off x="0" y="0"/>
+          <a:ext cx="0" cy="0"/>
+          <a:chOff x="0" y="0"/>
+          <a:chExt cx="0" cy="0"/>
+        </a:xfrm>
+      </p:grpSpPr>
+      <p:sp>
+        <p:nvSpPr>
+          <p:cNvPr id="2" name="Title 1"/>
+          <p:cNvSpPr>
+            <a:spLocks noGrp="1"/>
+          </p:cNvSpPr>
+          <p:nvPr>
+            <p:ph type="title"/>
+          </p:nvPr>
+        </p:nvSpPr>
+        <p:spPr/>
+        <p:txBody>
+          <a:bodyPr/>
+          <a:lstStyle/>
+          <a:p>
+            <a:r>
+              <a:rPr lang="en-GB" dirty="0"/>
+              <a:t>What we chose</a:t>
+            </a:r>
+          </a:p>
+        </p:txBody>
+      </p:sp>
+      <p:sp>
+        <p:nvSpPr>
+          <p:cNvPr id="3" name="Content Placeholder 2"/>
+          <p:cNvSpPr>
+            <a:spLocks noGrp="1"/>
+          </p:cNvSpPr>
+          <p:nvPr>
+            <p:ph idx="1"/>
+          </p:nvPr>
+        </p:nvSpPr>
+        <p:spPr/>
+        <p:txBody>
+          <a:bodyPr/>
+          <a:lstStyle/>
+          <a:p>
+            <a:r>
+              <a:rPr lang="en-GB" dirty="0"/>
+              <a:t>We chose the provided case study for the team project which was to create a software for an on-line supermarket.</a:t>
+            </a:r>
+          </a:p>
+          <a:p>
+            <a:r>
+              <a:rPr lang="en-GB" dirty="0"/>
+              <a:t>The requirement of the case study is to produce a software that meets the four cores, which include loyalty scheme, payment, marketing and supplier interface.</a:t>
+            </a:r>
+          </a:p>
+          <a:p>
+            <a:r>
+              <a:rPr lang="en-GB" dirty="0"/>
+              <a:t>The group is made up five so we produced an additional core which is analytics, </a:t>
+            </a:r>
+            <a:r>
+              <a:rPr lang="en-GB" dirty="0">
+                <a:solidFill>
+                  <a:srgbClr val="FF0000"/>
+                </a:solidFill>
+              </a:rPr>
+              <a:t>which is simply an analysis of the software's performance.</a:t>
+            </a:r>
+          </a:p>
+        </p:txBody>
+      </p:sp>
+    </p:spTree>
+    <p:extLst>
+      <p:ext uri="{BB962C8B-B14F-4D97-AF65-F5344CB8AC3E}">
+        <p14:creationId xmlns:p14="http://schemas.microsoft.com/office/powerpoint/2010/main" val="1898146874"/>
+      </p:ext>
+    </p:extLst>
+  </p:cSld>
+  <p:clrMapOvr>
+    <a:masterClrMapping/>
+  </p:clrMapOvr>
+</p:sld>
+</file>
+
+<file path=ppt/slides/slide20.xml><?xml version="1.0" encoding="utf-8"?>
 <p:sld xmlns:a="http://schemas.openxmlformats.org/drawingml/2006/main" xmlns:r="http://schemas.openxmlformats.org/officeDocument/2006/relationships" xmlns:p="http://schemas.openxmlformats.org/presentationml/2006/main">
   <p:cSld>
     <p:spTree>
@@ -10583,7 +9926,7 @@
 </p:sld>
 </file>
 
-<file path=ppt/slides/slide19.xml><?xml version="1.0" encoding="utf-8"?>
+<file path=ppt/slides/slide21.xml><?xml version="1.0" encoding="utf-8"?>
 <p:sld xmlns:a="http://schemas.openxmlformats.org/drawingml/2006/main" xmlns:r="http://schemas.openxmlformats.org/officeDocument/2006/relationships" xmlns:p="http://schemas.openxmlformats.org/presentationml/2006/main" showMasterSp="0">
   <p:cSld>
     <p:spTree>
@@ -10609,7 +9952,7 @@
           <p:nvPr/>
         </p:nvPicPr>
         <p:blipFill rotWithShape="1">
-          <a:blip r:embed="rId3" cstate="print"/>
+          <a:blip r:embed="rId2" cstate="print"/>
           <a:srcRect l="13846" t="6826" r="14859" b="8889"/>
           <a:stretch/>
         </p:blipFill>
@@ -10636,101 +9979,7 @@
 </p:sld>
 </file>
 
-<file path=ppt/slides/slide2.xml><?xml version="1.0" encoding="utf-8"?>
-<p:sld xmlns:a="http://schemas.openxmlformats.org/drawingml/2006/main" xmlns:r="http://schemas.openxmlformats.org/officeDocument/2006/relationships" xmlns:p="http://schemas.openxmlformats.org/presentationml/2006/main">
-  <p:cSld>
-    <p:spTree>
-      <p:nvGrpSpPr>
-        <p:cNvPr id="1" name=""/>
-        <p:cNvGrpSpPr/>
-        <p:nvPr/>
-      </p:nvGrpSpPr>
-      <p:grpSpPr>
-        <a:xfrm>
-          <a:off x="0" y="0"/>
-          <a:ext cx="0" cy="0"/>
-          <a:chOff x="0" y="0"/>
-          <a:chExt cx="0" cy="0"/>
-        </a:xfrm>
-      </p:grpSpPr>
-      <p:sp>
-        <p:nvSpPr>
-          <p:cNvPr id="2" name="Title 1"/>
-          <p:cNvSpPr>
-            <a:spLocks noGrp="1"/>
-          </p:cNvSpPr>
-          <p:nvPr>
-            <p:ph type="title"/>
-          </p:nvPr>
-        </p:nvSpPr>
-        <p:spPr/>
-        <p:txBody>
-          <a:bodyPr/>
-          <a:lstStyle/>
-          <a:p>
-            <a:r>
-              <a:rPr lang="en-GB" dirty="0"/>
-              <a:t>What we chose</a:t>
-            </a:r>
-          </a:p>
-        </p:txBody>
-      </p:sp>
-      <p:sp>
-        <p:nvSpPr>
-          <p:cNvPr id="3" name="Content Placeholder 2"/>
-          <p:cNvSpPr>
-            <a:spLocks noGrp="1"/>
-          </p:cNvSpPr>
-          <p:nvPr>
-            <p:ph idx="1"/>
-          </p:nvPr>
-        </p:nvSpPr>
-        <p:spPr/>
-        <p:txBody>
-          <a:bodyPr/>
-          <a:lstStyle/>
-          <a:p>
-            <a:r>
-              <a:rPr lang="en-GB" dirty="0"/>
-              <a:t>We chose the provided case study for the team project which was to create a software for an on-line supermarket.</a:t>
-            </a:r>
-          </a:p>
-          <a:p>
-            <a:r>
-              <a:rPr lang="en-GB" dirty="0"/>
-              <a:t>The requirement of the case study is to produce a software that meets the four cores, which include loyalty scheme, payment, marketing and supplier interface.</a:t>
-            </a:r>
-          </a:p>
-          <a:p>
-            <a:r>
-              <a:rPr lang="en-GB" dirty="0"/>
-              <a:t>The group is made up five so we produced an additional core which is analytics, </a:t>
-            </a:r>
-            <a:r>
-              <a:rPr lang="en-GB" dirty="0">
-                <a:solidFill>
-                  <a:srgbClr val="FF0000"/>
-                </a:solidFill>
-              </a:rPr>
-              <a:t>which is simply an analysis of the software's performance.</a:t>
-            </a:r>
-          </a:p>
-        </p:txBody>
-      </p:sp>
-    </p:spTree>
-    <p:extLst>
-      <p:ext uri="{BB962C8B-B14F-4D97-AF65-F5344CB8AC3E}">
-        <p14:creationId xmlns:p14="http://schemas.microsoft.com/office/powerpoint/2010/main" val="1898146874"/>
-      </p:ext>
-    </p:extLst>
-  </p:cSld>
-  <p:clrMapOvr>
-    <a:masterClrMapping/>
-  </p:clrMapOvr>
-</p:sld>
-</file>
-
-<file path=ppt/slides/slide20.xml><?xml version="1.0" encoding="utf-8"?>
+<file path=ppt/slides/slide22.xml><?xml version="1.0" encoding="utf-8"?>
 <p:sld xmlns:a="http://schemas.openxmlformats.org/drawingml/2006/main" xmlns:r="http://schemas.openxmlformats.org/officeDocument/2006/relationships" xmlns:p="http://schemas.openxmlformats.org/presentationml/2006/main">
   <p:cSld>
     <p:spTree>
@@ -11040,7 +10289,7 @@
           <p:nvPr/>
         </p:nvPicPr>
         <p:blipFill>
-          <a:blip r:embed="rId3" cstate="print">
+          <a:blip r:embed="rId2" cstate="print">
             <a:extLst>
               <a:ext uri="{28A0092B-C50C-407E-A947-70E740481C1C}">
                 <a14:useLocalDpi xmlns:a14="http://schemas.microsoft.com/office/drawing/2010/main" val="0"/>
@@ -11219,7 +10468,7 @@
           <p:nvPr/>
         </p:nvPicPr>
         <p:blipFill rotWithShape="1">
-          <a:blip r:embed="rId3" cstate="print">
+          <a:blip r:embed="rId2" cstate="print">
             <a:extLst>
               <a:ext uri="{28A0092B-C50C-407E-A947-70E740481C1C}">
                 <a14:useLocalDpi xmlns:a14="http://schemas.microsoft.com/office/drawing/2010/main" val="0"/>
@@ -11388,10 +10637,6 @@
             <a:pPr marL="0" indent="0">
               <a:buNone/>
             </a:pPr>
-            <a:r>
-              <a:rPr lang="en-GB" dirty="0"/>
-              <a:t/>
-            </a:r>
             <a:br>
               <a:rPr lang="en-GB" dirty="0"/>
             </a:br>
@@ -11440,7 +10685,7 @@
           </p:nvPr>
         </p:nvPicPr>
         <p:blipFill rotWithShape="1">
-          <a:blip r:embed="rId3" cstate="print">
+          <a:blip r:embed="rId2" cstate="print">
             <a:extLst>
               <a:ext uri="{28A0092B-C50C-407E-A947-70E740481C1C}">
                 <a14:useLocalDpi xmlns:a14="http://schemas.microsoft.com/office/drawing/2010/main" val="0"/>
@@ -11638,67 +10883,7 @@
 </p:tagLst>
 </file>
 
-<file path=ppt/tags/tag11.xml><?xml version="1.0" encoding="utf-8"?>
-<p:tagLst xmlns:a="http://schemas.openxmlformats.org/drawingml/2006/main" xmlns:r="http://schemas.openxmlformats.org/officeDocument/2006/relationships" xmlns:p="http://schemas.openxmlformats.org/presentationml/2006/main">
-  <p:tag name="__PE_HAS_URLS" val="oh hey this is notes box, due to this not being an empty string. woot."/>
-</p:tagLst>
-</file>
-
-<file path=ppt/tags/tag12.xml><?xml version="1.0" encoding="utf-8"?>
-<p:tagLst xmlns:a="http://schemas.openxmlformats.org/drawingml/2006/main" xmlns:r="http://schemas.openxmlformats.org/officeDocument/2006/relationships" xmlns:p="http://schemas.openxmlformats.org/presentationml/2006/main">
-  <p:tag name="__PE_HAS_URLS" val="oh hey this is notes box, due to this not being an empty string. woot."/>
-</p:tagLst>
-</file>
-
-<file path=ppt/tags/tag13.xml><?xml version="1.0" encoding="utf-8"?>
-<p:tagLst xmlns:a="http://schemas.openxmlformats.org/drawingml/2006/main" xmlns:r="http://schemas.openxmlformats.org/officeDocument/2006/relationships" xmlns:p="http://schemas.openxmlformats.org/presentationml/2006/main">
-  <p:tag name="__PE_HAS_URLS" val="oh hey this is notes box, due to this not being an empty string. woot."/>
-</p:tagLst>
-</file>
-
-<file path=ppt/tags/tag14.xml><?xml version="1.0" encoding="utf-8"?>
-<p:tagLst xmlns:a="http://schemas.openxmlformats.org/drawingml/2006/main" xmlns:r="http://schemas.openxmlformats.org/officeDocument/2006/relationships" xmlns:p="http://schemas.openxmlformats.org/presentationml/2006/main">
-  <p:tag name="__PE_HAS_URLS" val="oh hey this is notes box, due to this not being an empty string. woot."/>
-</p:tagLst>
-</file>
-
-<file path=ppt/tags/tag15.xml><?xml version="1.0" encoding="utf-8"?>
-<p:tagLst xmlns:a="http://schemas.openxmlformats.org/drawingml/2006/main" xmlns:r="http://schemas.openxmlformats.org/officeDocument/2006/relationships" xmlns:p="http://schemas.openxmlformats.org/presentationml/2006/main">
-  <p:tag name="__PE_HAS_URLS" val="oh hey this is notes box, due to this not being an empty string. woot."/>
-</p:tagLst>
-</file>
-
-<file path=ppt/tags/tag16.xml><?xml version="1.0" encoding="utf-8"?>
-<p:tagLst xmlns:a="http://schemas.openxmlformats.org/drawingml/2006/main" xmlns:r="http://schemas.openxmlformats.org/officeDocument/2006/relationships" xmlns:p="http://schemas.openxmlformats.org/presentationml/2006/main">
-  <p:tag name="__PE_HAS_URLS" val="oh hey this is notes box, due to this not being an empty string. woot."/>
-</p:tagLst>
-</file>
-
-<file path=ppt/tags/tag17.xml><?xml version="1.0" encoding="utf-8"?>
-<p:tagLst xmlns:a="http://schemas.openxmlformats.org/drawingml/2006/main" xmlns:r="http://schemas.openxmlformats.org/officeDocument/2006/relationships" xmlns:p="http://schemas.openxmlformats.org/presentationml/2006/main">
-  <p:tag name="__PE_HAS_URLS" val="oh hey this is notes box, due to this not being an empty string. woot."/>
-</p:tagLst>
-</file>
-
-<file path=ppt/tags/tag18.xml><?xml version="1.0" encoding="utf-8"?>
-<p:tagLst xmlns:a="http://schemas.openxmlformats.org/drawingml/2006/main" xmlns:r="http://schemas.openxmlformats.org/officeDocument/2006/relationships" xmlns:p="http://schemas.openxmlformats.org/presentationml/2006/main">
-  <p:tag name="__PE_HAS_URLS" val="oh hey this is notes box, due to this not being an empty string. woot."/>
-</p:tagLst>
-</file>
-
-<file path=ppt/tags/tag19.xml><?xml version="1.0" encoding="utf-8"?>
-<p:tagLst xmlns:a="http://schemas.openxmlformats.org/drawingml/2006/main" xmlns:r="http://schemas.openxmlformats.org/officeDocument/2006/relationships" xmlns:p="http://schemas.openxmlformats.org/presentationml/2006/main">
-  <p:tag name="__PE_HAS_URLS" val="oh hey this is notes box, due to this not being an empty string. woot."/>
-</p:tagLst>
-</file>
-
 <file path=ppt/tags/tag2.xml><?xml version="1.0" encoding="utf-8"?>
-<p:tagLst xmlns:a="http://schemas.openxmlformats.org/drawingml/2006/main" xmlns:r="http://schemas.openxmlformats.org/officeDocument/2006/relationships" xmlns:p="http://schemas.openxmlformats.org/presentationml/2006/main">
-  <p:tag name="__PE_HAS_URLS" val="oh hey this is notes box, due to this not being an empty string. woot."/>
-</p:tagLst>
-</file>
-
-<file path=ppt/tags/tag20.xml><?xml version="1.0" encoding="utf-8"?>
 <p:tagLst xmlns:a="http://schemas.openxmlformats.org/drawingml/2006/main" xmlns:r="http://schemas.openxmlformats.org/officeDocument/2006/relationships" xmlns:p="http://schemas.openxmlformats.org/presentationml/2006/main">
   <p:tag name="__PE_HAS_URLS" val="oh hey this is notes box, due to this not being an empty string. woot."/>
 </p:tagLst>
